--- a/Lean/Projects/06. Divisibility in rings (Algebra 1)/powerpoint/Lean Präsentation version 08.07.pptx
+++ b/Lean/Projects/06. Divisibility in rings (Algebra 1)/powerpoint/Lean Präsentation version 08.07.pptx
@@ -5,39 +5,41 @@
     <p:sldMasterId id="2147483648" r:id="rId1"/>
   </p:sldMasterIdLst>
   <p:notesMasterIdLst>
-    <p:notesMasterId r:id="rId32"/>
+    <p:notesMasterId r:id="rId34"/>
   </p:notesMasterIdLst>
   <p:sldIdLst>
     <p:sldId id="256" r:id="rId2"/>
     <p:sldId id="257" r:id="rId3"/>
     <p:sldId id="258" r:id="rId4"/>
-    <p:sldId id="259" r:id="rId5"/>
-    <p:sldId id="260" r:id="rId6"/>
-    <p:sldId id="261" r:id="rId7"/>
-    <p:sldId id="262" r:id="rId8"/>
-    <p:sldId id="263" r:id="rId9"/>
-    <p:sldId id="264" r:id="rId10"/>
-    <p:sldId id="265" r:id="rId11"/>
-    <p:sldId id="266" r:id="rId12"/>
-    <p:sldId id="267" r:id="rId13"/>
-    <p:sldId id="268" r:id="rId14"/>
-    <p:sldId id="269" r:id="rId15"/>
-    <p:sldId id="270" r:id="rId16"/>
-    <p:sldId id="271" r:id="rId17"/>
-    <p:sldId id="272" r:id="rId18"/>
-    <p:sldId id="273" r:id="rId19"/>
-    <p:sldId id="275" r:id="rId20"/>
-    <p:sldId id="274" r:id="rId21"/>
-    <p:sldId id="276" r:id="rId22"/>
-    <p:sldId id="277" r:id="rId23"/>
-    <p:sldId id="278" r:id="rId24"/>
-    <p:sldId id="280" r:id="rId25"/>
-    <p:sldId id="281" r:id="rId26"/>
-    <p:sldId id="279" r:id="rId27"/>
-    <p:sldId id="282" r:id="rId28"/>
-    <p:sldId id="283" r:id="rId29"/>
-    <p:sldId id="284" r:id="rId30"/>
-    <p:sldId id="285" r:id="rId31"/>
+    <p:sldId id="287" r:id="rId5"/>
+    <p:sldId id="259" r:id="rId6"/>
+    <p:sldId id="260" r:id="rId7"/>
+    <p:sldId id="261" r:id="rId8"/>
+    <p:sldId id="262" r:id="rId9"/>
+    <p:sldId id="263" r:id="rId10"/>
+    <p:sldId id="289" r:id="rId11"/>
+    <p:sldId id="264" r:id="rId12"/>
+    <p:sldId id="265" r:id="rId13"/>
+    <p:sldId id="266" r:id="rId14"/>
+    <p:sldId id="267" r:id="rId15"/>
+    <p:sldId id="268" r:id="rId16"/>
+    <p:sldId id="269" r:id="rId17"/>
+    <p:sldId id="270" r:id="rId18"/>
+    <p:sldId id="271" r:id="rId19"/>
+    <p:sldId id="272" r:id="rId20"/>
+    <p:sldId id="273" r:id="rId21"/>
+    <p:sldId id="275" r:id="rId22"/>
+    <p:sldId id="274" r:id="rId23"/>
+    <p:sldId id="276" r:id="rId24"/>
+    <p:sldId id="277" r:id="rId25"/>
+    <p:sldId id="278" r:id="rId26"/>
+    <p:sldId id="280" r:id="rId27"/>
+    <p:sldId id="281" r:id="rId28"/>
+    <p:sldId id="279" r:id="rId29"/>
+    <p:sldId id="282" r:id="rId30"/>
+    <p:sldId id="283" r:id="rId31"/>
+    <p:sldId id="284" r:id="rId32"/>
+    <p:sldId id="285" r:id="rId33"/>
   </p:sldIdLst>
   <p:sldSz cx="12192000" cy="6858000"/>
   <p:notesSz cx="6858000" cy="9144000"/>
@@ -148,11 +150,13 @@
           <p14:sldIdLst>
             <p14:sldId id="257"/>
             <p14:sldId id="258"/>
+            <p14:sldId id="287"/>
             <p14:sldId id="259"/>
             <p14:sldId id="260"/>
             <p14:sldId id="261"/>
             <p14:sldId id="262"/>
             <p14:sldId id="263"/>
+            <p14:sldId id="289"/>
           </p14:sldIdLst>
         </p14:section>
         <p14:section name="Lemmas" id="{338FB649-B29D-F541-9043-038533D60E00}">
@@ -3336,11 +3340,11 @@
     <dgm:cxn modelId="{DB56AF27-0237-6741-91F2-83123E226E8B}" type="presOf" srcId="{EB7F7850-9240-CF40-8E7D-600829B7B227}" destId="{8873FF02-4AE2-1342-BF78-128103AF9709}" srcOrd="0" destOrd="0" presId="urn:microsoft.com/office/officeart/2005/8/layout/vProcess5"/>
     <dgm:cxn modelId="{ACEA3A2D-CEB4-B04C-BAD8-3628A52348D6}" type="presOf" srcId="{09B9F7A4-FDB2-844F-B434-40123068A305}" destId="{926E5EB9-CE02-4D4A-8F23-91F0387BF213}" srcOrd="0" destOrd="0" presId="urn:microsoft.com/office/officeart/2005/8/layout/vProcess5"/>
     <dgm:cxn modelId="{F0919B3C-A979-8147-9D1C-1E23CFF22B07}" srcId="{C7DB9FB6-EE48-714F-91FF-5B6F416416AF}" destId="{DDB5E434-50E3-5946-A15B-669CA386A2D5}" srcOrd="2" destOrd="0" parTransId="{ED5D6DFA-1321-5742-AB8B-C7B0472D5ADC}" sibTransId="{09B9F7A4-FDB2-844F-B434-40123068A305}"/>
+    <dgm:cxn modelId="{EA8BFA60-18CD-5F41-8439-B5962D875698}" type="presOf" srcId="{3914E621-82B2-DB4F-AEA2-5445DDE00A7F}" destId="{24F15F2E-8FAE-2A4B-93FE-0F3D53A0F862}" srcOrd="1" destOrd="0" presId="urn:microsoft.com/office/officeart/2005/8/layout/vProcess5"/>
     <dgm:cxn modelId="{D031AA44-77C4-F84B-B9BC-896F446E2862}" type="presOf" srcId="{C7DB9FB6-EE48-714F-91FF-5B6F416416AF}" destId="{E2420628-8285-204C-A676-B60367D36F51}" srcOrd="0" destOrd="0" presId="urn:microsoft.com/office/officeart/2005/8/layout/vProcess5"/>
+    <dgm:cxn modelId="{797D6D71-16C2-2D43-A689-781E6F89A145}" type="presOf" srcId="{78A12897-4D99-CD47-B593-07E19FFC46C2}" destId="{871D1764-C75A-C144-850A-8DD847871EF3}" srcOrd="1" destOrd="0" presId="urn:microsoft.com/office/officeart/2005/8/layout/vProcess5"/>
     <dgm:cxn modelId="{4C8A7952-B6CD-A743-A105-187ED7498A00}" type="presOf" srcId="{DDB5E434-50E3-5946-A15B-669CA386A2D5}" destId="{82560AB0-6C3A-624F-A9FD-2AD1E9561368}" srcOrd="1" destOrd="0" presId="urn:microsoft.com/office/officeart/2005/8/layout/vProcess5"/>
     <dgm:cxn modelId="{79E52758-DE3E-6940-92F4-FB748276E4DE}" srcId="{C7DB9FB6-EE48-714F-91FF-5B6F416416AF}" destId="{412A40EB-FC3C-CB49-8C0A-01DB998EAF38}" srcOrd="0" destOrd="0" parTransId="{5219CDBF-643A-B642-AA48-BB88A4081D18}" sibTransId="{EB7F7850-9240-CF40-8E7D-600829B7B227}"/>
-    <dgm:cxn modelId="{EA8BFA60-18CD-5F41-8439-B5962D875698}" type="presOf" srcId="{3914E621-82B2-DB4F-AEA2-5445DDE00A7F}" destId="{24F15F2E-8FAE-2A4B-93FE-0F3D53A0F862}" srcOrd="1" destOrd="0" presId="urn:microsoft.com/office/officeart/2005/8/layout/vProcess5"/>
-    <dgm:cxn modelId="{797D6D71-16C2-2D43-A689-781E6F89A145}" type="presOf" srcId="{78A12897-4D99-CD47-B593-07E19FFC46C2}" destId="{871D1764-C75A-C144-850A-8DD847871EF3}" srcOrd="1" destOrd="0" presId="urn:microsoft.com/office/officeart/2005/8/layout/vProcess5"/>
     <dgm:cxn modelId="{FC9EB779-3C5B-4B46-B230-384ED2E23BE0}" srcId="{C7DB9FB6-EE48-714F-91FF-5B6F416416AF}" destId="{E173CA22-67F5-C44C-AC86-390A0094675D}" srcOrd="4" destOrd="0" parTransId="{311C1C5D-1726-AB48-BD6B-D11E6C2D75FF}" sibTransId="{376DAED3-B593-714B-A632-BF825BD5F395}"/>
     <dgm:cxn modelId="{75851B8B-242D-854E-8B50-9A784678305D}" srcId="{C7DB9FB6-EE48-714F-91FF-5B6F416416AF}" destId="{78A12897-4D99-CD47-B593-07E19FFC46C2}" srcOrd="1" destOrd="0" parTransId="{49F52918-74E3-4241-A247-F19B1516CCA6}" sibTransId="{B94136AF-107B-8041-A72C-76F146A7E77A}"/>
     <dgm:cxn modelId="{58416893-7D85-824F-942D-0F3CB64F07B6}" srcId="{C7DB9FB6-EE48-714F-91FF-5B6F416416AF}" destId="{3914E621-82B2-DB4F-AEA2-5445DDE00A7F}" srcOrd="3" destOrd="0" parTransId="{04C95D65-8E69-9D43-B76E-EF2BB2A5C9A9}" sibTransId="{8C3A6A10-5424-3348-BD17-604E15AEFCAA}"/>
@@ -11133,7 +11137,7 @@
           <a:p>
             <a:fld id="{CC0DD35F-B965-47CE-BD4A-D89FF761F1A3}" type="datetimeFigureOut">
               <a:rPr lang="ru-RU" smtClean="0"/>
-              <a:t>08.07.2024</a:t>
+              <a:t>15.07.2024</a:t>
             </a:fld>
             <a:endParaRPr lang="ru-RU"/>
           </a:p>
@@ -11292,7 +11296,7 @@
           <a:p>
             <a:fld id="{E83B46F8-548B-4512-8339-D02880C0FDF7}" type="slidenum">
               <a:rPr lang="ru-RU" smtClean="0"/>
-              <a:t>‹Nr.›</a:t>
+              <a:t>‹#›</a:t>
             </a:fld>
             <a:endParaRPr lang="ru-RU"/>
           </a:p>
@@ -11609,7 +11613,7 @@
           <a:p>
             <a:fld id="{E83B46F8-548B-4512-8339-D02880C0FDF7}" type="slidenum">
               <a:rPr lang="ru-RU" smtClean="0"/>
-              <a:t>10</a:t>
+              <a:t>12</a:t>
             </a:fld>
             <a:endParaRPr lang="ru-RU"/>
           </a:p>
@@ -11733,7 +11737,7 @@
           <a:p>
             <a:fld id="{E83B46F8-548B-4512-8339-D02880C0FDF7}" type="slidenum">
               <a:rPr lang="ru-RU" smtClean="0"/>
-              <a:t>20</a:t>
+              <a:t>22</a:t>
             </a:fld>
             <a:endParaRPr lang="ru-RU"/>
           </a:p>
@@ -11877,7 +11881,7 @@
           <a:p>
             <a:fld id="{E83B46F8-548B-4512-8339-D02880C0FDF7}" type="slidenum">
               <a:rPr lang="ru-RU" smtClean="0"/>
-              <a:t>11</a:t>
+              <a:t>13</a:t>
             </a:fld>
             <a:endParaRPr lang="ru-RU"/>
           </a:p>
@@ -12041,7 +12045,7 @@
           <a:p>
             <a:fld id="{E83B46F8-548B-4512-8339-D02880C0FDF7}" type="slidenum">
               <a:rPr lang="ru-RU" smtClean="0"/>
-              <a:t>12</a:t>
+              <a:t>14</a:t>
             </a:fld>
             <a:endParaRPr lang="ru-RU"/>
           </a:p>
@@ -12245,7 +12249,7 @@
           <a:p>
             <a:fld id="{E83B46F8-548B-4512-8339-D02880C0FDF7}" type="slidenum">
               <a:rPr lang="ru-RU" smtClean="0"/>
-              <a:t>13</a:t>
+              <a:t>15</a:t>
             </a:fld>
             <a:endParaRPr lang="ru-RU"/>
           </a:p>
@@ -12469,7 +12473,7 @@
           <a:p>
             <a:fld id="{E83B46F8-548B-4512-8339-D02880C0FDF7}" type="slidenum">
               <a:rPr lang="ru-RU" smtClean="0"/>
-              <a:t>14</a:t>
+              <a:t>16</a:t>
             </a:fld>
             <a:endParaRPr lang="ru-RU"/>
           </a:p>
@@ -12746,7 +12750,7 @@
           <a:p>
             <a:fld id="{E83B46F8-548B-4512-8339-D02880C0FDF7}" type="slidenum">
               <a:rPr lang="ru-RU" smtClean="0"/>
-              <a:t>15</a:t>
+              <a:t>17</a:t>
             </a:fld>
             <a:endParaRPr lang="ru-RU"/>
           </a:p>
@@ -12993,7 +12997,7 @@
           <a:p>
             <a:fld id="{E83B46F8-548B-4512-8339-D02880C0FDF7}" type="slidenum">
               <a:rPr lang="ru-RU" smtClean="0"/>
-              <a:t>17</a:t>
+              <a:t>19</a:t>
             </a:fld>
             <a:endParaRPr lang="ru-RU"/>
           </a:p>
@@ -13117,7 +13121,7 @@
           <a:p>
             <a:fld id="{E83B46F8-548B-4512-8339-D02880C0FDF7}" type="slidenum">
               <a:rPr lang="ru-RU" smtClean="0"/>
-              <a:t>18</a:t>
+              <a:t>20</a:t>
             </a:fld>
             <a:endParaRPr lang="ru-RU"/>
           </a:p>
@@ -13241,7 +13245,7 @@
           <a:p>
             <a:fld id="{E83B46F8-548B-4512-8339-D02880C0FDF7}" type="slidenum">
               <a:rPr lang="ru-RU" smtClean="0"/>
-              <a:t>19</a:t>
+              <a:t>21</a:t>
             </a:fld>
             <a:endParaRPr lang="ru-RU"/>
           </a:p>
@@ -13409,7 +13413,7 @@
           <a:p>
             <a:fld id="{A300FBE8-F5A7-4EBF-8377-F4F3D2E45B4D}" type="datetimeFigureOut">
               <a:rPr lang="ru-RU" smtClean="0"/>
-              <a:t>08.07.2024</a:t>
+              <a:t>15.07.2024</a:t>
             </a:fld>
             <a:endParaRPr lang="ru-RU"/>
           </a:p>
@@ -13463,7 +13467,7 @@
           <a:p>
             <a:fld id="{F1CCA4BB-FF5E-4DA4-937F-4DABE3DCBC99}" type="slidenum">
               <a:rPr lang="ru-RU" smtClean="0"/>
-              <a:t>‹Nr.›</a:t>
+              <a:t>‹#›</a:t>
             </a:fld>
             <a:endParaRPr lang="ru-RU"/>
           </a:p>
@@ -13609,7 +13613,7 @@
           <a:p>
             <a:fld id="{A300FBE8-F5A7-4EBF-8377-F4F3D2E45B4D}" type="datetimeFigureOut">
               <a:rPr lang="ru-RU" smtClean="0"/>
-              <a:t>08.07.2024</a:t>
+              <a:t>15.07.2024</a:t>
             </a:fld>
             <a:endParaRPr lang="ru-RU"/>
           </a:p>
@@ -13663,7 +13667,7 @@
           <a:p>
             <a:fld id="{F1CCA4BB-FF5E-4DA4-937F-4DABE3DCBC99}" type="slidenum">
               <a:rPr lang="ru-RU" smtClean="0"/>
-              <a:t>‹Nr.›</a:t>
+              <a:t>‹#›</a:t>
             </a:fld>
             <a:endParaRPr lang="ru-RU"/>
           </a:p>
@@ -13819,7 +13823,7 @@
           <a:p>
             <a:fld id="{A300FBE8-F5A7-4EBF-8377-F4F3D2E45B4D}" type="datetimeFigureOut">
               <a:rPr lang="ru-RU" smtClean="0"/>
-              <a:t>08.07.2024</a:t>
+              <a:t>15.07.2024</a:t>
             </a:fld>
             <a:endParaRPr lang="ru-RU"/>
           </a:p>
@@ -13873,7 +13877,7 @@
           <a:p>
             <a:fld id="{F1CCA4BB-FF5E-4DA4-937F-4DABE3DCBC99}" type="slidenum">
               <a:rPr lang="ru-RU" smtClean="0"/>
-              <a:t>‹Nr.›</a:t>
+              <a:t>‹#›</a:t>
             </a:fld>
             <a:endParaRPr lang="ru-RU"/>
           </a:p>
@@ -14019,7 +14023,7 @@
           <a:p>
             <a:fld id="{A300FBE8-F5A7-4EBF-8377-F4F3D2E45B4D}" type="datetimeFigureOut">
               <a:rPr lang="ru-RU" smtClean="0"/>
-              <a:t>08.07.2024</a:t>
+              <a:t>15.07.2024</a:t>
             </a:fld>
             <a:endParaRPr lang="ru-RU"/>
           </a:p>
@@ -14073,7 +14077,7 @@
           <a:p>
             <a:fld id="{F1CCA4BB-FF5E-4DA4-937F-4DABE3DCBC99}" type="slidenum">
               <a:rPr lang="ru-RU" smtClean="0"/>
-              <a:t>‹Nr.›</a:t>
+              <a:t>‹#›</a:t>
             </a:fld>
             <a:endParaRPr lang="ru-RU"/>
           </a:p>
@@ -14295,7 +14299,7 @@
           <a:p>
             <a:fld id="{A300FBE8-F5A7-4EBF-8377-F4F3D2E45B4D}" type="datetimeFigureOut">
               <a:rPr lang="ru-RU" smtClean="0"/>
-              <a:t>08.07.2024</a:t>
+              <a:t>15.07.2024</a:t>
             </a:fld>
             <a:endParaRPr lang="ru-RU"/>
           </a:p>
@@ -14349,7 +14353,7 @@
           <a:p>
             <a:fld id="{F1CCA4BB-FF5E-4DA4-937F-4DABE3DCBC99}" type="slidenum">
               <a:rPr lang="ru-RU" smtClean="0"/>
-              <a:t>‹Nr.›</a:t>
+              <a:t>‹#›</a:t>
             </a:fld>
             <a:endParaRPr lang="ru-RU"/>
           </a:p>
@@ -14563,7 +14567,7 @@
           <a:p>
             <a:fld id="{A300FBE8-F5A7-4EBF-8377-F4F3D2E45B4D}" type="datetimeFigureOut">
               <a:rPr lang="ru-RU" smtClean="0"/>
-              <a:t>08.07.2024</a:t>
+              <a:t>15.07.2024</a:t>
             </a:fld>
             <a:endParaRPr lang="ru-RU"/>
           </a:p>
@@ -14617,7 +14621,7 @@
           <a:p>
             <a:fld id="{F1CCA4BB-FF5E-4DA4-937F-4DABE3DCBC99}" type="slidenum">
               <a:rPr lang="ru-RU" smtClean="0"/>
-              <a:t>‹Nr.›</a:t>
+              <a:t>‹#›</a:t>
             </a:fld>
             <a:endParaRPr lang="ru-RU"/>
           </a:p>
@@ -14978,7 +14982,7 @@
           <a:p>
             <a:fld id="{A300FBE8-F5A7-4EBF-8377-F4F3D2E45B4D}" type="datetimeFigureOut">
               <a:rPr lang="ru-RU" smtClean="0"/>
-              <a:t>08.07.2024</a:t>
+              <a:t>15.07.2024</a:t>
             </a:fld>
             <a:endParaRPr lang="ru-RU"/>
           </a:p>
@@ -15032,7 +15036,7 @@
           <a:p>
             <a:fld id="{F1CCA4BB-FF5E-4DA4-937F-4DABE3DCBC99}" type="slidenum">
               <a:rPr lang="ru-RU" smtClean="0"/>
-              <a:t>‹Nr.›</a:t>
+              <a:t>‹#›</a:t>
             </a:fld>
             <a:endParaRPr lang="ru-RU"/>
           </a:p>
@@ -15120,7 +15124,7 @@
           <a:p>
             <a:fld id="{A300FBE8-F5A7-4EBF-8377-F4F3D2E45B4D}" type="datetimeFigureOut">
               <a:rPr lang="ru-RU" smtClean="0"/>
-              <a:t>08.07.2024</a:t>
+              <a:t>15.07.2024</a:t>
             </a:fld>
             <a:endParaRPr lang="ru-RU"/>
           </a:p>
@@ -15174,7 +15178,7 @@
           <a:p>
             <a:fld id="{F1CCA4BB-FF5E-4DA4-937F-4DABE3DCBC99}" type="slidenum">
               <a:rPr lang="ru-RU" smtClean="0"/>
-              <a:t>‹Nr.›</a:t>
+              <a:t>‹#›</a:t>
             </a:fld>
             <a:endParaRPr lang="ru-RU"/>
           </a:p>
@@ -15233,7 +15237,7 @@
           <a:p>
             <a:fld id="{A300FBE8-F5A7-4EBF-8377-F4F3D2E45B4D}" type="datetimeFigureOut">
               <a:rPr lang="ru-RU" smtClean="0"/>
-              <a:t>08.07.2024</a:t>
+              <a:t>15.07.2024</a:t>
             </a:fld>
             <a:endParaRPr lang="ru-RU"/>
           </a:p>
@@ -15287,7 +15291,7 @@
           <a:p>
             <a:fld id="{F1CCA4BB-FF5E-4DA4-937F-4DABE3DCBC99}" type="slidenum">
               <a:rPr lang="ru-RU" smtClean="0"/>
-              <a:t>‹Nr.›</a:t>
+              <a:t>‹#›</a:t>
             </a:fld>
             <a:endParaRPr lang="ru-RU"/>
           </a:p>
@@ -15546,7 +15550,7 @@
           <a:p>
             <a:fld id="{A300FBE8-F5A7-4EBF-8377-F4F3D2E45B4D}" type="datetimeFigureOut">
               <a:rPr lang="ru-RU" smtClean="0"/>
-              <a:t>08.07.2024</a:t>
+              <a:t>15.07.2024</a:t>
             </a:fld>
             <a:endParaRPr lang="ru-RU"/>
           </a:p>
@@ -15600,7 +15604,7 @@
           <a:p>
             <a:fld id="{F1CCA4BB-FF5E-4DA4-937F-4DABE3DCBC99}" type="slidenum">
               <a:rPr lang="ru-RU" smtClean="0"/>
-              <a:t>‹Nr.›</a:t>
+              <a:t>‹#›</a:t>
             </a:fld>
             <a:endParaRPr lang="ru-RU"/>
           </a:p>
@@ -15835,7 +15839,7 @@
           <a:p>
             <a:fld id="{A300FBE8-F5A7-4EBF-8377-F4F3D2E45B4D}" type="datetimeFigureOut">
               <a:rPr lang="ru-RU" smtClean="0"/>
-              <a:t>08.07.2024</a:t>
+              <a:t>15.07.2024</a:t>
             </a:fld>
             <a:endParaRPr lang="ru-RU"/>
           </a:p>
@@ -15889,7 +15893,7 @@
           <a:p>
             <a:fld id="{F1CCA4BB-FF5E-4DA4-937F-4DABE3DCBC99}" type="slidenum">
               <a:rPr lang="ru-RU" smtClean="0"/>
-              <a:t>‹Nr.›</a:t>
+              <a:t>‹#›</a:t>
             </a:fld>
             <a:endParaRPr lang="ru-RU"/>
           </a:p>
@@ -16078,7 +16082,7 @@
           <a:p>
             <a:fld id="{A300FBE8-F5A7-4EBF-8377-F4F3D2E45B4D}" type="datetimeFigureOut">
               <a:rPr lang="ru-RU" smtClean="0"/>
-              <a:t>08.07.2024</a:t>
+              <a:t>15.07.2024</a:t>
             </a:fld>
             <a:endParaRPr lang="ru-RU"/>
           </a:p>
@@ -16168,7 +16172,7 @@
           <a:p>
             <a:fld id="{F1CCA4BB-FF5E-4DA4-937F-4DABE3DCBC99}" type="slidenum">
               <a:rPr lang="ru-RU" smtClean="0"/>
-              <a:t>‹Nr.›</a:t>
+              <a:t>‹#›</a:t>
             </a:fld>
             <a:endParaRPr lang="ru-RU"/>
           </a:p>
@@ -16769,6 +16773,421 @@
                 <a:ea typeface="+mj-lt"/>
                 <a:cs typeface="Arial"/>
               </a:rPr>
+              <a:t>Definition 6. </a:t>
+            </a:r>
+            <a:r>
+              <a:rPr lang="en-US" dirty="0" err="1">
+                <a:latin typeface="Arial"/>
+                <a:ea typeface="+mj-lt"/>
+                <a:cs typeface="Arial"/>
+              </a:rPr>
+              <a:t>IsFactorialRing</a:t>
+            </a:r>
+            <a:r>
+              <a:rPr lang="en-US" dirty="0">
+                <a:latin typeface="Arial"/>
+                <a:ea typeface="+mj-lt"/>
+                <a:cs typeface="Arial"/>
+              </a:rPr>
+              <a:t>: Lean </a:t>
+            </a:r>
+          </a:p>
+        </p:txBody>
+      </p:sp>
+      <p:sp>
+        <p:nvSpPr>
+          <p:cNvPr id="3" name="Text Placeholder 2">
+            <a:extLst>
+              <a:ext uri="{FF2B5EF4-FFF2-40B4-BE49-F238E27FC236}">
+                <a16:creationId xmlns:a16="http://schemas.microsoft.com/office/drawing/2014/main" id="{44DB5DAF-246B-D13B-FB39-0953937F33A2}"/>
+              </a:ext>
+            </a:extLst>
+          </p:cNvPr>
+          <p:cNvSpPr>
+            <a:spLocks noGrp="1"/>
+          </p:cNvSpPr>
+          <p:nvPr>
+            <p:ph type="body" idx="1"/>
+          </p:nvPr>
+        </p:nvSpPr>
+        <p:spPr/>
+        <p:txBody>
+          <a:bodyPr>
+            <a:normAutofit/>
+          </a:bodyPr>
+          <a:lstStyle/>
+          <a:p>
+            <a:r>
+              <a:rPr lang="en-US" sz="2800" dirty="0">
+                <a:latin typeface="Arial"/>
+                <a:cs typeface="Arial"/>
+              </a:rPr>
+              <a:t>Mathematical expression</a:t>
+            </a:r>
+          </a:p>
+        </p:txBody>
+      </p:sp>
+      <p:sp>
+        <p:nvSpPr>
+          <p:cNvPr id="4" name="Content Placeholder 3">
+            <a:extLst>
+              <a:ext uri="{FF2B5EF4-FFF2-40B4-BE49-F238E27FC236}">
+                <a16:creationId xmlns:a16="http://schemas.microsoft.com/office/drawing/2014/main" id="{3782A5E3-9F61-0795-62E3-45ADFBE6C2E4}"/>
+              </a:ext>
+            </a:extLst>
+          </p:cNvPr>
+          <p:cNvSpPr>
+            <a:spLocks noGrp="1"/>
+          </p:cNvSpPr>
+          <p:nvPr>
+            <p:ph sz="half" idx="2"/>
+          </p:nvPr>
+        </p:nvSpPr>
+        <p:spPr/>
+        <p:txBody>
+          <a:bodyPr vert="horz" lIns="91440" tIns="45720" rIns="91440" bIns="45720" rtlCol="0" anchor="t">
+            <a:normAutofit/>
+          </a:bodyPr>
+          <a:lstStyle/>
+          <a:p>
+            <a:pPr marL="0" indent="0">
+              <a:buNone/>
+            </a:pPr>
+            <a:endParaRPr lang="en-US" dirty="0"/>
+          </a:p>
+        </p:txBody>
+      </p:sp>
+      <p:sp>
+        <p:nvSpPr>
+          <p:cNvPr id="5" name="Text Placeholder 4">
+            <a:extLst>
+              <a:ext uri="{FF2B5EF4-FFF2-40B4-BE49-F238E27FC236}">
+                <a16:creationId xmlns:a16="http://schemas.microsoft.com/office/drawing/2014/main" id="{0A2D9080-22B3-AADC-3BEA-74444571DCF2}"/>
+              </a:ext>
+            </a:extLst>
+          </p:cNvPr>
+          <p:cNvSpPr>
+            <a:spLocks noGrp="1"/>
+          </p:cNvSpPr>
+          <p:nvPr>
+            <p:ph type="body" sz="quarter" idx="3"/>
+          </p:nvPr>
+        </p:nvSpPr>
+        <p:spPr/>
+        <p:txBody>
+          <a:bodyPr>
+            <a:normAutofit/>
+          </a:bodyPr>
+          <a:lstStyle/>
+          <a:p>
+            <a:r>
+              <a:rPr lang="en-US" sz="2800" dirty="0">
+                <a:latin typeface="Arial"/>
+                <a:cs typeface="Arial"/>
+              </a:rPr>
+              <a:t>Lean code:</a:t>
+            </a:r>
+          </a:p>
+        </p:txBody>
+      </p:sp>
+      <p:cxnSp>
+        <p:nvCxnSpPr>
+          <p:cNvPr id="7" name="Straight Arrow Connector 6">
+            <a:extLst>
+              <a:ext uri="{FF2B5EF4-FFF2-40B4-BE49-F238E27FC236}">
+                <a16:creationId xmlns:a16="http://schemas.microsoft.com/office/drawing/2014/main" id="{117C265A-E846-ABCA-5BE1-6CD3CF34A694}"/>
+              </a:ext>
+            </a:extLst>
+          </p:cNvPr>
+          <p:cNvCxnSpPr/>
+          <p:nvPr/>
+        </p:nvCxnSpPr>
+        <p:spPr>
+          <a:xfrm>
+            <a:off x="845438" y="1698962"/>
+            <a:ext cx="10513896" cy="3406"/>
+          </a:xfrm>
+          <a:prstGeom prst="straightConnector1">
+            <a:avLst/>
+          </a:prstGeom>
+          <a:ln>
+            <a:solidFill>
+              <a:schemeClr val="tx1"/>
+            </a:solidFill>
+          </a:ln>
+        </p:spPr>
+        <p:style>
+          <a:lnRef idx="2">
+            <a:schemeClr val="accent1"/>
+          </a:lnRef>
+          <a:fillRef idx="0">
+            <a:schemeClr val="accent1"/>
+          </a:fillRef>
+          <a:effectRef idx="1">
+            <a:schemeClr val="accent1"/>
+          </a:effectRef>
+          <a:fontRef idx="minor">
+            <a:schemeClr val="tx1"/>
+          </a:fontRef>
+        </p:style>
+      </p:cxnSp>
+      <p:sp>
+        <p:nvSpPr>
+          <p:cNvPr id="10" name="Content Placeholder 9">
+            <a:extLst>
+              <a:ext uri="{FF2B5EF4-FFF2-40B4-BE49-F238E27FC236}">
+                <a16:creationId xmlns:a16="http://schemas.microsoft.com/office/drawing/2014/main" id="{D23A30F9-68E2-905C-23BD-F87C03C0C83F}"/>
+              </a:ext>
+            </a:extLst>
+          </p:cNvPr>
+          <p:cNvSpPr>
+            <a:spLocks noGrp="1"/>
+          </p:cNvSpPr>
+          <p:nvPr>
+            <p:ph sz="quarter" idx="4"/>
+          </p:nvPr>
+        </p:nvSpPr>
+        <p:spPr/>
+        <p:txBody>
+          <a:bodyPr/>
+          <a:lstStyle/>
+          <a:p>
+            <a:pPr marL="0" indent="0">
+              <a:buNone/>
+            </a:pPr>
+            <a:r>
+              <a:rPr lang="en-US" dirty="0"/>
+              <a:t>for it…</a:t>
+            </a:r>
+            <a:endParaRPr lang="ru-RU" dirty="0"/>
+          </a:p>
+        </p:txBody>
+      </p:sp>
+      <p:pic>
+        <p:nvPicPr>
+          <p:cNvPr id="6" name="Picture 5">
+            <a:extLst>
+              <a:ext uri="{FF2B5EF4-FFF2-40B4-BE49-F238E27FC236}">
+                <a16:creationId xmlns:a16="http://schemas.microsoft.com/office/drawing/2014/main" id="{D7D0BA27-ED70-1EBA-FAF3-36002C04220C}"/>
+              </a:ext>
+            </a:extLst>
+          </p:cNvPr>
+          <p:cNvPicPr>
+            <a:picLocks noChangeAspect="1"/>
+          </p:cNvPicPr>
+          <p:nvPr/>
+        </p:nvPicPr>
+        <p:blipFill>
+          <a:blip r:embed="rId2"/>
+          <a:stretch>
+            <a:fillRect/>
+          </a:stretch>
+        </p:blipFill>
+        <p:spPr>
+          <a:xfrm>
+            <a:off x="109148" y="1934993"/>
+            <a:ext cx="12082852" cy="3850742"/>
+          </a:xfrm>
+          <a:prstGeom prst="rect">
+            <a:avLst/>
+          </a:prstGeom>
+        </p:spPr>
+      </p:pic>
+    </p:spTree>
+    <p:extLst>
+      <p:ext uri="{BB962C8B-B14F-4D97-AF65-F5344CB8AC3E}">
+        <p14:creationId xmlns:p14="http://schemas.microsoft.com/office/powerpoint/2010/main" val="2444284641"/>
+      </p:ext>
+    </p:extLst>
+  </p:cSld>
+  <p:clrMapOvr>
+    <a:masterClrMapping/>
+  </p:clrMapOvr>
+</p:sld>
+</file>
+
+<file path=ppt/slides/slide11.xml><?xml version="1.0" encoding="utf-8"?>
+<p:sld xmlns:a="http://schemas.openxmlformats.org/drawingml/2006/main" xmlns:r="http://schemas.openxmlformats.org/officeDocument/2006/relationships" xmlns:p="http://schemas.openxmlformats.org/presentationml/2006/main">
+  <p:cSld>
+    <p:spTree>
+      <p:nvGrpSpPr>
+        <p:cNvPr id="1" name=""/>
+        <p:cNvGrpSpPr/>
+        <p:nvPr/>
+      </p:nvGrpSpPr>
+      <p:grpSpPr>
+        <a:xfrm>
+          <a:off x="0" y="0"/>
+          <a:ext cx="0" cy="0"/>
+          <a:chOff x="0" y="0"/>
+          <a:chExt cx="0" cy="0"/>
+        </a:xfrm>
+      </p:grpSpPr>
+      <p:sp>
+        <p:nvSpPr>
+          <p:cNvPr id="4" name="Titel 3">
+            <a:extLst>
+              <a:ext uri="{FF2B5EF4-FFF2-40B4-BE49-F238E27FC236}">
+                <a16:creationId xmlns:a16="http://schemas.microsoft.com/office/drawing/2014/main" id="{DF5A37E2-C32F-6BFA-897F-953B9B5F2942}"/>
+              </a:ext>
+            </a:extLst>
+          </p:cNvPr>
+          <p:cNvSpPr>
+            <a:spLocks noGrp="1"/>
+          </p:cNvSpPr>
+          <p:nvPr>
+            <p:ph type="title"/>
+          </p:nvPr>
+        </p:nvSpPr>
+        <p:spPr/>
+        <p:txBody>
+          <a:bodyPr/>
+          <a:lstStyle/>
+          <a:p>
+            <a:r>
+              <a:rPr lang="de-DE" dirty="0"/>
+              <a:t>The </a:t>
+            </a:r>
+            <a:r>
+              <a:rPr lang="de-DE" dirty="0" err="1"/>
+              <a:t>Lemma‘s</a:t>
+            </a:r>
+            <a:endParaRPr lang="de-DE" dirty="0"/>
+          </a:p>
+        </p:txBody>
+      </p:sp>
+      <p:sp>
+        <p:nvSpPr>
+          <p:cNvPr id="5" name="Textplatzhalter 4">
+            <a:extLst>
+              <a:ext uri="{FF2B5EF4-FFF2-40B4-BE49-F238E27FC236}">
+                <a16:creationId xmlns:a16="http://schemas.microsoft.com/office/drawing/2014/main" id="{62EADF35-6001-0438-DA0D-D602BAF360A6}"/>
+              </a:ext>
+            </a:extLst>
+          </p:cNvPr>
+          <p:cNvSpPr>
+            <a:spLocks noGrp="1"/>
+          </p:cNvSpPr>
+          <p:nvPr>
+            <p:ph type="body" idx="1"/>
+          </p:nvPr>
+        </p:nvSpPr>
+        <p:spPr/>
+        <p:txBody>
+          <a:bodyPr/>
+          <a:lstStyle/>
+          <a:p>
+            <a:endParaRPr lang="de-DE"/>
+          </a:p>
+        </p:txBody>
+      </p:sp>
+      <p:sp>
+        <p:nvSpPr>
+          <p:cNvPr id="3" name="TextBox 2">
+            <a:extLst>
+              <a:ext uri="{FF2B5EF4-FFF2-40B4-BE49-F238E27FC236}">
+                <a16:creationId xmlns:a16="http://schemas.microsoft.com/office/drawing/2014/main" id="{D2A03EF8-8707-49F1-4D97-FE7BCFF8F340}"/>
+              </a:ext>
+            </a:extLst>
+          </p:cNvPr>
+          <p:cNvSpPr txBox="1"/>
+          <p:nvPr/>
+        </p:nvSpPr>
+        <p:spPr>
+          <a:xfrm>
+            <a:off x="3048582" y="3246079"/>
+            <a:ext cx="6097162" cy="369332"/>
+          </a:xfrm>
+          <a:prstGeom prst="rect">
+            <a:avLst/>
+          </a:prstGeom>
+          <a:noFill/>
+        </p:spPr>
+        <p:txBody>
+          <a:bodyPr wrap="square">
+            <a:spAutoFit/>
+          </a:bodyPr>
+          <a:lstStyle/>
+          <a:p>
+            <a:r>
+              <a:rPr lang="ru-RU" dirty="0"/>
+              <a:t> </a:t>
+            </a:r>
+            <a:r>
+              <a:rPr lang="ru-RU" dirty="0" err="1"/>
+              <a:t>Lean</a:t>
+            </a:r>
+            <a:r>
+              <a:rPr lang="ru-RU" dirty="0"/>
+              <a:t> 4</a:t>
+            </a:r>
+          </a:p>
+        </p:txBody>
+      </p:sp>
+    </p:spTree>
+    <p:extLst>
+      <p:ext uri="{BB962C8B-B14F-4D97-AF65-F5344CB8AC3E}">
+        <p14:creationId xmlns:p14="http://schemas.microsoft.com/office/powerpoint/2010/main" val="2222841862"/>
+      </p:ext>
+    </p:extLst>
+  </p:cSld>
+  <p:clrMapOvr>
+    <a:masterClrMapping/>
+  </p:clrMapOvr>
+</p:sld>
+</file>
+
+<file path=ppt/slides/slide12.xml><?xml version="1.0" encoding="utf-8"?>
+<p:sld xmlns:a="http://schemas.openxmlformats.org/drawingml/2006/main" xmlns:r="http://schemas.openxmlformats.org/officeDocument/2006/relationships" xmlns:p="http://schemas.openxmlformats.org/presentationml/2006/main">
+  <p:cSld>
+    <p:spTree>
+      <p:nvGrpSpPr>
+        <p:cNvPr id="1" name=""/>
+        <p:cNvGrpSpPr/>
+        <p:nvPr/>
+      </p:nvGrpSpPr>
+      <p:grpSpPr>
+        <a:xfrm>
+          <a:off x="0" y="0"/>
+          <a:ext cx="0" cy="0"/>
+          <a:chOff x="0" y="0"/>
+          <a:chExt cx="0" cy="0"/>
+        </a:xfrm>
+      </p:grpSpPr>
+      <p:sp>
+        <p:nvSpPr>
+          <p:cNvPr id="2" name="Title 1">
+            <a:extLst>
+              <a:ext uri="{FF2B5EF4-FFF2-40B4-BE49-F238E27FC236}">
+                <a16:creationId xmlns:a16="http://schemas.microsoft.com/office/drawing/2014/main" id="{C4613030-7CCE-D25A-8A35-420604160CC3}"/>
+              </a:ext>
+            </a:extLst>
+          </p:cNvPr>
+          <p:cNvSpPr>
+            <a:spLocks noGrp="1"/>
+          </p:cNvSpPr>
+          <p:nvPr>
+            <p:ph type="title"/>
+          </p:nvPr>
+        </p:nvSpPr>
+        <p:spPr>
+          <a:xfrm>
+            <a:off x="839788" y="356611"/>
+            <a:ext cx="10515600" cy="1325563"/>
+          </a:xfrm>
+        </p:spPr>
+        <p:txBody>
+          <a:bodyPr>
+            <a:normAutofit/>
+          </a:bodyPr>
+          <a:lstStyle/>
+          <a:p>
+            <a:r>
+              <a:rPr lang="en-US" dirty="0">
+                <a:latin typeface="Arial"/>
+                <a:ea typeface="+mj-lt"/>
+                <a:cs typeface="Arial"/>
+              </a:rPr>
               <a:t>Lemma 1. Zero of Zero Divides:</a:t>
             </a:r>
           </a:p>
@@ -17798,7 +18217,7 @@
 </p:sld>
 </file>
 
-<file path=ppt/slides/slide11.xml><?xml version="1.0" encoding="utf-8"?>
+<file path=ppt/slides/slide13.xml><?xml version="1.0" encoding="utf-8"?>
 <p:sld xmlns:a="http://schemas.openxmlformats.org/drawingml/2006/main" xmlns:r="http://schemas.openxmlformats.org/officeDocument/2006/relationships" xmlns:p="http://schemas.openxmlformats.org/presentationml/2006/main">
   <p:cSld>
     <p:spTree>
@@ -18977,7 +19396,7 @@
 </p:sld>
 </file>
 
-<file path=ppt/slides/slide12.xml><?xml version="1.0" encoding="utf-8"?>
+<file path=ppt/slides/slide14.xml><?xml version="1.0" encoding="utf-8"?>
 <p:sld xmlns:a="http://schemas.openxmlformats.org/drawingml/2006/main" xmlns:r="http://schemas.openxmlformats.org/officeDocument/2006/relationships" xmlns:p="http://schemas.openxmlformats.org/presentationml/2006/main">
   <p:cSld>
     <p:spTree>
@@ -20527,7 +20946,7 @@
 </p:sld>
 </file>
 
-<file path=ppt/slides/slide13.xml><?xml version="1.0" encoding="utf-8"?>
+<file path=ppt/slides/slide15.xml><?xml version="1.0" encoding="utf-8"?>
 <p:sld xmlns:a="http://schemas.openxmlformats.org/drawingml/2006/main" xmlns:r="http://schemas.openxmlformats.org/officeDocument/2006/relationships" xmlns:p="http://schemas.openxmlformats.org/presentationml/2006/main">
   <p:cSld>
     <p:spTree>
@@ -21641,7 +22060,7 @@
 </p:sld>
 </file>
 
-<file path=ppt/slides/slide14.xml><?xml version="1.0" encoding="utf-8"?>
+<file path=ppt/slides/slide16.xml><?xml version="1.0" encoding="utf-8"?>
 <p:sld xmlns:a="http://schemas.openxmlformats.org/drawingml/2006/main" xmlns:r="http://schemas.openxmlformats.org/officeDocument/2006/relationships" xmlns:p="http://schemas.openxmlformats.org/presentationml/2006/main">
   <p:cSld>
     <p:spTree>
@@ -23204,7 +23623,7 @@
 </p:sld>
 </file>
 
-<file path=ppt/slides/slide15.xml><?xml version="1.0" encoding="utf-8"?>
+<file path=ppt/slides/slide17.xml><?xml version="1.0" encoding="utf-8"?>
 <p:sld xmlns:a="http://schemas.openxmlformats.org/drawingml/2006/main" xmlns:r="http://schemas.openxmlformats.org/officeDocument/2006/relationships" xmlns:p="http://schemas.openxmlformats.org/presentationml/2006/main">
   <p:cSld>
     <p:spTree>
@@ -24461,7 +24880,7 @@
 </p:sld>
 </file>
 
-<file path=ppt/slides/slide16.xml><?xml version="1.0" encoding="utf-8"?>
+<file path=ppt/slides/slide18.xml><?xml version="1.0" encoding="utf-8"?>
 <p:sld xmlns:a="http://schemas.openxmlformats.org/drawingml/2006/main" xmlns:r="http://schemas.openxmlformats.org/officeDocument/2006/relationships" xmlns:p="http://schemas.openxmlformats.org/presentationml/2006/main">
   <p:cSld>
     <p:spTree>
@@ -24526,7 +24945,7 @@
 </p:sld>
 </file>
 
-<file path=ppt/slides/slide17.xml><?xml version="1.0" encoding="utf-8"?>
+<file path=ppt/slides/slide19.xml><?xml version="1.0" encoding="utf-8"?>
 <p:sld xmlns:a="http://schemas.openxmlformats.org/drawingml/2006/main" xmlns:r="http://schemas.openxmlformats.org/officeDocument/2006/relationships" xmlns:p="http://schemas.openxmlformats.org/presentationml/2006/main">
   <p:cSld>
     <p:spTree>
@@ -25427,7 +25846,7 @@
         </p:spPr>
         <p:txBody>
           <a:bodyPr>
-            <a:normAutofit fontScale="70000" lnSpcReduction="20000"/>
+            <a:normAutofit fontScale="85000" lnSpcReduction="20000"/>
           </a:bodyPr>
           <a:lstStyle/>
           <a:p>
@@ -26125,7 +26544,93 @@
 </p:sld>
 </file>
 
-<file path=ppt/slides/slide18.xml><?xml version="1.0" encoding="utf-8"?>
+<file path=ppt/slides/slide2.xml><?xml version="1.0" encoding="utf-8"?>
+<p:sld xmlns:a="http://schemas.openxmlformats.org/drawingml/2006/main" xmlns:r="http://schemas.openxmlformats.org/officeDocument/2006/relationships" xmlns:p="http://schemas.openxmlformats.org/presentationml/2006/main">
+  <p:cSld>
+    <p:spTree>
+      <p:nvGrpSpPr>
+        <p:cNvPr id="1" name=""/>
+        <p:cNvGrpSpPr/>
+        <p:nvPr/>
+      </p:nvGrpSpPr>
+      <p:grpSpPr>
+        <a:xfrm>
+          <a:off x="0" y="0"/>
+          <a:ext cx="0" cy="0"/>
+          <a:chOff x="0" y="0"/>
+          <a:chExt cx="0" cy="0"/>
+        </a:xfrm>
+      </p:grpSpPr>
+      <p:sp>
+        <p:nvSpPr>
+          <p:cNvPr id="2" name="Title 1">
+            <a:extLst>
+              <a:ext uri="{FF2B5EF4-FFF2-40B4-BE49-F238E27FC236}">
+                <a16:creationId xmlns:a16="http://schemas.microsoft.com/office/drawing/2014/main" id="{D6F3EA23-0997-F96B-061D-A84F063F51E3}"/>
+              </a:ext>
+            </a:extLst>
+          </p:cNvPr>
+          <p:cNvSpPr>
+            <a:spLocks noGrp="1"/>
+          </p:cNvSpPr>
+          <p:nvPr>
+            <p:ph type="title"/>
+          </p:nvPr>
+        </p:nvSpPr>
+        <p:spPr/>
+        <p:txBody>
+          <a:bodyPr/>
+          <a:lstStyle/>
+          <a:p>
+            <a:r>
+              <a:rPr lang="en-US" dirty="0">
+                <a:latin typeface="Arial"/>
+                <a:cs typeface="Arial"/>
+              </a:rPr>
+              <a:t>The Definitions</a:t>
+            </a:r>
+          </a:p>
+        </p:txBody>
+      </p:sp>
+      <p:sp>
+        <p:nvSpPr>
+          <p:cNvPr id="3" name="Text Placeholder 2">
+            <a:extLst>
+              <a:ext uri="{FF2B5EF4-FFF2-40B4-BE49-F238E27FC236}">
+                <a16:creationId xmlns:a16="http://schemas.microsoft.com/office/drawing/2014/main" id="{F545BB11-EF08-F05E-285C-C434197C0AC3}"/>
+              </a:ext>
+            </a:extLst>
+          </p:cNvPr>
+          <p:cNvSpPr>
+            <a:spLocks noGrp="1"/>
+          </p:cNvSpPr>
+          <p:nvPr>
+            <p:ph type="body" idx="1"/>
+          </p:nvPr>
+        </p:nvSpPr>
+        <p:spPr/>
+        <p:txBody>
+          <a:bodyPr/>
+          <a:lstStyle/>
+          <a:p>
+            <a:endParaRPr lang="en-US"/>
+          </a:p>
+        </p:txBody>
+      </p:sp>
+    </p:spTree>
+    <p:extLst>
+      <p:ext uri="{BB962C8B-B14F-4D97-AF65-F5344CB8AC3E}">
+        <p14:creationId xmlns:p14="http://schemas.microsoft.com/office/powerpoint/2010/main" val="1732156638"/>
+      </p:ext>
+    </p:extLst>
+  </p:cSld>
+  <p:clrMapOvr>
+    <a:masterClrMapping/>
+  </p:clrMapOvr>
+</p:sld>
+</file>
+
+<file path=ppt/slides/slide20.xml><?xml version="1.0" encoding="utf-8"?>
 <p:sld xmlns:a="http://schemas.openxmlformats.org/drawingml/2006/main" xmlns:r="http://schemas.openxmlformats.org/officeDocument/2006/relationships" xmlns:p="http://schemas.openxmlformats.org/presentationml/2006/main">
   <p:cSld>
     <p:spTree>
@@ -27333,7 +27838,7 @@
 </p:sld>
 </file>
 
-<file path=ppt/slides/slide19.xml><?xml version="1.0" encoding="utf-8"?>
+<file path=ppt/slides/slide21.xml><?xml version="1.0" encoding="utf-8"?>
 <p:sld xmlns:a="http://schemas.openxmlformats.org/drawingml/2006/main" xmlns:r="http://schemas.openxmlformats.org/officeDocument/2006/relationships" xmlns:p="http://schemas.openxmlformats.org/presentationml/2006/main">
   <p:cSld>
     <p:spTree>
@@ -28543,93 +29048,7 @@
 </p:sld>
 </file>
 
-<file path=ppt/slides/slide2.xml><?xml version="1.0" encoding="utf-8"?>
-<p:sld xmlns:a="http://schemas.openxmlformats.org/drawingml/2006/main" xmlns:r="http://schemas.openxmlformats.org/officeDocument/2006/relationships" xmlns:p="http://schemas.openxmlformats.org/presentationml/2006/main">
-  <p:cSld>
-    <p:spTree>
-      <p:nvGrpSpPr>
-        <p:cNvPr id="1" name=""/>
-        <p:cNvGrpSpPr/>
-        <p:nvPr/>
-      </p:nvGrpSpPr>
-      <p:grpSpPr>
-        <a:xfrm>
-          <a:off x="0" y="0"/>
-          <a:ext cx="0" cy="0"/>
-          <a:chOff x="0" y="0"/>
-          <a:chExt cx="0" cy="0"/>
-        </a:xfrm>
-      </p:grpSpPr>
-      <p:sp>
-        <p:nvSpPr>
-          <p:cNvPr id="2" name="Title 1">
-            <a:extLst>
-              <a:ext uri="{FF2B5EF4-FFF2-40B4-BE49-F238E27FC236}">
-                <a16:creationId xmlns:a16="http://schemas.microsoft.com/office/drawing/2014/main" id="{D6F3EA23-0997-F96B-061D-A84F063F51E3}"/>
-              </a:ext>
-            </a:extLst>
-          </p:cNvPr>
-          <p:cNvSpPr>
-            <a:spLocks noGrp="1"/>
-          </p:cNvSpPr>
-          <p:nvPr>
-            <p:ph type="title"/>
-          </p:nvPr>
-        </p:nvSpPr>
-        <p:spPr/>
-        <p:txBody>
-          <a:bodyPr/>
-          <a:lstStyle/>
-          <a:p>
-            <a:r>
-              <a:rPr lang="en-US" dirty="0">
-                <a:latin typeface="Arial"/>
-                <a:cs typeface="Arial"/>
-              </a:rPr>
-              <a:t>The Definitions</a:t>
-            </a:r>
-          </a:p>
-        </p:txBody>
-      </p:sp>
-      <p:sp>
-        <p:nvSpPr>
-          <p:cNvPr id="3" name="Text Placeholder 2">
-            <a:extLst>
-              <a:ext uri="{FF2B5EF4-FFF2-40B4-BE49-F238E27FC236}">
-                <a16:creationId xmlns:a16="http://schemas.microsoft.com/office/drawing/2014/main" id="{F545BB11-EF08-F05E-285C-C434197C0AC3}"/>
-              </a:ext>
-            </a:extLst>
-          </p:cNvPr>
-          <p:cNvSpPr>
-            <a:spLocks noGrp="1"/>
-          </p:cNvSpPr>
-          <p:nvPr>
-            <p:ph type="body" idx="1"/>
-          </p:nvPr>
-        </p:nvSpPr>
-        <p:spPr/>
-        <p:txBody>
-          <a:bodyPr/>
-          <a:lstStyle/>
-          <a:p>
-            <a:endParaRPr lang="en-US"/>
-          </a:p>
-        </p:txBody>
-      </p:sp>
-    </p:spTree>
-    <p:extLst>
-      <p:ext uri="{BB962C8B-B14F-4D97-AF65-F5344CB8AC3E}">
-        <p14:creationId xmlns:p14="http://schemas.microsoft.com/office/powerpoint/2010/main" val="1732156638"/>
-      </p:ext>
-    </p:extLst>
-  </p:cSld>
-  <p:clrMapOvr>
-    <a:masterClrMapping/>
-  </p:clrMapOvr>
-</p:sld>
-</file>
-
-<file path=ppt/slides/slide20.xml><?xml version="1.0" encoding="utf-8"?>
+<file path=ppt/slides/slide22.xml><?xml version="1.0" encoding="utf-8"?>
 <p:sld xmlns:a="http://schemas.openxmlformats.org/drawingml/2006/main" xmlns:r="http://schemas.openxmlformats.org/officeDocument/2006/relationships" xmlns:p="http://schemas.openxmlformats.org/presentationml/2006/main">
   <p:cSld>
     <p:spTree>
@@ -29887,7 +30306,7 @@
 </p:sld>
 </file>
 
-<file path=ppt/slides/slide21.xml><?xml version="1.0" encoding="utf-8"?>
+<file path=ppt/slides/slide23.xml><?xml version="1.0" encoding="utf-8"?>
 <p:sld xmlns:a="http://schemas.openxmlformats.org/drawingml/2006/main" xmlns:r="http://schemas.openxmlformats.org/officeDocument/2006/relationships" xmlns:p="http://schemas.openxmlformats.org/presentationml/2006/main">
   <p:cSld>
     <p:bg>
@@ -29963,7 +30382,7 @@
 </p:sld>
 </file>
 
-<file path=ppt/slides/slide22.xml><?xml version="1.0" encoding="utf-8"?>
+<file path=ppt/slides/slide24.xml><?xml version="1.0" encoding="utf-8"?>
 <p:sld xmlns:a="http://schemas.openxmlformats.org/drawingml/2006/main" xmlns:r="http://schemas.openxmlformats.org/officeDocument/2006/relationships" xmlns:p="http://schemas.openxmlformats.org/presentationml/2006/main">
   <p:cSld>
     <p:spTree>
@@ -30054,7 +30473,7 @@
 </p:sld>
 </file>
 
-<file path=ppt/slides/slide23.xml><?xml version="1.0" encoding="utf-8"?>
+<file path=ppt/slides/slide25.xml><?xml version="1.0" encoding="utf-8"?>
 <p:sld xmlns:a="http://schemas.openxmlformats.org/drawingml/2006/main" xmlns:r="http://schemas.openxmlformats.org/officeDocument/2006/relationships" xmlns:p="http://schemas.openxmlformats.org/presentationml/2006/main">
   <p:cSld>
     <p:spTree>
@@ -30180,7 +30599,7 @@
 </p:sld>
 </file>
 
-<file path=ppt/slides/slide24.xml><?xml version="1.0" encoding="utf-8"?>
+<file path=ppt/slides/slide26.xml><?xml version="1.0" encoding="utf-8"?>
 <p:sld xmlns:a="http://schemas.openxmlformats.org/drawingml/2006/main" xmlns:r="http://schemas.openxmlformats.org/officeDocument/2006/relationships" xmlns:p="http://schemas.openxmlformats.org/presentationml/2006/main">
   <p:cSld>
     <p:spTree>
@@ -30307,7 +30726,7 @@
 </p:sld>
 </file>
 
-<file path=ppt/slides/slide25.xml><?xml version="1.0" encoding="utf-8"?>
+<file path=ppt/slides/slide27.xml><?xml version="1.0" encoding="utf-8"?>
 <p:sld xmlns:a="http://schemas.openxmlformats.org/drawingml/2006/main" xmlns:r="http://schemas.openxmlformats.org/officeDocument/2006/relationships" xmlns:p="http://schemas.openxmlformats.org/presentationml/2006/main">
   <p:cSld>
     <p:spTree>
@@ -30809,7 +31228,7 @@
 </p:sld>
 </file>
 
-<file path=ppt/slides/slide26.xml><?xml version="1.0" encoding="utf-8"?>
+<file path=ppt/slides/slide28.xml><?xml version="1.0" encoding="utf-8"?>
 <p:sld xmlns:a="http://schemas.openxmlformats.org/drawingml/2006/main" xmlns:r="http://schemas.openxmlformats.org/officeDocument/2006/relationships" xmlns:p="http://schemas.openxmlformats.org/presentationml/2006/main">
   <p:cSld>
     <p:spTree>
@@ -30874,7 +31293,7 @@
 </p:sld>
 </file>
 
-<file path=ppt/slides/slide27.xml><?xml version="1.0" encoding="utf-8"?>
+<file path=ppt/slides/slide29.xml><?xml version="1.0" encoding="utf-8"?>
 <p:sld xmlns:a="http://schemas.openxmlformats.org/drawingml/2006/main" xmlns:r="http://schemas.openxmlformats.org/officeDocument/2006/relationships" xmlns:p="http://schemas.openxmlformats.org/presentationml/2006/main">
   <p:cSld>
     <p:spTree>
@@ -31183,1259 +31602,6 @@
     <p:extLst>
       <p:ext uri="{BB962C8B-B14F-4D97-AF65-F5344CB8AC3E}">
         <p14:creationId xmlns:p14="http://schemas.microsoft.com/office/powerpoint/2010/main" val="1126458031"/>
-      </p:ext>
-    </p:extLst>
-  </p:cSld>
-  <p:clrMapOvr>
-    <a:masterClrMapping/>
-  </p:clrMapOvr>
-</p:sld>
-</file>
-
-<file path=ppt/slides/slide28.xml><?xml version="1.0" encoding="utf-8"?>
-<p:sld xmlns:a="http://schemas.openxmlformats.org/drawingml/2006/main" xmlns:r="http://schemas.openxmlformats.org/officeDocument/2006/relationships" xmlns:p="http://schemas.openxmlformats.org/presentationml/2006/main">
-  <p:cSld>
-    <p:spTree>
-      <p:nvGrpSpPr>
-        <p:cNvPr id="1" name=""/>
-        <p:cNvGrpSpPr/>
-        <p:nvPr/>
-      </p:nvGrpSpPr>
-      <p:grpSpPr>
-        <a:xfrm>
-          <a:off x="0" y="0"/>
-          <a:ext cx="0" cy="0"/>
-          <a:chOff x="0" y="0"/>
-          <a:chExt cx="0" cy="0"/>
-        </a:xfrm>
-      </p:grpSpPr>
-      <p:graphicFrame>
-        <p:nvGraphicFramePr>
-          <p:cNvPr id="10" name="Inhaltsplatzhalter 9">
-            <a:extLst>
-              <a:ext uri="{FF2B5EF4-FFF2-40B4-BE49-F238E27FC236}">
-                <a16:creationId xmlns:a16="http://schemas.microsoft.com/office/drawing/2014/main" id="{DF12E86F-B6E8-9685-CCC9-81A1D58FD2B1}"/>
-              </a:ext>
-            </a:extLst>
-          </p:cNvPr>
-          <p:cNvGraphicFramePr>
-            <a:graphicFrameLocks noGrp="1"/>
-          </p:cNvGraphicFramePr>
-          <p:nvPr>
-            <p:ph idx="1"/>
-            <p:extLst>
-              <p:ext uri="{D42A27DB-BD31-4B8C-83A1-F6EECF244321}">
-                <p14:modId xmlns:p14="http://schemas.microsoft.com/office/powerpoint/2010/main" val="264802055"/>
-              </p:ext>
-            </p:extLst>
-          </p:nvPr>
-        </p:nvGraphicFramePr>
-        <p:xfrm>
-          <a:off x="137962" y="511207"/>
-          <a:ext cx="11916076" cy="5835586"/>
-        </p:xfrm>
-        <a:graphic>
-          <a:graphicData uri="http://schemas.openxmlformats.org/drawingml/2006/diagram">
-            <dgm:relIds xmlns:dgm="http://schemas.openxmlformats.org/drawingml/2006/diagram" xmlns:r="http://schemas.openxmlformats.org/officeDocument/2006/relationships" r:dm="rId2" r:lo="rId3" r:qs="rId4" r:cs="rId5"/>
-          </a:graphicData>
-        </a:graphic>
-      </p:graphicFrame>
-    </p:spTree>
-    <p:extLst>
-      <p:ext uri="{BB962C8B-B14F-4D97-AF65-F5344CB8AC3E}">
-        <p14:creationId xmlns:p14="http://schemas.microsoft.com/office/powerpoint/2010/main" val="800523582"/>
-      </p:ext>
-    </p:extLst>
-  </p:cSld>
-  <p:clrMapOvr>
-    <a:masterClrMapping/>
-  </p:clrMapOvr>
-</p:sld>
-</file>
-
-<file path=ppt/slides/slide29.xml><?xml version="1.0" encoding="utf-8"?>
-<p:sld xmlns:a="http://schemas.openxmlformats.org/drawingml/2006/main" xmlns:r="http://schemas.openxmlformats.org/officeDocument/2006/relationships" xmlns:p="http://schemas.openxmlformats.org/presentationml/2006/main">
-  <p:cSld>
-    <p:spTree>
-      <p:nvGrpSpPr>
-        <p:cNvPr id="1" name=""/>
-        <p:cNvGrpSpPr/>
-        <p:nvPr/>
-      </p:nvGrpSpPr>
-      <p:grpSpPr>
-        <a:xfrm>
-          <a:off x="0" y="0"/>
-          <a:ext cx="0" cy="0"/>
-          <a:chOff x="0" y="0"/>
-          <a:chExt cx="0" cy="0"/>
-        </a:xfrm>
-      </p:grpSpPr>
-      <p:graphicFrame>
-        <p:nvGraphicFramePr>
-          <p:cNvPr id="10" name="Inhaltsplatzhalter 9">
-            <a:extLst>
-              <a:ext uri="{FF2B5EF4-FFF2-40B4-BE49-F238E27FC236}">
-                <a16:creationId xmlns:a16="http://schemas.microsoft.com/office/drawing/2014/main" id="{DF12E86F-B6E8-9685-CCC9-81A1D58FD2B1}"/>
-              </a:ext>
-            </a:extLst>
-          </p:cNvPr>
-          <p:cNvGraphicFramePr>
-            <a:graphicFrameLocks noGrp="1"/>
-          </p:cNvGraphicFramePr>
-          <p:nvPr>
-            <p:ph idx="1"/>
-            <p:extLst>
-              <p:ext uri="{D42A27DB-BD31-4B8C-83A1-F6EECF244321}">
-                <p14:modId xmlns:p14="http://schemas.microsoft.com/office/powerpoint/2010/main" val="641713456"/>
-              </p:ext>
-            </p:extLst>
-          </p:nvPr>
-        </p:nvGraphicFramePr>
-        <p:xfrm>
-          <a:off x="-1628273" y="139567"/>
-          <a:ext cx="6564829" cy="6578866"/>
-        </p:xfrm>
-        <a:graphic>
-          <a:graphicData uri="http://schemas.openxmlformats.org/drawingml/2006/diagram">
-            <dgm:relIds xmlns:dgm="http://schemas.openxmlformats.org/drawingml/2006/diagram" xmlns:r="http://schemas.openxmlformats.org/officeDocument/2006/relationships" r:dm="rId2" r:lo="rId3" r:qs="rId4" r:cs="rId5"/>
-          </a:graphicData>
-        </a:graphic>
-      </p:graphicFrame>
-      <p:sp>
-        <p:nvSpPr>
-          <p:cNvPr id="5" name="Textfeld 4">
-            <a:extLst>
-              <a:ext uri="{FF2B5EF4-FFF2-40B4-BE49-F238E27FC236}">
-                <a16:creationId xmlns:a16="http://schemas.microsoft.com/office/drawing/2014/main" id="{4946934C-9D60-E547-7BE5-713DC2CB75CC}"/>
-              </a:ext>
-            </a:extLst>
-          </p:cNvPr>
-          <p:cNvSpPr txBox="1"/>
-          <p:nvPr/>
-        </p:nvSpPr>
-        <p:spPr>
-          <a:xfrm>
-            <a:off x="3393304" y="139567"/>
-            <a:ext cx="8798696" cy="6186309"/>
-          </a:xfrm>
-          <a:prstGeom prst="rect">
-            <a:avLst/>
-          </a:prstGeom>
-          <a:noFill/>
-        </p:spPr>
-        <p:txBody>
-          <a:bodyPr wrap="square">
-            <a:spAutoFit/>
-          </a:bodyPr>
-          <a:lstStyle/>
-          <a:p>
-            <a:r>
-              <a:rPr lang="de-DE" b="0" dirty="0" err="1">
-                <a:solidFill>
-                  <a:srgbClr val="0000FF"/>
-                </a:solidFill>
-                <a:effectLst/>
-                <a:highlight>
-                  <a:srgbClr val="FFFFFF"/>
-                </a:highlight>
-                <a:latin typeface="Menlo" panose="020B0609030804020204" pitchFamily="49" charset="0"/>
-              </a:rPr>
-              <a:t>theorem</a:t>
-            </a:r>
-            <a:r>
-              <a:rPr lang="de-DE" b="0" dirty="0">
-                <a:solidFill>
-                  <a:srgbClr val="000000"/>
-                </a:solidFill>
-                <a:effectLst/>
-                <a:highlight>
-                  <a:srgbClr val="FFFFFF"/>
-                </a:highlight>
-                <a:latin typeface="Menlo" panose="020B0609030804020204" pitchFamily="49" charset="0"/>
-              </a:rPr>
-              <a:t> </a:t>
-            </a:r>
-            <a:r>
-              <a:rPr lang="de-DE" b="0" dirty="0" err="1">
-                <a:solidFill>
-                  <a:srgbClr val="000000"/>
-                </a:solidFill>
-                <a:effectLst/>
-                <a:highlight>
-                  <a:srgbClr val="FFFFFF"/>
-                </a:highlight>
-                <a:latin typeface="Menlo" panose="020B0609030804020204" pitchFamily="49" charset="0"/>
-              </a:rPr>
-              <a:t>isIrreducible_of_isPrime</a:t>
-            </a:r>
-            <a:r>
-              <a:rPr lang="de-DE" b="0" dirty="0">
-                <a:solidFill>
-                  <a:srgbClr val="000000"/>
-                </a:solidFill>
-                <a:effectLst/>
-                <a:highlight>
-                  <a:srgbClr val="FFFFFF"/>
-                </a:highlight>
-                <a:latin typeface="Menlo" panose="020B0609030804020204" pitchFamily="49" charset="0"/>
-              </a:rPr>
-              <a:t> [</a:t>
-            </a:r>
-            <a:r>
-              <a:rPr lang="de-DE" b="0" dirty="0" err="1">
-                <a:solidFill>
-                  <a:srgbClr val="000000"/>
-                </a:solidFill>
-                <a:effectLst/>
-                <a:highlight>
-                  <a:srgbClr val="FFFFFF"/>
-                </a:highlight>
-                <a:latin typeface="Menlo" panose="020B0609030804020204" pitchFamily="49" charset="0"/>
-              </a:rPr>
-              <a:t>IsDomain</a:t>
-            </a:r>
-            <a:r>
-              <a:rPr lang="de-DE" b="0" dirty="0">
-                <a:solidFill>
-                  <a:srgbClr val="000000"/>
-                </a:solidFill>
-                <a:effectLst/>
-                <a:highlight>
-                  <a:srgbClr val="FFFFFF"/>
-                </a:highlight>
-                <a:latin typeface="Menlo" panose="020B0609030804020204" pitchFamily="49" charset="0"/>
-              </a:rPr>
-              <a:t> R] (x : R) </a:t>
-            </a:r>
-          </a:p>
-          <a:p>
-            <a:r>
-              <a:rPr lang="de-DE" b="0" dirty="0">
-                <a:solidFill>
-                  <a:srgbClr val="000000"/>
-                </a:solidFill>
-                <a:effectLst/>
-                <a:highlight>
-                  <a:srgbClr val="FFFFFF"/>
-                </a:highlight>
-                <a:latin typeface="Menlo" panose="020B0609030804020204" pitchFamily="49" charset="0"/>
-              </a:rPr>
-              <a:t>(h : </a:t>
-            </a:r>
-            <a:r>
-              <a:rPr lang="de-DE" b="0" dirty="0" err="1">
-                <a:solidFill>
-                  <a:srgbClr val="000000"/>
-                </a:solidFill>
-                <a:effectLst/>
-                <a:highlight>
-                  <a:srgbClr val="FFFFFF"/>
-                </a:highlight>
-                <a:latin typeface="Menlo" panose="020B0609030804020204" pitchFamily="49" charset="0"/>
-              </a:rPr>
-              <a:t>IsPrime</a:t>
-            </a:r>
-            <a:r>
-              <a:rPr lang="de-DE" b="0" dirty="0">
-                <a:solidFill>
-                  <a:srgbClr val="000000"/>
-                </a:solidFill>
-                <a:effectLst/>
-                <a:highlight>
-                  <a:srgbClr val="FFFFFF"/>
-                </a:highlight>
-                <a:latin typeface="Menlo" panose="020B0609030804020204" pitchFamily="49" charset="0"/>
-              </a:rPr>
-              <a:t> x) : </a:t>
-            </a:r>
-            <a:r>
-              <a:rPr lang="de-DE" b="0" dirty="0" err="1">
-                <a:solidFill>
-                  <a:srgbClr val="000000"/>
-                </a:solidFill>
-                <a:effectLst/>
-                <a:highlight>
-                  <a:srgbClr val="FFFFFF"/>
-                </a:highlight>
-                <a:latin typeface="Menlo" panose="020B0609030804020204" pitchFamily="49" charset="0"/>
-              </a:rPr>
-              <a:t>IsIrreducible</a:t>
-            </a:r>
-            <a:r>
-              <a:rPr lang="de-DE" b="0" dirty="0">
-                <a:solidFill>
-                  <a:srgbClr val="000000"/>
-                </a:solidFill>
-                <a:effectLst/>
-                <a:highlight>
-                  <a:srgbClr val="FFFFFF"/>
-                </a:highlight>
-                <a:latin typeface="Menlo" panose="020B0609030804020204" pitchFamily="49" charset="0"/>
-              </a:rPr>
-              <a:t> x := </a:t>
-            </a:r>
-            <a:r>
-              <a:rPr lang="de-DE" b="0" dirty="0" err="1">
-                <a:solidFill>
-                  <a:srgbClr val="0000FF"/>
-                </a:solidFill>
-                <a:effectLst/>
-                <a:highlight>
-                  <a:srgbClr val="FFFFFF"/>
-                </a:highlight>
-                <a:latin typeface="Menlo" panose="020B0609030804020204" pitchFamily="49" charset="0"/>
-              </a:rPr>
-              <a:t>by</a:t>
-            </a:r>
-            <a:endParaRPr lang="de-DE" b="0" dirty="0">
-              <a:solidFill>
-                <a:srgbClr val="000000"/>
-              </a:solidFill>
-              <a:effectLst/>
-              <a:highlight>
-                <a:srgbClr val="FFFFFF"/>
-              </a:highlight>
-              <a:latin typeface="Menlo" panose="020B0609030804020204" pitchFamily="49" charset="0"/>
-            </a:endParaRPr>
-          </a:p>
-          <a:p>
-            <a:r>
-              <a:rPr lang="de-DE" b="0" dirty="0" err="1">
-                <a:solidFill>
-                  <a:srgbClr val="0000FF"/>
-                </a:solidFill>
-                <a:effectLst/>
-                <a:highlight>
-                  <a:srgbClr val="FFFFFF"/>
-                </a:highlight>
-                <a:latin typeface="Menlo" panose="020B0609030804020204" pitchFamily="49" charset="0"/>
-              </a:rPr>
-              <a:t>obtain</a:t>
-            </a:r>
-            <a:r>
-              <a:rPr lang="de-DE" b="0" dirty="0">
-                <a:solidFill>
-                  <a:srgbClr val="000000"/>
-                </a:solidFill>
-                <a:effectLst/>
-                <a:highlight>
-                  <a:srgbClr val="FFFFFF"/>
-                </a:highlight>
-                <a:latin typeface="Menlo" panose="020B0609030804020204" pitchFamily="49" charset="0"/>
-              </a:rPr>
-              <a:t> ⟨</a:t>
-            </a:r>
-            <a:r>
-              <a:rPr lang="de-DE" b="0" dirty="0" err="1">
-                <a:solidFill>
-                  <a:srgbClr val="000000"/>
-                </a:solidFill>
-                <a:effectLst/>
-                <a:highlight>
-                  <a:srgbClr val="FFFFFF"/>
-                </a:highlight>
-                <a:latin typeface="Menlo" panose="020B0609030804020204" pitchFamily="49" charset="0"/>
-              </a:rPr>
-              <a:t>hnontrivial</a:t>
-            </a:r>
-            <a:r>
-              <a:rPr lang="de-DE" b="0" dirty="0">
-                <a:solidFill>
-                  <a:srgbClr val="000000"/>
-                </a:solidFill>
-                <a:effectLst/>
-                <a:highlight>
-                  <a:srgbClr val="FFFFFF"/>
-                </a:highlight>
-                <a:latin typeface="Menlo" panose="020B0609030804020204" pitchFamily="49" charset="0"/>
-              </a:rPr>
-              <a:t>, </a:t>
-            </a:r>
-            <a:r>
-              <a:rPr lang="de-DE" b="0" dirty="0" err="1">
-                <a:solidFill>
-                  <a:srgbClr val="000000"/>
-                </a:solidFill>
-                <a:effectLst/>
-                <a:highlight>
-                  <a:srgbClr val="FFFFFF"/>
-                </a:highlight>
-                <a:latin typeface="Menlo" panose="020B0609030804020204" pitchFamily="49" charset="0"/>
-              </a:rPr>
-              <a:t>hdiv</a:t>
-            </a:r>
-            <a:r>
-              <a:rPr lang="de-DE" b="0" dirty="0">
-                <a:solidFill>
-                  <a:srgbClr val="000000"/>
-                </a:solidFill>
-                <a:effectLst/>
-                <a:highlight>
-                  <a:srgbClr val="FFFFFF"/>
-                </a:highlight>
-                <a:latin typeface="Menlo" panose="020B0609030804020204" pitchFamily="49" charset="0"/>
-              </a:rPr>
-              <a:t>⟩ := h</a:t>
-            </a:r>
-          </a:p>
-          <a:p>
-            <a:r>
-              <a:rPr lang="de-DE" b="0" dirty="0" err="1">
-                <a:solidFill>
-                  <a:srgbClr val="0000FF"/>
-                </a:solidFill>
-                <a:effectLst/>
-                <a:highlight>
-                  <a:srgbClr val="FFFFFF"/>
-                </a:highlight>
-                <a:latin typeface="Menlo" panose="020B0609030804020204" pitchFamily="49" charset="0"/>
-              </a:rPr>
-              <a:t>constructor</a:t>
-            </a:r>
-            <a:endParaRPr lang="de-DE" b="0" dirty="0">
-              <a:solidFill>
-                <a:srgbClr val="000000"/>
-              </a:solidFill>
-              <a:effectLst/>
-              <a:highlight>
-                <a:srgbClr val="FFFFFF"/>
-              </a:highlight>
-              <a:latin typeface="Menlo" panose="020B0609030804020204" pitchFamily="49" charset="0"/>
-            </a:endParaRPr>
-          </a:p>
-          <a:p>
-            <a:r>
-              <a:rPr lang="de-DE" b="0" dirty="0">
-                <a:solidFill>
-                  <a:srgbClr val="000000"/>
-                </a:solidFill>
-                <a:effectLst/>
-                <a:highlight>
-                  <a:srgbClr val="FFFFFF"/>
-                </a:highlight>
-                <a:latin typeface="Menlo" panose="020B0609030804020204" pitchFamily="49" charset="0"/>
-              </a:rPr>
-              <a:t>· </a:t>
-            </a:r>
-            <a:r>
-              <a:rPr lang="de-DE" b="0" dirty="0" err="1">
-                <a:solidFill>
-                  <a:srgbClr val="0000FF"/>
-                </a:solidFill>
-                <a:effectLst/>
-                <a:highlight>
-                  <a:srgbClr val="FFFFFF"/>
-                </a:highlight>
-                <a:latin typeface="Menlo" panose="020B0609030804020204" pitchFamily="49" charset="0"/>
-              </a:rPr>
-              <a:t>exact</a:t>
-            </a:r>
-            <a:r>
-              <a:rPr lang="de-DE" b="0" dirty="0">
-                <a:solidFill>
-                  <a:srgbClr val="000000"/>
-                </a:solidFill>
-                <a:effectLst/>
-                <a:highlight>
-                  <a:srgbClr val="FFFFFF"/>
-                </a:highlight>
-                <a:latin typeface="Menlo" panose="020B0609030804020204" pitchFamily="49" charset="0"/>
-              </a:rPr>
-              <a:t> </a:t>
-            </a:r>
-            <a:r>
-              <a:rPr lang="de-DE" b="0" dirty="0" err="1">
-                <a:solidFill>
-                  <a:srgbClr val="000000"/>
-                </a:solidFill>
-                <a:effectLst/>
-                <a:highlight>
-                  <a:srgbClr val="FFFFFF"/>
-                </a:highlight>
-                <a:latin typeface="Menlo" panose="020B0609030804020204" pitchFamily="49" charset="0"/>
-              </a:rPr>
-              <a:t>hnontrivial</a:t>
-            </a:r>
-            <a:endParaRPr lang="de-DE" b="0" dirty="0">
-              <a:solidFill>
-                <a:srgbClr val="000000"/>
-              </a:solidFill>
-              <a:effectLst/>
-              <a:highlight>
-                <a:srgbClr val="FFFFFF"/>
-              </a:highlight>
-              <a:latin typeface="Menlo" panose="020B0609030804020204" pitchFamily="49" charset="0"/>
-            </a:endParaRPr>
-          </a:p>
-          <a:p>
-            <a:r>
-              <a:rPr lang="de-DE" b="0" dirty="0">
-                <a:solidFill>
-                  <a:srgbClr val="000000"/>
-                </a:solidFill>
-                <a:effectLst/>
-                <a:highlight>
-                  <a:srgbClr val="FFFFFF"/>
-                </a:highlight>
-                <a:latin typeface="Menlo" panose="020B0609030804020204" pitchFamily="49" charset="0"/>
-              </a:rPr>
-              <a:t>· </a:t>
-            </a:r>
-            <a:r>
-              <a:rPr lang="de-DE" b="0" dirty="0" err="1">
-                <a:solidFill>
-                  <a:srgbClr val="0000FF"/>
-                </a:solidFill>
-                <a:effectLst/>
-                <a:highlight>
-                  <a:srgbClr val="FFFFFF"/>
-                </a:highlight>
-                <a:latin typeface="Menlo" panose="020B0609030804020204" pitchFamily="49" charset="0"/>
-              </a:rPr>
-              <a:t>intros</a:t>
-            </a:r>
-            <a:r>
-              <a:rPr lang="de-DE" b="0" dirty="0">
-                <a:solidFill>
-                  <a:srgbClr val="000000"/>
-                </a:solidFill>
-                <a:effectLst/>
-                <a:highlight>
-                  <a:srgbClr val="FFFFFF"/>
-                </a:highlight>
-                <a:latin typeface="Menlo" panose="020B0609030804020204" pitchFamily="49" charset="0"/>
-              </a:rPr>
-              <a:t> a b </a:t>
-            </a:r>
-            <a:r>
-              <a:rPr lang="de-DE" b="0" dirty="0" err="1">
-                <a:solidFill>
-                  <a:srgbClr val="000000"/>
-                </a:solidFill>
-                <a:effectLst/>
-                <a:highlight>
-                  <a:srgbClr val="FFFFFF"/>
-                </a:highlight>
-                <a:latin typeface="Menlo" panose="020B0609030804020204" pitchFamily="49" charset="0"/>
-              </a:rPr>
-              <a:t>h_mul</a:t>
-            </a:r>
-            <a:endParaRPr lang="de-DE" b="0" dirty="0">
-              <a:solidFill>
-                <a:srgbClr val="000000"/>
-              </a:solidFill>
-              <a:effectLst/>
-              <a:highlight>
-                <a:srgbClr val="FFFFFF"/>
-              </a:highlight>
-              <a:latin typeface="Menlo" panose="020B0609030804020204" pitchFamily="49" charset="0"/>
-            </a:endParaRPr>
-          </a:p>
-          <a:p>
-            <a:endParaRPr lang="de-DE" b="0" dirty="0">
-              <a:solidFill>
-                <a:srgbClr val="000000"/>
-              </a:solidFill>
-              <a:effectLst/>
-              <a:highlight>
-                <a:srgbClr val="FFFFFF"/>
-              </a:highlight>
-              <a:latin typeface="Menlo" panose="020B0609030804020204" pitchFamily="49" charset="0"/>
-            </a:endParaRPr>
-          </a:p>
-          <a:p>
-            <a:endParaRPr lang="de-DE" dirty="0">
-              <a:solidFill>
-                <a:srgbClr val="000000"/>
-              </a:solidFill>
-              <a:highlight>
-                <a:srgbClr val="FFFFFF"/>
-              </a:highlight>
-              <a:latin typeface="Menlo" panose="020B0609030804020204" pitchFamily="49" charset="0"/>
-            </a:endParaRPr>
-          </a:p>
-          <a:p>
-            <a:endParaRPr lang="de-DE" b="0" dirty="0">
-              <a:solidFill>
-                <a:srgbClr val="000000"/>
-              </a:solidFill>
-              <a:effectLst/>
-              <a:highlight>
-                <a:srgbClr val="FFFFFF"/>
-              </a:highlight>
-              <a:latin typeface="Menlo" panose="020B0609030804020204" pitchFamily="49" charset="0"/>
-            </a:endParaRPr>
-          </a:p>
-          <a:p>
-            <a:r>
-              <a:rPr lang="de-DE" b="0" dirty="0" err="1">
-                <a:solidFill>
-                  <a:srgbClr val="0000FF"/>
-                </a:solidFill>
-                <a:effectLst/>
-                <a:highlight>
-                  <a:srgbClr val="FFFFFF"/>
-                </a:highlight>
-                <a:latin typeface="Menlo" panose="020B0609030804020204" pitchFamily="49" charset="0"/>
-              </a:rPr>
-              <a:t>have</a:t>
-            </a:r>
-            <a:r>
-              <a:rPr lang="de-DE" b="0" dirty="0">
-                <a:solidFill>
-                  <a:srgbClr val="000000"/>
-                </a:solidFill>
-                <a:effectLst/>
-                <a:highlight>
-                  <a:srgbClr val="FFFFFF"/>
-                </a:highlight>
-                <a:latin typeface="Menlo" panose="020B0609030804020204" pitchFamily="49" charset="0"/>
-              </a:rPr>
-              <a:t> </a:t>
-            </a:r>
-            <a:r>
-              <a:rPr lang="de-DE" b="0" dirty="0" err="1">
-                <a:solidFill>
-                  <a:srgbClr val="000000"/>
-                </a:solidFill>
-                <a:effectLst/>
-                <a:highlight>
-                  <a:srgbClr val="FFFFFF"/>
-                </a:highlight>
-                <a:latin typeface="Menlo" panose="020B0609030804020204" pitchFamily="49" charset="0"/>
-              </a:rPr>
-              <a:t>hx_divides_ab</a:t>
-            </a:r>
-            <a:r>
-              <a:rPr lang="de-DE" b="0" dirty="0">
-                <a:solidFill>
-                  <a:srgbClr val="000000"/>
-                </a:solidFill>
-                <a:effectLst/>
-                <a:highlight>
-                  <a:srgbClr val="FFFFFF"/>
-                </a:highlight>
-                <a:latin typeface="Menlo" panose="020B0609030804020204" pitchFamily="49" charset="0"/>
-              </a:rPr>
-              <a:t> : x | a*b := </a:t>
-            </a:r>
-            <a:r>
-              <a:rPr lang="de-DE" b="0" dirty="0" err="1">
-                <a:solidFill>
-                  <a:srgbClr val="0000FF"/>
-                </a:solidFill>
-                <a:effectLst/>
-                <a:highlight>
-                  <a:srgbClr val="FFFFFF"/>
-                </a:highlight>
-                <a:latin typeface="Menlo" panose="020B0609030804020204" pitchFamily="49" charset="0"/>
-              </a:rPr>
-              <a:t>by</a:t>
-            </a:r>
-            <a:endParaRPr lang="de-DE" b="0" dirty="0">
-              <a:solidFill>
-                <a:srgbClr val="000000"/>
-              </a:solidFill>
-              <a:effectLst/>
-              <a:highlight>
-                <a:srgbClr val="FFFFFF"/>
-              </a:highlight>
-              <a:latin typeface="Menlo" panose="020B0609030804020204" pitchFamily="49" charset="0"/>
-            </a:endParaRPr>
-          </a:p>
-          <a:p>
-            <a:r>
-              <a:rPr lang="de-DE" b="0" dirty="0" err="1">
-                <a:solidFill>
-                  <a:srgbClr val="0000FF"/>
-                </a:solidFill>
-                <a:effectLst/>
-                <a:highlight>
-                  <a:srgbClr val="FFFFFF"/>
-                </a:highlight>
-                <a:latin typeface="Menlo" panose="020B0609030804020204" pitchFamily="49" charset="0"/>
-              </a:rPr>
-              <a:t>use</a:t>
-            </a:r>
-            <a:r>
-              <a:rPr lang="de-DE" b="0" dirty="0">
-                <a:solidFill>
-                  <a:srgbClr val="000000"/>
-                </a:solidFill>
-                <a:effectLst/>
-                <a:highlight>
-                  <a:srgbClr val="FFFFFF"/>
-                </a:highlight>
-                <a:latin typeface="Menlo" panose="020B0609030804020204" pitchFamily="49" charset="0"/>
-              </a:rPr>
-              <a:t> </a:t>
-            </a:r>
-            <a:r>
-              <a:rPr lang="de-DE" b="0" dirty="0">
-                <a:solidFill>
-                  <a:srgbClr val="098658"/>
-                </a:solidFill>
-                <a:effectLst/>
-                <a:highlight>
-                  <a:srgbClr val="FFFFFF"/>
-                </a:highlight>
-                <a:latin typeface="Menlo" panose="020B0609030804020204" pitchFamily="49" charset="0"/>
-              </a:rPr>
-              <a:t>1</a:t>
-            </a:r>
-            <a:endParaRPr lang="de-DE" b="0" dirty="0">
-              <a:solidFill>
-                <a:srgbClr val="000000"/>
-              </a:solidFill>
-              <a:effectLst/>
-              <a:highlight>
-                <a:srgbClr val="FFFFFF"/>
-              </a:highlight>
-              <a:latin typeface="Menlo" panose="020B0609030804020204" pitchFamily="49" charset="0"/>
-            </a:endParaRPr>
-          </a:p>
-          <a:p>
-            <a:r>
-              <a:rPr lang="de-DE" b="0" dirty="0" err="1">
-                <a:solidFill>
-                  <a:srgbClr val="0000FF"/>
-                </a:solidFill>
-                <a:effectLst/>
-                <a:highlight>
-                  <a:srgbClr val="FFFFFF"/>
-                </a:highlight>
-                <a:latin typeface="Menlo" panose="020B0609030804020204" pitchFamily="49" charset="0"/>
-              </a:rPr>
-              <a:t>rw</a:t>
-            </a:r>
-            <a:r>
-              <a:rPr lang="de-DE" b="0" dirty="0">
-                <a:solidFill>
-                  <a:srgbClr val="000000"/>
-                </a:solidFill>
-                <a:effectLst/>
-                <a:highlight>
-                  <a:srgbClr val="FFFFFF"/>
-                </a:highlight>
-                <a:latin typeface="Menlo" panose="020B0609030804020204" pitchFamily="49" charset="0"/>
-              </a:rPr>
-              <a:t>[</a:t>
-            </a:r>
-            <a:r>
-              <a:rPr lang="de-DE" b="0" dirty="0" err="1">
-                <a:solidFill>
-                  <a:srgbClr val="000000"/>
-                </a:solidFill>
-                <a:effectLst/>
-                <a:highlight>
-                  <a:srgbClr val="FFFFFF"/>
-                </a:highlight>
-                <a:latin typeface="Menlo" panose="020B0609030804020204" pitchFamily="49" charset="0"/>
-              </a:rPr>
-              <a:t>h_mul</a:t>
-            </a:r>
-            <a:r>
-              <a:rPr lang="de-DE" b="0" dirty="0">
-                <a:solidFill>
-                  <a:srgbClr val="000000"/>
-                </a:solidFill>
-                <a:effectLst/>
-                <a:highlight>
-                  <a:srgbClr val="FFFFFF"/>
-                </a:highlight>
-                <a:latin typeface="Menlo" panose="020B0609030804020204" pitchFamily="49" charset="0"/>
-              </a:rPr>
-              <a:t>]</a:t>
-            </a:r>
-          </a:p>
-          <a:p>
-            <a:r>
-              <a:rPr lang="de-DE" b="0" dirty="0" err="1">
-                <a:solidFill>
-                  <a:srgbClr val="0000FF"/>
-                </a:solidFill>
-                <a:effectLst/>
-                <a:highlight>
-                  <a:srgbClr val="FFFFFF"/>
-                </a:highlight>
-                <a:latin typeface="Menlo" panose="020B0609030804020204" pitchFamily="49" charset="0"/>
-              </a:rPr>
-              <a:t>Simp</a:t>
-            </a:r>
-            <a:endParaRPr lang="de-DE" b="0" dirty="0">
-              <a:solidFill>
-                <a:srgbClr val="0000FF"/>
-              </a:solidFill>
-              <a:effectLst/>
-              <a:highlight>
-                <a:srgbClr val="FFFFFF"/>
-              </a:highlight>
-              <a:latin typeface="Menlo" panose="020B0609030804020204" pitchFamily="49" charset="0"/>
-            </a:endParaRPr>
-          </a:p>
-          <a:p>
-            <a:endParaRPr lang="de-DE" b="0" dirty="0">
-              <a:solidFill>
-                <a:srgbClr val="000000"/>
-              </a:solidFill>
-              <a:effectLst/>
-              <a:highlight>
-                <a:srgbClr val="FFFFFF"/>
-              </a:highlight>
-              <a:latin typeface="Menlo" panose="020B0609030804020204" pitchFamily="49" charset="0"/>
-            </a:endParaRPr>
-          </a:p>
-          <a:p>
-            <a:endParaRPr lang="de-DE" dirty="0">
-              <a:solidFill>
-                <a:srgbClr val="000000"/>
-              </a:solidFill>
-              <a:highlight>
-                <a:srgbClr val="FFFFFF"/>
-              </a:highlight>
-              <a:latin typeface="Menlo" panose="020B0609030804020204" pitchFamily="49" charset="0"/>
-            </a:endParaRPr>
-          </a:p>
-          <a:p>
-            <a:endParaRPr lang="de-DE" b="0" dirty="0">
-              <a:solidFill>
-                <a:srgbClr val="000000"/>
-              </a:solidFill>
-              <a:effectLst/>
-              <a:highlight>
-                <a:srgbClr val="FFFFFF"/>
-              </a:highlight>
-              <a:latin typeface="Menlo" panose="020B0609030804020204" pitchFamily="49" charset="0"/>
-            </a:endParaRPr>
-          </a:p>
-          <a:p>
-            <a:endParaRPr lang="de-DE" dirty="0">
-              <a:solidFill>
-                <a:srgbClr val="000000"/>
-              </a:solidFill>
-              <a:highlight>
-                <a:srgbClr val="FFFFFF"/>
-              </a:highlight>
-              <a:latin typeface="Menlo" panose="020B0609030804020204" pitchFamily="49" charset="0"/>
-            </a:endParaRPr>
-          </a:p>
-          <a:p>
-            <a:endParaRPr lang="de-DE" b="0" dirty="0">
-              <a:solidFill>
-                <a:srgbClr val="000000"/>
-              </a:solidFill>
-              <a:effectLst/>
-              <a:highlight>
-                <a:srgbClr val="FFFFFF"/>
-              </a:highlight>
-              <a:latin typeface="Menlo" panose="020B0609030804020204" pitchFamily="49" charset="0"/>
-            </a:endParaRPr>
-          </a:p>
-          <a:p>
-            <a:endParaRPr lang="de-DE" b="0" dirty="0">
-              <a:solidFill>
-                <a:srgbClr val="000000"/>
-              </a:solidFill>
-              <a:effectLst/>
-              <a:highlight>
-                <a:srgbClr val="FFFFFF"/>
-              </a:highlight>
-              <a:latin typeface="Menlo" panose="020B0609030804020204" pitchFamily="49" charset="0"/>
-            </a:endParaRPr>
-          </a:p>
-          <a:p>
-            <a:r>
-              <a:rPr lang="de-DE" b="0" dirty="0" err="1">
-                <a:solidFill>
-                  <a:srgbClr val="0000FF"/>
-                </a:solidFill>
-                <a:effectLst/>
-                <a:highlight>
-                  <a:srgbClr val="FFFFFF"/>
-                </a:highlight>
-                <a:latin typeface="Menlo" panose="020B0609030804020204" pitchFamily="49" charset="0"/>
-              </a:rPr>
-              <a:t>have</a:t>
-            </a:r>
-            <a:r>
-              <a:rPr lang="de-DE" b="0" dirty="0">
-                <a:solidFill>
-                  <a:srgbClr val="000000"/>
-                </a:solidFill>
-                <a:effectLst/>
-                <a:highlight>
-                  <a:srgbClr val="FFFFFF"/>
-                </a:highlight>
-                <a:latin typeface="Menlo" panose="020B0609030804020204" pitchFamily="49" charset="0"/>
-              </a:rPr>
-              <a:t> </a:t>
-            </a:r>
-            <a:r>
-              <a:rPr lang="de-DE" b="0" dirty="0" err="1">
-                <a:solidFill>
-                  <a:srgbClr val="000000"/>
-                </a:solidFill>
-                <a:effectLst/>
-                <a:highlight>
-                  <a:srgbClr val="FFFFFF"/>
-                </a:highlight>
-                <a:latin typeface="Menlo" panose="020B0609030804020204" pitchFamily="49" charset="0"/>
-              </a:rPr>
-              <a:t>hxa_or_xb</a:t>
-            </a:r>
-            <a:r>
-              <a:rPr lang="de-DE" b="0" dirty="0">
-                <a:solidFill>
-                  <a:srgbClr val="000000"/>
-                </a:solidFill>
-                <a:effectLst/>
-                <a:highlight>
-                  <a:srgbClr val="FFFFFF"/>
-                </a:highlight>
-                <a:latin typeface="Menlo" panose="020B0609030804020204" pitchFamily="49" charset="0"/>
-              </a:rPr>
-              <a:t> := </a:t>
-            </a:r>
-            <a:r>
-              <a:rPr lang="de-DE" b="0" dirty="0" err="1">
-                <a:solidFill>
-                  <a:srgbClr val="000000"/>
-                </a:solidFill>
-                <a:effectLst/>
-                <a:highlight>
-                  <a:srgbClr val="FFFFFF"/>
-                </a:highlight>
-                <a:latin typeface="Menlo" panose="020B0609030804020204" pitchFamily="49" charset="0"/>
-              </a:rPr>
-              <a:t>hdiv</a:t>
-            </a:r>
-            <a:r>
-              <a:rPr lang="de-DE" b="0" dirty="0">
-                <a:solidFill>
-                  <a:srgbClr val="000000"/>
-                </a:solidFill>
-                <a:effectLst/>
-                <a:highlight>
-                  <a:srgbClr val="FFFFFF"/>
-                </a:highlight>
-                <a:latin typeface="Menlo" panose="020B0609030804020204" pitchFamily="49" charset="0"/>
-              </a:rPr>
-              <a:t> a b </a:t>
-            </a:r>
-            <a:r>
-              <a:rPr lang="de-DE" b="0" dirty="0" err="1">
-                <a:solidFill>
-                  <a:srgbClr val="000000"/>
-                </a:solidFill>
-                <a:effectLst/>
-                <a:highlight>
-                  <a:srgbClr val="FFFFFF"/>
-                </a:highlight>
-                <a:latin typeface="Menlo" panose="020B0609030804020204" pitchFamily="49" charset="0"/>
-              </a:rPr>
-              <a:t>hx_divides_ab</a:t>
-            </a:r>
-            <a:endParaRPr lang="de-DE" b="0" dirty="0">
-              <a:solidFill>
-                <a:srgbClr val="000000"/>
-              </a:solidFill>
-              <a:effectLst/>
-              <a:highlight>
-                <a:srgbClr val="FFFFFF"/>
-              </a:highlight>
-              <a:latin typeface="Menlo" panose="020B0609030804020204" pitchFamily="49" charset="0"/>
-            </a:endParaRPr>
-          </a:p>
-          <a:p>
-            <a:r>
-              <a:rPr lang="de-DE" b="0" dirty="0">
-                <a:solidFill>
-                  <a:srgbClr val="008000"/>
-                </a:solidFill>
-                <a:effectLst/>
-                <a:highlight>
-                  <a:srgbClr val="FFFFFF"/>
-                </a:highlight>
-                <a:latin typeface="Menlo" panose="020B0609030804020204" pitchFamily="49" charset="0"/>
-              </a:rPr>
-              <a:t>-- x </a:t>
-            </a:r>
-            <a:r>
-              <a:rPr lang="de-DE" b="0" dirty="0" err="1">
-                <a:solidFill>
-                  <a:srgbClr val="008000"/>
-                </a:solidFill>
-                <a:effectLst/>
-                <a:highlight>
-                  <a:srgbClr val="FFFFFF"/>
-                </a:highlight>
-                <a:latin typeface="Menlo" panose="020B0609030804020204" pitchFamily="49" charset="0"/>
-              </a:rPr>
-              <a:t>divides</a:t>
-            </a:r>
-            <a:r>
-              <a:rPr lang="de-DE" b="0" dirty="0">
-                <a:solidFill>
-                  <a:srgbClr val="008000"/>
-                </a:solidFill>
-                <a:effectLst/>
-                <a:highlight>
-                  <a:srgbClr val="FFFFFF"/>
-                </a:highlight>
-                <a:latin typeface="Menlo" panose="020B0609030804020204" pitchFamily="49" charset="0"/>
-              </a:rPr>
-              <a:t> </a:t>
-            </a:r>
-            <a:r>
-              <a:rPr lang="de-DE" b="0" dirty="0" err="1">
-                <a:solidFill>
-                  <a:srgbClr val="008000"/>
-                </a:solidFill>
-                <a:effectLst/>
-                <a:highlight>
-                  <a:srgbClr val="FFFFFF"/>
-                </a:highlight>
-                <a:latin typeface="Menlo" panose="020B0609030804020204" pitchFamily="49" charset="0"/>
-              </a:rPr>
-              <a:t>either</a:t>
-            </a:r>
-            <a:r>
-              <a:rPr lang="de-DE" b="0" dirty="0">
-                <a:solidFill>
-                  <a:srgbClr val="008000"/>
-                </a:solidFill>
-                <a:effectLst/>
-                <a:highlight>
-                  <a:srgbClr val="FFFFFF"/>
-                </a:highlight>
-                <a:latin typeface="Menlo" panose="020B0609030804020204" pitchFamily="49" charset="0"/>
-              </a:rPr>
-              <a:t> a </a:t>
-            </a:r>
-            <a:r>
-              <a:rPr lang="de-DE" b="0" dirty="0" err="1">
-                <a:solidFill>
-                  <a:srgbClr val="008000"/>
-                </a:solidFill>
-                <a:effectLst/>
-                <a:highlight>
-                  <a:srgbClr val="FFFFFF"/>
-                </a:highlight>
-                <a:latin typeface="Menlo" panose="020B0609030804020204" pitchFamily="49" charset="0"/>
-              </a:rPr>
-              <a:t>or</a:t>
-            </a:r>
-            <a:r>
-              <a:rPr lang="de-DE" b="0" dirty="0">
-                <a:solidFill>
-                  <a:srgbClr val="008000"/>
-                </a:solidFill>
-                <a:effectLst/>
-                <a:highlight>
-                  <a:srgbClr val="FFFFFF"/>
-                </a:highlight>
-                <a:latin typeface="Menlo" panose="020B0609030804020204" pitchFamily="49" charset="0"/>
-              </a:rPr>
-              <a:t> b </a:t>
-            </a:r>
-            <a:r>
-              <a:rPr lang="de-DE" b="0" dirty="0" err="1">
-                <a:solidFill>
-                  <a:srgbClr val="008000"/>
-                </a:solidFill>
-                <a:effectLst/>
-                <a:highlight>
-                  <a:srgbClr val="FFFFFF"/>
-                </a:highlight>
-                <a:latin typeface="Menlo" panose="020B0609030804020204" pitchFamily="49" charset="0"/>
-              </a:rPr>
-              <a:t>because</a:t>
-            </a:r>
-            <a:r>
-              <a:rPr lang="de-DE" b="0" dirty="0">
-                <a:solidFill>
-                  <a:srgbClr val="008000"/>
-                </a:solidFill>
-                <a:effectLst/>
-                <a:highlight>
-                  <a:srgbClr val="FFFFFF"/>
-                </a:highlight>
-                <a:latin typeface="Menlo" panose="020B0609030804020204" pitchFamily="49" charset="0"/>
-              </a:rPr>
-              <a:t> </a:t>
-            </a:r>
-            <a:r>
-              <a:rPr lang="de-DE" b="0" dirty="0" err="1">
-                <a:solidFill>
-                  <a:srgbClr val="008000"/>
-                </a:solidFill>
-                <a:effectLst/>
-                <a:highlight>
-                  <a:srgbClr val="FFFFFF"/>
-                </a:highlight>
-                <a:latin typeface="Menlo" panose="020B0609030804020204" pitchFamily="49" charset="0"/>
-              </a:rPr>
-              <a:t>it's</a:t>
-            </a:r>
-            <a:r>
-              <a:rPr lang="de-DE" b="0" dirty="0">
-                <a:solidFill>
-                  <a:srgbClr val="008000"/>
-                </a:solidFill>
-                <a:effectLst/>
-                <a:highlight>
-                  <a:srgbClr val="FFFFFF"/>
-                </a:highlight>
-                <a:latin typeface="Menlo" panose="020B0609030804020204" pitchFamily="49" charset="0"/>
-              </a:rPr>
-              <a:t> prime</a:t>
-            </a:r>
-            <a:endParaRPr lang="de-DE" b="0" dirty="0">
-              <a:solidFill>
-                <a:srgbClr val="000000"/>
-              </a:solidFill>
-              <a:effectLst/>
-              <a:highlight>
-                <a:srgbClr val="FFFFFF"/>
-              </a:highlight>
-              <a:latin typeface="Menlo" panose="020B0609030804020204" pitchFamily="49" charset="0"/>
-            </a:endParaRPr>
-          </a:p>
-          <a:p>
-            <a:r>
-              <a:rPr lang="de-DE" b="0" dirty="0" err="1">
-                <a:solidFill>
-                  <a:srgbClr val="0000FF"/>
-                </a:solidFill>
-                <a:effectLst/>
-                <a:highlight>
-                  <a:srgbClr val="FFFFFF"/>
-                </a:highlight>
-                <a:latin typeface="Menlo" panose="020B0609030804020204" pitchFamily="49" charset="0"/>
-              </a:rPr>
-              <a:t>rcases</a:t>
-            </a:r>
-            <a:r>
-              <a:rPr lang="de-DE" b="0" dirty="0">
-                <a:solidFill>
-                  <a:srgbClr val="000000"/>
-                </a:solidFill>
-                <a:effectLst/>
-                <a:highlight>
-                  <a:srgbClr val="FFFFFF"/>
-                </a:highlight>
-                <a:latin typeface="Menlo" panose="020B0609030804020204" pitchFamily="49" charset="0"/>
-              </a:rPr>
-              <a:t> </a:t>
-            </a:r>
-            <a:r>
-              <a:rPr lang="de-DE" b="0" dirty="0" err="1">
-                <a:solidFill>
-                  <a:srgbClr val="000000"/>
-                </a:solidFill>
-                <a:effectLst/>
-                <a:highlight>
-                  <a:srgbClr val="FFFFFF"/>
-                </a:highlight>
-                <a:latin typeface="Menlo" panose="020B0609030804020204" pitchFamily="49" charset="0"/>
-              </a:rPr>
-              <a:t>hxa_or_xb</a:t>
-            </a:r>
-            <a:r>
-              <a:rPr lang="de-DE" b="0" dirty="0">
-                <a:solidFill>
-                  <a:srgbClr val="000000"/>
-                </a:solidFill>
-                <a:effectLst/>
-                <a:highlight>
-                  <a:srgbClr val="FFFFFF"/>
-                </a:highlight>
-                <a:latin typeface="Menlo" panose="020B0609030804020204" pitchFamily="49" charset="0"/>
-              </a:rPr>
-              <a:t> </a:t>
-            </a:r>
-            <a:r>
-              <a:rPr lang="de-DE" b="0" dirty="0" err="1">
-                <a:solidFill>
-                  <a:srgbClr val="0000FF"/>
-                </a:solidFill>
-                <a:effectLst/>
-                <a:highlight>
-                  <a:srgbClr val="FFFFFF"/>
-                </a:highlight>
-                <a:latin typeface="Menlo" panose="020B0609030804020204" pitchFamily="49" charset="0"/>
-              </a:rPr>
-              <a:t>with</a:t>
-            </a:r>
-            <a:r>
-              <a:rPr lang="de-DE" b="0" dirty="0">
-                <a:solidFill>
-                  <a:srgbClr val="000000"/>
-                </a:solidFill>
-                <a:effectLst/>
-                <a:highlight>
-                  <a:srgbClr val="FFFFFF"/>
-                </a:highlight>
-                <a:latin typeface="Menlo" panose="020B0609030804020204" pitchFamily="49" charset="0"/>
-              </a:rPr>
-              <a:t> </a:t>
-            </a:r>
-            <a:r>
-              <a:rPr lang="de-DE" b="0" dirty="0" err="1">
-                <a:solidFill>
-                  <a:srgbClr val="000000"/>
-                </a:solidFill>
-                <a:effectLst/>
-                <a:highlight>
-                  <a:srgbClr val="FFFFFF"/>
-                </a:highlight>
-                <a:latin typeface="Menlo" panose="020B0609030804020204" pitchFamily="49" charset="0"/>
-              </a:rPr>
-              <a:t>hxa</a:t>
-            </a:r>
-            <a:r>
-              <a:rPr lang="de-DE" b="0" dirty="0">
-                <a:solidFill>
-                  <a:srgbClr val="000000"/>
-                </a:solidFill>
-                <a:effectLst/>
-                <a:highlight>
-                  <a:srgbClr val="FFFFFF"/>
-                </a:highlight>
-                <a:latin typeface="Menlo" panose="020B0609030804020204" pitchFamily="49" charset="0"/>
-              </a:rPr>
-              <a:t> | </a:t>
-            </a:r>
-            <a:r>
-              <a:rPr lang="de-DE" b="0" dirty="0" err="1">
-                <a:solidFill>
-                  <a:srgbClr val="000000"/>
-                </a:solidFill>
-                <a:effectLst/>
-                <a:highlight>
-                  <a:srgbClr val="FFFFFF"/>
-                </a:highlight>
-                <a:latin typeface="Menlo" panose="020B0609030804020204" pitchFamily="49" charset="0"/>
-              </a:rPr>
-              <a:t>hxb</a:t>
-            </a:r>
-            <a:endParaRPr lang="de-DE" b="0" dirty="0">
-              <a:solidFill>
-                <a:srgbClr val="000000"/>
-              </a:solidFill>
-              <a:effectLst/>
-              <a:highlight>
-                <a:srgbClr val="FFFFFF"/>
-              </a:highlight>
-              <a:latin typeface="Menlo" panose="020B0609030804020204" pitchFamily="49" charset="0"/>
-            </a:endParaRPr>
-          </a:p>
-        </p:txBody>
-      </p:sp>
-    </p:spTree>
-    <p:extLst>
-      <p:ext uri="{BB962C8B-B14F-4D97-AF65-F5344CB8AC3E}">
-        <p14:creationId xmlns:p14="http://schemas.microsoft.com/office/powerpoint/2010/main" val="1069130109"/>
       </p:ext>
     </p:extLst>
   </p:cSld>
@@ -32847,6 +32013,1259 @@
             <p:ph idx="1"/>
             <p:extLst>
               <p:ext uri="{D42A27DB-BD31-4B8C-83A1-F6EECF244321}">
+                <p14:modId xmlns:p14="http://schemas.microsoft.com/office/powerpoint/2010/main" val="264802055"/>
+              </p:ext>
+            </p:extLst>
+          </p:nvPr>
+        </p:nvGraphicFramePr>
+        <p:xfrm>
+          <a:off x="137962" y="511207"/>
+          <a:ext cx="11916076" cy="5835586"/>
+        </p:xfrm>
+        <a:graphic>
+          <a:graphicData uri="http://schemas.openxmlformats.org/drawingml/2006/diagram">
+            <dgm:relIds xmlns:dgm="http://schemas.openxmlformats.org/drawingml/2006/diagram" xmlns:r="http://schemas.openxmlformats.org/officeDocument/2006/relationships" r:dm="rId2" r:lo="rId3" r:qs="rId4" r:cs="rId5"/>
+          </a:graphicData>
+        </a:graphic>
+      </p:graphicFrame>
+    </p:spTree>
+    <p:extLst>
+      <p:ext uri="{BB962C8B-B14F-4D97-AF65-F5344CB8AC3E}">
+        <p14:creationId xmlns:p14="http://schemas.microsoft.com/office/powerpoint/2010/main" val="800523582"/>
+      </p:ext>
+    </p:extLst>
+  </p:cSld>
+  <p:clrMapOvr>
+    <a:masterClrMapping/>
+  </p:clrMapOvr>
+</p:sld>
+</file>
+
+<file path=ppt/slides/slide31.xml><?xml version="1.0" encoding="utf-8"?>
+<p:sld xmlns:a="http://schemas.openxmlformats.org/drawingml/2006/main" xmlns:r="http://schemas.openxmlformats.org/officeDocument/2006/relationships" xmlns:p="http://schemas.openxmlformats.org/presentationml/2006/main">
+  <p:cSld>
+    <p:spTree>
+      <p:nvGrpSpPr>
+        <p:cNvPr id="1" name=""/>
+        <p:cNvGrpSpPr/>
+        <p:nvPr/>
+      </p:nvGrpSpPr>
+      <p:grpSpPr>
+        <a:xfrm>
+          <a:off x="0" y="0"/>
+          <a:ext cx="0" cy="0"/>
+          <a:chOff x="0" y="0"/>
+          <a:chExt cx="0" cy="0"/>
+        </a:xfrm>
+      </p:grpSpPr>
+      <p:graphicFrame>
+        <p:nvGraphicFramePr>
+          <p:cNvPr id="10" name="Inhaltsplatzhalter 9">
+            <a:extLst>
+              <a:ext uri="{FF2B5EF4-FFF2-40B4-BE49-F238E27FC236}">
+                <a16:creationId xmlns:a16="http://schemas.microsoft.com/office/drawing/2014/main" id="{DF12E86F-B6E8-9685-CCC9-81A1D58FD2B1}"/>
+              </a:ext>
+            </a:extLst>
+          </p:cNvPr>
+          <p:cNvGraphicFramePr>
+            <a:graphicFrameLocks noGrp="1"/>
+          </p:cNvGraphicFramePr>
+          <p:nvPr>
+            <p:ph idx="1"/>
+            <p:extLst>
+              <p:ext uri="{D42A27DB-BD31-4B8C-83A1-F6EECF244321}">
+                <p14:modId xmlns:p14="http://schemas.microsoft.com/office/powerpoint/2010/main" val="641713456"/>
+              </p:ext>
+            </p:extLst>
+          </p:nvPr>
+        </p:nvGraphicFramePr>
+        <p:xfrm>
+          <a:off x="-1628273" y="139567"/>
+          <a:ext cx="6564829" cy="6578866"/>
+        </p:xfrm>
+        <a:graphic>
+          <a:graphicData uri="http://schemas.openxmlformats.org/drawingml/2006/diagram">
+            <dgm:relIds xmlns:dgm="http://schemas.openxmlformats.org/drawingml/2006/diagram" xmlns:r="http://schemas.openxmlformats.org/officeDocument/2006/relationships" r:dm="rId2" r:lo="rId3" r:qs="rId4" r:cs="rId5"/>
+          </a:graphicData>
+        </a:graphic>
+      </p:graphicFrame>
+      <p:sp>
+        <p:nvSpPr>
+          <p:cNvPr id="5" name="Textfeld 4">
+            <a:extLst>
+              <a:ext uri="{FF2B5EF4-FFF2-40B4-BE49-F238E27FC236}">
+                <a16:creationId xmlns:a16="http://schemas.microsoft.com/office/drawing/2014/main" id="{4946934C-9D60-E547-7BE5-713DC2CB75CC}"/>
+              </a:ext>
+            </a:extLst>
+          </p:cNvPr>
+          <p:cNvSpPr txBox="1"/>
+          <p:nvPr/>
+        </p:nvSpPr>
+        <p:spPr>
+          <a:xfrm>
+            <a:off x="3393304" y="139567"/>
+            <a:ext cx="8798696" cy="6186309"/>
+          </a:xfrm>
+          <a:prstGeom prst="rect">
+            <a:avLst/>
+          </a:prstGeom>
+          <a:noFill/>
+        </p:spPr>
+        <p:txBody>
+          <a:bodyPr wrap="square">
+            <a:spAutoFit/>
+          </a:bodyPr>
+          <a:lstStyle/>
+          <a:p>
+            <a:r>
+              <a:rPr lang="de-DE" b="0" dirty="0" err="1">
+                <a:solidFill>
+                  <a:srgbClr val="0000FF"/>
+                </a:solidFill>
+                <a:effectLst/>
+                <a:highlight>
+                  <a:srgbClr val="FFFFFF"/>
+                </a:highlight>
+                <a:latin typeface="Menlo" panose="020B0609030804020204" pitchFamily="49" charset="0"/>
+              </a:rPr>
+              <a:t>theorem</a:t>
+            </a:r>
+            <a:r>
+              <a:rPr lang="de-DE" b="0" dirty="0">
+                <a:solidFill>
+                  <a:srgbClr val="000000"/>
+                </a:solidFill>
+                <a:effectLst/>
+                <a:highlight>
+                  <a:srgbClr val="FFFFFF"/>
+                </a:highlight>
+                <a:latin typeface="Menlo" panose="020B0609030804020204" pitchFamily="49" charset="0"/>
+              </a:rPr>
+              <a:t> </a:t>
+            </a:r>
+            <a:r>
+              <a:rPr lang="de-DE" b="0" dirty="0" err="1">
+                <a:solidFill>
+                  <a:srgbClr val="000000"/>
+                </a:solidFill>
+                <a:effectLst/>
+                <a:highlight>
+                  <a:srgbClr val="FFFFFF"/>
+                </a:highlight>
+                <a:latin typeface="Menlo" panose="020B0609030804020204" pitchFamily="49" charset="0"/>
+              </a:rPr>
+              <a:t>isIrreducible_of_isPrime</a:t>
+            </a:r>
+            <a:r>
+              <a:rPr lang="de-DE" b="0" dirty="0">
+                <a:solidFill>
+                  <a:srgbClr val="000000"/>
+                </a:solidFill>
+                <a:effectLst/>
+                <a:highlight>
+                  <a:srgbClr val="FFFFFF"/>
+                </a:highlight>
+                <a:latin typeface="Menlo" panose="020B0609030804020204" pitchFamily="49" charset="0"/>
+              </a:rPr>
+              <a:t> [</a:t>
+            </a:r>
+            <a:r>
+              <a:rPr lang="de-DE" b="0" dirty="0" err="1">
+                <a:solidFill>
+                  <a:srgbClr val="000000"/>
+                </a:solidFill>
+                <a:effectLst/>
+                <a:highlight>
+                  <a:srgbClr val="FFFFFF"/>
+                </a:highlight>
+                <a:latin typeface="Menlo" panose="020B0609030804020204" pitchFamily="49" charset="0"/>
+              </a:rPr>
+              <a:t>IsDomain</a:t>
+            </a:r>
+            <a:r>
+              <a:rPr lang="de-DE" b="0" dirty="0">
+                <a:solidFill>
+                  <a:srgbClr val="000000"/>
+                </a:solidFill>
+                <a:effectLst/>
+                <a:highlight>
+                  <a:srgbClr val="FFFFFF"/>
+                </a:highlight>
+                <a:latin typeface="Menlo" panose="020B0609030804020204" pitchFamily="49" charset="0"/>
+              </a:rPr>
+              <a:t> R] (x : R) </a:t>
+            </a:r>
+          </a:p>
+          <a:p>
+            <a:r>
+              <a:rPr lang="de-DE" b="0" dirty="0">
+                <a:solidFill>
+                  <a:srgbClr val="000000"/>
+                </a:solidFill>
+                <a:effectLst/>
+                <a:highlight>
+                  <a:srgbClr val="FFFFFF"/>
+                </a:highlight>
+                <a:latin typeface="Menlo" panose="020B0609030804020204" pitchFamily="49" charset="0"/>
+              </a:rPr>
+              <a:t>(h : </a:t>
+            </a:r>
+            <a:r>
+              <a:rPr lang="de-DE" b="0" dirty="0" err="1">
+                <a:solidFill>
+                  <a:srgbClr val="000000"/>
+                </a:solidFill>
+                <a:effectLst/>
+                <a:highlight>
+                  <a:srgbClr val="FFFFFF"/>
+                </a:highlight>
+                <a:latin typeface="Menlo" panose="020B0609030804020204" pitchFamily="49" charset="0"/>
+              </a:rPr>
+              <a:t>IsPrime</a:t>
+            </a:r>
+            <a:r>
+              <a:rPr lang="de-DE" b="0" dirty="0">
+                <a:solidFill>
+                  <a:srgbClr val="000000"/>
+                </a:solidFill>
+                <a:effectLst/>
+                <a:highlight>
+                  <a:srgbClr val="FFFFFF"/>
+                </a:highlight>
+                <a:latin typeface="Menlo" panose="020B0609030804020204" pitchFamily="49" charset="0"/>
+              </a:rPr>
+              <a:t> x) : </a:t>
+            </a:r>
+            <a:r>
+              <a:rPr lang="de-DE" b="0" dirty="0" err="1">
+                <a:solidFill>
+                  <a:srgbClr val="000000"/>
+                </a:solidFill>
+                <a:effectLst/>
+                <a:highlight>
+                  <a:srgbClr val="FFFFFF"/>
+                </a:highlight>
+                <a:latin typeface="Menlo" panose="020B0609030804020204" pitchFamily="49" charset="0"/>
+              </a:rPr>
+              <a:t>IsIrreducible</a:t>
+            </a:r>
+            <a:r>
+              <a:rPr lang="de-DE" b="0" dirty="0">
+                <a:solidFill>
+                  <a:srgbClr val="000000"/>
+                </a:solidFill>
+                <a:effectLst/>
+                <a:highlight>
+                  <a:srgbClr val="FFFFFF"/>
+                </a:highlight>
+                <a:latin typeface="Menlo" panose="020B0609030804020204" pitchFamily="49" charset="0"/>
+              </a:rPr>
+              <a:t> x := </a:t>
+            </a:r>
+            <a:r>
+              <a:rPr lang="de-DE" b="0" dirty="0" err="1">
+                <a:solidFill>
+                  <a:srgbClr val="0000FF"/>
+                </a:solidFill>
+                <a:effectLst/>
+                <a:highlight>
+                  <a:srgbClr val="FFFFFF"/>
+                </a:highlight>
+                <a:latin typeface="Menlo" panose="020B0609030804020204" pitchFamily="49" charset="0"/>
+              </a:rPr>
+              <a:t>by</a:t>
+            </a:r>
+            <a:endParaRPr lang="de-DE" b="0" dirty="0">
+              <a:solidFill>
+                <a:srgbClr val="000000"/>
+              </a:solidFill>
+              <a:effectLst/>
+              <a:highlight>
+                <a:srgbClr val="FFFFFF"/>
+              </a:highlight>
+              <a:latin typeface="Menlo" panose="020B0609030804020204" pitchFamily="49" charset="0"/>
+            </a:endParaRPr>
+          </a:p>
+          <a:p>
+            <a:r>
+              <a:rPr lang="de-DE" b="0" dirty="0" err="1">
+                <a:solidFill>
+                  <a:srgbClr val="0000FF"/>
+                </a:solidFill>
+                <a:effectLst/>
+                <a:highlight>
+                  <a:srgbClr val="FFFFFF"/>
+                </a:highlight>
+                <a:latin typeface="Menlo" panose="020B0609030804020204" pitchFamily="49" charset="0"/>
+              </a:rPr>
+              <a:t>obtain</a:t>
+            </a:r>
+            <a:r>
+              <a:rPr lang="de-DE" b="0" dirty="0">
+                <a:solidFill>
+                  <a:srgbClr val="000000"/>
+                </a:solidFill>
+                <a:effectLst/>
+                <a:highlight>
+                  <a:srgbClr val="FFFFFF"/>
+                </a:highlight>
+                <a:latin typeface="Menlo" panose="020B0609030804020204" pitchFamily="49" charset="0"/>
+              </a:rPr>
+              <a:t> ⟨</a:t>
+            </a:r>
+            <a:r>
+              <a:rPr lang="de-DE" b="0" dirty="0" err="1">
+                <a:solidFill>
+                  <a:srgbClr val="000000"/>
+                </a:solidFill>
+                <a:effectLst/>
+                <a:highlight>
+                  <a:srgbClr val="FFFFFF"/>
+                </a:highlight>
+                <a:latin typeface="Menlo" panose="020B0609030804020204" pitchFamily="49" charset="0"/>
+              </a:rPr>
+              <a:t>hnontrivial</a:t>
+            </a:r>
+            <a:r>
+              <a:rPr lang="de-DE" b="0" dirty="0">
+                <a:solidFill>
+                  <a:srgbClr val="000000"/>
+                </a:solidFill>
+                <a:effectLst/>
+                <a:highlight>
+                  <a:srgbClr val="FFFFFF"/>
+                </a:highlight>
+                <a:latin typeface="Menlo" panose="020B0609030804020204" pitchFamily="49" charset="0"/>
+              </a:rPr>
+              <a:t>, </a:t>
+            </a:r>
+            <a:r>
+              <a:rPr lang="de-DE" b="0" dirty="0" err="1">
+                <a:solidFill>
+                  <a:srgbClr val="000000"/>
+                </a:solidFill>
+                <a:effectLst/>
+                <a:highlight>
+                  <a:srgbClr val="FFFFFF"/>
+                </a:highlight>
+                <a:latin typeface="Menlo" panose="020B0609030804020204" pitchFamily="49" charset="0"/>
+              </a:rPr>
+              <a:t>hdiv</a:t>
+            </a:r>
+            <a:r>
+              <a:rPr lang="de-DE" b="0" dirty="0">
+                <a:solidFill>
+                  <a:srgbClr val="000000"/>
+                </a:solidFill>
+                <a:effectLst/>
+                <a:highlight>
+                  <a:srgbClr val="FFFFFF"/>
+                </a:highlight>
+                <a:latin typeface="Menlo" panose="020B0609030804020204" pitchFamily="49" charset="0"/>
+              </a:rPr>
+              <a:t>⟩ := h</a:t>
+            </a:r>
+          </a:p>
+          <a:p>
+            <a:r>
+              <a:rPr lang="de-DE" b="0" dirty="0" err="1">
+                <a:solidFill>
+                  <a:srgbClr val="0000FF"/>
+                </a:solidFill>
+                <a:effectLst/>
+                <a:highlight>
+                  <a:srgbClr val="FFFFFF"/>
+                </a:highlight>
+                <a:latin typeface="Menlo" panose="020B0609030804020204" pitchFamily="49" charset="0"/>
+              </a:rPr>
+              <a:t>constructor</a:t>
+            </a:r>
+            <a:endParaRPr lang="de-DE" b="0" dirty="0">
+              <a:solidFill>
+                <a:srgbClr val="000000"/>
+              </a:solidFill>
+              <a:effectLst/>
+              <a:highlight>
+                <a:srgbClr val="FFFFFF"/>
+              </a:highlight>
+              <a:latin typeface="Menlo" panose="020B0609030804020204" pitchFamily="49" charset="0"/>
+            </a:endParaRPr>
+          </a:p>
+          <a:p>
+            <a:r>
+              <a:rPr lang="de-DE" b="0" dirty="0">
+                <a:solidFill>
+                  <a:srgbClr val="000000"/>
+                </a:solidFill>
+                <a:effectLst/>
+                <a:highlight>
+                  <a:srgbClr val="FFFFFF"/>
+                </a:highlight>
+                <a:latin typeface="Menlo" panose="020B0609030804020204" pitchFamily="49" charset="0"/>
+              </a:rPr>
+              <a:t>· </a:t>
+            </a:r>
+            <a:r>
+              <a:rPr lang="de-DE" b="0" dirty="0" err="1">
+                <a:solidFill>
+                  <a:srgbClr val="0000FF"/>
+                </a:solidFill>
+                <a:effectLst/>
+                <a:highlight>
+                  <a:srgbClr val="FFFFFF"/>
+                </a:highlight>
+                <a:latin typeface="Menlo" panose="020B0609030804020204" pitchFamily="49" charset="0"/>
+              </a:rPr>
+              <a:t>exact</a:t>
+            </a:r>
+            <a:r>
+              <a:rPr lang="de-DE" b="0" dirty="0">
+                <a:solidFill>
+                  <a:srgbClr val="000000"/>
+                </a:solidFill>
+                <a:effectLst/>
+                <a:highlight>
+                  <a:srgbClr val="FFFFFF"/>
+                </a:highlight>
+                <a:latin typeface="Menlo" panose="020B0609030804020204" pitchFamily="49" charset="0"/>
+              </a:rPr>
+              <a:t> </a:t>
+            </a:r>
+            <a:r>
+              <a:rPr lang="de-DE" b="0" dirty="0" err="1">
+                <a:solidFill>
+                  <a:srgbClr val="000000"/>
+                </a:solidFill>
+                <a:effectLst/>
+                <a:highlight>
+                  <a:srgbClr val="FFFFFF"/>
+                </a:highlight>
+                <a:latin typeface="Menlo" panose="020B0609030804020204" pitchFamily="49" charset="0"/>
+              </a:rPr>
+              <a:t>hnontrivial</a:t>
+            </a:r>
+            <a:endParaRPr lang="de-DE" b="0" dirty="0">
+              <a:solidFill>
+                <a:srgbClr val="000000"/>
+              </a:solidFill>
+              <a:effectLst/>
+              <a:highlight>
+                <a:srgbClr val="FFFFFF"/>
+              </a:highlight>
+              <a:latin typeface="Menlo" panose="020B0609030804020204" pitchFamily="49" charset="0"/>
+            </a:endParaRPr>
+          </a:p>
+          <a:p>
+            <a:r>
+              <a:rPr lang="de-DE" b="0" dirty="0">
+                <a:solidFill>
+                  <a:srgbClr val="000000"/>
+                </a:solidFill>
+                <a:effectLst/>
+                <a:highlight>
+                  <a:srgbClr val="FFFFFF"/>
+                </a:highlight>
+                <a:latin typeface="Menlo" panose="020B0609030804020204" pitchFamily="49" charset="0"/>
+              </a:rPr>
+              <a:t>· </a:t>
+            </a:r>
+            <a:r>
+              <a:rPr lang="de-DE" b="0" dirty="0" err="1">
+                <a:solidFill>
+                  <a:srgbClr val="0000FF"/>
+                </a:solidFill>
+                <a:effectLst/>
+                <a:highlight>
+                  <a:srgbClr val="FFFFFF"/>
+                </a:highlight>
+                <a:latin typeface="Menlo" panose="020B0609030804020204" pitchFamily="49" charset="0"/>
+              </a:rPr>
+              <a:t>intros</a:t>
+            </a:r>
+            <a:r>
+              <a:rPr lang="de-DE" b="0" dirty="0">
+                <a:solidFill>
+                  <a:srgbClr val="000000"/>
+                </a:solidFill>
+                <a:effectLst/>
+                <a:highlight>
+                  <a:srgbClr val="FFFFFF"/>
+                </a:highlight>
+                <a:latin typeface="Menlo" panose="020B0609030804020204" pitchFamily="49" charset="0"/>
+              </a:rPr>
+              <a:t> a b </a:t>
+            </a:r>
+            <a:r>
+              <a:rPr lang="de-DE" b="0" dirty="0" err="1">
+                <a:solidFill>
+                  <a:srgbClr val="000000"/>
+                </a:solidFill>
+                <a:effectLst/>
+                <a:highlight>
+                  <a:srgbClr val="FFFFFF"/>
+                </a:highlight>
+                <a:latin typeface="Menlo" panose="020B0609030804020204" pitchFamily="49" charset="0"/>
+              </a:rPr>
+              <a:t>h_mul</a:t>
+            </a:r>
+            <a:endParaRPr lang="de-DE" b="0" dirty="0">
+              <a:solidFill>
+                <a:srgbClr val="000000"/>
+              </a:solidFill>
+              <a:effectLst/>
+              <a:highlight>
+                <a:srgbClr val="FFFFFF"/>
+              </a:highlight>
+              <a:latin typeface="Menlo" panose="020B0609030804020204" pitchFamily="49" charset="0"/>
+            </a:endParaRPr>
+          </a:p>
+          <a:p>
+            <a:endParaRPr lang="de-DE" b="0" dirty="0">
+              <a:solidFill>
+                <a:srgbClr val="000000"/>
+              </a:solidFill>
+              <a:effectLst/>
+              <a:highlight>
+                <a:srgbClr val="FFFFFF"/>
+              </a:highlight>
+              <a:latin typeface="Menlo" panose="020B0609030804020204" pitchFamily="49" charset="0"/>
+            </a:endParaRPr>
+          </a:p>
+          <a:p>
+            <a:endParaRPr lang="de-DE" dirty="0">
+              <a:solidFill>
+                <a:srgbClr val="000000"/>
+              </a:solidFill>
+              <a:highlight>
+                <a:srgbClr val="FFFFFF"/>
+              </a:highlight>
+              <a:latin typeface="Menlo" panose="020B0609030804020204" pitchFamily="49" charset="0"/>
+            </a:endParaRPr>
+          </a:p>
+          <a:p>
+            <a:endParaRPr lang="de-DE" b="0" dirty="0">
+              <a:solidFill>
+                <a:srgbClr val="000000"/>
+              </a:solidFill>
+              <a:effectLst/>
+              <a:highlight>
+                <a:srgbClr val="FFFFFF"/>
+              </a:highlight>
+              <a:latin typeface="Menlo" panose="020B0609030804020204" pitchFamily="49" charset="0"/>
+            </a:endParaRPr>
+          </a:p>
+          <a:p>
+            <a:r>
+              <a:rPr lang="de-DE" b="0" dirty="0" err="1">
+                <a:solidFill>
+                  <a:srgbClr val="0000FF"/>
+                </a:solidFill>
+                <a:effectLst/>
+                <a:highlight>
+                  <a:srgbClr val="FFFFFF"/>
+                </a:highlight>
+                <a:latin typeface="Menlo" panose="020B0609030804020204" pitchFamily="49" charset="0"/>
+              </a:rPr>
+              <a:t>have</a:t>
+            </a:r>
+            <a:r>
+              <a:rPr lang="de-DE" b="0" dirty="0">
+                <a:solidFill>
+                  <a:srgbClr val="000000"/>
+                </a:solidFill>
+                <a:effectLst/>
+                <a:highlight>
+                  <a:srgbClr val="FFFFFF"/>
+                </a:highlight>
+                <a:latin typeface="Menlo" panose="020B0609030804020204" pitchFamily="49" charset="0"/>
+              </a:rPr>
+              <a:t> </a:t>
+            </a:r>
+            <a:r>
+              <a:rPr lang="de-DE" b="0" dirty="0" err="1">
+                <a:solidFill>
+                  <a:srgbClr val="000000"/>
+                </a:solidFill>
+                <a:effectLst/>
+                <a:highlight>
+                  <a:srgbClr val="FFFFFF"/>
+                </a:highlight>
+                <a:latin typeface="Menlo" panose="020B0609030804020204" pitchFamily="49" charset="0"/>
+              </a:rPr>
+              <a:t>hx_divides_ab</a:t>
+            </a:r>
+            <a:r>
+              <a:rPr lang="de-DE" b="0" dirty="0">
+                <a:solidFill>
+                  <a:srgbClr val="000000"/>
+                </a:solidFill>
+                <a:effectLst/>
+                <a:highlight>
+                  <a:srgbClr val="FFFFFF"/>
+                </a:highlight>
+                <a:latin typeface="Menlo" panose="020B0609030804020204" pitchFamily="49" charset="0"/>
+              </a:rPr>
+              <a:t> : x | a*b := </a:t>
+            </a:r>
+            <a:r>
+              <a:rPr lang="de-DE" b="0" dirty="0" err="1">
+                <a:solidFill>
+                  <a:srgbClr val="0000FF"/>
+                </a:solidFill>
+                <a:effectLst/>
+                <a:highlight>
+                  <a:srgbClr val="FFFFFF"/>
+                </a:highlight>
+                <a:latin typeface="Menlo" panose="020B0609030804020204" pitchFamily="49" charset="0"/>
+              </a:rPr>
+              <a:t>by</a:t>
+            </a:r>
+            <a:endParaRPr lang="de-DE" b="0" dirty="0">
+              <a:solidFill>
+                <a:srgbClr val="000000"/>
+              </a:solidFill>
+              <a:effectLst/>
+              <a:highlight>
+                <a:srgbClr val="FFFFFF"/>
+              </a:highlight>
+              <a:latin typeface="Menlo" panose="020B0609030804020204" pitchFamily="49" charset="0"/>
+            </a:endParaRPr>
+          </a:p>
+          <a:p>
+            <a:r>
+              <a:rPr lang="de-DE" b="0" dirty="0" err="1">
+                <a:solidFill>
+                  <a:srgbClr val="0000FF"/>
+                </a:solidFill>
+                <a:effectLst/>
+                <a:highlight>
+                  <a:srgbClr val="FFFFFF"/>
+                </a:highlight>
+                <a:latin typeface="Menlo" panose="020B0609030804020204" pitchFamily="49" charset="0"/>
+              </a:rPr>
+              <a:t>use</a:t>
+            </a:r>
+            <a:r>
+              <a:rPr lang="de-DE" b="0" dirty="0">
+                <a:solidFill>
+                  <a:srgbClr val="000000"/>
+                </a:solidFill>
+                <a:effectLst/>
+                <a:highlight>
+                  <a:srgbClr val="FFFFFF"/>
+                </a:highlight>
+                <a:latin typeface="Menlo" panose="020B0609030804020204" pitchFamily="49" charset="0"/>
+              </a:rPr>
+              <a:t> </a:t>
+            </a:r>
+            <a:r>
+              <a:rPr lang="de-DE" b="0" dirty="0">
+                <a:solidFill>
+                  <a:srgbClr val="098658"/>
+                </a:solidFill>
+                <a:effectLst/>
+                <a:highlight>
+                  <a:srgbClr val="FFFFFF"/>
+                </a:highlight>
+                <a:latin typeface="Menlo" panose="020B0609030804020204" pitchFamily="49" charset="0"/>
+              </a:rPr>
+              <a:t>1</a:t>
+            </a:r>
+            <a:endParaRPr lang="de-DE" b="0" dirty="0">
+              <a:solidFill>
+                <a:srgbClr val="000000"/>
+              </a:solidFill>
+              <a:effectLst/>
+              <a:highlight>
+                <a:srgbClr val="FFFFFF"/>
+              </a:highlight>
+              <a:latin typeface="Menlo" panose="020B0609030804020204" pitchFamily="49" charset="0"/>
+            </a:endParaRPr>
+          </a:p>
+          <a:p>
+            <a:r>
+              <a:rPr lang="de-DE" b="0" dirty="0" err="1">
+                <a:solidFill>
+                  <a:srgbClr val="0000FF"/>
+                </a:solidFill>
+                <a:effectLst/>
+                <a:highlight>
+                  <a:srgbClr val="FFFFFF"/>
+                </a:highlight>
+                <a:latin typeface="Menlo" panose="020B0609030804020204" pitchFamily="49" charset="0"/>
+              </a:rPr>
+              <a:t>rw</a:t>
+            </a:r>
+            <a:r>
+              <a:rPr lang="de-DE" b="0" dirty="0">
+                <a:solidFill>
+                  <a:srgbClr val="000000"/>
+                </a:solidFill>
+                <a:effectLst/>
+                <a:highlight>
+                  <a:srgbClr val="FFFFFF"/>
+                </a:highlight>
+                <a:latin typeface="Menlo" panose="020B0609030804020204" pitchFamily="49" charset="0"/>
+              </a:rPr>
+              <a:t>[</a:t>
+            </a:r>
+            <a:r>
+              <a:rPr lang="de-DE" b="0" dirty="0" err="1">
+                <a:solidFill>
+                  <a:srgbClr val="000000"/>
+                </a:solidFill>
+                <a:effectLst/>
+                <a:highlight>
+                  <a:srgbClr val="FFFFFF"/>
+                </a:highlight>
+                <a:latin typeface="Menlo" panose="020B0609030804020204" pitchFamily="49" charset="0"/>
+              </a:rPr>
+              <a:t>h_mul</a:t>
+            </a:r>
+            <a:r>
+              <a:rPr lang="de-DE" b="0" dirty="0">
+                <a:solidFill>
+                  <a:srgbClr val="000000"/>
+                </a:solidFill>
+                <a:effectLst/>
+                <a:highlight>
+                  <a:srgbClr val="FFFFFF"/>
+                </a:highlight>
+                <a:latin typeface="Menlo" panose="020B0609030804020204" pitchFamily="49" charset="0"/>
+              </a:rPr>
+              <a:t>]</a:t>
+            </a:r>
+          </a:p>
+          <a:p>
+            <a:r>
+              <a:rPr lang="de-DE" b="0" dirty="0" err="1">
+                <a:solidFill>
+                  <a:srgbClr val="0000FF"/>
+                </a:solidFill>
+                <a:effectLst/>
+                <a:highlight>
+                  <a:srgbClr val="FFFFFF"/>
+                </a:highlight>
+                <a:latin typeface="Menlo" panose="020B0609030804020204" pitchFamily="49" charset="0"/>
+              </a:rPr>
+              <a:t>Simp</a:t>
+            </a:r>
+            <a:endParaRPr lang="de-DE" b="0" dirty="0">
+              <a:solidFill>
+                <a:srgbClr val="0000FF"/>
+              </a:solidFill>
+              <a:effectLst/>
+              <a:highlight>
+                <a:srgbClr val="FFFFFF"/>
+              </a:highlight>
+              <a:latin typeface="Menlo" panose="020B0609030804020204" pitchFamily="49" charset="0"/>
+            </a:endParaRPr>
+          </a:p>
+          <a:p>
+            <a:endParaRPr lang="de-DE" b="0" dirty="0">
+              <a:solidFill>
+                <a:srgbClr val="000000"/>
+              </a:solidFill>
+              <a:effectLst/>
+              <a:highlight>
+                <a:srgbClr val="FFFFFF"/>
+              </a:highlight>
+              <a:latin typeface="Menlo" panose="020B0609030804020204" pitchFamily="49" charset="0"/>
+            </a:endParaRPr>
+          </a:p>
+          <a:p>
+            <a:endParaRPr lang="de-DE" dirty="0">
+              <a:solidFill>
+                <a:srgbClr val="000000"/>
+              </a:solidFill>
+              <a:highlight>
+                <a:srgbClr val="FFFFFF"/>
+              </a:highlight>
+              <a:latin typeface="Menlo" panose="020B0609030804020204" pitchFamily="49" charset="0"/>
+            </a:endParaRPr>
+          </a:p>
+          <a:p>
+            <a:endParaRPr lang="de-DE" b="0" dirty="0">
+              <a:solidFill>
+                <a:srgbClr val="000000"/>
+              </a:solidFill>
+              <a:effectLst/>
+              <a:highlight>
+                <a:srgbClr val="FFFFFF"/>
+              </a:highlight>
+              <a:latin typeface="Menlo" panose="020B0609030804020204" pitchFamily="49" charset="0"/>
+            </a:endParaRPr>
+          </a:p>
+          <a:p>
+            <a:endParaRPr lang="de-DE" dirty="0">
+              <a:solidFill>
+                <a:srgbClr val="000000"/>
+              </a:solidFill>
+              <a:highlight>
+                <a:srgbClr val="FFFFFF"/>
+              </a:highlight>
+              <a:latin typeface="Menlo" panose="020B0609030804020204" pitchFamily="49" charset="0"/>
+            </a:endParaRPr>
+          </a:p>
+          <a:p>
+            <a:endParaRPr lang="de-DE" b="0" dirty="0">
+              <a:solidFill>
+                <a:srgbClr val="000000"/>
+              </a:solidFill>
+              <a:effectLst/>
+              <a:highlight>
+                <a:srgbClr val="FFFFFF"/>
+              </a:highlight>
+              <a:latin typeface="Menlo" panose="020B0609030804020204" pitchFamily="49" charset="0"/>
+            </a:endParaRPr>
+          </a:p>
+          <a:p>
+            <a:endParaRPr lang="de-DE" b="0" dirty="0">
+              <a:solidFill>
+                <a:srgbClr val="000000"/>
+              </a:solidFill>
+              <a:effectLst/>
+              <a:highlight>
+                <a:srgbClr val="FFFFFF"/>
+              </a:highlight>
+              <a:latin typeface="Menlo" panose="020B0609030804020204" pitchFamily="49" charset="0"/>
+            </a:endParaRPr>
+          </a:p>
+          <a:p>
+            <a:r>
+              <a:rPr lang="de-DE" b="0" dirty="0" err="1">
+                <a:solidFill>
+                  <a:srgbClr val="0000FF"/>
+                </a:solidFill>
+                <a:effectLst/>
+                <a:highlight>
+                  <a:srgbClr val="FFFFFF"/>
+                </a:highlight>
+                <a:latin typeface="Menlo" panose="020B0609030804020204" pitchFamily="49" charset="0"/>
+              </a:rPr>
+              <a:t>have</a:t>
+            </a:r>
+            <a:r>
+              <a:rPr lang="de-DE" b="0" dirty="0">
+                <a:solidFill>
+                  <a:srgbClr val="000000"/>
+                </a:solidFill>
+                <a:effectLst/>
+                <a:highlight>
+                  <a:srgbClr val="FFFFFF"/>
+                </a:highlight>
+                <a:latin typeface="Menlo" panose="020B0609030804020204" pitchFamily="49" charset="0"/>
+              </a:rPr>
+              <a:t> </a:t>
+            </a:r>
+            <a:r>
+              <a:rPr lang="de-DE" b="0" dirty="0" err="1">
+                <a:solidFill>
+                  <a:srgbClr val="000000"/>
+                </a:solidFill>
+                <a:effectLst/>
+                <a:highlight>
+                  <a:srgbClr val="FFFFFF"/>
+                </a:highlight>
+                <a:latin typeface="Menlo" panose="020B0609030804020204" pitchFamily="49" charset="0"/>
+              </a:rPr>
+              <a:t>hxa_or_xb</a:t>
+            </a:r>
+            <a:r>
+              <a:rPr lang="de-DE" b="0" dirty="0">
+                <a:solidFill>
+                  <a:srgbClr val="000000"/>
+                </a:solidFill>
+                <a:effectLst/>
+                <a:highlight>
+                  <a:srgbClr val="FFFFFF"/>
+                </a:highlight>
+                <a:latin typeface="Menlo" panose="020B0609030804020204" pitchFamily="49" charset="0"/>
+              </a:rPr>
+              <a:t> := </a:t>
+            </a:r>
+            <a:r>
+              <a:rPr lang="de-DE" b="0" dirty="0" err="1">
+                <a:solidFill>
+                  <a:srgbClr val="000000"/>
+                </a:solidFill>
+                <a:effectLst/>
+                <a:highlight>
+                  <a:srgbClr val="FFFFFF"/>
+                </a:highlight>
+                <a:latin typeface="Menlo" panose="020B0609030804020204" pitchFamily="49" charset="0"/>
+              </a:rPr>
+              <a:t>hdiv</a:t>
+            </a:r>
+            <a:r>
+              <a:rPr lang="de-DE" b="0" dirty="0">
+                <a:solidFill>
+                  <a:srgbClr val="000000"/>
+                </a:solidFill>
+                <a:effectLst/>
+                <a:highlight>
+                  <a:srgbClr val="FFFFFF"/>
+                </a:highlight>
+                <a:latin typeface="Menlo" panose="020B0609030804020204" pitchFamily="49" charset="0"/>
+              </a:rPr>
+              <a:t> a b </a:t>
+            </a:r>
+            <a:r>
+              <a:rPr lang="de-DE" b="0" dirty="0" err="1">
+                <a:solidFill>
+                  <a:srgbClr val="000000"/>
+                </a:solidFill>
+                <a:effectLst/>
+                <a:highlight>
+                  <a:srgbClr val="FFFFFF"/>
+                </a:highlight>
+                <a:latin typeface="Menlo" panose="020B0609030804020204" pitchFamily="49" charset="0"/>
+              </a:rPr>
+              <a:t>hx_divides_ab</a:t>
+            </a:r>
+            <a:endParaRPr lang="de-DE" b="0" dirty="0">
+              <a:solidFill>
+                <a:srgbClr val="000000"/>
+              </a:solidFill>
+              <a:effectLst/>
+              <a:highlight>
+                <a:srgbClr val="FFFFFF"/>
+              </a:highlight>
+              <a:latin typeface="Menlo" panose="020B0609030804020204" pitchFamily="49" charset="0"/>
+            </a:endParaRPr>
+          </a:p>
+          <a:p>
+            <a:r>
+              <a:rPr lang="de-DE" b="0" dirty="0">
+                <a:solidFill>
+                  <a:srgbClr val="008000"/>
+                </a:solidFill>
+                <a:effectLst/>
+                <a:highlight>
+                  <a:srgbClr val="FFFFFF"/>
+                </a:highlight>
+                <a:latin typeface="Menlo" panose="020B0609030804020204" pitchFamily="49" charset="0"/>
+              </a:rPr>
+              <a:t>-- x </a:t>
+            </a:r>
+            <a:r>
+              <a:rPr lang="de-DE" b="0" dirty="0" err="1">
+                <a:solidFill>
+                  <a:srgbClr val="008000"/>
+                </a:solidFill>
+                <a:effectLst/>
+                <a:highlight>
+                  <a:srgbClr val="FFFFFF"/>
+                </a:highlight>
+                <a:latin typeface="Menlo" panose="020B0609030804020204" pitchFamily="49" charset="0"/>
+              </a:rPr>
+              <a:t>divides</a:t>
+            </a:r>
+            <a:r>
+              <a:rPr lang="de-DE" b="0" dirty="0">
+                <a:solidFill>
+                  <a:srgbClr val="008000"/>
+                </a:solidFill>
+                <a:effectLst/>
+                <a:highlight>
+                  <a:srgbClr val="FFFFFF"/>
+                </a:highlight>
+                <a:latin typeface="Menlo" panose="020B0609030804020204" pitchFamily="49" charset="0"/>
+              </a:rPr>
+              <a:t> </a:t>
+            </a:r>
+            <a:r>
+              <a:rPr lang="de-DE" b="0" dirty="0" err="1">
+                <a:solidFill>
+                  <a:srgbClr val="008000"/>
+                </a:solidFill>
+                <a:effectLst/>
+                <a:highlight>
+                  <a:srgbClr val="FFFFFF"/>
+                </a:highlight>
+                <a:latin typeface="Menlo" panose="020B0609030804020204" pitchFamily="49" charset="0"/>
+              </a:rPr>
+              <a:t>either</a:t>
+            </a:r>
+            <a:r>
+              <a:rPr lang="de-DE" b="0" dirty="0">
+                <a:solidFill>
+                  <a:srgbClr val="008000"/>
+                </a:solidFill>
+                <a:effectLst/>
+                <a:highlight>
+                  <a:srgbClr val="FFFFFF"/>
+                </a:highlight>
+                <a:latin typeface="Menlo" panose="020B0609030804020204" pitchFamily="49" charset="0"/>
+              </a:rPr>
+              <a:t> a </a:t>
+            </a:r>
+            <a:r>
+              <a:rPr lang="de-DE" b="0" dirty="0" err="1">
+                <a:solidFill>
+                  <a:srgbClr val="008000"/>
+                </a:solidFill>
+                <a:effectLst/>
+                <a:highlight>
+                  <a:srgbClr val="FFFFFF"/>
+                </a:highlight>
+                <a:latin typeface="Menlo" panose="020B0609030804020204" pitchFamily="49" charset="0"/>
+              </a:rPr>
+              <a:t>or</a:t>
+            </a:r>
+            <a:r>
+              <a:rPr lang="de-DE" b="0" dirty="0">
+                <a:solidFill>
+                  <a:srgbClr val="008000"/>
+                </a:solidFill>
+                <a:effectLst/>
+                <a:highlight>
+                  <a:srgbClr val="FFFFFF"/>
+                </a:highlight>
+                <a:latin typeface="Menlo" panose="020B0609030804020204" pitchFamily="49" charset="0"/>
+              </a:rPr>
+              <a:t> b </a:t>
+            </a:r>
+            <a:r>
+              <a:rPr lang="de-DE" b="0" dirty="0" err="1">
+                <a:solidFill>
+                  <a:srgbClr val="008000"/>
+                </a:solidFill>
+                <a:effectLst/>
+                <a:highlight>
+                  <a:srgbClr val="FFFFFF"/>
+                </a:highlight>
+                <a:latin typeface="Menlo" panose="020B0609030804020204" pitchFamily="49" charset="0"/>
+              </a:rPr>
+              <a:t>because</a:t>
+            </a:r>
+            <a:r>
+              <a:rPr lang="de-DE" b="0" dirty="0">
+                <a:solidFill>
+                  <a:srgbClr val="008000"/>
+                </a:solidFill>
+                <a:effectLst/>
+                <a:highlight>
+                  <a:srgbClr val="FFFFFF"/>
+                </a:highlight>
+                <a:latin typeface="Menlo" panose="020B0609030804020204" pitchFamily="49" charset="0"/>
+              </a:rPr>
+              <a:t> </a:t>
+            </a:r>
+            <a:r>
+              <a:rPr lang="de-DE" b="0" dirty="0" err="1">
+                <a:solidFill>
+                  <a:srgbClr val="008000"/>
+                </a:solidFill>
+                <a:effectLst/>
+                <a:highlight>
+                  <a:srgbClr val="FFFFFF"/>
+                </a:highlight>
+                <a:latin typeface="Menlo" panose="020B0609030804020204" pitchFamily="49" charset="0"/>
+              </a:rPr>
+              <a:t>it's</a:t>
+            </a:r>
+            <a:r>
+              <a:rPr lang="de-DE" b="0" dirty="0">
+                <a:solidFill>
+                  <a:srgbClr val="008000"/>
+                </a:solidFill>
+                <a:effectLst/>
+                <a:highlight>
+                  <a:srgbClr val="FFFFFF"/>
+                </a:highlight>
+                <a:latin typeface="Menlo" panose="020B0609030804020204" pitchFamily="49" charset="0"/>
+              </a:rPr>
+              <a:t> prime</a:t>
+            </a:r>
+            <a:endParaRPr lang="de-DE" b="0" dirty="0">
+              <a:solidFill>
+                <a:srgbClr val="000000"/>
+              </a:solidFill>
+              <a:effectLst/>
+              <a:highlight>
+                <a:srgbClr val="FFFFFF"/>
+              </a:highlight>
+              <a:latin typeface="Menlo" panose="020B0609030804020204" pitchFamily="49" charset="0"/>
+            </a:endParaRPr>
+          </a:p>
+          <a:p>
+            <a:r>
+              <a:rPr lang="de-DE" b="0" dirty="0" err="1">
+                <a:solidFill>
+                  <a:srgbClr val="0000FF"/>
+                </a:solidFill>
+                <a:effectLst/>
+                <a:highlight>
+                  <a:srgbClr val="FFFFFF"/>
+                </a:highlight>
+                <a:latin typeface="Menlo" panose="020B0609030804020204" pitchFamily="49" charset="0"/>
+              </a:rPr>
+              <a:t>rcases</a:t>
+            </a:r>
+            <a:r>
+              <a:rPr lang="de-DE" b="0" dirty="0">
+                <a:solidFill>
+                  <a:srgbClr val="000000"/>
+                </a:solidFill>
+                <a:effectLst/>
+                <a:highlight>
+                  <a:srgbClr val="FFFFFF"/>
+                </a:highlight>
+                <a:latin typeface="Menlo" panose="020B0609030804020204" pitchFamily="49" charset="0"/>
+              </a:rPr>
+              <a:t> </a:t>
+            </a:r>
+            <a:r>
+              <a:rPr lang="de-DE" b="0" dirty="0" err="1">
+                <a:solidFill>
+                  <a:srgbClr val="000000"/>
+                </a:solidFill>
+                <a:effectLst/>
+                <a:highlight>
+                  <a:srgbClr val="FFFFFF"/>
+                </a:highlight>
+                <a:latin typeface="Menlo" panose="020B0609030804020204" pitchFamily="49" charset="0"/>
+              </a:rPr>
+              <a:t>hxa_or_xb</a:t>
+            </a:r>
+            <a:r>
+              <a:rPr lang="de-DE" b="0" dirty="0">
+                <a:solidFill>
+                  <a:srgbClr val="000000"/>
+                </a:solidFill>
+                <a:effectLst/>
+                <a:highlight>
+                  <a:srgbClr val="FFFFFF"/>
+                </a:highlight>
+                <a:latin typeface="Menlo" panose="020B0609030804020204" pitchFamily="49" charset="0"/>
+              </a:rPr>
+              <a:t> </a:t>
+            </a:r>
+            <a:r>
+              <a:rPr lang="de-DE" b="0" dirty="0" err="1">
+                <a:solidFill>
+                  <a:srgbClr val="0000FF"/>
+                </a:solidFill>
+                <a:effectLst/>
+                <a:highlight>
+                  <a:srgbClr val="FFFFFF"/>
+                </a:highlight>
+                <a:latin typeface="Menlo" panose="020B0609030804020204" pitchFamily="49" charset="0"/>
+              </a:rPr>
+              <a:t>with</a:t>
+            </a:r>
+            <a:r>
+              <a:rPr lang="de-DE" b="0" dirty="0">
+                <a:solidFill>
+                  <a:srgbClr val="000000"/>
+                </a:solidFill>
+                <a:effectLst/>
+                <a:highlight>
+                  <a:srgbClr val="FFFFFF"/>
+                </a:highlight>
+                <a:latin typeface="Menlo" panose="020B0609030804020204" pitchFamily="49" charset="0"/>
+              </a:rPr>
+              <a:t> </a:t>
+            </a:r>
+            <a:r>
+              <a:rPr lang="de-DE" b="0" dirty="0" err="1">
+                <a:solidFill>
+                  <a:srgbClr val="000000"/>
+                </a:solidFill>
+                <a:effectLst/>
+                <a:highlight>
+                  <a:srgbClr val="FFFFFF"/>
+                </a:highlight>
+                <a:latin typeface="Menlo" panose="020B0609030804020204" pitchFamily="49" charset="0"/>
+              </a:rPr>
+              <a:t>hxa</a:t>
+            </a:r>
+            <a:r>
+              <a:rPr lang="de-DE" b="0" dirty="0">
+                <a:solidFill>
+                  <a:srgbClr val="000000"/>
+                </a:solidFill>
+                <a:effectLst/>
+                <a:highlight>
+                  <a:srgbClr val="FFFFFF"/>
+                </a:highlight>
+                <a:latin typeface="Menlo" panose="020B0609030804020204" pitchFamily="49" charset="0"/>
+              </a:rPr>
+              <a:t> | </a:t>
+            </a:r>
+            <a:r>
+              <a:rPr lang="de-DE" b="0" dirty="0" err="1">
+                <a:solidFill>
+                  <a:srgbClr val="000000"/>
+                </a:solidFill>
+                <a:effectLst/>
+                <a:highlight>
+                  <a:srgbClr val="FFFFFF"/>
+                </a:highlight>
+                <a:latin typeface="Menlo" panose="020B0609030804020204" pitchFamily="49" charset="0"/>
+              </a:rPr>
+              <a:t>hxb</a:t>
+            </a:r>
+            <a:endParaRPr lang="de-DE" b="0" dirty="0">
+              <a:solidFill>
+                <a:srgbClr val="000000"/>
+              </a:solidFill>
+              <a:effectLst/>
+              <a:highlight>
+                <a:srgbClr val="FFFFFF"/>
+              </a:highlight>
+              <a:latin typeface="Menlo" panose="020B0609030804020204" pitchFamily="49" charset="0"/>
+            </a:endParaRPr>
+          </a:p>
+        </p:txBody>
+      </p:sp>
+    </p:spTree>
+    <p:extLst>
+      <p:ext uri="{BB962C8B-B14F-4D97-AF65-F5344CB8AC3E}">
+        <p14:creationId xmlns:p14="http://schemas.microsoft.com/office/powerpoint/2010/main" val="1069130109"/>
+      </p:ext>
+    </p:extLst>
+  </p:cSld>
+  <p:clrMapOvr>
+    <a:masterClrMapping/>
+  </p:clrMapOvr>
+</p:sld>
+</file>
+
+<file path=ppt/slides/slide32.xml><?xml version="1.0" encoding="utf-8"?>
+<p:sld xmlns:a="http://schemas.openxmlformats.org/drawingml/2006/main" xmlns:r="http://schemas.openxmlformats.org/officeDocument/2006/relationships" xmlns:p="http://schemas.openxmlformats.org/presentationml/2006/main">
+  <p:cSld>
+    <p:spTree>
+      <p:nvGrpSpPr>
+        <p:cNvPr id="1" name=""/>
+        <p:cNvGrpSpPr/>
+        <p:nvPr/>
+      </p:nvGrpSpPr>
+      <p:grpSpPr>
+        <a:xfrm>
+          <a:off x="0" y="0"/>
+          <a:ext cx="0" cy="0"/>
+          <a:chOff x="0" y="0"/>
+          <a:chExt cx="0" cy="0"/>
+        </a:xfrm>
+      </p:grpSpPr>
+      <p:graphicFrame>
+        <p:nvGraphicFramePr>
+          <p:cNvPr id="10" name="Inhaltsplatzhalter 9">
+            <a:extLst>
+              <a:ext uri="{FF2B5EF4-FFF2-40B4-BE49-F238E27FC236}">
+                <a16:creationId xmlns:a16="http://schemas.microsoft.com/office/drawing/2014/main" id="{DF12E86F-B6E8-9685-CCC9-81A1D58FD2B1}"/>
+              </a:ext>
+            </a:extLst>
+          </p:cNvPr>
+          <p:cNvGraphicFramePr>
+            <a:graphicFrameLocks noGrp="1"/>
+          </p:cNvGraphicFramePr>
+          <p:nvPr>
+            <p:ph idx="1"/>
+            <p:extLst>
+              <p:ext uri="{D42A27DB-BD31-4B8C-83A1-F6EECF244321}">
                 <p14:modId xmlns:p14="http://schemas.microsoft.com/office/powerpoint/2010/main" val="3419835535"/>
               </p:ext>
             </p:extLst>
@@ -33520,31 +33939,7 @@
                 <a:ea typeface="+mj-lt"/>
                 <a:cs typeface="Arial"/>
               </a:rPr>
-              <a:t>Definition </a:t>
-            </a:r>
-            <a:r>
-              <a:rPr lang="en-US" dirty="0">
-                <a:latin typeface="Arial"/>
-                <a:ea typeface="+mj-lt"/>
-                <a:cs typeface="+mj-lt"/>
-              </a:rPr>
-              <a:t>2. </a:t>
-            </a:r>
-            <a:r>
-              <a:rPr lang="en-US" err="1">
-                <a:latin typeface="Arial"/>
-                <a:ea typeface="+mj-lt"/>
-                <a:cs typeface="+mj-lt"/>
-              </a:rPr>
-              <a:t>IsAssociated</a:t>
-            </a:r>
-            <a:r>
-              <a:rPr lang="en-US" dirty="0">
-                <a:latin typeface="Arial"/>
-                <a:ea typeface="+mj-lt"/>
-                <a:cs typeface="+mj-lt"/>
-              </a:rPr>
-              <a:t>:</a:t>
+              <a:t>Definition 2. Unit:</a:t>
             </a:r>
           </a:p>
         </p:txBody>
@@ -33614,20 +34009,533 @@
                 <a:ea typeface="+mn-lt"/>
                 <a:cs typeface="Arial"/>
               </a:rPr>
-              <a:t>x and y are associated if ∃a, </a:t>
-            </a:r>
-          </a:p>
-          <a:p>
-            <a:pPr marL="0" indent="0">
-              <a:buNone/>
-            </a:pPr>
+              <a:t>We say </a:t>
+            </a:r>
+            <a:r>
+              <a:rPr lang="en-US" i="1" dirty="0">
+                <a:latin typeface="Arial"/>
+                <a:ea typeface="+mn-lt"/>
+                <a:cs typeface="Arial"/>
+              </a:rPr>
+              <a:t>a</a:t>
+            </a:r>
+            <a:r>
+              <a:rPr lang="en-US" b="1" dirty="0">
+                <a:latin typeface="Arial"/>
+                <a:ea typeface="+mn-lt"/>
+                <a:cs typeface="Arial"/>
+              </a:rPr>
+              <a:t> </a:t>
+            </a:r>
             <a:r>
               <a:rPr lang="en-US" dirty="0">
                 <a:latin typeface="Arial"/>
                 <a:ea typeface="+mn-lt"/>
                 <a:cs typeface="Arial"/>
               </a:rPr>
-              <a:t>y = a · x</a:t>
+              <a:t>is a unit, if it's invertible in R, in other words,</a:t>
+            </a:r>
+          </a:p>
+        </p:txBody>
+      </p:sp>
+      <p:sp>
+        <p:nvSpPr>
+          <p:cNvPr id="5" name="Text Placeholder 4">
+            <a:extLst>
+              <a:ext uri="{FF2B5EF4-FFF2-40B4-BE49-F238E27FC236}">
+                <a16:creationId xmlns:a16="http://schemas.microsoft.com/office/drawing/2014/main" id="{0A2D9080-22B3-AADC-3BEA-74444571DCF2}"/>
+              </a:ext>
+            </a:extLst>
+          </p:cNvPr>
+          <p:cNvSpPr>
+            <a:spLocks noGrp="1"/>
+          </p:cNvSpPr>
+          <p:nvPr>
+            <p:ph type="body" sz="quarter" idx="3"/>
+          </p:nvPr>
+        </p:nvSpPr>
+        <p:spPr/>
+        <p:txBody>
+          <a:bodyPr>
+            <a:normAutofit/>
+          </a:bodyPr>
+          <a:lstStyle/>
+          <a:p>
+            <a:r>
+              <a:rPr lang="en-US" sz="2800" dirty="0">
+                <a:latin typeface="Arial"/>
+                <a:cs typeface="Arial"/>
+              </a:rPr>
+              <a:t>Lean Code</a:t>
+            </a:r>
+          </a:p>
+        </p:txBody>
+      </p:sp>
+      <p:sp>
+        <p:nvSpPr>
+          <p:cNvPr id="6" name="Content Placeholder 5">
+            <a:extLst>
+              <a:ext uri="{FF2B5EF4-FFF2-40B4-BE49-F238E27FC236}">
+                <a16:creationId xmlns:a16="http://schemas.microsoft.com/office/drawing/2014/main" id="{DB3EE391-FC82-F208-CA19-26DA993C427D}"/>
+              </a:ext>
+            </a:extLst>
+          </p:cNvPr>
+          <p:cNvSpPr>
+            <a:spLocks noGrp="1"/>
+          </p:cNvSpPr>
+          <p:nvPr>
+            <p:ph sz="quarter" idx="4"/>
+          </p:nvPr>
+        </p:nvSpPr>
+        <p:spPr/>
+        <p:txBody>
+          <a:bodyPr vert="horz" lIns="91440" tIns="45720" rIns="91440" bIns="45720" rtlCol="0" anchor="t">
+            <a:normAutofit/>
+          </a:bodyPr>
+          <a:lstStyle/>
+          <a:p>
+            <a:pPr marL="0" indent="0">
+              <a:buNone/>
+            </a:pPr>
+            <a:r>
+              <a:rPr lang="en-US" dirty="0">
+                <a:solidFill>
+                  <a:srgbClr val="0000FF"/>
+                </a:solidFill>
+                <a:latin typeface="Menlo"/>
+                <a:ea typeface="+mn-lt"/>
+                <a:cs typeface="Arial"/>
+              </a:rPr>
+              <a:t>In-Built:</a:t>
+            </a:r>
+          </a:p>
+          <a:p>
+            <a:pPr marL="0" indent="0">
+              <a:buNone/>
+            </a:pPr>
+            <a:r>
+              <a:rPr lang="en-US" i="1" dirty="0">
+                <a:latin typeface="Arial"/>
+                <a:ea typeface="+mn-lt"/>
+                <a:cs typeface="Arial"/>
+              </a:rPr>
+              <a:t>a</a:t>
+            </a:r>
+            <a:r>
+              <a:rPr lang="en-US" dirty="0">
+                <a:latin typeface="Arial"/>
+                <a:ea typeface="+mn-lt"/>
+                <a:cs typeface="Arial"/>
+              </a:rPr>
+              <a:t> is a unit, if there’s an element of      , which is the unit group of </a:t>
+            </a:r>
+            <a:r>
+              <a:rPr lang="en-US" i="1" dirty="0">
+                <a:latin typeface="Arial"/>
+                <a:ea typeface="+mn-lt"/>
+                <a:cs typeface="Arial"/>
+              </a:rPr>
+              <a:t>R, </a:t>
+            </a:r>
+            <a:r>
+              <a:rPr lang="en-US" dirty="0">
+                <a:latin typeface="Arial"/>
+                <a:ea typeface="+mn-lt"/>
+                <a:cs typeface="Arial"/>
+              </a:rPr>
+              <a:t>which equals a.</a:t>
+            </a:r>
+          </a:p>
+          <a:p>
+            <a:pPr marL="0" indent="0">
+              <a:buNone/>
+            </a:pPr>
+            <a:r>
+              <a:rPr lang="en-US" dirty="0">
+                <a:latin typeface="Arial"/>
+                <a:ea typeface="+mn-lt"/>
+                <a:cs typeface="Arial"/>
+              </a:rPr>
+              <a:t>Elements of        have double-sided inverses by definition. </a:t>
+            </a:r>
+            <a:endParaRPr lang="en-US" dirty="0">
+              <a:solidFill>
+                <a:srgbClr val="0000FF"/>
+              </a:solidFill>
+              <a:latin typeface="Menlo"/>
+              <a:ea typeface="+mn-lt"/>
+              <a:cs typeface="Arial"/>
+            </a:endParaRPr>
+          </a:p>
+          <a:p>
+            <a:pPr marL="0" indent="0">
+              <a:buNone/>
+            </a:pPr>
+            <a:endParaRPr lang="en-US" dirty="0"/>
+          </a:p>
+          <a:p>
+            <a:pPr marL="0" indent="0">
+              <a:buNone/>
+            </a:pPr>
+            <a:endParaRPr lang="en-US" dirty="0">
+              <a:latin typeface="Arial"/>
+              <a:cs typeface="Arial"/>
+            </a:endParaRPr>
+          </a:p>
+        </p:txBody>
+      </p:sp>
+      <p:cxnSp>
+        <p:nvCxnSpPr>
+          <p:cNvPr id="7" name="Straight Arrow Connector 6">
+            <a:extLst>
+              <a:ext uri="{FF2B5EF4-FFF2-40B4-BE49-F238E27FC236}">
+                <a16:creationId xmlns:a16="http://schemas.microsoft.com/office/drawing/2014/main" id="{117C265A-E846-ABCA-5BE1-6CD3CF34A694}"/>
+              </a:ext>
+            </a:extLst>
+          </p:cNvPr>
+          <p:cNvCxnSpPr/>
+          <p:nvPr/>
+        </p:nvCxnSpPr>
+        <p:spPr>
+          <a:xfrm>
+            <a:off x="845438" y="1698962"/>
+            <a:ext cx="10513896" cy="3406"/>
+          </a:xfrm>
+          <a:prstGeom prst="straightConnector1">
+            <a:avLst/>
+          </a:prstGeom>
+          <a:ln>
+            <a:solidFill>
+              <a:schemeClr val="tx1"/>
+            </a:solidFill>
+          </a:ln>
+        </p:spPr>
+        <p:style>
+          <a:lnRef idx="2">
+            <a:schemeClr val="accent1"/>
+          </a:lnRef>
+          <a:fillRef idx="0">
+            <a:schemeClr val="accent1"/>
+          </a:fillRef>
+          <a:effectRef idx="1">
+            <a:schemeClr val="accent1"/>
+          </a:effectRef>
+          <a:fontRef idx="minor">
+            <a:schemeClr val="tx1"/>
+          </a:fontRef>
+        </p:style>
+      </p:cxnSp>
+      <p:pic>
+        <p:nvPicPr>
+          <p:cNvPr id="11" name="Picture 10">
+            <a:extLst>
+              <a:ext uri="{FF2B5EF4-FFF2-40B4-BE49-F238E27FC236}">
+                <a16:creationId xmlns:a16="http://schemas.microsoft.com/office/drawing/2014/main" id="{B2B865F8-8D6B-7CCE-7A7D-FBD8034A2372}"/>
+              </a:ext>
+            </a:extLst>
+          </p:cNvPr>
+          <p:cNvPicPr>
+            <a:picLocks noChangeAspect="1"/>
+          </p:cNvPicPr>
+          <p:nvPr/>
+        </p:nvPicPr>
+        <p:blipFill>
+          <a:blip r:embed="rId2"/>
+          <a:stretch>
+            <a:fillRect/>
+          </a:stretch>
+        </p:blipFill>
+        <p:spPr>
+          <a:xfrm>
+            <a:off x="732688" y="3429000"/>
+            <a:ext cx="5287113" cy="762106"/>
+          </a:xfrm>
+          <a:prstGeom prst="rect">
+            <a:avLst/>
+          </a:prstGeom>
+        </p:spPr>
+      </p:pic>
+      <p:pic>
+        <p:nvPicPr>
+          <p:cNvPr id="13" name="Picture 12">
+            <a:extLst>
+              <a:ext uri="{FF2B5EF4-FFF2-40B4-BE49-F238E27FC236}">
+                <a16:creationId xmlns:a16="http://schemas.microsoft.com/office/drawing/2014/main" id="{73179464-76F8-F0BD-0401-03927255091A}"/>
+              </a:ext>
+            </a:extLst>
+          </p:cNvPr>
+          <p:cNvPicPr>
+            <a:picLocks noChangeAspect="1"/>
+          </p:cNvPicPr>
+          <p:nvPr/>
+        </p:nvPicPr>
+        <p:blipFill>
+          <a:blip r:embed="rId3"/>
+          <a:stretch>
+            <a:fillRect/>
+          </a:stretch>
+        </p:blipFill>
+        <p:spPr>
+          <a:xfrm>
+            <a:off x="6649716" y="3415362"/>
+            <a:ext cx="490980" cy="414265"/>
+          </a:xfrm>
+          <a:prstGeom prst="rect">
+            <a:avLst/>
+          </a:prstGeom>
+        </p:spPr>
+      </p:pic>
+      <p:pic>
+        <p:nvPicPr>
+          <p:cNvPr id="15" name="Picture 14">
+            <a:extLst>
+              <a:ext uri="{FF2B5EF4-FFF2-40B4-BE49-F238E27FC236}">
+                <a16:creationId xmlns:a16="http://schemas.microsoft.com/office/drawing/2014/main" id="{CE6E3256-DEC1-327E-2A24-07BE3527ADFC}"/>
+              </a:ext>
+            </a:extLst>
+          </p:cNvPr>
+          <p:cNvPicPr>
+            <a:picLocks noChangeAspect="1"/>
+          </p:cNvPicPr>
+          <p:nvPr/>
+        </p:nvPicPr>
+        <p:blipFill>
+          <a:blip r:embed="rId4"/>
+          <a:stretch>
+            <a:fillRect/>
+          </a:stretch>
+        </p:blipFill>
+        <p:spPr>
+          <a:xfrm>
+            <a:off x="8322408" y="4260574"/>
+            <a:ext cx="486545" cy="449685"/>
+          </a:xfrm>
+          <a:prstGeom prst="rect">
+            <a:avLst/>
+          </a:prstGeom>
+        </p:spPr>
+      </p:pic>
+    </p:spTree>
+    <p:extLst>
+      <p:ext uri="{BB962C8B-B14F-4D97-AF65-F5344CB8AC3E}">
+        <p14:creationId xmlns:p14="http://schemas.microsoft.com/office/powerpoint/2010/main" val="2078247044"/>
+      </p:ext>
+    </p:extLst>
+  </p:cSld>
+  <p:clrMapOvr>
+    <a:masterClrMapping/>
+  </p:clrMapOvr>
+</p:sld>
+</file>
+
+<file path=ppt/slides/slide5.xml><?xml version="1.0" encoding="utf-8"?>
+<p:sld xmlns:a="http://schemas.openxmlformats.org/drawingml/2006/main" xmlns:r="http://schemas.openxmlformats.org/officeDocument/2006/relationships" xmlns:p="http://schemas.openxmlformats.org/presentationml/2006/main">
+  <p:cSld>
+    <p:spTree>
+      <p:nvGrpSpPr>
+        <p:cNvPr id="1" name=""/>
+        <p:cNvGrpSpPr/>
+        <p:nvPr/>
+      </p:nvGrpSpPr>
+      <p:grpSpPr>
+        <a:xfrm>
+          <a:off x="0" y="0"/>
+          <a:ext cx="0" cy="0"/>
+          <a:chOff x="0" y="0"/>
+          <a:chExt cx="0" cy="0"/>
+        </a:xfrm>
+      </p:grpSpPr>
+      <p:sp>
+        <p:nvSpPr>
+          <p:cNvPr id="2" name="Title 1">
+            <a:extLst>
+              <a:ext uri="{FF2B5EF4-FFF2-40B4-BE49-F238E27FC236}">
+                <a16:creationId xmlns:a16="http://schemas.microsoft.com/office/drawing/2014/main" id="{C4613030-7CCE-D25A-8A35-420604160CC3}"/>
+              </a:ext>
+            </a:extLst>
+          </p:cNvPr>
+          <p:cNvSpPr>
+            <a:spLocks noGrp="1"/>
+          </p:cNvSpPr>
+          <p:nvPr>
+            <p:ph type="title"/>
+          </p:nvPr>
+        </p:nvSpPr>
+        <p:spPr>
+          <a:xfrm>
+            <a:off x="839788" y="356611"/>
+            <a:ext cx="10515600" cy="1325563"/>
+          </a:xfrm>
+        </p:spPr>
+        <p:txBody>
+          <a:bodyPr>
+            <a:normAutofit/>
+          </a:bodyPr>
+          <a:lstStyle/>
+          <a:p>
+            <a:r>
+              <a:rPr lang="en-US" dirty="0">
+                <a:latin typeface="Arial"/>
+                <a:ea typeface="+mj-lt"/>
+                <a:cs typeface="Arial"/>
+              </a:rPr>
+              <a:t>Definition </a:t>
+            </a:r>
+            <a:r>
+              <a:rPr lang="en-US" dirty="0">
+                <a:latin typeface="Arial"/>
+                <a:ea typeface="+mj-lt"/>
+                <a:cs typeface="+mj-lt"/>
+              </a:rPr>
+              <a:t>2. </a:t>
+            </a:r>
+            <a:r>
+              <a:rPr lang="en-US" err="1">
+                <a:latin typeface="Arial"/>
+                <a:ea typeface="+mj-lt"/>
+                <a:cs typeface="+mj-lt"/>
+              </a:rPr>
+              <a:t>IsAssociated</a:t>
+            </a:r>
+            <a:r>
+              <a:rPr lang="en-US" dirty="0">
+                <a:latin typeface="Arial"/>
+                <a:ea typeface="+mj-lt"/>
+                <a:cs typeface="+mj-lt"/>
+              </a:rPr>
+              <a:t>:</a:t>
+            </a:r>
+          </a:p>
+        </p:txBody>
+      </p:sp>
+      <p:sp>
+        <p:nvSpPr>
+          <p:cNvPr id="3" name="Text Placeholder 2">
+            <a:extLst>
+              <a:ext uri="{FF2B5EF4-FFF2-40B4-BE49-F238E27FC236}">
+                <a16:creationId xmlns:a16="http://schemas.microsoft.com/office/drawing/2014/main" id="{44DB5DAF-246B-D13B-FB39-0953937F33A2}"/>
+              </a:ext>
+            </a:extLst>
+          </p:cNvPr>
+          <p:cNvSpPr>
+            <a:spLocks noGrp="1"/>
+          </p:cNvSpPr>
+          <p:nvPr>
+            <p:ph type="body" idx="1"/>
+          </p:nvPr>
+        </p:nvSpPr>
+        <p:spPr/>
+        <p:txBody>
+          <a:bodyPr>
+            <a:normAutofit/>
+          </a:bodyPr>
+          <a:lstStyle/>
+          <a:p>
+            <a:r>
+              <a:rPr lang="en-US" sz="2800" dirty="0">
+                <a:latin typeface="Arial"/>
+                <a:cs typeface="Arial"/>
+              </a:rPr>
+              <a:t>Mathematical Expression</a:t>
+            </a:r>
+          </a:p>
+        </p:txBody>
+      </p:sp>
+      <p:sp>
+        <p:nvSpPr>
+          <p:cNvPr id="4" name="Content Placeholder 3">
+            <a:extLst>
+              <a:ext uri="{FF2B5EF4-FFF2-40B4-BE49-F238E27FC236}">
+                <a16:creationId xmlns:a16="http://schemas.microsoft.com/office/drawing/2014/main" id="{3782A5E3-9F61-0795-62E3-45ADFBE6C2E4}"/>
+              </a:ext>
+            </a:extLst>
+          </p:cNvPr>
+          <p:cNvSpPr>
+            <a:spLocks noGrp="1"/>
+          </p:cNvSpPr>
+          <p:nvPr>
+            <p:ph sz="half" idx="2"/>
+          </p:nvPr>
+        </p:nvSpPr>
+        <p:spPr/>
+        <p:txBody>
+          <a:bodyPr vert="horz" lIns="91440" tIns="45720" rIns="91440" bIns="45720" rtlCol="0" anchor="t">
+            <a:normAutofit fontScale="92500" lnSpcReduction="10000"/>
+          </a:bodyPr>
+          <a:lstStyle/>
+          <a:p>
+            <a:pPr marL="0" indent="0">
+              <a:buNone/>
+            </a:pPr>
+            <a:r>
+              <a:rPr lang="en-US" dirty="0">
+                <a:latin typeface="Arial"/>
+                <a:ea typeface="+mn-lt"/>
+                <a:cs typeface="Arial"/>
+              </a:rPr>
+              <a:t>x and y are associated if there exists a unit </a:t>
+            </a:r>
+            <a:r>
+              <a:rPr lang="en-US" i="1" dirty="0">
+                <a:latin typeface="Arial"/>
+                <a:ea typeface="+mn-lt"/>
+                <a:cs typeface="Arial"/>
+              </a:rPr>
+              <a:t>a</a:t>
+            </a:r>
+            <a:r>
+              <a:rPr lang="en-US" dirty="0">
+                <a:latin typeface="Arial"/>
+                <a:ea typeface="+mn-lt"/>
+                <a:cs typeface="Arial"/>
+              </a:rPr>
+              <a:t>, such that: </a:t>
+            </a:r>
+          </a:p>
+          <a:p>
+            <a:pPr marL="0" indent="0">
+              <a:buNone/>
+            </a:pPr>
+            <a:r>
+              <a:rPr lang="en-US" dirty="0">
+                <a:latin typeface="Arial"/>
+                <a:ea typeface="+mn-lt"/>
+                <a:cs typeface="Arial"/>
+              </a:rPr>
+              <a:t>y = </a:t>
+            </a:r>
+            <a:r>
+              <a:rPr lang="en-US" i="1" dirty="0">
+                <a:latin typeface="Arial"/>
+                <a:ea typeface="+mn-lt"/>
+                <a:cs typeface="Arial"/>
+              </a:rPr>
+              <a:t>a</a:t>
+            </a:r>
+            <a:r>
+              <a:rPr lang="en-US" dirty="0">
+                <a:latin typeface="Arial"/>
+                <a:ea typeface="+mn-lt"/>
+                <a:cs typeface="Arial"/>
+              </a:rPr>
+              <a:t> · x</a:t>
+            </a:r>
+          </a:p>
+          <a:p>
+            <a:endParaRPr lang="en-US" dirty="0">
+              <a:latin typeface="Arial"/>
+              <a:ea typeface="+mn-lt"/>
+              <a:cs typeface="Arial"/>
+            </a:endParaRPr>
+          </a:p>
+          <a:p>
+            <a:r>
+              <a:rPr lang="en-US" dirty="0">
+                <a:latin typeface="Arial"/>
+                <a:ea typeface="+mn-lt"/>
+                <a:cs typeface="Arial"/>
+              </a:rPr>
+              <a:t>Being associated is an equivalence relation, easy to see if you multiply both sides by the inverse of a.</a:t>
             </a:r>
             <a:br>
               <a:rPr lang="en-US" dirty="0">
@@ -33713,7 +34621,7 @@
         </p:spPr>
         <p:txBody>
           <a:bodyPr vert="horz" lIns="91440" tIns="45720" rIns="91440" bIns="45720" rtlCol="0" anchor="t">
-            <a:normAutofit/>
+            <a:normAutofit fontScale="92500" lnSpcReduction="10000"/>
           </a:bodyPr>
           <a:lstStyle/>
           <a:p>
@@ -33848,422 +34756,6 @@
 </p:sld>
 </file>
 
-<file path=ppt/slides/slide5.xml><?xml version="1.0" encoding="utf-8"?>
-<p:sld xmlns:a="http://schemas.openxmlformats.org/drawingml/2006/main" xmlns:r="http://schemas.openxmlformats.org/officeDocument/2006/relationships" xmlns:p="http://schemas.openxmlformats.org/presentationml/2006/main">
-  <p:cSld>
-    <p:spTree>
-      <p:nvGrpSpPr>
-        <p:cNvPr id="1" name=""/>
-        <p:cNvGrpSpPr/>
-        <p:nvPr/>
-      </p:nvGrpSpPr>
-      <p:grpSpPr>
-        <a:xfrm>
-          <a:off x="0" y="0"/>
-          <a:ext cx="0" cy="0"/>
-          <a:chOff x="0" y="0"/>
-          <a:chExt cx="0" cy="0"/>
-        </a:xfrm>
-      </p:grpSpPr>
-      <p:sp>
-        <p:nvSpPr>
-          <p:cNvPr id="2" name="Title 1">
-            <a:extLst>
-              <a:ext uri="{FF2B5EF4-FFF2-40B4-BE49-F238E27FC236}">
-                <a16:creationId xmlns:a16="http://schemas.microsoft.com/office/drawing/2014/main" id="{C4613030-7CCE-D25A-8A35-420604160CC3}"/>
-              </a:ext>
-            </a:extLst>
-          </p:cNvPr>
-          <p:cNvSpPr>
-            <a:spLocks noGrp="1"/>
-          </p:cNvSpPr>
-          <p:nvPr>
-            <p:ph type="title"/>
-          </p:nvPr>
-        </p:nvSpPr>
-        <p:spPr>
-          <a:xfrm>
-            <a:off x="839788" y="356611"/>
-            <a:ext cx="10515600" cy="1325563"/>
-          </a:xfrm>
-        </p:spPr>
-        <p:txBody>
-          <a:bodyPr>
-            <a:normAutofit/>
-          </a:bodyPr>
-          <a:lstStyle/>
-          <a:p>
-            <a:r>
-              <a:rPr lang="en-US" dirty="0">
-                <a:latin typeface="Arial"/>
-                <a:ea typeface="+mj-lt"/>
-                <a:cs typeface="Arial"/>
-              </a:rPr>
-              <a:t>Definition</a:t>
-            </a:r>
-            <a:r>
-              <a:rPr lang="en-US" dirty="0">
-                <a:latin typeface="Arial"/>
-                <a:ea typeface="+mj-lt"/>
-                <a:cs typeface="+mj-lt"/>
-              </a:rPr>
-              <a:t> 3. </a:t>
-            </a:r>
-            <a:r>
-              <a:rPr lang="en-US" err="1">
-                <a:latin typeface="Arial"/>
-                <a:ea typeface="+mj-lt"/>
-                <a:cs typeface="+mj-lt"/>
-              </a:rPr>
-              <a:t>IsNontrivial</a:t>
-            </a:r>
-            <a:r>
-              <a:rPr lang="en-US" dirty="0">
-                <a:latin typeface="Arial"/>
-                <a:ea typeface="+mj-lt"/>
-                <a:cs typeface="+mj-lt"/>
-              </a:rPr>
-              <a:t>:</a:t>
-            </a:r>
-          </a:p>
-        </p:txBody>
-      </p:sp>
-      <p:sp>
-        <p:nvSpPr>
-          <p:cNvPr id="3" name="Text Placeholder 2">
-            <a:extLst>
-              <a:ext uri="{FF2B5EF4-FFF2-40B4-BE49-F238E27FC236}">
-                <a16:creationId xmlns:a16="http://schemas.microsoft.com/office/drawing/2014/main" id="{44DB5DAF-246B-D13B-FB39-0953937F33A2}"/>
-              </a:ext>
-            </a:extLst>
-          </p:cNvPr>
-          <p:cNvSpPr>
-            <a:spLocks noGrp="1"/>
-          </p:cNvSpPr>
-          <p:nvPr>
-            <p:ph type="body" idx="1"/>
-          </p:nvPr>
-        </p:nvSpPr>
-        <p:spPr/>
-        <p:txBody>
-          <a:bodyPr>
-            <a:normAutofit/>
-          </a:bodyPr>
-          <a:lstStyle/>
-          <a:p>
-            <a:r>
-              <a:rPr lang="en-US" sz="2800" dirty="0">
-                <a:latin typeface="Arial"/>
-                <a:cs typeface="Arial"/>
-              </a:rPr>
-              <a:t>Mathematical Expression</a:t>
-            </a:r>
-          </a:p>
-        </p:txBody>
-      </p:sp>
-      <p:sp>
-        <p:nvSpPr>
-          <p:cNvPr id="4" name="Content Placeholder 3">
-            <a:extLst>
-              <a:ext uri="{FF2B5EF4-FFF2-40B4-BE49-F238E27FC236}">
-                <a16:creationId xmlns:a16="http://schemas.microsoft.com/office/drawing/2014/main" id="{3782A5E3-9F61-0795-62E3-45ADFBE6C2E4}"/>
-              </a:ext>
-            </a:extLst>
-          </p:cNvPr>
-          <p:cNvSpPr>
-            <a:spLocks noGrp="1"/>
-          </p:cNvSpPr>
-          <p:nvPr>
-            <p:ph sz="half" idx="2"/>
-          </p:nvPr>
-        </p:nvSpPr>
-        <p:spPr/>
-        <p:txBody>
-          <a:bodyPr vert="horz" lIns="91440" tIns="45720" rIns="91440" bIns="45720" rtlCol="0" anchor="t">
-            <a:normAutofit/>
-          </a:bodyPr>
-          <a:lstStyle/>
-          <a:p>
-            <a:pPr marL="0" indent="0">
-              <a:buNone/>
-            </a:pPr>
-            <a:r>
-              <a:rPr lang="en-US" dirty="0">
-                <a:latin typeface="Arial"/>
-                <a:ea typeface="+mn-lt"/>
-                <a:cs typeface="Arial"/>
-              </a:rPr>
-              <a:t>x is nontrivial if x ̸ = 0 and ¬(</a:t>
-            </a:r>
-            <a:r>
-              <a:rPr lang="en-US" dirty="0" err="1">
-                <a:latin typeface="Arial"/>
-                <a:ea typeface="+mn-lt"/>
-                <a:cs typeface="Arial"/>
-              </a:rPr>
-              <a:t>IsUnit</a:t>
-            </a:r>
-            <a:r>
-              <a:rPr lang="en-US" dirty="0">
-                <a:latin typeface="Arial"/>
-                <a:ea typeface="+mn-lt"/>
-                <a:cs typeface="Arial"/>
-              </a:rPr>
-              <a:t> x)</a:t>
-            </a:r>
-            <a:br>
-              <a:rPr lang="en-US" dirty="0">
-                <a:latin typeface="Arial"/>
-                <a:ea typeface="+mn-lt"/>
-                <a:cs typeface="Arial"/>
-              </a:rPr>
-            </a:br>
-            <a:br>
-              <a:rPr lang="en-US" dirty="0">
-                <a:latin typeface="Arial"/>
-                <a:ea typeface="+mn-lt"/>
-                <a:cs typeface="Arial"/>
-              </a:rPr>
-            </a:br>
-            <a:endParaRPr lang="en-US">
-              <a:latin typeface="Arial"/>
-              <a:ea typeface="+mn-lt"/>
-              <a:cs typeface="Arial"/>
-            </a:endParaRPr>
-          </a:p>
-        </p:txBody>
-      </p:sp>
-      <p:sp>
-        <p:nvSpPr>
-          <p:cNvPr id="5" name="Text Placeholder 4">
-            <a:extLst>
-              <a:ext uri="{FF2B5EF4-FFF2-40B4-BE49-F238E27FC236}">
-                <a16:creationId xmlns:a16="http://schemas.microsoft.com/office/drawing/2014/main" id="{0A2D9080-22B3-AADC-3BEA-74444571DCF2}"/>
-              </a:ext>
-            </a:extLst>
-          </p:cNvPr>
-          <p:cNvSpPr>
-            <a:spLocks noGrp="1"/>
-          </p:cNvSpPr>
-          <p:nvPr>
-            <p:ph type="body" sz="quarter" idx="3"/>
-          </p:nvPr>
-        </p:nvSpPr>
-        <p:spPr/>
-        <p:txBody>
-          <a:bodyPr>
-            <a:normAutofit/>
-          </a:bodyPr>
-          <a:lstStyle/>
-          <a:p>
-            <a:r>
-              <a:rPr lang="en-US" sz="2800" dirty="0">
-                <a:latin typeface="Arial"/>
-                <a:cs typeface="Arial"/>
-              </a:rPr>
-              <a:t>Lean Code</a:t>
-            </a:r>
-          </a:p>
-        </p:txBody>
-      </p:sp>
-      <p:sp>
-        <p:nvSpPr>
-          <p:cNvPr id="6" name="Content Placeholder 5">
-            <a:extLst>
-              <a:ext uri="{FF2B5EF4-FFF2-40B4-BE49-F238E27FC236}">
-                <a16:creationId xmlns:a16="http://schemas.microsoft.com/office/drawing/2014/main" id="{DB3EE391-FC82-F208-CA19-26DA993C427D}"/>
-              </a:ext>
-            </a:extLst>
-          </p:cNvPr>
-          <p:cNvSpPr>
-            <a:spLocks noGrp="1"/>
-          </p:cNvSpPr>
-          <p:nvPr>
-            <p:ph sz="quarter" idx="4"/>
-          </p:nvPr>
-        </p:nvSpPr>
-        <p:spPr>
-          <a:xfrm>
-            <a:off x="6172201" y="2505075"/>
-            <a:ext cx="6268716" cy="3684588"/>
-          </a:xfrm>
-        </p:spPr>
-        <p:txBody>
-          <a:bodyPr vert="horz" lIns="91440" tIns="45720" rIns="91440" bIns="45720" rtlCol="0" anchor="t">
-            <a:normAutofit/>
-          </a:bodyPr>
-          <a:lstStyle/>
-          <a:p>
-            <a:pPr>
-              <a:buNone/>
-            </a:pPr>
-            <a:r>
-              <a:rPr lang="en-US" dirty="0">
-                <a:solidFill>
-                  <a:srgbClr val="0000FF"/>
-                </a:solidFill>
-                <a:latin typeface="Menlo"/>
-                <a:ea typeface="+mn-lt"/>
-                <a:cs typeface="Arial"/>
-              </a:rPr>
-              <a:t>def</a:t>
-            </a:r>
-            <a:r>
-              <a:rPr lang="en-US" dirty="0">
-                <a:latin typeface="Menlo"/>
-                <a:ea typeface="+mn-lt"/>
-                <a:cs typeface="Arial"/>
-              </a:rPr>
-              <a:t> </a:t>
-            </a:r>
-            <a:r>
-              <a:rPr lang="en-US" dirty="0" err="1">
-                <a:latin typeface="Menlo"/>
-                <a:ea typeface="+mn-lt"/>
-                <a:cs typeface="Arial"/>
-              </a:rPr>
-              <a:t>IsNontrivial</a:t>
-            </a:r>
-            <a:r>
-              <a:rPr lang="en-US" dirty="0">
-                <a:latin typeface="Menlo"/>
-                <a:ea typeface="+mn-lt"/>
-                <a:cs typeface="Arial"/>
-              </a:rPr>
-              <a:t> (x : R) </a:t>
-            </a:r>
-            <a:r>
-              <a:rPr lang="en-US" dirty="0">
-                <a:solidFill>
-                  <a:srgbClr val="0000FF"/>
-                </a:solidFill>
-                <a:latin typeface="Menlo"/>
-                <a:ea typeface="+mn-lt"/>
-                <a:cs typeface="Arial"/>
-              </a:rPr>
-              <a:t>Prop</a:t>
-            </a:r>
-            <a:r>
-              <a:rPr lang="en-US" dirty="0">
-                <a:latin typeface="Menlo"/>
-                <a:ea typeface="+mn-lt"/>
-                <a:cs typeface="Arial"/>
-              </a:rPr>
-              <a:t> := x ≠</a:t>
-            </a:r>
-            <a:r>
-              <a:rPr lang="en-US" dirty="0">
-                <a:solidFill>
-                  <a:srgbClr val="000000"/>
-                </a:solidFill>
-                <a:latin typeface="Menlo"/>
-                <a:ea typeface="+mn-lt"/>
-                <a:cs typeface="Arial"/>
-              </a:rPr>
-              <a:t> </a:t>
-            </a:r>
-            <a:r>
-              <a:rPr lang="en-US" dirty="0">
-                <a:solidFill>
-                  <a:srgbClr val="098658"/>
-                </a:solidFill>
-                <a:latin typeface="Menlo"/>
-                <a:ea typeface="+mn-lt"/>
-                <a:cs typeface="Arial"/>
-              </a:rPr>
-              <a:t>0 </a:t>
-            </a:r>
-            <a:r>
-              <a:rPr lang="en-US" dirty="0">
-                <a:latin typeface="Menlo"/>
-                <a:ea typeface="+mn-lt"/>
-                <a:cs typeface="Arial"/>
-              </a:rPr>
-              <a:t>∧ ¬(</a:t>
-            </a:r>
-            <a:r>
-              <a:rPr lang="en-US" dirty="0" err="1">
-                <a:latin typeface="Menlo"/>
-                <a:ea typeface="+mn-lt"/>
-                <a:cs typeface="Arial"/>
-              </a:rPr>
-              <a:t>IsUnit</a:t>
-            </a:r>
-            <a:r>
-              <a:rPr lang="en-US" dirty="0">
-                <a:latin typeface="Menlo"/>
-                <a:ea typeface="+mn-lt"/>
-                <a:cs typeface="Arial"/>
-              </a:rPr>
-              <a:t> x)</a:t>
-            </a:r>
-            <a:endParaRPr lang="en-US" dirty="0"/>
-          </a:p>
-          <a:p>
-            <a:pPr>
-              <a:buNone/>
-            </a:pPr>
-            <a:endParaRPr lang="en-US" sz="2400" dirty="0">
-              <a:latin typeface="Menlo"/>
-              <a:cs typeface="Arial"/>
-            </a:endParaRPr>
-          </a:p>
-        </p:txBody>
-      </p:sp>
-      <p:cxnSp>
-        <p:nvCxnSpPr>
-          <p:cNvPr id="7" name="Straight Arrow Connector 6">
-            <a:extLst>
-              <a:ext uri="{FF2B5EF4-FFF2-40B4-BE49-F238E27FC236}">
-                <a16:creationId xmlns:a16="http://schemas.microsoft.com/office/drawing/2014/main" id="{117C265A-E846-ABCA-5BE1-6CD3CF34A694}"/>
-              </a:ext>
-            </a:extLst>
-          </p:cNvPr>
-          <p:cNvCxnSpPr/>
-          <p:nvPr/>
-        </p:nvCxnSpPr>
-        <p:spPr>
-          <a:xfrm>
-            <a:off x="845438" y="1698962"/>
-            <a:ext cx="10513896" cy="3406"/>
-          </a:xfrm>
-          <a:prstGeom prst="straightConnector1">
-            <a:avLst/>
-          </a:prstGeom>
-          <a:ln>
-            <a:solidFill>
-              <a:schemeClr val="tx1"/>
-            </a:solidFill>
-          </a:ln>
-        </p:spPr>
-        <p:style>
-          <a:lnRef idx="2">
-            <a:schemeClr val="accent1"/>
-          </a:lnRef>
-          <a:fillRef idx="0">
-            <a:schemeClr val="accent1"/>
-          </a:fillRef>
-          <a:effectRef idx="1">
-            <a:schemeClr val="accent1"/>
-          </a:effectRef>
-          <a:fontRef idx="minor">
-            <a:schemeClr val="tx1"/>
-          </a:fontRef>
-        </p:style>
-      </p:cxnSp>
-    </p:spTree>
-    <p:extLst>
-      <p:ext uri="{BB962C8B-B14F-4D97-AF65-F5344CB8AC3E}">
-        <p14:creationId xmlns:p14="http://schemas.microsoft.com/office/powerpoint/2010/main" val="2736035202"/>
-      </p:ext>
-    </p:extLst>
-  </p:cSld>
-  <p:clrMapOvr>
-    <a:masterClrMapping/>
-  </p:clrMapOvr>
-</p:sld>
-</file>
-
 <file path=ppt/slides/slide6.xml><?xml version="1.0" encoding="utf-8"?>
 <p:sld xmlns:a="http://schemas.openxmlformats.org/drawingml/2006/main" xmlns:r="http://schemas.openxmlformats.org/officeDocument/2006/relationships" xmlns:p="http://schemas.openxmlformats.org/presentationml/2006/main">
   <p:cSld>
@@ -34313,17 +34805,25 @@
               <a:rPr lang="en-US" dirty="0">
                 <a:latin typeface="Arial"/>
                 <a:ea typeface="+mj-lt"/>
-                <a:cs typeface="+mj-lt"/>
-              </a:rPr>
-              <a:t>Definition 4. </a:t>
-            </a:r>
-            <a:r>
-              <a:rPr lang="en-US" dirty="0" err="1">
+                <a:cs typeface="Arial"/>
+              </a:rPr>
+              <a:t>Definition</a:t>
+            </a:r>
+            <a:r>
+              <a:rPr lang="en-US" dirty="0">
                 <a:latin typeface="Arial"/>
                 <a:ea typeface="+mj-lt"/>
                 <a:cs typeface="+mj-lt"/>
               </a:rPr>
-              <a:t>IsIrreducible</a:t>
+              <a:t> 3. </a:t>
+            </a:r>
+            <a:r>
+              <a:rPr lang="en-US" err="1">
+                <a:latin typeface="Arial"/>
+                <a:ea typeface="+mj-lt"/>
+                <a:cs typeface="+mj-lt"/>
+              </a:rPr>
+              <a:t>IsNontrivial</a:t>
             </a:r>
             <a:r>
               <a:rPr lang="en-US" dirty="0">
@@ -34385,9 +34885,479 @@
             <p:ph sz="half" idx="2"/>
           </p:nvPr>
         </p:nvSpPr>
+        <p:spPr/>
+        <p:txBody>
+          <a:bodyPr vert="horz" lIns="91440" tIns="45720" rIns="91440" bIns="45720" rtlCol="0" anchor="t">
+            <a:normAutofit/>
+          </a:bodyPr>
+          <a:lstStyle/>
+          <a:p>
+            <a:pPr marL="0" indent="0">
+              <a:buNone/>
+            </a:pPr>
+            <a:r>
+              <a:rPr lang="en-US" dirty="0">
+                <a:latin typeface="Arial"/>
+                <a:ea typeface="+mn-lt"/>
+                <a:cs typeface="Arial"/>
+              </a:rPr>
+              <a:t>x is nontrivial if           and ¬(</a:t>
+            </a:r>
+            <a:r>
+              <a:rPr lang="en-US" dirty="0" err="1">
+                <a:latin typeface="Arial"/>
+                <a:ea typeface="+mn-lt"/>
+                <a:cs typeface="Arial"/>
+              </a:rPr>
+              <a:t>IsUnit</a:t>
+            </a:r>
+            <a:r>
+              <a:rPr lang="en-US" dirty="0">
+                <a:latin typeface="Arial"/>
+                <a:ea typeface="+mn-lt"/>
+                <a:cs typeface="Arial"/>
+              </a:rPr>
+              <a:t> x)</a:t>
+            </a:r>
+            <a:br>
+              <a:rPr lang="en-US" dirty="0">
+                <a:latin typeface="Arial"/>
+                <a:ea typeface="+mn-lt"/>
+                <a:cs typeface="Arial"/>
+              </a:rPr>
+            </a:br>
+            <a:br>
+              <a:rPr lang="en-US" dirty="0">
+                <a:latin typeface="Arial"/>
+                <a:ea typeface="+mn-lt"/>
+                <a:cs typeface="Arial"/>
+              </a:rPr>
+            </a:br>
+            <a:endParaRPr lang="en-US" dirty="0">
+              <a:latin typeface="Arial"/>
+              <a:ea typeface="+mn-lt"/>
+              <a:cs typeface="Arial"/>
+            </a:endParaRPr>
+          </a:p>
+        </p:txBody>
+      </p:sp>
+      <p:sp>
+        <p:nvSpPr>
+          <p:cNvPr id="5" name="Text Placeholder 4">
+            <a:extLst>
+              <a:ext uri="{FF2B5EF4-FFF2-40B4-BE49-F238E27FC236}">
+                <a16:creationId xmlns:a16="http://schemas.microsoft.com/office/drawing/2014/main" id="{0A2D9080-22B3-AADC-3BEA-74444571DCF2}"/>
+              </a:ext>
+            </a:extLst>
+          </p:cNvPr>
+          <p:cNvSpPr>
+            <a:spLocks noGrp="1"/>
+          </p:cNvSpPr>
+          <p:nvPr>
+            <p:ph type="body" sz="quarter" idx="3"/>
+          </p:nvPr>
+        </p:nvSpPr>
+        <p:spPr/>
+        <p:txBody>
+          <a:bodyPr>
+            <a:normAutofit/>
+          </a:bodyPr>
+          <a:lstStyle/>
+          <a:p>
+            <a:r>
+              <a:rPr lang="en-US" sz="2800" dirty="0">
+                <a:latin typeface="Arial"/>
+                <a:cs typeface="Arial"/>
+              </a:rPr>
+              <a:t>Lean Code</a:t>
+            </a:r>
+          </a:p>
+        </p:txBody>
+      </p:sp>
+      <p:sp>
+        <p:nvSpPr>
+          <p:cNvPr id="6" name="Content Placeholder 5">
+            <a:extLst>
+              <a:ext uri="{FF2B5EF4-FFF2-40B4-BE49-F238E27FC236}">
+                <a16:creationId xmlns:a16="http://schemas.microsoft.com/office/drawing/2014/main" id="{DB3EE391-FC82-F208-CA19-26DA993C427D}"/>
+              </a:ext>
+            </a:extLst>
+          </p:cNvPr>
+          <p:cNvSpPr>
+            <a:spLocks noGrp="1"/>
+          </p:cNvSpPr>
+          <p:nvPr>
+            <p:ph sz="quarter" idx="4"/>
+          </p:nvPr>
+        </p:nvSpPr>
         <p:spPr>
           <a:xfrm>
-            <a:off x="844044" y="2505075"/>
+            <a:off x="6172201" y="2505075"/>
+            <a:ext cx="6268716" cy="3684588"/>
+          </a:xfrm>
+        </p:spPr>
+        <p:txBody>
+          <a:bodyPr vert="horz" lIns="91440" tIns="45720" rIns="91440" bIns="45720" rtlCol="0" anchor="t">
+            <a:normAutofit/>
+          </a:bodyPr>
+          <a:lstStyle/>
+          <a:p>
+            <a:pPr>
+              <a:buNone/>
+            </a:pPr>
+            <a:r>
+              <a:rPr lang="en-US" dirty="0">
+                <a:solidFill>
+                  <a:srgbClr val="0000FF"/>
+                </a:solidFill>
+                <a:latin typeface="Menlo"/>
+                <a:ea typeface="+mn-lt"/>
+                <a:cs typeface="Arial"/>
+              </a:rPr>
+              <a:t>def</a:t>
+            </a:r>
+            <a:r>
+              <a:rPr lang="en-US" dirty="0">
+                <a:latin typeface="Menlo"/>
+                <a:ea typeface="+mn-lt"/>
+                <a:cs typeface="Arial"/>
+              </a:rPr>
+              <a:t> </a:t>
+            </a:r>
+            <a:r>
+              <a:rPr lang="en-US" dirty="0" err="1">
+                <a:latin typeface="Menlo"/>
+                <a:ea typeface="+mn-lt"/>
+                <a:cs typeface="Arial"/>
+              </a:rPr>
+              <a:t>IsNontrivial</a:t>
+            </a:r>
+            <a:r>
+              <a:rPr lang="en-US" dirty="0">
+                <a:latin typeface="Menlo"/>
+                <a:ea typeface="+mn-lt"/>
+                <a:cs typeface="Arial"/>
+              </a:rPr>
+              <a:t> (x : R) </a:t>
+            </a:r>
+            <a:r>
+              <a:rPr lang="en-US" dirty="0">
+                <a:solidFill>
+                  <a:srgbClr val="0000FF"/>
+                </a:solidFill>
+                <a:latin typeface="Menlo"/>
+                <a:ea typeface="+mn-lt"/>
+                <a:cs typeface="Arial"/>
+              </a:rPr>
+              <a:t>Prop</a:t>
+            </a:r>
+            <a:r>
+              <a:rPr lang="en-US" dirty="0">
+                <a:latin typeface="Menlo"/>
+                <a:ea typeface="+mn-lt"/>
+                <a:cs typeface="Arial"/>
+              </a:rPr>
+              <a:t> := x ≠</a:t>
+            </a:r>
+            <a:r>
+              <a:rPr lang="en-US" dirty="0">
+                <a:solidFill>
+                  <a:srgbClr val="000000"/>
+                </a:solidFill>
+                <a:latin typeface="Menlo"/>
+                <a:ea typeface="+mn-lt"/>
+                <a:cs typeface="Arial"/>
+              </a:rPr>
+              <a:t> </a:t>
+            </a:r>
+            <a:r>
+              <a:rPr lang="en-US" dirty="0">
+                <a:solidFill>
+                  <a:srgbClr val="098658"/>
+                </a:solidFill>
+                <a:latin typeface="Menlo"/>
+                <a:ea typeface="+mn-lt"/>
+                <a:cs typeface="Arial"/>
+              </a:rPr>
+              <a:t>0 </a:t>
+            </a:r>
+            <a:r>
+              <a:rPr lang="en-US" dirty="0">
+                <a:latin typeface="Menlo"/>
+                <a:ea typeface="+mn-lt"/>
+                <a:cs typeface="Arial"/>
+              </a:rPr>
+              <a:t>∧ ¬(</a:t>
+            </a:r>
+            <a:r>
+              <a:rPr lang="en-US" dirty="0" err="1">
+                <a:latin typeface="Menlo"/>
+                <a:ea typeface="+mn-lt"/>
+                <a:cs typeface="Arial"/>
+              </a:rPr>
+              <a:t>IsUnit</a:t>
+            </a:r>
+            <a:r>
+              <a:rPr lang="en-US" dirty="0">
+                <a:latin typeface="Menlo"/>
+                <a:ea typeface="+mn-lt"/>
+                <a:cs typeface="Arial"/>
+              </a:rPr>
+              <a:t> x)</a:t>
+            </a:r>
+            <a:endParaRPr lang="en-US" dirty="0"/>
+          </a:p>
+          <a:p>
+            <a:pPr>
+              <a:buNone/>
+            </a:pPr>
+            <a:endParaRPr lang="en-US" sz="2400" dirty="0">
+              <a:latin typeface="Menlo"/>
+              <a:cs typeface="Arial"/>
+            </a:endParaRPr>
+          </a:p>
+        </p:txBody>
+      </p:sp>
+      <p:cxnSp>
+        <p:nvCxnSpPr>
+          <p:cNvPr id="7" name="Straight Arrow Connector 6">
+            <a:extLst>
+              <a:ext uri="{FF2B5EF4-FFF2-40B4-BE49-F238E27FC236}">
+                <a16:creationId xmlns:a16="http://schemas.microsoft.com/office/drawing/2014/main" id="{117C265A-E846-ABCA-5BE1-6CD3CF34A694}"/>
+              </a:ext>
+            </a:extLst>
+          </p:cNvPr>
+          <p:cNvCxnSpPr/>
+          <p:nvPr/>
+        </p:nvCxnSpPr>
+        <p:spPr>
+          <a:xfrm>
+            <a:off x="845438" y="1698962"/>
+            <a:ext cx="10513896" cy="3406"/>
+          </a:xfrm>
+          <a:prstGeom prst="straightConnector1">
+            <a:avLst/>
+          </a:prstGeom>
+          <a:ln>
+            <a:solidFill>
+              <a:schemeClr val="tx1"/>
+            </a:solidFill>
+          </a:ln>
+        </p:spPr>
+        <p:style>
+          <a:lnRef idx="2">
+            <a:schemeClr val="accent1"/>
+          </a:lnRef>
+          <a:fillRef idx="0">
+            <a:schemeClr val="accent1"/>
+          </a:fillRef>
+          <a:effectRef idx="1">
+            <a:schemeClr val="accent1"/>
+          </a:effectRef>
+          <a:fontRef idx="minor">
+            <a:schemeClr val="tx1"/>
+          </a:fontRef>
+        </p:style>
+      </p:cxnSp>
+      <p:sp>
+        <p:nvSpPr>
+          <p:cNvPr id="13" name="TextBox 12">
+            <a:extLst>
+              <a:ext uri="{FF2B5EF4-FFF2-40B4-BE49-F238E27FC236}">
+                <a16:creationId xmlns:a16="http://schemas.microsoft.com/office/drawing/2014/main" id="{666373A5-86A4-8B69-3673-995F69BD9D7D}"/>
+              </a:ext>
+            </a:extLst>
+          </p:cNvPr>
+          <p:cNvSpPr txBox="1"/>
+          <p:nvPr/>
+        </p:nvSpPr>
+        <p:spPr>
+          <a:xfrm>
+            <a:off x="3360880" y="2421951"/>
+            <a:ext cx="6219316" cy="584775"/>
+          </a:xfrm>
+          <a:prstGeom prst="rect">
+            <a:avLst/>
+          </a:prstGeom>
+          <a:noFill/>
+        </p:spPr>
+        <p:txBody>
+          <a:bodyPr wrap="square">
+            <a:spAutoFit/>
+          </a:bodyPr>
+          <a:lstStyle/>
+          <a:p>
+            <a:r>
+              <a:rPr lang="en-US" sz="3200" dirty="0">
+                <a:latin typeface="Menlo"/>
+                <a:ea typeface="+mn-lt"/>
+                <a:cs typeface="Arial"/>
+              </a:rPr>
+              <a:t>x ≠</a:t>
+            </a:r>
+            <a:r>
+              <a:rPr lang="en-US" sz="3200" dirty="0">
+                <a:solidFill>
+                  <a:srgbClr val="000000"/>
+                </a:solidFill>
+                <a:latin typeface="Menlo"/>
+                <a:ea typeface="+mn-lt"/>
+                <a:cs typeface="Arial"/>
+              </a:rPr>
+              <a:t> 0</a:t>
+            </a:r>
+            <a:r>
+              <a:rPr lang="en-US" sz="3200" dirty="0">
+                <a:solidFill>
+                  <a:srgbClr val="098658"/>
+                </a:solidFill>
+                <a:latin typeface="Menlo"/>
+                <a:ea typeface="+mn-lt"/>
+                <a:cs typeface="Arial"/>
+              </a:rPr>
+              <a:t> </a:t>
+            </a:r>
+            <a:endParaRPr lang="ru-RU" sz="3200" dirty="0"/>
+          </a:p>
+        </p:txBody>
+      </p:sp>
+    </p:spTree>
+    <p:extLst>
+      <p:ext uri="{BB962C8B-B14F-4D97-AF65-F5344CB8AC3E}">
+        <p14:creationId xmlns:p14="http://schemas.microsoft.com/office/powerpoint/2010/main" val="2736035202"/>
+      </p:ext>
+    </p:extLst>
+  </p:cSld>
+  <p:clrMapOvr>
+    <a:masterClrMapping/>
+  </p:clrMapOvr>
+</p:sld>
+</file>
+
+<file path=ppt/slides/slide7.xml><?xml version="1.0" encoding="utf-8"?>
+<p:sld xmlns:a="http://schemas.openxmlformats.org/drawingml/2006/main" xmlns:r="http://schemas.openxmlformats.org/officeDocument/2006/relationships" xmlns:p="http://schemas.openxmlformats.org/presentationml/2006/main">
+  <p:cSld>
+    <p:spTree>
+      <p:nvGrpSpPr>
+        <p:cNvPr id="1" name=""/>
+        <p:cNvGrpSpPr/>
+        <p:nvPr/>
+      </p:nvGrpSpPr>
+      <p:grpSpPr>
+        <a:xfrm>
+          <a:off x="0" y="0"/>
+          <a:ext cx="0" cy="0"/>
+          <a:chOff x="0" y="0"/>
+          <a:chExt cx="0" cy="0"/>
+        </a:xfrm>
+      </p:grpSpPr>
+      <p:sp>
+        <p:nvSpPr>
+          <p:cNvPr id="2" name="Title 1">
+            <a:extLst>
+              <a:ext uri="{FF2B5EF4-FFF2-40B4-BE49-F238E27FC236}">
+                <a16:creationId xmlns:a16="http://schemas.microsoft.com/office/drawing/2014/main" id="{C4613030-7CCE-D25A-8A35-420604160CC3}"/>
+              </a:ext>
+            </a:extLst>
+          </p:cNvPr>
+          <p:cNvSpPr>
+            <a:spLocks noGrp="1"/>
+          </p:cNvSpPr>
+          <p:nvPr>
+            <p:ph type="title"/>
+          </p:nvPr>
+        </p:nvSpPr>
+        <p:spPr>
+          <a:xfrm>
+            <a:off x="839788" y="356611"/>
+            <a:ext cx="10515600" cy="1325563"/>
+          </a:xfrm>
+        </p:spPr>
+        <p:txBody>
+          <a:bodyPr>
+            <a:normAutofit/>
+          </a:bodyPr>
+          <a:lstStyle/>
+          <a:p>
+            <a:r>
+              <a:rPr lang="en-US" dirty="0">
+                <a:latin typeface="Arial"/>
+                <a:ea typeface="+mj-lt"/>
+                <a:cs typeface="+mj-lt"/>
+              </a:rPr>
+              <a:t>Definition 4. </a:t>
+            </a:r>
+            <a:r>
+              <a:rPr lang="en-US" dirty="0" err="1">
+                <a:latin typeface="Arial"/>
+                <a:ea typeface="+mj-lt"/>
+                <a:cs typeface="+mj-lt"/>
+              </a:rPr>
+              <a:t>IsIrreducible</a:t>
+            </a:r>
+            <a:r>
+              <a:rPr lang="en-US" dirty="0">
+                <a:latin typeface="Arial"/>
+                <a:ea typeface="+mj-lt"/>
+                <a:cs typeface="+mj-lt"/>
+              </a:rPr>
+              <a:t>:</a:t>
+            </a:r>
+          </a:p>
+        </p:txBody>
+      </p:sp>
+      <p:sp>
+        <p:nvSpPr>
+          <p:cNvPr id="3" name="Text Placeholder 2">
+            <a:extLst>
+              <a:ext uri="{FF2B5EF4-FFF2-40B4-BE49-F238E27FC236}">
+                <a16:creationId xmlns:a16="http://schemas.microsoft.com/office/drawing/2014/main" id="{44DB5DAF-246B-D13B-FB39-0953937F33A2}"/>
+              </a:ext>
+            </a:extLst>
+          </p:cNvPr>
+          <p:cNvSpPr>
+            <a:spLocks noGrp="1"/>
+          </p:cNvSpPr>
+          <p:nvPr>
+            <p:ph type="body" idx="1"/>
+          </p:nvPr>
+        </p:nvSpPr>
+        <p:spPr/>
+        <p:txBody>
+          <a:bodyPr>
+            <a:normAutofit/>
+          </a:bodyPr>
+          <a:lstStyle/>
+          <a:p>
+            <a:r>
+              <a:rPr lang="en-US" sz="2800" dirty="0">
+                <a:latin typeface="Arial"/>
+                <a:cs typeface="Arial"/>
+              </a:rPr>
+              <a:t>Mathematical Expression</a:t>
+            </a:r>
+          </a:p>
+        </p:txBody>
+      </p:sp>
+      <p:sp>
+        <p:nvSpPr>
+          <p:cNvPr id="4" name="Content Placeholder 3">
+            <a:extLst>
+              <a:ext uri="{FF2B5EF4-FFF2-40B4-BE49-F238E27FC236}">
+                <a16:creationId xmlns:a16="http://schemas.microsoft.com/office/drawing/2014/main" id="{3782A5E3-9F61-0795-62E3-45ADFBE6C2E4}"/>
+              </a:ext>
+            </a:extLst>
+          </p:cNvPr>
+          <p:cNvSpPr>
+            <a:spLocks noGrp="1"/>
+          </p:cNvSpPr>
+          <p:nvPr>
+            <p:ph sz="half" idx="2"/>
+          </p:nvPr>
+        </p:nvSpPr>
+        <p:spPr>
+          <a:xfrm>
+            <a:off x="713108" y="2500818"/>
             <a:ext cx="5481319" cy="3684588"/>
           </a:xfrm>
         </p:spPr>
@@ -34406,70 +35376,27 @@
                 <a:ea typeface="+mn-lt"/>
                 <a:cs typeface="Arial"/>
               </a:rPr>
-              <a:t>x is irreducible if x is nontrivial and ∀a, b, </a:t>
-            </a:r>
-            <a:endParaRPr lang="en-US">
-              <a:latin typeface="Arial"/>
-              <a:ea typeface="+mn-lt"/>
-              <a:cs typeface="Arial"/>
-            </a:endParaRPr>
-          </a:p>
-          <a:p>
-            <a:pPr marL="0" indent="0">
-              <a:buNone/>
-            </a:pPr>
+              <a:t>x is irreducible, if </a:t>
+            </a:r>
+          </a:p>
+          <a:p>
             <a:r>
               <a:rPr lang="en-US" dirty="0">
                 <a:latin typeface="Arial"/>
                 <a:ea typeface="+mn-lt"/>
                 <a:cs typeface="Arial"/>
               </a:rPr>
-              <a:t>x = a · b </a:t>
-            </a:r>
-          </a:p>
-          <a:p>
-            <a:pPr marL="0" indent="0">
-              <a:buNone/>
-            </a:pPr>
+              <a:t>x is nontrivial, and</a:t>
+            </a:r>
+          </a:p>
+          <a:p>
             <a:r>
               <a:rPr lang="en-US" dirty="0">
                 <a:latin typeface="Arial"/>
                 <a:ea typeface="+mn-lt"/>
                 <a:cs typeface="Arial"/>
               </a:rPr>
-              <a:t>x ⇒ (</a:t>
-            </a:r>
-            <a:r>
-              <a:rPr lang="en-US" dirty="0" err="1">
-                <a:latin typeface="Arial"/>
-                <a:ea typeface="+mn-lt"/>
-                <a:cs typeface="Arial"/>
-              </a:rPr>
-              <a:t>IsUnit</a:t>
-            </a:r>
-            <a:r>
-              <a:rPr lang="en-US" dirty="0">
-                <a:latin typeface="Arial"/>
-                <a:ea typeface="+mn-lt"/>
-                <a:cs typeface="Arial"/>
-              </a:rPr>
-              <a:t> a) ∨ (</a:t>
-            </a:r>
-            <a:r>
-              <a:rPr lang="en-US" dirty="0" err="1">
-                <a:latin typeface="Arial"/>
-                <a:ea typeface="+mn-lt"/>
-                <a:cs typeface="Arial"/>
-              </a:rPr>
-              <a:t>IsUnit</a:t>
-            </a:r>
-            <a:r>
-              <a:rPr lang="en-US" dirty="0">
-                <a:latin typeface="Arial"/>
-                <a:ea typeface="+mn-lt"/>
-                <a:cs typeface="Arial"/>
-              </a:rPr>
-              <a:t> b)</a:t>
+              <a:t>for any a, b in R, such that a*b=x, one of them is a unit. In other words, it cannot be factored in 2 non-unit elements.</a:t>
             </a:r>
             <a:br>
               <a:rPr lang="en-US" dirty="0">
@@ -34772,7 +35699,7 @@
 </p:sld>
 </file>
 
-<file path=ppt/slides/slide7.xml><?xml version="1.0" encoding="utf-8"?>
+<file path=ppt/slides/slide8.xml><?xml version="1.0" encoding="utf-8"?>
 <p:sld xmlns:a="http://schemas.openxmlformats.org/drawingml/2006/main" xmlns:r="http://schemas.openxmlformats.org/officeDocument/2006/relationships" xmlns:p="http://schemas.openxmlformats.org/presentationml/2006/main">
   <p:cSld>
     <p:spTree>
@@ -34826,7 +35753,7 @@
               <a:t>Definition 5. </a:t>
             </a:r>
             <a:r>
-              <a:rPr lang="en-US" err="1">
+              <a:rPr lang="en-US" dirty="0" err="1">
                 <a:latin typeface="Arial"/>
                 <a:ea typeface="+mj-lt"/>
                 <a:cs typeface="+mj-lt"/>
@@ -34909,22 +35836,80 @@
                 <a:ea typeface="+mn-lt"/>
                 <a:cs typeface="+mn-lt"/>
               </a:rPr>
-              <a:t>x is prime if x is nontrivial and ∀a, b, (x | a · b) ⇒</a:t>
-            </a:r>
-            <a:br>
+              <a:t>x is prime if </a:t>
+            </a:r>
+          </a:p>
+          <a:p>
+            <a:r>
               <a:rPr lang="en-US" dirty="0">
                 <a:latin typeface="Arial"/>
                 <a:ea typeface="+mn-lt"/>
                 <a:cs typeface="+mn-lt"/>
               </a:rPr>
-            </a:br>
+              <a:t>x is nontrivial, and </a:t>
+            </a:r>
+          </a:p>
+          <a:p>
             <a:r>
               <a:rPr lang="en-US" dirty="0">
                 <a:latin typeface="Arial"/>
                 <a:ea typeface="+mn-lt"/>
                 <a:cs typeface="+mn-lt"/>
               </a:rPr>
-              <a:t>(x | a) ∨ (x | b)</a:t>
+              <a:t>Euclid’s lemma applies:</a:t>
+            </a:r>
+          </a:p>
+          <a:p>
+            <a:pPr marL="0" indent="0">
+              <a:buNone/>
+            </a:pPr>
+            <a:r>
+              <a:rPr lang="en-US" dirty="0">
+                <a:latin typeface="Arial"/>
+                <a:ea typeface="+mn-lt"/>
+                <a:cs typeface="+mn-lt"/>
+              </a:rPr>
+              <a:t>If x divides </a:t>
+            </a:r>
+            <a:r>
+              <a:rPr lang="en-US" i="1" dirty="0">
+                <a:latin typeface="Arial"/>
+                <a:ea typeface="+mn-lt"/>
+                <a:cs typeface="+mn-lt"/>
+              </a:rPr>
+              <a:t>ab, </a:t>
+            </a:r>
+            <a:r>
+              <a:rPr lang="en-US" dirty="0">
+                <a:latin typeface="Arial"/>
+                <a:ea typeface="+mn-lt"/>
+                <a:cs typeface="+mn-lt"/>
+              </a:rPr>
+              <a:t>it divides either </a:t>
+            </a:r>
+            <a:r>
+              <a:rPr lang="en-US" i="1" dirty="0">
+                <a:latin typeface="Arial"/>
+                <a:ea typeface="+mn-lt"/>
+                <a:cs typeface="+mn-lt"/>
+              </a:rPr>
+              <a:t>a </a:t>
+            </a:r>
+            <a:r>
+              <a:rPr lang="en-US" dirty="0">
+                <a:latin typeface="Arial"/>
+                <a:ea typeface="+mn-lt"/>
+                <a:cs typeface="+mn-lt"/>
+              </a:rPr>
+              <a:t>or </a:t>
+            </a:r>
+            <a:r>
+              <a:rPr lang="en-US" i="1" dirty="0">
+                <a:latin typeface="Arial"/>
+                <a:ea typeface="+mn-lt"/>
+                <a:cs typeface="+mn-lt"/>
+              </a:rPr>
+              <a:t>b.</a:t>
             </a:r>
           </a:p>
         </p:txBody>
@@ -35207,7 +36192,7 @@
 </p:sld>
 </file>
 
-<file path=ppt/slides/slide8.xml><?xml version="1.0" encoding="utf-8"?>
+<file path=ppt/slides/slide9.xml><?xml version="1.0" encoding="utf-8"?>
 <p:sld xmlns:a="http://schemas.openxmlformats.org/drawingml/2006/main" xmlns:r="http://schemas.openxmlformats.org/officeDocument/2006/relationships" xmlns:p="http://schemas.openxmlformats.org/presentationml/2006/main">
   <p:cSld>
     <p:spTree>
@@ -35307,7 +36292,7 @@
                 <a:latin typeface="Arial"/>
                 <a:cs typeface="Arial"/>
               </a:rPr>
-              <a:t>Mathematical Expression</a:t>
+              <a:t>Mathematical expression</a:t>
             </a:r>
           </a:p>
         </p:txBody>
@@ -35353,9 +36338,16 @@
             </a:endParaRPr>
           </a:p>
           <a:p>
-            <a:pPr marL="0" indent="0">
-              <a:buNone/>
-            </a:pPr>
+            <a:r>
+              <a:rPr lang="en-US" dirty="0">
+                <a:latin typeface="Arial"/>
+                <a:ea typeface="+mn-lt"/>
+                <a:cs typeface="Arial"/>
+              </a:rPr>
+              <a:t>It’s an integral domain</a:t>
+            </a:r>
+          </a:p>
+          <a:p>
             <a:r>
               <a:rPr lang="en-US" dirty="0">
                 <a:latin typeface="Arial"/>
@@ -35393,24 +36385,19 @@
                 <a:ea typeface="+mn-lt"/>
                 <a:cs typeface="Arial"/>
               </a:rPr>
-              <a:t> and such factorization is unique up</a:t>
-            </a:r>
-            <a:br>
+              <a:t> </a:t>
+            </a:r>
+          </a:p>
+          <a:p>
+            <a:r>
               <a:rPr lang="en-US" dirty="0">
                 <a:latin typeface="Arial"/>
                 <a:ea typeface="+mn-lt"/>
                 <a:cs typeface="Arial"/>
               </a:rPr>
-            </a:br>
-            <a:r>
-              <a:rPr lang="en-US" dirty="0">
-                <a:latin typeface="Arial"/>
-                <a:ea typeface="+mn-lt"/>
-                <a:cs typeface="Arial"/>
-              </a:rPr>
-              <a:t>to associates and permutation</a:t>
-            </a:r>
-            <a:endParaRPr lang="en-US"/>
+              <a:t>such factorization is unique up to associates and permutation</a:t>
+            </a:r>
+            <a:endParaRPr lang="en-US" dirty="0"/>
           </a:p>
         </p:txBody>
       </p:sp>
@@ -35442,7 +36429,7 @@
                 <a:latin typeface="Arial"/>
                 <a:cs typeface="Arial"/>
               </a:rPr>
-              <a:t>Lean Code</a:t>
+              <a:t>Lean code:</a:t>
             </a:r>
           </a:p>
         </p:txBody>
@@ -35488,77 +36475,12 @@
           </a:fontRef>
         </p:style>
       </p:cxnSp>
-      <p:pic>
-        <p:nvPicPr>
-          <p:cNvPr id="13" name="Content Placeholder 12" descr="Target with solid fill">
+      <p:sp>
+        <p:nvSpPr>
+          <p:cNvPr id="10" name="Content Placeholder 9">
             <a:extLst>
               <a:ext uri="{FF2B5EF4-FFF2-40B4-BE49-F238E27FC236}">
-                <a16:creationId xmlns:a16="http://schemas.microsoft.com/office/drawing/2014/main" id="{474EC04B-5D8D-2527-66BB-63909887E7E1}"/>
-              </a:ext>
-            </a:extLst>
-          </p:cNvPr>
-          <p:cNvPicPr>
-            <a:picLocks noGrp="1" noChangeAspect="1"/>
-          </p:cNvPicPr>
-          <p:nvPr>
-            <p:ph sz="quarter" idx="4"/>
-          </p:nvPr>
-        </p:nvPicPr>
-        <p:blipFill>
-          <a:blip r:embed="rId2">
-            <a:extLst>
-              <a:ext uri="{96DAC541-7B7A-43D3-8B79-37D633B846F1}">
-                <asvg:svgBlip xmlns:asvg="http://schemas.microsoft.com/office/drawing/2016/SVG/main" r:embed="rId3"/>
-              </a:ext>
-            </a:extLst>
-          </a:blip>
-          <a:stretch>
-            <a:fillRect/>
-          </a:stretch>
-        </p:blipFill>
-        <p:spPr>
-          <a:xfrm>
-            <a:off x="7645029" y="3213124"/>
-            <a:ext cx="2243728" cy="2271538"/>
-          </a:xfrm>
-        </p:spPr>
-      </p:pic>
-    </p:spTree>
-    <p:extLst>
-      <p:ext uri="{BB962C8B-B14F-4D97-AF65-F5344CB8AC3E}">
-        <p14:creationId xmlns:p14="http://schemas.microsoft.com/office/powerpoint/2010/main" val="1222975945"/>
-      </p:ext>
-    </p:extLst>
-  </p:cSld>
-  <p:clrMapOvr>
-    <a:masterClrMapping/>
-  </p:clrMapOvr>
-</p:sld>
-</file>
-
-<file path=ppt/slides/slide9.xml><?xml version="1.0" encoding="utf-8"?>
-<p:sld xmlns:a="http://schemas.openxmlformats.org/drawingml/2006/main" xmlns:r="http://schemas.openxmlformats.org/officeDocument/2006/relationships" xmlns:p="http://schemas.openxmlformats.org/presentationml/2006/main">
-  <p:cSld>
-    <p:spTree>
-      <p:nvGrpSpPr>
-        <p:cNvPr id="1" name=""/>
-        <p:cNvGrpSpPr/>
-        <p:nvPr/>
-      </p:nvGrpSpPr>
-      <p:grpSpPr>
-        <a:xfrm>
-          <a:off x="0" y="0"/>
-          <a:ext cx="0" cy="0"/>
-          <a:chOff x="0" y="0"/>
-          <a:chExt cx="0" cy="0"/>
-        </a:xfrm>
-      </p:grpSpPr>
-      <p:sp>
-        <p:nvSpPr>
-          <p:cNvPr id="4" name="Titel 3">
-            <a:extLst>
-              <a:ext uri="{FF2B5EF4-FFF2-40B4-BE49-F238E27FC236}">
-                <a16:creationId xmlns:a16="http://schemas.microsoft.com/office/drawing/2014/main" id="{DF5A37E2-C32F-6BFA-897F-953B9B5F2942}"/>
+                <a16:creationId xmlns:a16="http://schemas.microsoft.com/office/drawing/2014/main" id="{D23A30F9-68E2-905C-23BD-F87C03C0C83F}"/>
               </a:ext>
             </a:extLst>
           </p:cNvPr>
@@ -35566,7 +36488,7 @@
             <a:spLocks noGrp="1"/>
           </p:cNvSpPr>
           <p:nvPr>
-            <p:ph type="title"/>
+            <p:ph sz="quarter" idx="4"/>
           </p:nvPr>
         </p:nvSpPr>
         <p:spPr/>
@@ -35574,47 +36496,33 @@
           <a:bodyPr/>
           <a:lstStyle/>
           <a:p>
-            <a:r>
-              <a:rPr lang="de-DE" dirty="0"/>
-              <a:t>The </a:t>
-            </a:r>
-            <a:r>
-              <a:rPr lang="de-DE" dirty="0" err="1"/>
-              <a:t>Lemma‘s</a:t>
-            </a:r>
-            <a:endParaRPr lang="de-DE" dirty="0"/>
-          </a:p>
-        </p:txBody>
-      </p:sp>
-      <p:sp>
-        <p:nvSpPr>
-          <p:cNvPr id="5" name="Textplatzhalter 4">
-            <a:extLst>
-              <a:ext uri="{FF2B5EF4-FFF2-40B4-BE49-F238E27FC236}">
-                <a16:creationId xmlns:a16="http://schemas.microsoft.com/office/drawing/2014/main" id="{62EADF35-6001-0438-DA0D-D602BAF360A6}"/>
-              </a:ext>
-            </a:extLst>
-          </p:cNvPr>
-          <p:cNvSpPr>
-            <a:spLocks noGrp="1"/>
-          </p:cNvSpPr>
-          <p:nvPr>
-            <p:ph type="body" idx="1"/>
-          </p:nvPr>
-        </p:nvSpPr>
-        <p:spPr/>
-        <p:txBody>
-          <a:bodyPr/>
-          <a:lstStyle/>
-          <a:p>
-            <a:endParaRPr lang="de-DE"/>
+            <a:pPr marL="0" indent="0">
+              <a:buNone/>
+            </a:pPr>
+            <a:endParaRPr lang="en-US" dirty="0"/>
+          </a:p>
+          <a:p>
+            <a:pPr marL="0" indent="0">
+              <a:buNone/>
+            </a:pPr>
+            <a:endParaRPr lang="en-US" dirty="0"/>
+          </a:p>
+          <a:p>
+            <a:pPr marL="0" indent="0" algn="ctr">
+              <a:buNone/>
+            </a:pPr>
+            <a:r>
+              <a:rPr lang="en-US" dirty="0"/>
+              <a:t>Wait for it…</a:t>
+            </a:r>
+            <a:endParaRPr lang="ru-RU" dirty="0"/>
           </a:p>
         </p:txBody>
       </p:sp>
     </p:spTree>
     <p:extLst>
       <p:ext uri="{BB962C8B-B14F-4D97-AF65-F5344CB8AC3E}">
-        <p14:creationId xmlns:p14="http://schemas.microsoft.com/office/powerpoint/2010/main" val="2222841862"/>
+        <p14:creationId xmlns:p14="http://schemas.microsoft.com/office/powerpoint/2010/main" val="1222975945"/>
       </p:ext>
     </p:extLst>
   </p:cSld>

--- a/Lean/Projects/06. Divisibility in rings (Algebra 1)/powerpoint/Lean Präsentation version 08.07.pptx
+++ b/Lean/Projects/06. Divisibility in rings (Algebra 1)/powerpoint/Lean Präsentation version 08.07.pptx
@@ -5,7 +5,7 @@
     <p:sldMasterId id="2147483648" r:id="rId1"/>
   </p:sldMasterIdLst>
   <p:notesMasterIdLst>
-    <p:notesMasterId r:id="rId19"/>
+    <p:notesMasterId r:id="rId20"/>
   </p:notesMasterIdLst>
   <p:sldIdLst>
     <p:sldId id="256" r:id="rId2"/>
@@ -25,6 +25,7 @@
     <p:sldId id="289" r:id="rId16"/>
     <p:sldId id="294" r:id="rId17"/>
     <p:sldId id="295" r:id="rId18"/>
+    <p:sldId id="296" r:id="rId19"/>
   </p:sldIdLst>
   <p:sldSz cx="12192000" cy="6858000"/>
   <p:notesSz cx="6858000" cy="9144000"/>
@@ -164,6 +165,7 @@
             <p14:sldId id="289"/>
             <p14:sldId id="294"/>
             <p14:sldId id="295"/>
+            <p14:sldId id="296"/>
           </p14:sldIdLst>
         </p14:section>
       </p14:sectionLst>
@@ -4514,7 +4516,7 @@
                 <a:highlight>
                   <a:srgbClr val="FFFFFF"/>
                 </a:highlight>
-                <a:latin typeface="Consolas" panose="020B0609020204030204" pitchFamily="49" charset="0"/>
+                <a:latin typeface="Menlo"/>
               </a:rPr>
               <a:t>theorem</a:t>
             </a:r>
@@ -4527,7 +4529,7 @@
                 <a:highlight>
                   <a:srgbClr val="FFFFFF"/>
                 </a:highlight>
-                <a:latin typeface="Consolas" panose="020B0609020204030204" pitchFamily="49" charset="0"/>
+                <a:latin typeface="Menlo"/>
               </a:rPr>
               <a:t> </a:t>
             </a:r>
@@ -4540,7 +4542,7 @@
                 <a:highlight>
                   <a:srgbClr val="FFFFFF"/>
                 </a:highlight>
-                <a:latin typeface="Consolas" panose="020B0609020204030204" pitchFamily="49" charset="0"/>
+                <a:latin typeface="Menlo"/>
               </a:rPr>
               <a:t>isIrreducible_of_isPrime</a:t>
             </a:r>
@@ -4553,7 +4555,7 @@
                 <a:highlight>
                   <a:srgbClr val="FFFFFF"/>
                 </a:highlight>
-                <a:latin typeface="Consolas" panose="020B0609020204030204" pitchFamily="49" charset="0"/>
+                <a:latin typeface="Menlo"/>
               </a:rPr>
               <a:t> [</a:t>
             </a:r>
@@ -4566,7 +4568,7 @@
                 <a:highlight>
                   <a:srgbClr val="FFFFFF"/>
                 </a:highlight>
-                <a:latin typeface="Consolas" panose="020B0609020204030204" pitchFamily="49" charset="0"/>
+                <a:latin typeface="Menlo"/>
               </a:rPr>
               <a:t>IsDomain</a:t>
             </a:r>
@@ -4579,7 +4581,7 @@
                 <a:highlight>
                   <a:srgbClr val="FFFFFF"/>
                 </a:highlight>
-                <a:latin typeface="Consolas" panose="020B0609020204030204" pitchFamily="49" charset="0"/>
+                <a:latin typeface="Menlo"/>
               </a:rPr>
               <a:t> R] (x : R) (h : </a:t>
             </a:r>
@@ -4592,7 +4594,7 @@
                 <a:highlight>
                   <a:srgbClr val="FFFFFF"/>
                 </a:highlight>
-                <a:latin typeface="Consolas" panose="020B0609020204030204" pitchFamily="49" charset="0"/>
+                <a:latin typeface="Menlo"/>
               </a:rPr>
               <a:t>IsPrime</a:t>
             </a:r>
@@ -4605,7 +4607,7 @@
                 <a:highlight>
                   <a:srgbClr val="FFFFFF"/>
                 </a:highlight>
-                <a:latin typeface="Consolas" panose="020B0609020204030204" pitchFamily="49" charset="0"/>
+                <a:latin typeface="Menlo"/>
               </a:rPr>
               <a:t> x) : </a:t>
             </a:r>
@@ -4618,7 +4620,7 @@
                 <a:highlight>
                   <a:srgbClr val="FFFFFF"/>
                 </a:highlight>
-                <a:latin typeface="Consolas" panose="020B0609020204030204" pitchFamily="49" charset="0"/>
+                <a:latin typeface="Menlo"/>
               </a:rPr>
               <a:t>IsIrreducible</a:t>
             </a:r>
@@ -4631,7 +4633,7 @@
                 <a:highlight>
                   <a:srgbClr val="FFFFFF"/>
                 </a:highlight>
-                <a:latin typeface="Consolas" panose="020B0609020204030204" pitchFamily="49" charset="0"/>
+                <a:latin typeface="Menlo"/>
               </a:rPr>
               <a:t> x := </a:t>
             </a:r>
@@ -4644,7 +4646,7 @@
                 <a:highlight>
                   <a:srgbClr val="FFFFFF"/>
                 </a:highlight>
-                <a:latin typeface="Consolas" panose="020B0609020204030204" pitchFamily="49" charset="0"/>
+                <a:latin typeface="Menlo"/>
               </a:rPr>
               <a:t>by</a:t>
             </a:r>
@@ -4656,7 +4658,7 @@
               <a:highlight>
                 <a:srgbClr val="FFFFFF"/>
               </a:highlight>
-              <a:latin typeface="Consolas" panose="020B0609020204030204" pitchFamily="49" charset="0"/>
+              <a:latin typeface="Menlo"/>
             </a:endParaRPr>
           </a:p>
           <a:p>
@@ -4672,7 +4674,7 @@
                 <a:highlight>
                   <a:srgbClr val="FFFFFF"/>
                 </a:highlight>
-                <a:latin typeface="Consolas" panose="020B0609020204030204" pitchFamily="49" charset="0"/>
+                <a:latin typeface="Menlo"/>
               </a:rPr>
               <a:t>  </a:t>
             </a:r>
@@ -4685,7 +4687,7 @@
                 <a:highlight>
                   <a:srgbClr val="FFFFFF"/>
                 </a:highlight>
-                <a:latin typeface="Consolas" panose="020B0609020204030204" pitchFamily="49" charset="0"/>
+                <a:latin typeface="Menlo"/>
               </a:rPr>
               <a:t>obtain</a:t>
             </a:r>
@@ -4698,7 +4700,7 @@
                 <a:highlight>
                   <a:srgbClr val="FFFFFF"/>
                 </a:highlight>
-                <a:latin typeface="Consolas" panose="020B0609020204030204" pitchFamily="49" charset="0"/>
+                <a:latin typeface="Menlo"/>
               </a:rPr>
               <a:t> ⟨</a:t>
             </a:r>
@@ -4711,7 +4713,7 @@
                 <a:highlight>
                   <a:srgbClr val="FFFFFF"/>
                 </a:highlight>
-                <a:latin typeface="Consolas" panose="020B0609020204030204" pitchFamily="49" charset="0"/>
+                <a:latin typeface="Menlo"/>
               </a:rPr>
               <a:t>hnontrivial</a:t>
             </a:r>
@@ -4724,7 +4726,7 @@
                 <a:highlight>
                   <a:srgbClr val="FFFFFF"/>
                 </a:highlight>
-                <a:latin typeface="Consolas" panose="020B0609020204030204" pitchFamily="49" charset="0"/>
+                <a:latin typeface="Menlo"/>
               </a:rPr>
               <a:t>, </a:t>
             </a:r>
@@ -4737,7 +4739,7 @@
                 <a:highlight>
                   <a:srgbClr val="FFFFFF"/>
                 </a:highlight>
-                <a:latin typeface="Consolas" panose="020B0609020204030204" pitchFamily="49" charset="0"/>
+                <a:latin typeface="Menlo"/>
               </a:rPr>
               <a:t>hdiv</a:t>
             </a:r>
@@ -4750,7 +4752,7 @@
                 <a:highlight>
                   <a:srgbClr val="FFFFFF"/>
                 </a:highlight>
-                <a:latin typeface="Consolas" panose="020B0609020204030204" pitchFamily="49" charset="0"/>
+                <a:latin typeface="Menlo"/>
               </a:rPr>
               <a:t>⟩ := h</a:t>
             </a:r>
@@ -4768,7 +4770,7 @@
                 <a:highlight>
                   <a:srgbClr val="FFFFFF"/>
                 </a:highlight>
-                <a:latin typeface="Consolas" panose="020B0609020204030204" pitchFamily="49" charset="0"/>
+                <a:latin typeface="Menlo"/>
               </a:rPr>
               <a:t>  </a:t>
             </a:r>
@@ -4781,7 +4783,7 @@
                 <a:highlight>
                   <a:srgbClr val="FFFFFF"/>
                 </a:highlight>
-                <a:latin typeface="Consolas" panose="020B0609020204030204" pitchFamily="49" charset="0"/>
+                <a:latin typeface="Menlo"/>
               </a:rPr>
               <a:t>constructor</a:t>
             </a:r>
@@ -4793,7 +4795,7 @@
               <a:highlight>
                 <a:srgbClr val="FFFFFF"/>
               </a:highlight>
-              <a:latin typeface="Consolas" panose="020B0609020204030204" pitchFamily="49" charset="0"/>
+              <a:latin typeface="Menlo"/>
             </a:endParaRPr>
           </a:p>
           <a:p>
@@ -4809,7 +4811,7 @@
                 <a:highlight>
                   <a:srgbClr val="FFFFFF"/>
                 </a:highlight>
-                <a:latin typeface="Consolas" panose="020B0609020204030204" pitchFamily="49" charset="0"/>
+                <a:latin typeface="Menlo"/>
               </a:rPr>
               <a:t>  · </a:t>
             </a:r>
@@ -4822,7 +4824,7 @@
                 <a:highlight>
                   <a:srgbClr val="FFFFFF"/>
                 </a:highlight>
-                <a:latin typeface="Consolas" panose="020B0609020204030204" pitchFamily="49" charset="0"/>
+                <a:latin typeface="Menlo"/>
               </a:rPr>
               <a:t>exact</a:t>
             </a:r>
@@ -4835,7 +4837,7 @@
                 <a:highlight>
                   <a:srgbClr val="FFFFFF"/>
                 </a:highlight>
-                <a:latin typeface="Consolas" panose="020B0609020204030204" pitchFamily="49" charset="0"/>
+                <a:latin typeface="Menlo"/>
               </a:rPr>
               <a:t> </a:t>
             </a:r>
@@ -4848,7 +4850,7 @@
                 <a:highlight>
                   <a:srgbClr val="FFFFFF"/>
                 </a:highlight>
-                <a:latin typeface="Consolas" panose="020B0609020204030204" pitchFamily="49" charset="0"/>
+                <a:latin typeface="Menlo"/>
               </a:rPr>
               <a:t>hnontrivial</a:t>
             </a:r>
@@ -4860,7 +4862,7 @@
               <a:highlight>
                 <a:srgbClr val="FFFFFF"/>
               </a:highlight>
-              <a:latin typeface="Consolas" panose="020B0609020204030204" pitchFamily="49" charset="0"/>
+              <a:latin typeface="Menlo"/>
             </a:endParaRPr>
           </a:p>
           <a:p>
@@ -4876,7 +4878,7 @@
                 <a:highlight>
                   <a:srgbClr val="FFFFFF"/>
                 </a:highlight>
-                <a:latin typeface="Consolas" panose="020B0609020204030204" pitchFamily="49" charset="0"/>
+                <a:latin typeface="Menlo"/>
               </a:rPr>
               <a:t>  · </a:t>
             </a:r>
@@ -4889,7 +4891,7 @@
                 <a:highlight>
                   <a:srgbClr val="FFFFFF"/>
                 </a:highlight>
-                <a:latin typeface="Consolas" panose="020B0609020204030204" pitchFamily="49" charset="0"/>
+                <a:latin typeface="Menlo"/>
               </a:rPr>
               <a:t>intros</a:t>
             </a:r>
@@ -4902,7 +4904,7 @@
                 <a:highlight>
                   <a:srgbClr val="FFFFFF"/>
                 </a:highlight>
-                <a:latin typeface="Consolas" panose="020B0609020204030204" pitchFamily="49" charset="0"/>
+                <a:latin typeface="Menlo"/>
               </a:rPr>
               <a:t> a b </a:t>
             </a:r>
@@ -4915,7 +4917,7 @@
                 <a:highlight>
                   <a:srgbClr val="FFFFFF"/>
                 </a:highlight>
-                <a:latin typeface="Consolas" panose="020B0609020204030204" pitchFamily="49" charset="0"/>
+                <a:latin typeface="Menlo"/>
               </a:rPr>
               <a:t>h_mul</a:t>
             </a:r>
@@ -4927,7 +4929,7 @@
               <a:highlight>
                 <a:srgbClr val="FFFFFF"/>
               </a:highlight>
-              <a:latin typeface="Consolas" panose="020B0609020204030204" pitchFamily="49" charset="0"/>
+              <a:latin typeface="Menlo"/>
             </a:endParaRPr>
           </a:p>
           <a:p>
@@ -4943,7 +4945,7 @@
                 <a:highlight>
                   <a:srgbClr val="FFFFFF"/>
                 </a:highlight>
-                <a:latin typeface="Consolas" panose="020B0609020204030204" pitchFamily="49" charset="0"/>
+                <a:latin typeface="Menlo"/>
               </a:rPr>
               <a:t>    </a:t>
             </a:r>
@@ -4956,7 +4958,7 @@
                 <a:highlight>
                   <a:srgbClr val="FFFFFF"/>
                 </a:highlight>
-                <a:latin typeface="Consolas" panose="020B0609020204030204" pitchFamily="49" charset="0"/>
+                <a:latin typeface="Menlo"/>
               </a:rPr>
               <a:t>-- x divides a * b, as x = a * b</a:t>
             </a:r>
@@ -4968,7 +4970,7 @@
               <a:highlight>
                 <a:srgbClr val="FFFFFF"/>
               </a:highlight>
-              <a:latin typeface="Consolas" panose="020B0609020204030204" pitchFamily="49" charset="0"/>
+              <a:latin typeface="Menlo"/>
             </a:endParaRPr>
           </a:p>
           <a:p>
@@ -4984,7 +4986,7 @@
                 <a:highlight>
                   <a:srgbClr val="FFFFFF"/>
                 </a:highlight>
-                <a:latin typeface="Consolas" panose="020B0609020204030204" pitchFamily="49" charset="0"/>
+                <a:latin typeface="Menlo"/>
               </a:rPr>
               <a:t>    </a:t>
             </a:r>
@@ -4997,7 +4999,7 @@
                 <a:highlight>
                   <a:srgbClr val="FFFFFF"/>
                 </a:highlight>
-                <a:latin typeface="Consolas" panose="020B0609020204030204" pitchFamily="49" charset="0"/>
+                <a:latin typeface="Menlo"/>
               </a:rPr>
               <a:t>have</a:t>
             </a:r>
@@ -5010,7 +5012,7 @@
                 <a:highlight>
                   <a:srgbClr val="FFFFFF"/>
                 </a:highlight>
-                <a:latin typeface="Consolas" panose="020B0609020204030204" pitchFamily="49" charset="0"/>
+                <a:latin typeface="Menlo"/>
               </a:rPr>
               <a:t> </a:t>
             </a:r>
@@ -5023,7 +5025,7 @@
                 <a:highlight>
                   <a:srgbClr val="FFFFFF"/>
                 </a:highlight>
-                <a:latin typeface="Consolas" panose="020B0609020204030204" pitchFamily="49" charset="0"/>
+                <a:latin typeface="Menlo"/>
               </a:rPr>
               <a:t>hx_divides_ab</a:t>
             </a:r>
@@ -5036,7 +5038,7 @@
                 <a:highlight>
                   <a:srgbClr val="FFFFFF"/>
                 </a:highlight>
-                <a:latin typeface="Consolas" panose="020B0609020204030204" pitchFamily="49" charset="0"/>
+                <a:latin typeface="Menlo"/>
               </a:rPr>
               <a:t> : x | a*b := </a:t>
             </a:r>
@@ -5049,7 +5051,7 @@
                 <a:highlight>
                   <a:srgbClr val="FFFFFF"/>
                 </a:highlight>
-                <a:latin typeface="Consolas" panose="020B0609020204030204" pitchFamily="49" charset="0"/>
+                <a:latin typeface="Menlo"/>
               </a:rPr>
               <a:t>by</a:t>
             </a:r>
@@ -5061,7 +5063,7 @@
               <a:highlight>
                 <a:srgbClr val="FFFFFF"/>
               </a:highlight>
-              <a:latin typeface="Consolas" panose="020B0609020204030204" pitchFamily="49" charset="0"/>
+              <a:latin typeface="Menlo"/>
             </a:endParaRPr>
           </a:p>
           <a:p>
@@ -5077,9 +5079,9 @@
                 <a:highlight>
                   <a:srgbClr val="FFFFFF"/>
                 </a:highlight>
-                <a:latin typeface="Consolas" panose="020B0609020204030204" pitchFamily="49" charset="0"/>
-              </a:rPr>
-              <a:t>      </a:t>
+                <a:latin typeface="Menlo"/>
+              </a:rPr>
+              <a:t>        </a:t>
             </a:r>
             <a:r>
               <a:rPr lang="en-US" sz="5600" b="0" dirty="0">
@@ -5090,7 +5092,7 @@
                 <a:highlight>
                   <a:srgbClr val="FFFFFF"/>
                 </a:highlight>
-                <a:latin typeface="Consolas" panose="020B0609020204030204" pitchFamily="49" charset="0"/>
+                <a:latin typeface="Menlo"/>
               </a:rPr>
               <a:t>use</a:t>
             </a:r>
@@ -5103,7 +5105,7 @@
                 <a:highlight>
                   <a:srgbClr val="FFFFFF"/>
                 </a:highlight>
-                <a:latin typeface="Consolas" panose="020B0609020204030204" pitchFamily="49" charset="0"/>
+                <a:latin typeface="Menlo"/>
               </a:rPr>
               <a:t> </a:t>
             </a:r>
@@ -5116,7 +5118,7 @@
                 <a:highlight>
                   <a:srgbClr val="FFFFFF"/>
                 </a:highlight>
-                <a:latin typeface="Consolas" panose="020B0609020204030204" pitchFamily="49" charset="0"/>
+                <a:latin typeface="Menlo"/>
               </a:rPr>
               <a:t>1</a:t>
             </a:r>
@@ -5128,7 +5130,7 @@
                 <a:highlight>
                   <a:srgbClr val="FFFFFF"/>
                 </a:highlight>
-                <a:latin typeface="Consolas" panose="020B0609020204030204" pitchFamily="49" charset="0"/>
+                <a:latin typeface="Menlo"/>
               </a:rPr>
               <a:t>; </a:t>
             </a:r>
@@ -5141,7 +5143,7 @@
                 <a:highlight>
                   <a:srgbClr val="FFFFFF"/>
                 </a:highlight>
-                <a:latin typeface="Consolas" panose="020B0609020204030204" pitchFamily="49" charset="0"/>
+                <a:latin typeface="Menlo"/>
               </a:rPr>
               <a:t>simp</a:t>
             </a:r>
@@ -5154,7 +5156,7 @@
                 <a:highlight>
                   <a:srgbClr val="FFFFFF"/>
                 </a:highlight>
-                <a:latin typeface="Consolas" panose="020B0609020204030204" pitchFamily="49" charset="0"/>
+                <a:latin typeface="Menlo"/>
               </a:rPr>
               <a:t>[</a:t>
             </a:r>
@@ -5167,7 +5169,7 @@
                 <a:highlight>
                   <a:srgbClr val="FFFFFF"/>
                 </a:highlight>
-                <a:latin typeface="Consolas" panose="020B0609020204030204" pitchFamily="49" charset="0"/>
+                <a:latin typeface="Menlo"/>
               </a:rPr>
               <a:t>h_mul</a:t>
             </a:r>
@@ -5180,7 +5182,7 @@
                 <a:highlight>
                   <a:srgbClr val="FFFFFF"/>
                 </a:highlight>
-                <a:latin typeface="Consolas" panose="020B0609020204030204" pitchFamily="49" charset="0"/>
+                <a:latin typeface="Menlo"/>
               </a:rPr>
               <a:t>]</a:t>
             </a:r>
@@ -5198,7 +5200,7 @@
                 <a:highlight>
                   <a:srgbClr val="FFFFFF"/>
                 </a:highlight>
-                <a:latin typeface="Consolas" panose="020B0609020204030204" pitchFamily="49" charset="0"/>
+                <a:latin typeface="Menlo"/>
               </a:rPr>
               <a:t>    </a:t>
             </a:r>
@@ -5211,7 +5213,7 @@
                 <a:highlight>
                   <a:srgbClr val="FFFFFF"/>
                 </a:highlight>
-                <a:latin typeface="Consolas" panose="020B0609020204030204" pitchFamily="49" charset="0"/>
+                <a:latin typeface="Menlo"/>
               </a:rPr>
               <a:t>have</a:t>
             </a:r>
@@ -5224,7 +5226,7 @@
                 <a:highlight>
                   <a:srgbClr val="FFFFFF"/>
                 </a:highlight>
-                <a:latin typeface="Consolas" panose="020B0609020204030204" pitchFamily="49" charset="0"/>
+                <a:latin typeface="Menlo"/>
               </a:rPr>
               <a:t> </a:t>
             </a:r>
@@ -5237,7 +5239,7 @@
                 <a:highlight>
                   <a:srgbClr val="FFFFFF"/>
                 </a:highlight>
-                <a:latin typeface="Consolas" panose="020B0609020204030204" pitchFamily="49" charset="0"/>
+                <a:latin typeface="Menlo"/>
               </a:rPr>
               <a:t>hxa_or_xb</a:t>
             </a:r>
@@ -5250,7 +5252,7 @@
                 <a:highlight>
                   <a:srgbClr val="FFFFFF"/>
                 </a:highlight>
-                <a:latin typeface="Consolas" panose="020B0609020204030204" pitchFamily="49" charset="0"/>
+                <a:latin typeface="Menlo"/>
               </a:rPr>
               <a:t> := </a:t>
             </a:r>
@@ -5263,7 +5265,7 @@
                 <a:highlight>
                   <a:srgbClr val="FFFFFF"/>
                 </a:highlight>
-                <a:latin typeface="Consolas" panose="020B0609020204030204" pitchFamily="49" charset="0"/>
+                <a:latin typeface="Menlo"/>
               </a:rPr>
               <a:t>hdiv</a:t>
             </a:r>
@@ -5276,7 +5278,7 @@
                 <a:highlight>
                   <a:srgbClr val="FFFFFF"/>
                 </a:highlight>
-                <a:latin typeface="Consolas" panose="020B0609020204030204" pitchFamily="49" charset="0"/>
+                <a:latin typeface="Menlo"/>
               </a:rPr>
               <a:t> a b </a:t>
             </a:r>
@@ -5289,7 +5291,7 @@
                 <a:highlight>
                   <a:srgbClr val="FFFFFF"/>
                 </a:highlight>
-                <a:latin typeface="Consolas" panose="020B0609020204030204" pitchFamily="49" charset="0"/>
+                <a:latin typeface="Menlo"/>
               </a:rPr>
               <a:t>hx_divides_ab</a:t>
             </a:r>
@@ -5302,7 +5304,7 @@
                 <a:highlight>
                   <a:srgbClr val="FFFFFF"/>
                 </a:highlight>
-                <a:latin typeface="Consolas" panose="020B0609020204030204" pitchFamily="49" charset="0"/>
+                <a:latin typeface="Menlo"/>
               </a:rPr>
               <a:t> </a:t>
             </a:r>
@@ -5315,7 +5317,7 @@
                 <a:highlight>
                   <a:srgbClr val="FFFFFF"/>
                 </a:highlight>
-                <a:latin typeface="Consolas" panose="020B0609020204030204" pitchFamily="49" charset="0"/>
+                <a:latin typeface="Menlo"/>
               </a:rPr>
               <a:t>--</a:t>
             </a:r>
@@ -5328,7 +5330,7 @@
                 <a:highlight>
                   <a:srgbClr val="FFFFFF"/>
                 </a:highlight>
-                <a:latin typeface="Consolas" panose="020B0609020204030204" pitchFamily="49" charset="0"/>
+                <a:latin typeface="Menlo"/>
               </a:rPr>
               <a:t> </a:t>
             </a:r>
@@ -5341,7 +5343,7 @@
                 <a:highlight>
                   <a:srgbClr val="FFFFFF"/>
                 </a:highlight>
-                <a:latin typeface="Consolas" panose="020B0609020204030204" pitchFamily="49" charset="0"/>
+                <a:latin typeface="Menlo"/>
               </a:rPr>
               <a:t>x divides either a or b because it's prime</a:t>
             </a:r>
@@ -5353,7 +5355,7 @@
               <a:highlight>
                 <a:srgbClr val="FFFFFF"/>
               </a:highlight>
-              <a:latin typeface="Consolas" panose="020B0609020204030204" pitchFamily="49" charset="0"/>
+              <a:latin typeface="Menlo"/>
             </a:endParaRPr>
           </a:p>
           <a:p>
@@ -5369,7 +5371,7 @@
                 <a:highlight>
                   <a:srgbClr val="FFFFFF"/>
                 </a:highlight>
-                <a:latin typeface="Consolas" panose="020B0609020204030204" pitchFamily="49" charset="0"/>
+                <a:latin typeface="Menlo"/>
               </a:rPr>
               <a:t>    </a:t>
             </a:r>
@@ -5382,7 +5384,7 @@
                 <a:highlight>
                   <a:srgbClr val="FFFFFF"/>
                 </a:highlight>
-                <a:latin typeface="Consolas" panose="020B0609020204030204" pitchFamily="49" charset="0"/>
+                <a:latin typeface="Menlo"/>
               </a:rPr>
               <a:t>rcases</a:t>
             </a:r>
@@ -5395,7 +5397,7 @@
                 <a:highlight>
                   <a:srgbClr val="FFFFFF"/>
                 </a:highlight>
-                <a:latin typeface="Consolas" panose="020B0609020204030204" pitchFamily="49" charset="0"/>
+                <a:latin typeface="Menlo"/>
               </a:rPr>
               <a:t> </a:t>
             </a:r>
@@ -5408,7 +5410,7 @@
                 <a:highlight>
                   <a:srgbClr val="FFFFFF"/>
                 </a:highlight>
-                <a:latin typeface="Consolas" panose="020B0609020204030204" pitchFamily="49" charset="0"/>
+                <a:latin typeface="Menlo"/>
               </a:rPr>
               <a:t>hxa_or_xb</a:t>
             </a:r>
@@ -5421,7 +5423,7 @@
                 <a:highlight>
                   <a:srgbClr val="FFFFFF"/>
                 </a:highlight>
-                <a:latin typeface="Consolas" panose="020B0609020204030204" pitchFamily="49" charset="0"/>
+                <a:latin typeface="Menlo"/>
               </a:rPr>
               <a:t> </a:t>
             </a:r>
@@ -5434,7 +5436,7 @@
                 <a:highlight>
                   <a:srgbClr val="FFFFFF"/>
                 </a:highlight>
-                <a:latin typeface="Consolas" panose="020B0609020204030204" pitchFamily="49" charset="0"/>
+                <a:latin typeface="Menlo"/>
               </a:rPr>
               <a:t>with</a:t>
             </a:r>
@@ -5447,7 +5449,7 @@
                 <a:highlight>
                   <a:srgbClr val="FFFFFF"/>
                 </a:highlight>
-                <a:latin typeface="Consolas" panose="020B0609020204030204" pitchFamily="49" charset="0"/>
+                <a:latin typeface="Menlo"/>
               </a:rPr>
               <a:t> </a:t>
             </a:r>
@@ -5460,7 +5462,7 @@
                 <a:highlight>
                   <a:srgbClr val="FFFFFF"/>
                 </a:highlight>
-                <a:latin typeface="Consolas" panose="020B0609020204030204" pitchFamily="49" charset="0"/>
+                <a:latin typeface="Menlo"/>
               </a:rPr>
               <a:t>hxa</a:t>
             </a:r>
@@ -5473,7 +5475,7 @@
                 <a:highlight>
                   <a:srgbClr val="FFFFFF"/>
                 </a:highlight>
-                <a:latin typeface="Consolas" panose="020B0609020204030204" pitchFamily="49" charset="0"/>
+                <a:latin typeface="Menlo"/>
               </a:rPr>
               <a:t> | </a:t>
             </a:r>
@@ -5486,7 +5488,7 @@
                 <a:highlight>
                   <a:srgbClr val="FFFFFF"/>
                 </a:highlight>
-                <a:latin typeface="Consolas" panose="020B0609020204030204" pitchFamily="49" charset="0"/>
+                <a:latin typeface="Menlo"/>
               </a:rPr>
               <a:t>hxb</a:t>
             </a:r>
@@ -5499,7 +5501,7 @@
                 <a:highlight>
                   <a:srgbClr val="FFFFFF"/>
                 </a:highlight>
-                <a:latin typeface="Consolas" panose="020B0609020204030204" pitchFamily="49" charset="0"/>
+                <a:latin typeface="Menlo"/>
               </a:rPr>
               <a:t> </a:t>
             </a:r>
@@ -5512,7 +5514,7 @@
                 <a:highlight>
                   <a:srgbClr val="FFFFFF"/>
                 </a:highlight>
-                <a:latin typeface="Consolas" panose="020B0609020204030204" pitchFamily="49" charset="0"/>
+                <a:latin typeface="Menlo"/>
               </a:rPr>
               <a:t>-- if x | a, substitute a = c * x, to get x = x * (c * b)</a:t>
             </a:r>
@@ -5524,7 +5526,7 @@
               <a:highlight>
                 <a:srgbClr val="FFFFFF"/>
               </a:highlight>
-              <a:latin typeface="Consolas" panose="020B0609020204030204" pitchFamily="49" charset="0"/>
+              <a:latin typeface="Menlo"/>
             </a:endParaRPr>
           </a:p>
           <a:p>
@@ -5540,7 +5542,7 @@
                 <a:highlight>
                   <a:srgbClr val="FFFFFF"/>
                 </a:highlight>
-                <a:latin typeface="Consolas" panose="020B0609020204030204" pitchFamily="49" charset="0"/>
+                <a:latin typeface="Menlo"/>
               </a:rPr>
               <a:t>    · </a:t>
             </a:r>
@@ -5553,7 +5555,7 @@
                 <a:highlight>
                   <a:srgbClr val="FFFFFF"/>
                 </a:highlight>
-                <a:latin typeface="Consolas" panose="020B0609020204030204" pitchFamily="49" charset="0"/>
+                <a:latin typeface="Menlo"/>
               </a:rPr>
               <a:t>exact</a:t>
             </a:r>
@@ -5566,7 +5568,7 @@
                 <a:highlight>
                   <a:srgbClr val="FFFFFF"/>
                 </a:highlight>
-                <a:latin typeface="Consolas" panose="020B0609020204030204" pitchFamily="49" charset="0"/>
+                <a:latin typeface="Menlo"/>
               </a:rPr>
               <a:t> </a:t>
             </a:r>
@@ -5579,7 +5581,7 @@
                 <a:highlight>
                   <a:srgbClr val="FFFFFF"/>
                 </a:highlight>
-                <a:latin typeface="Consolas" panose="020B0609020204030204" pitchFamily="49" charset="0"/>
+                <a:latin typeface="Menlo"/>
               </a:rPr>
               <a:t>Or.inr</a:t>
             </a:r>
@@ -5592,7 +5594,7 @@
                 <a:highlight>
                   <a:srgbClr val="FFFFFF"/>
                 </a:highlight>
-                <a:latin typeface="Consolas" panose="020B0609020204030204" pitchFamily="49" charset="0"/>
+                <a:latin typeface="Menlo"/>
               </a:rPr>
               <a:t> (</a:t>
             </a:r>
@@ -5605,7 +5607,7 @@
                 <a:highlight>
                   <a:srgbClr val="FFFFFF"/>
                 </a:highlight>
-                <a:latin typeface="Consolas" panose="020B0609020204030204" pitchFamily="49" charset="0"/>
+                <a:latin typeface="Menlo"/>
               </a:rPr>
               <a:t>is_unit_of_mul_eq_one</a:t>
             </a:r>
@@ -5618,7 +5620,7 @@
                 <a:highlight>
                   <a:srgbClr val="FFFFFF"/>
                 </a:highlight>
-                <a:latin typeface="Consolas" panose="020B0609020204030204" pitchFamily="49" charset="0"/>
+                <a:latin typeface="Menlo"/>
               </a:rPr>
               <a:t> </a:t>
             </a:r>
@@ -5631,7 +5633,7 @@
                 <a:highlight>
                   <a:srgbClr val="FFFFFF"/>
                 </a:highlight>
-                <a:latin typeface="Consolas" panose="020B0609020204030204" pitchFamily="49" charset="0"/>
+                <a:latin typeface="Menlo"/>
               </a:rPr>
               <a:t>h_mul</a:t>
             </a:r>
@@ -5644,7 +5646,7 @@
                 <a:highlight>
                   <a:srgbClr val="FFFFFF"/>
                 </a:highlight>
-                <a:latin typeface="Consolas" panose="020B0609020204030204" pitchFamily="49" charset="0"/>
+                <a:latin typeface="Menlo"/>
               </a:rPr>
               <a:t> </a:t>
             </a:r>
@@ -5657,7 +5659,7 @@
                 <a:highlight>
                   <a:srgbClr val="FFFFFF"/>
                 </a:highlight>
-                <a:latin typeface="Consolas" panose="020B0609020204030204" pitchFamily="49" charset="0"/>
+                <a:latin typeface="Menlo"/>
               </a:rPr>
               <a:t>hnontrivial</a:t>
             </a:r>
@@ -5670,7 +5672,7 @@
                 <a:highlight>
                   <a:srgbClr val="FFFFFF"/>
                 </a:highlight>
-                <a:latin typeface="Consolas" panose="020B0609020204030204" pitchFamily="49" charset="0"/>
+                <a:latin typeface="Menlo"/>
               </a:rPr>
               <a:t> </a:t>
             </a:r>
@@ -5683,7 +5685,7 @@
                 <a:highlight>
                   <a:srgbClr val="FFFFFF"/>
                 </a:highlight>
-                <a:latin typeface="Consolas" panose="020B0609020204030204" pitchFamily="49" charset="0"/>
+                <a:latin typeface="Menlo"/>
               </a:rPr>
               <a:t>hxa</a:t>
             </a:r>
@@ -5696,7 +5698,7 @@
                 <a:highlight>
                   <a:srgbClr val="FFFFFF"/>
                 </a:highlight>
-                <a:latin typeface="Consolas" panose="020B0609020204030204" pitchFamily="49" charset="0"/>
+                <a:latin typeface="Menlo"/>
               </a:rPr>
               <a:t>)</a:t>
             </a:r>
@@ -5714,7 +5716,7 @@
                 <a:highlight>
                   <a:srgbClr val="FFFFFF"/>
                 </a:highlight>
-                <a:latin typeface="Consolas" panose="020B0609020204030204" pitchFamily="49" charset="0"/>
+                <a:latin typeface="Menlo"/>
               </a:rPr>
               <a:t>    · h</a:t>
             </a:r>
@@ -5727,7 +5729,7 @@
                 <a:highlight>
                   <a:srgbClr val="FFFFFF"/>
                 </a:highlight>
-                <a:latin typeface="Consolas" panose="020B0609020204030204" pitchFamily="49" charset="0"/>
+                <a:latin typeface="Menlo"/>
               </a:rPr>
               <a:t>ave</a:t>
             </a:r>
@@ -5740,7 +5742,7 @@
                 <a:highlight>
                   <a:srgbClr val="FFFFFF"/>
                 </a:highlight>
-                <a:latin typeface="Consolas" panose="020B0609020204030204" pitchFamily="49" charset="0"/>
+                <a:latin typeface="Menlo"/>
               </a:rPr>
               <a:t> h_mul1 : x = b * a := </a:t>
             </a:r>
@@ -5753,7 +5755,7 @@
                 <a:highlight>
                   <a:srgbClr val="FFFFFF"/>
                 </a:highlight>
-                <a:latin typeface="Consolas" panose="020B0609020204030204" pitchFamily="49" charset="0"/>
+                <a:latin typeface="Menlo"/>
               </a:rPr>
               <a:t>by </a:t>
             </a:r>
@@ -5766,7 +5768,7 @@
                 <a:highlight>
                   <a:srgbClr val="FFFFFF"/>
                 </a:highlight>
-                <a:latin typeface="Consolas" panose="020B0609020204030204" pitchFamily="49" charset="0"/>
+                <a:latin typeface="Menlo"/>
               </a:rPr>
               <a:t>-- same here</a:t>
             </a:r>
@@ -5778,7 +5780,7 @@
               <a:highlight>
                 <a:srgbClr val="FFFFFF"/>
               </a:highlight>
-              <a:latin typeface="Consolas" panose="020B0609020204030204" pitchFamily="49" charset="0"/>
+              <a:latin typeface="Menlo"/>
             </a:endParaRPr>
           </a:p>
           <a:p>
@@ -5794,9 +5796,9 @@
                 <a:highlight>
                   <a:srgbClr val="FFFFFF"/>
                 </a:highlight>
-                <a:latin typeface="Consolas" panose="020B0609020204030204" pitchFamily="49" charset="0"/>
-              </a:rPr>
-              <a:t>        </a:t>
+                <a:latin typeface="Menlo"/>
+              </a:rPr>
+              <a:t>          </a:t>
             </a:r>
             <a:r>
               <a:rPr lang="en-US" sz="5600" b="0" dirty="0">
@@ -5807,7 +5809,7 @@
                 <a:highlight>
                   <a:srgbClr val="FFFFFF"/>
                 </a:highlight>
-                <a:latin typeface="Consolas" panose="020B0609020204030204" pitchFamily="49" charset="0"/>
+                <a:latin typeface="Menlo"/>
               </a:rPr>
               <a:t>simp</a:t>
             </a:r>
@@ -5820,7 +5822,7 @@
                 <a:highlight>
                   <a:srgbClr val="FFFFFF"/>
                 </a:highlight>
-                <a:latin typeface="Consolas" panose="020B0609020204030204" pitchFamily="49" charset="0"/>
+                <a:latin typeface="Menlo"/>
               </a:rPr>
               <a:t>[</a:t>
             </a:r>
@@ -5833,7 +5835,7 @@
                 <a:highlight>
                   <a:srgbClr val="FFFFFF"/>
                 </a:highlight>
-                <a:latin typeface="Consolas" panose="020B0609020204030204" pitchFamily="49" charset="0"/>
+                <a:latin typeface="Menlo"/>
               </a:rPr>
               <a:t>mul_comm</a:t>
             </a:r>
@@ -5846,7 +5848,7 @@
                 <a:highlight>
                   <a:srgbClr val="FFFFFF"/>
                 </a:highlight>
-                <a:latin typeface="Consolas" panose="020B0609020204030204" pitchFamily="49" charset="0"/>
+                <a:latin typeface="Menlo"/>
               </a:rPr>
               <a:t>, </a:t>
             </a:r>
@@ -5859,7 +5861,7 @@
                 <a:highlight>
                   <a:srgbClr val="FFFFFF"/>
                 </a:highlight>
-                <a:latin typeface="Consolas" panose="020B0609020204030204" pitchFamily="49" charset="0"/>
+                <a:latin typeface="Menlo"/>
               </a:rPr>
               <a:t>h_mul</a:t>
             </a:r>
@@ -5872,7 +5874,7 @@
                 <a:highlight>
                   <a:srgbClr val="FFFFFF"/>
                 </a:highlight>
-                <a:latin typeface="Consolas" panose="020B0609020204030204" pitchFamily="49" charset="0"/>
+                <a:latin typeface="Menlo"/>
               </a:rPr>
               <a:t>]</a:t>
             </a:r>
@@ -5890,9 +5892,9 @@
                 <a:highlight>
                   <a:srgbClr val="FFFFFF"/>
                 </a:highlight>
-                <a:latin typeface="Consolas" panose="020B0609020204030204" pitchFamily="49" charset="0"/>
-              </a:rPr>
-              <a:t>      </a:t>
+                <a:latin typeface="Menlo"/>
+              </a:rPr>
+              <a:t>       </a:t>
             </a:r>
             <a:r>
               <a:rPr lang="en-US" sz="5600" b="0" dirty="0">
@@ -5903,7 +5905,7 @@
                 <a:highlight>
                   <a:srgbClr val="FFFFFF"/>
                 </a:highlight>
-                <a:latin typeface="Consolas" panose="020B0609020204030204" pitchFamily="49" charset="0"/>
+                <a:latin typeface="Menlo"/>
               </a:rPr>
               <a:t>exact</a:t>
             </a:r>
@@ -5916,7 +5918,7 @@
                 <a:highlight>
                   <a:srgbClr val="FFFFFF"/>
                 </a:highlight>
-                <a:latin typeface="Consolas" panose="020B0609020204030204" pitchFamily="49" charset="0"/>
+                <a:latin typeface="Menlo"/>
               </a:rPr>
               <a:t> </a:t>
             </a:r>
@@ -5929,7 +5931,7 @@
                 <a:highlight>
                   <a:srgbClr val="FFFFFF"/>
                 </a:highlight>
-                <a:latin typeface="Consolas" panose="020B0609020204030204" pitchFamily="49" charset="0"/>
+                <a:latin typeface="Menlo"/>
               </a:rPr>
               <a:t>Or.inl</a:t>
             </a:r>
@@ -5942,7 +5944,7 @@
                 <a:highlight>
                   <a:srgbClr val="FFFFFF"/>
                 </a:highlight>
-                <a:latin typeface="Consolas" panose="020B0609020204030204" pitchFamily="49" charset="0"/>
+                <a:latin typeface="Menlo"/>
               </a:rPr>
               <a:t> (</a:t>
             </a:r>
@@ -5955,7 +5957,7 @@
                 <a:highlight>
                   <a:srgbClr val="FFFFFF"/>
                 </a:highlight>
-                <a:latin typeface="Consolas" panose="020B0609020204030204" pitchFamily="49" charset="0"/>
+                <a:latin typeface="Menlo"/>
               </a:rPr>
               <a:t>is_unit_of_mul_eq_one</a:t>
             </a:r>
@@ -5968,7 +5970,7 @@
                 <a:highlight>
                   <a:srgbClr val="FFFFFF"/>
                 </a:highlight>
-                <a:latin typeface="Consolas" panose="020B0609020204030204" pitchFamily="49" charset="0"/>
+                <a:latin typeface="Menlo"/>
               </a:rPr>
               <a:t> h_mul1 </a:t>
             </a:r>
@@ -5981,7 +5983,7 @@
                 <a:highlight>
                   <a:srgbClr val="FFFFFF"/>
                 </a:highlight>
-                <a:latin typeface="Consolas" panose="020B0609020204030204" pitchFamily="49" charset="0"/>
+                <a:latin typeface="Menlo"/>
               </a:rPr>
               <a:t>hnontrivial</a:t>
             </a:r>
@@ -5994,7 +5996,7 @@
                 <a:highlight>
                   <a:srgbClr val="FFFFFF"/>
                 </a:highlight>
-                <a:latin typeface="Consolas" panose="020B0609020204030204" pitchFamily="49" charset="0"/>
+                <a:latin typeface="Menlo"/>
               </a:rPr>
               <a:t> </a:t>
             </a:r>
@@ -6007,7 +6009,7 @@
                 <a:highlight>
                   <a:srgbClr val="FFFFFF"/>
                 </a:highlight>
-                <a:latin typeface="Consolas" panose="020B0609020204030204" pitchFamily="49" charset="0"/>
+                <a:latin typeface="Menlo"/>
               </a:rPr>
               <a:t>hxb</a:t>
             </a:r>
@@ -6020,7 +6022,7 @@
                 <a:highlight>
                   <a:srgbClr val="FFFFFF"/>
                 </a:highlight>
-                <a:latin typeface="Consolas" panose="020B0609020204030204" pitchFamily="49" charset="0"/>
+                <a:latin typeface="Menlo"/>
               </a:rPr>
               <a:t>)</a:t>
             </a:r>
@@ -6151,7 +6153,7 @@
                 <a:highlight>
                   <a:srgbClr val="FFFFFF"/>
                 </a:highlight>
-                <a:latin typeface="Consolas" panose="020B0609020204030204" pitchFamily="49" charset="0"/>
+                <a:latin typeface="Menlo"/>
               </a:rPr>
             </a:br>
             <a:r>
@@ -6163,7 +6165,7 @@
                 <a:highlight>
                   <a:srgbClr val="FFFFFF"/>
                 </a:highlight>
-                <a:latin typeface="Consolas" panose="020B0609020204030204" pitchFamily="49" charset="0"/>
+                <a:latin typeface="Menlo"/>
               </a:rPr>
               <a:t>lemma</a:t>
             </a:r>
@@ -6176,7 +6178,7 @@
                 <a:highlight>
                   <a:srgbClr val="FFFFFF"/>
                 </a:highlight>
-                <a:latin typeface="Consolas" panose="020B0609020204030204" pitchFamily="49" charset="0"/>
+                <a:latin typeface="Menlo"/>
               </a:rPr>
               <a:t>  </a:t>
             </a:r>
@@ -6189,7 +6191,7 @@
                 <a:highlight>
                   <a:srgbClr val="FFFFFF"/>
                 </a:highlight>
-                <a:latin typeface="Consolas" panose="020B0609020204030204" pitchFamily="49" charset="0"/>
+                <a:latin typeface="Menlo"/>
               </a:rPr>
               <a:t>is_unit_of_mul_eq_one</a:t>
             </a:r>
@@ -6202,7 +6204,7 @@
                 <a:highlight>
                   <a:srgbClr val="FFFFFF"/>
                 </a:highlight>
-                <a:latin typeface="Consolas" panose="020B0609020204030204" pitchFamily="49" charset="0"/>
+                <a:latin typeface="Menlo"/>
               </a:rPr>
               <a:t> [</a:t>
             </a:r>
@@ -6215,7 +6217,7 @@
                 <a:highlight>
                   <a:srgbClr val="FFFFFF"/>
                 </a:highlight>
-                <a:latin typeface="Consolas" panose="020B0609020204030204" pitchFamily="49" charset="0"/>
+                <a:latin typeface="Menlo"/>
               </a:rPr>
               <a:t>IsDomain</a:t>
             </a:r>
@@ -6228,7 +6230,7 @@
                 <a:highlight>
                   <a:srgbClr val="FFFFFF"/>
                 </a:highlight>
-                <a:latin typeface="Consolas" panose="020B0609020204030204" pitchFamily="49" charset="0"/>
+                <a:latin typeface="Menlo"/>
               </a:rPr>
               <a:t> R] {a b x: R} (</a:t>
             </a:r>
@@ -6241,7 +6243,7 @@
                 <a:highlight>
                   <a:srgbClr val="FFFFFF"/>
                 </a:highlight>
-                <a:latin typeface="Consolas" panose="020B0609020204030204" pitchFamily="49" charset="0"/>
+                <a:latin typeface="Menlo"/>
               </a:rPr>
               <a:t>h_mul</a:t>
             </a:r>
@@ -6254,7 +6256,7 @@
                 <a:highlight>
                   <a:srgbClr val="FFFFFF"/>
                 </a:highlight>
-                <a:latin typeface="Consolas" panose="020B0609020204030204" pitchFamily="49" charset="0"/>
+                <a:latin typeface="Menlo"/>
               </a:rPr>
               <a:t> : x = a * b) (</a:t>
             </a:r>
@@ -6267,7 +6269,7 @@
                 <a:highlight>
                   <a:srgbClr val="FFFFFF"/>
                 </a:highlight>
-                <a:latin typeface="Consolas" panose="020B0609020204030204" pitchFamily="49" charset="0"/>
+                <a:latin typeface="Menlo"/>
               </a:rPr>
               <a:t>hnontrivial</a:t>
             </a:r>
@@ -6280,7 +6282,7 @@
                 <a:highlight>
                   <a:srgbClr val="FFFFFF"/>
                 </a:highlight>
-                <a:latin typeface="Consolas" panose="020B0609020204030204" pitchFamily="49" charset="0"/>
+                <a:latin typeface="Menlo"/>
               </a:rPr>
               <a:t>: </a:t>
             </a:r>
@@ -6293,7 +6295,7 @@
                 <a:highlight>
                   <a:srgbClr val="FFFFFF"/>
                 </a:highlight>
-                <a:latin typeface="Consolas" panose="020B0609020204030204" pitchFamily="49" charset="0"/>
+                <a:latin typeface="Menlo"/>
               </a:rPr>
               <a:t>IsNontrivial</a:t>
             </a:r>
@@ -6306,7 +6308,7 @@
                 <a:highlight>
                   <a:srgbClr val="FFFFFF"/>
                 </a:highlight>
-                <a:latin typeface="Consolas" panose="020B0609020204030204" pitchFamily="49" charset="0"/>
+                <a:latin typeface="Menlo"/>
               </a:rPr>
               <a:t> x) (</a:t>
             </a:r>
@@ -6319,7 +6321,7 @@
                 <a:highlight>
                   <a:srgbClr val="FFFFFF"/>
                 </a:highlight>
-                <a:latin typeface="Consolas" panose="020B0609020204030204" pitchFamily="49" charset="0"/>
+                <a:latin typeface="Menlo"/>
               </a:rPr>
               <a:t>hxa</a:t>
             </a:r>
@@ -6332,7 +6334,7 @@
                 <a:highlight>
                   <a:srgbClr val="FFFFFF"/>
                 </a:highlight>
-                <a:latin typeface="Consolas" panose="020B0609020204030204" pitchFamily="49" charset="0"/>
+                <a:latin typeface="Menlo"/>
               </a:rPr>
               <a:t>: Divides x a) : </a:t>
             </a:r>
@@ -6345,7 +6347,7 @@
                 <a:highlight>
                   <a:srgbClr val="FFFFFF"/>
                 </a:highlight>
-                <a:latin typeface="Consolas" panose="020B0609020204030204" pitchFamily="49" charset="0"/>
+                <a:latin typeface="Menlo"/>
               </a:rPr>
               <a:t>IsUnit</a:t>
             </a:r>
@@ -6358,7 +6360,7 @@
                 <a:highlight>
                   <a:srgbClr val="FFFFFF"/>
                 </a:highlight>
-                <a:latin typeface="Consolas" panose="020B0609020204030204" pitchFamily="49" charset="0"/>
+                <a:latin typeface="Menlo"/>
               </a:rPr>
               <a:t> b := </a:t>
             </a:r>
@@ -6371,7 +6373,7 @@
                 <a:highlight>
                   <a:srgbClr val="FFFFFF"/>
                 </a:highlight>
-                <a:latin typeface="Consolas" panose="020B0609020204030204" pitchFamily="49" charset="0"/>
+                <a:latin typeface="Menlo"/>
               </a:rPr>
               <a:t>by</a:t>
             </a:r>
@@ -6388,7 +6390,7 @@
                 <a:highlight>
                   <a:srgbClr val="FFFFFF"/>
                 </a:highlight>
-                <a:latin typeface="Consolas" panose="020B0609020204030204" pitchFamily="49" charset="0"/>
+                <a:latin typeface="Menlo"/>
               </a:rPr>
               <a:t>  </a:t>
             </a:r>
@@ -6401,7 +6403,7 @@
                 <a:highlight>
                   <a:srgbClr val="FFFFFF"/>
                 </a:highlight>
-                <a:latin typeface="Consolas" panose="020B0609020204030204" pitchFamily="49" charset="0"/>
+                <a:latin typeface="Menlo"/>
               </a:rPr>
               <a:t>-- we have </a:t>
             </a:r>
@@ -6414,7 +6416,7 @@
                 <a:highlight>
                   <a:srgbClr val="FFFFFF"/>
                 </a:highlight>
-                <a:latin typeface="Consolas" panose="020B0609020204030204" pitchFamily="49" charset="0"/>
+                <a:latin typeface="Menlo"/>
               </a:rPr>
               <a:t>x|a</a:t>
             </a:r>
@@ -6427,7 +6429,7 @@
                 <a:highlight>
                   <a:srgbClr val="FFFFFF"/>
                 </a:highlight>
-                <a:latin typeface="Consolas" panose="020B0609020204030204" pitchFamily="49" charset="0"/>
+                <a:latin typeface="Menlo"/>
               </a:rPr>
               <a:t>, x=ab, x not 0</a:t>
             </a:r>
@@ -6439,7 +6441,7 @@
               <a:highlight>
                 <a:srgbClr val="FFFFFF"/>
               </a:highlight>
-              <a:latin typeface="Consolas" panose="020B0609020204030204" pitchFamily="49" charset="0"/>
+              <a:latin typeface="Menlo"/>
             </a:endParaRPr>
           </a:p>
           <a:p>
@@ -6455,7 +6457,7 @@
                 <a:highlight>
                   <a:srgbClr val="FFFFFF"/>
                 </a:highlight>
-                <a:latin typeface="Consolas" panose="020B0609020204030204" pitchFamily="49" charset="0"/>
+                <a:latin typeface="Menlo"/>
               </a:rPr>
               <a:t>  </a:t>
             </a:r>
@@ -6468,7 +6470,7 @@
                 <a:highlight>
                   <a:srgbClr val="FFFFFF"/>
                 </a:highlight>
-                <a:latin typeface="Consolas" panose="020B0609020204030204" pitchFamily="49" charset="0"/>
+                <a:latin typeface="Menlo"/>
               </a:rPr>
               <a:t>obtain</a:t>
             </a:r>
@@ -6481,7 +6483,7 @@
                 <a:highlight>
                   <a:srgbClr val="FFFFFF"/>
                 </a:highlight>
-                <a:latin typeface="Consolas" panose="020B0609020204030204" pitchFamily="49" charset="0"/>
+                <a:latin typeface="Menlo"/>
               </a:rPr>
               <a:t> ⟨c, </a:t>
             </a:r>
@@ -6494,7 +6496,7 @@
                 <a:highlight>
                   <a:srgbClr val="FFFFFF"/>
                 </a:highlight>
-                <a:latin typeface="Consolas" panose="020B0609020204030204" pitchFamily="49" charset="0"/>
+                <a:latin typeface="Menlo"/>
               </a:rPr>
               <a:t>hxa</a:t>
             </a:r>
@@ -6507,7 +6509,7 @@
                 <a:highlight>
                   <a:srgbClr val="FFFFFF"/>
                 </a:highlight>
-                <a:latin typeface="Consolas" panose="020B0609020204030204" pitchFamily="49" charset="0"/>
+                <a:latin typeface="Menlo"/>
               </a:rPr>
               <a:t>⟩ := </a:t>
             </a:r>
@@ -6520,7 +6522,7 @@
                 <a:highlight>
                   <a:srgbClr val="FFFFFF"/>
                 </a:highlight>
-                <a:latin typeface="Consolas" panose="020B0609020204030204" pitchFamily="49" charset="0"/>
+                <a:latin typeface="Menlo"/>
               </a:rPr>
               <a:t>hxa</a:t>
             </a:r>
@@ -6533,7 +6535,7 @@
                 <a:highlight>
                   <a:srgbClr val="FFFFFF"/>
                 </a:highlight>
-                <a:latin typeface="Consolas" panose="020B0609020204030204" pitchFamily="49" charset="0"/>
+                <a:latin typeface="Menlo"/>
               </a:rPr>
               <a:t> </a:t>
             </a:r>
@@ -6546,7 +6548,7 @@
                 <a:highlight>
                   <a:srgbClr val="FFFFFF"/>
                 </a:highlight>
-                <a:latin typeface="Consolas" panose="020B0609020204030204" pitchFamily="49" charset="0"/>
+                <a:latin typeface="Menlo"/>
               </a:rPr>
               <a:t>-- a = c * x</a:t>
             </a:r>
@@ -6558,7 +6560,7 @@
               <a:highlight>
                 <a:srgbClr val="FFFFFF"/>
               </a:highlight>
-              <a:latin typeface="Consolas" panose="020B0609020204030204" pitchFamily="49" charset="0"/>
+              <a:latin typeface="Menlo"/>
             </a:endParaRPr>
           </a:p>
           <a:p>
@@ -6574,7 +6576,7 @@
                 <a:highlight>
                   <a:srgbClr val="FFFFFF"/>
                 </a:highlight>
-                <a:latin typeface="Consolas" panose="020B0609020204030204" pitchFamily="49" charset="0"/>
+                <a:latin typeface="Menlo"/>
               </a:rPr>
               <a:t>  </a:t>
             </a:r>
@@ -6587,7 +6589,7 @@
                 <a:highlight>
                   <a:srgbClr val="FFFFFF"/>
                 </a:highlight>
-                <a:latin typeface="Consolas" panose="020B0609020204030204" pitchFamily="49" charset="0"/>
+                <a:latin typeface="Menlo"/>
               </a:rPr>
               <a:t>rw</a:t>
             </a:r>
@@ -6600,7 +6602,7 @@
                 <a:highlight>
                   <a:srgbClr val="FFFFFF"/>
                 </a:highlight>
-                <a:latin typeface="Consolas" panose="020B0609020204030204" pitchFamily="49" charset="0"/>
+                <a:latin typeface="Menlo"/>
               </a:rPr>
               <a:t> [</a:t>
             </a:r>
@@ -6613,7 +6615,7 @@
                 <a:highlight>
                   <a:srgbClr val="FFFFFF"/>
                 </a:highlight>
-                <a:latin typeface="Consolas" panose="020B0609020204030204" pitchFamily="49" charset="0"/>
+                <a:latin typeface="Menlo"/>
               </a:rPr>
               <a:t>hxa</a:t>
             </a:r>
@@ -6626,7 +6628,7 @@
                 <a:highlight>
                   <a:srgbClr val="FFFFFF"/>
                 </a:highlight>
-                <a:latin typeface="Consolas" panose="020B0609020204030204" pitchFamily="49" charset="0"/>
+                <a:latin typeface="Menlo"/>
               </a:rPr>
               <a:t>, </a:t>
             </a:r>
@@ -6639,7 +6641,7 @@
                 <a:highlight>
                   <a:srgbClr val="FFFFFF"/>
                 </a:highlight>
-                <a:latin typeface="Consolas" panose="020B0609020204030204" pitchFamily="49" charset="0"/>
+                <a:latin typeface="Menlo"/>
               </a:rPr>
               <a:t>mul_comm</a:t>
             </a:r>
@@ -6652,7 +6654,7 @@
                 <a:highlight>
                   <a:srgbClr val="FFFFFF"/>
                 </a:highlight>
-                <a:latin typeface="Consolas" panose="020B0609020204030204" pitchFamily="49" charset="0"/>
+                <a:latin typeface="Menlo"/>
               </a:rPr>
               <a:t>, ←</a:t>
             </a:r>
@@ -6665,7 +6667,7 @@
                 <a:highlight>
                   <a:srgbClr val="FFFFFF"/>
                 </a:highlight>
-                <a:latin typeface="Consolas" panose="020B0609020204030204" pitchFamily="49" charset="0"/>
+                <a:latin typeface="Menlo"/>
               </a:rPr>
               <a:t>mul_assoc</a:t>
             </a:r>
@@ -6678,7 +6680,7 @@
                 <a:highlight>
                   <a:srgbClr val="FFFFFF"/>
                 </a:highlight>
-                <a:latin typeface="Consolas" panose="020B0609020204030204" pitchFamily="49" charset="0"/>
+                <a:latin typeface="Menlo"/>
               </a:rPr>
               <a:t>] </a:t>
             </a:r>
@@ -6691,7 +6693,7 @@
                 <a:highlight>
                   <a:srgbClr val="FFFFFF"/>
                 </a:highlight>
-                <a:latin typeface="Consolas" panose="020B0609020204030204" pitchFamily="49" charset="0"/>
+                <a:latin typeface="Menlo"/>
               </a:rPr>
               <a:t>at</a:t>
             </a:r>
@@ -6704,7 +6706,7 @@
                 <a:highlight>
                   <a:srgbClr val="FFFFFF"/>
                 </a:highlight>
-                <a:latin typeface="Consolas" panose="020B0609020204030204" pitchFamily="49" charset="0"/>
+                <a:latin typeface="Menlo"/>
               </a:rPr>
               <a:t> </a:t>
             </a:r>
@@ -6717,7 +6719,7 @@
                 <a:highlight>
                   <a:srgbClr val="FFFFFF"/>
                 </a:highlight>
-                <a:latin typeface="Consolas" panose="020B0609020204030204" pitchFamily="49" charset="0"/>
+                <a:latin typeface="Menlo"/>
               </a:rPr>
               <a:t>h_mul</a:t>
             </a:r>
@@ -6730,7 +6732,7 @@
                 <a:highlight>
                   <a:srgbClr val="FFFFFF"/>
                 </a:highlight>
-                <a:latin typeface="Consolas" panose="020B0609020204030204" pitchFamily="49" charset="0"/>
+                <a:latin typeface="Menlo"/>
               </a:rPr>
               <a:t> </a:t>
             </a:r>
@@ -6743,7 +6745,7 @@
                 <a:highlight>
                   <a:srgbClr val="FFFFFF"/>
                 </a:highlight>
-                <a:latin typeface="Consolas" panose="020B0609020204030204" pitchFamily="49" charset="0"/>
+                <a:latin typeface="Menlo"/>
               </a:rPr>
               <a:t>-- rewrite to a * b = x = b * c * x</a:t>
             </a:r>
@@ -6755,7 +6757,7 @@
               <a:highlight>
                 <a:srgbClr val="FFFFFF"/>
               </a:highlight>
-              <a:latin typeface="Consolas" panose="020B0609020204030204" pitchFamily="49" charset="0"/>
+              <a:latin typeface="Menlo"/>
             </a:endParaRPr>
           </a:p>
           <a:p>
@@ -6771,7 +6773,7 @@
                 <a:highlight>
                   <a:srgbClr val="FFFFFF"/>
                 </a:highlight>
-                <a:latin typeface="Consolas" panose="020B0609020204030204" pitchFamily="49" charset="0"/>
+                <a:latin typeface="Menlo"/>
               </a:rPr>
               <a:t>  </a:t>
             </a:r>
@@ -6784,7 +6786,7 @@
                 <a:highlight>
                   <a:srgbClr val="FFFFFF"/>
                 </a:highlight>
-                <a:latin typeface="Consolas" panose="020B0609020204030204" pitchFamily="49" charset="0"/>
+                <a:latin typeface="Menlo"/>
               </a:rPr>
               <a:t>have</a:t>
             </a:r>
@@ -6797,7 +6799,7 @@
                 <a:highlight>
                   <a:srgbClr val="FFFFFF"/>
                 </a:highlight>
-                <a:latin typeface="Consolas" panose="020B0609020204030204" pitchFamily="49" charset="0"/>
+                <a:latin typeface="Menlo"/>
               </a:rPr>
               <a:t> hbc1 : b * c = </a:t>
             </a:r>
@@ -6810,7 +6812,7 @@
                 <a:highlight>
                   <a:srgbClr val="FFFFFF"/>
                 </a:highlight>
-                <a:latin typeface="Consolas" panose="020B0609020204030204" pitchFamily="49" charset="0"/>
+                <a:latin typeface="Menlo"/>
               </a:rPr>
               <a:t>1</a:t>
             </a:r>
@@ -6823,7 +6825,7 @@
                 <a:highlight>
                   <a:srgbClr val="FFFFFF"/>
                 </a:highlight>
-                <a:latin typeface="Consolas" panose="020B0609020204030204" pitchFamily="49" charset="0"/>
+                <a:latin typeface="Menlo"/>
               </a:rPr>
               <a:t> := </a:t>
             </a:r>
@@ -6836,7 +6838,7 @@
                 <a:highlight>
                   <a:srgbClr val="FFFFFF"/>
                 </a:highlight>
-                <a:latin typeface="Consolas" panose="020B0609020204030204" pitchFamily="49" charset="0"/>
+                <a:latin typeface="Menlo"/>
               </a:rPr>
               <a:t>by</a:t>
             </a:r>
@@ -6849,7 +6851,7 @@
                 <a:highlight>
                   <a:srgbClr val="FFFFFF"/>
                 </a:highlight>
-                <a:latin typeface="Consolas" panose="020B0609020204030204" pitchFamily="49" charset="0"/>
+                <a:latin typeface="Menlo"/>
               </a:rPr>
               <a:t> </a:t>
             </a:r>
@@ -6862,7 +6864,7 @@
                 <a:highlight>
                   <a:srgbClr val="FFFFFF"/>
                 </a:highlight>
-                <a:latin typeface="Consolas" panose="020B0609020204030204" pitchFamily="49" charset="0"/>
+                <a:latin typeface="Menlo"/>
               </a:rPr>
               <a:t>– x * y = x ^ x!= 0 =&gt; y = 1</a:t>
             </a:r>
@@ -6874,7 +6876,7 @@
               <a:highlight>
                 <a:srgbClr val="FFFFFF"/>
               </a:highlight>
-              <a:latin typeface="Consolas" panose="020B0609020204030204" pitchFamily="49" charset="0"/>
+              <a:latin typeface="Menlo"/>
             </a:endParaRPr>
           </a:p>
           <a:p>
@@ -6890,7 +6892,7 @@
                 <a:highlight>
                   <a:srgbClr val="FFFFFF"/>
                 </a:highlight>
-                <a:latin typeface="Consolas" panose="020B0609020204030204" pitchFamily="49" charset="0"/>
+                <a:latin typeface="Menlo"/>
               </a:rPr>
               <a:t>        </a:t>
             </a:r>
@@ -6903,7 +6905,7 @@
                 <a:highlight>
                   <a:srgbClr val="FFFFFF"/>
                 </a:highlight>
-                <a:latin typeface="Consolas" panose="020B0609020204030204" pitchFamily="49" charset="0"/>
+                <a:latin typeface="Menlo"/>
               </a:rPr>
               <a:t>apply</a:t>
             </a:r>
@@ -6916,7 +6918,7 @@
                 <a:highlight>
                   <a:srgbClr val="FFFFFF"/>
                 </a:highlight>
-                <a:latin typeface="Consolas" panose="020B0609020204030204" pitchFamily="49" charset="0"/>
+                <a:latin typeface="Menlo"/>
               </a:rPr>
               <a:t> (</a:t>
             </a:r>
@@ -6929,7 +6931,7 @@
                 <a:highlight>
                   <a:srgbClr val="FFFFFF"/>
                 </a:highlight>
-                <a:latin typeface="Consolas" panose="020B0609020204030204" pitchFamily="49" charset="0"/>
+                <a:latin typeface="Menlo"/>
               </a:rPr>
               <a:t>mul_eq_right</a:t>
             </a:r>
@@ -6942,7 +6944,7 @@
                 <a:highlight>
                   <a:srgbClr val="FFFFFF"/>
                 </a:highlight>
-                <a:latin typeface="Consolas" panose="020B0609020204030204" pitchFamily="49" charset="0"/>
+                <a:latin typeface="Menlo"/>
               </a:rPr>
               <a:t>₀ </a:t>
             </a:r>
@@ -6955,7 +6957,7 @@
                 <a:highlight>
                   <a:srgbClr val="FFFFFF"/>
                 </a:highlight>
-                <a:latin typeface="Consolas" panose="020B0609020204030204" pitchFamily="49" charset="0"/>
+                <a:latin typeface="Menlo"/>
               </a:rPr>
               <a:t>hnontrivial.left</a:t>
             </a:r>
@@ -6968,7 +6970,7 @@
                 <a:highlight>
                   <a:srgbClr val="FFFFFF"/>
                 </a:highlight>
-                <a:latin typeface="Consolas" panose="020B0609020204030204" pitchFamily="49" charset="0"/>
+                <a:latin typeface="Menlo"/>
               </a:rPr>
               <a:t>).</a:t>
             </a:r>
@@ -6981,7 +6983,7 @@
                 <a:highlight>
                   <a:srgbClr val="FFFFFF"/>
                 </a:highlight>
-                <a:latin typeface="Consolas" panose="020B0609020204030204" pitchFamily="49" charset="0"/>
+                <a:latin typeface="Menlo"/>
               </a:rPr>
               <a:t>mp</a:t>
             </a:r>
@@ -6993,7 +6995,7 @@
               <a:highlight>
                 <a:srgbClr val="FFFFFF"/>
               </a:highlight>
-              <a:latin typeface="Consolas" panose="020B0609020204030204" pitchFamily="49" charset="0"/>
+              <a:latin typeface="Menlo"/>
             </a:endParaRPr>
           </a:p>
           <a:p>
@@ -7009,7 +7011,7 @@
                 <a:highlight>
                   <a:srgbClr val="FFFFFF"/>
                 </a:highlight>
-                <a:latin typeface="Consolas" panose="020B0609020204030204" pitchFamily="49" charset="0"/>
+                <a:latin typeface="Menlo"/>
               </a:rPr>
               <a:t>        </a:t>
             </a:r>
@@ -7022,7 +7024,7 @@
                 <a:highlight>
                   <a:srgbClr val="FFFFFF"/>
                 </a:highlight>
-                <a:latin typeface="Consolas" panose="020B0609020204030204" pitchFamily="49" charset="0"/>
+                <a:latin typeface="Menlo"/>
               </a:rPr>
               <a:t>rw</a:t>
             </a:r>
@@ -7035,7 +7037,7 @@
                 <a:highlight>
                   <a:srgbClr val="FFFFFF"/>
                 </a:highlight>
-                <a:latin typeface="Consolas" panose="020B0609020204030204" pitchFamily="49" charset="0"/>
+                <a:latin typeface="Menlo"/>
               </a:rPr>
               <a:t>[←</a:t>
             </a:r>
@@ -7048,7 +7050,7 @@
                 <a:highlight>
                   <a:srgbClr val="FFFFFF"/>
                 </a:highlight>
-                <a:latin typeface="Consolas" panose="020B0609020204030204" pitchFamily="49" charset="0"/>
+                <a:latin typeface="Menlo"/>
               </a:rPr>
               <a:t>h_mul</a:t>
             </a:r>
@@ -7061,7 +7063,7 @@
                 <a:highlight>
                   <a:srgbClr val="FFFFFF"/>
                 </a:highlight>
-                <a:latin typeface="Consolas" panose="020B0609020204030204" pitchFamily="49" charset="0"/>
+                <a:latin typeface="Menlo"/>
               </a:rPr>
               <a:t>]</a:t>
             </a:r>
@@ -7079,7 +7081,7 @@
                 <a:highlight>
                   <a:srgbClr val="FFFFFF"/>
                 </a:highlight>
-                <a:latin typeface="Consolas" panose="020B0609020204030204" pitchFamily="49" charset="0"/>
+                <a:latin typeface="Menlo"/>
               </a:rPr>
               <a:t>  </a:t>
             </a:r>
@@ -7092,7 +7094,7 @@
                 <a:highlight>
                   <a:srgbClr val="FFFFFF"/>
                 </a:highlight>
-                <a:latin typeface="Consolas" panose="020B0609020204030204" pitchFamily="49" charset="0"/>
+                <a:latin typeface="Menlo"/>
               </a:rPr>
               <a:t>exact</a:t>
             </a:r>
@@ -7105,7 +7107,7 @@
                 <a:highlight>
                   <a:srgbClr val="FFFFFF"/>
                 </a:highlight>
-                <a:latin typeface="Consolas" panose="020B0609020204030204" pitchFamily="49" charset="0"/>
+                <a:latin typeface="Menlo"/>
               </a:rPr>
               <a:t> </a:t>
             </a:r>
@@ -7118,7 +7120,7 @@
                 <a:highlight>
                   <a:srgbClr val="FFFFFF"/>
                 </a:highlight>
-                <a:latin typeface="Consolas" panose="020B0609020204030204" pitchFamily="49" charset="0"/>
+                <a:latin typeface="Menlo"/>
               </a:rPr>
               <a:t>isUnit_of_mul_eq_one</a:t>
             </a:r>
@@ -7131,7 +7133,7 @@
                 <a:highlight>
                   <a:srgbClr val="FFFFFF"/>
                 </a:highlight>
-                <a:latin typeface="Consolas" panose="020B0609020204030204" pitchFamily="49" charset="0"/>
+                <a:latin typeface="Menlo"/>
               </a:rPr>
               <a:t> b c hbc1 </a:t>
             </a:r>
@@ -7144,7 +7146,7 @@
                 <a:highlight>
                   <a:srgbClr val="FFFFFF"/>
                 </a:highlight>
-                <a:latin typeface="Consolas" panose="020B0609020204030204" pitchFamily="49" charset="0"/>
+                <a:latin typeface="Menlo"/>
               </a:rPr>
               <a:t>-- in-built lemma: b * c = 1 → b is unit</a:t>
             </a:r>
@@ -7156,7 +7158,7 @@
               <a:highlight>
                 <a:srgbClr val="FFFFFF"/>
               </a:highlight>
-              <a:latin typeface="Consolas" panose="020B0609020204030204" pitchFamily="49" charset="0"/>
+              <a:latin typeface="Menlo"/>
             </a:endParaRPr>
           </a:p>
           <a:p>
@@ -7558,10 +7560,1337 @@
             <p:ph type="title"/>
           </p:nvPr>
         </p:nvSpPr>
+        <p:spPr/>
+        <p:txBody>
+          <a:bodyPr>
+            <a:normAutofit/>
+          </a:bodyPr>
+          <a:lstStyle/>
+          <a:p>
+            <a:r>
+              <a:rPr lang="en-US" dirty="0">
+                <a:latin typeface="Arial"/>
+                <a:ea typeface="+mj-lt"/>
+                <a:cs typeface="Arial"/>
+              </a:rPr>
+              <a:t>Definition 6. </a:t>
+            </a:r>
+            <a:r>
+              <a:rPr lang="en-US" dirty="0" err="1">
+                <a:latin typeface="Arial"/>
+                <a:ea typeface="+mj-lt"/>
+                <a:cs typeface="Arial"/>
+              </a:rPr>
+              <a:t>IsFactorialRing</a:t>
+            </a:r>
+            <a:r>
+              <a:rPr lang="en-US" dirty="0">
+                <a:latin typeface="Arial"/>
+                <a:ea typeface="+mj-lt"/>
+                <a:cs typeface="Arial"/>
+              </a:rPr>
+              <a:t>: Lean </a:t>
+            </a:r>
+          </a:p>
+        </p:txBody>
+      </p:sp>
+      <p:sp>
+        <p:nvSpPr>
+          <p:cNvPr id="10" name="Content Placeholder 9">
+            <a:extLst>
+              <a:ext uri="{FF2B5EF4-FFF2-40B4-BE49-F238E27FC236}">
+                <a16:creationId xmlns:a16="http://schemas.microsoft.com/office/drawing/2014/main" id="{D23A30F9-68E2-905C-23BD-F87C03C0C83F}"/>
+              </a:ext>
+            </a:extLst>
+          </p:cNvPr>
+          <p:cNvSpPr>
+            <a:spLocks noGrp="1"/>
+          </p:cNvSpPr>
+          <p:nvPr>
+            <p:ph idx="1"/>
+          </p:nvPr>
+        </p:nvSpPr>
+        <p:spPr/>
+        <p:txBody>
+          <a:bodyPr>
+            <a:normAutofit fontScale="25000" lnSpcReduction="20000"/>
+          </a:bodyPr>
+          <a:lstStyle/>
+          <a:p>
+            <a:pPr marL="0" indent="0">
+              <a:buNone/>
+            </a:pPr>
+            <a:br>
+              <a:rPr lang="en-US" sz="5600" b="0" dirty="0">
+                <a:solidFill>
+                  <a:srgbClr val="000000"/>
+                </a:solidFill>
+                <a:effectLst/>
+                <a:highlight>
+                  <a:srgbClr val="FFFFFF"/>
+                </a:highlight>
+                <a:latin typeface="Menlo"/>
+              </a:rPr>
+            </a:br>
+            <a:r>
+              <a:rPr lang="en-US" sz="5600" b="0" dirty="0">
+                <a:solidFill>
+                  <a:srgbClr val="0000FF"/>
+                </a:solidFill>
+                <a:effectLst/>
+                <a:highlight>
+                  <a:srgbClr val="FFFFFF"/>
+                </a:highlight>
+                <a:latin typeface="Menlo"/>
+              </a:rPr>
+              <a:t>def</a:t>
+            </a:r>
+            <a:r>
+              <a:rPr lang="en-US" sz="5600" b="0" dirty="0">
+                <a:solidFill>
+                  <a:srgbClr val="000000"/>
+                </a:solidFill>
+                <a:effectLst/>
+                <a:highlight>
+                  <a:srgbClr val="FFFFFF"/>
+                </a:highlight>
+                <a:latin typeface="Menlo"/>
+              </a:rPr>
+              <a:t> </a:t>
+            </a:r>
+            <a:r>
+              <a:rPr lang="en-US" sz="5600" b="0" dirty="0" err="1">
+                <a:solidFill>
+                  <a:srgbClr val="000000"/>
+                </a:solidFill>
+                <a:effectLst/>
+                <a:highlight>
+                  <a:srgbClr val="FFFFFF"/>
+                </a:highlight>
+                <a:latin typeface="Menlo"/>
+              </a:rPr>
+              <a:t>IsUFD</a:t>
+            </a:r>
+            <a:r>
+              <a:rPr lang="en-US" sz="5600" b="0" dirty="0">
+                <a:solidFill>
+                  <a:srgbClr val="000000"/>
+                </a:solidFill>
+                <a:effectLst/>
+                <a:highlight>
+                  <a:srgbClr val="FFFFFF"/>
+                </a:highlight>
+                <a:latin typeface="Menlo"/>
+              </a:rPr>
+              <a:t> (D: </a:t>
+            </a:r>
+            <a:r>
+              <a:rPr lang="en-US" sz="5600" b="0" dirty="0">
+                <a:solidFill>
+                  <a:srgbClr val="0000FF"/>
+                </a:solidFill>
+                <a:effectLst/>
+                <a:highlight>
+                  <a:srgbClr val="FFFFFF"/>
+                </a:highlight>
+                <a:latin typeface="Menlo"/>
+              </a:rPr>
+              <a:t>Type</a:t>
+            </a:r>
+            <a:r>
+              <a:rPr lang="en-US" sz="5600" b="0" dirty="0">
+                <a:solidFill>
+                  <a:srgbClr val="000000"/>
+                </a:solidFill>
+                <a:effectLst/>
+                <a:highlight>
+                  <a:srgbClr val="FFFFFF"/>
+                </a:highlight>
+                <a:latin typeface="Menlo"/>
+              </a:rPr>
+              <a:t>) [</a:t>
+            </a:r>
+            <a:r>
+              <a:rPr lang="en-US" sz="5600" b="0" dirty="0" err="1">
+                <a:solidFill>
+                  <a:srgbClr val="000000"/>
+                </a:solidFill>
+                <a:effectLst/>
+                <a:highlight>
+                  <a:srgbClr val="FFFFFF"/>
+                </a:highlight>
+                <a:latin typeface="Menlo"/>
+              </a:rPr>
+              <a:t>CommRing</a:t>
+            </a:r>
+            <a:r>
+              <a:rPr lang="en-US" sz="5600" b="0" dirty="0">
+                <a:solidFill>
+                  <a:srgbClr val="000000"/>
+                </a:solidFill>
+                <a:effectLst/>
+                <a:highlight>
+                  <a:srgbClr val="FFFFFF"/>
+                </a:highlight>
+                <a:latin typeface="Menlo"/>
+              </a:rPr>
+              <a:t> D] [</a:t>
+            </a:r>
+            <a:r>
+              <a:rPr lang="en-US" sz="5600" b="0" dirty="0" err="1">
+                <a:solidFill>
+                  <a:srgbClr val="000000"/>
+                </a:solidFill>
+                <a:effectLst/>
+                <a:highlight>
+                  <a:srgbClr val="FFFFFF"/>
+                </a:highlight>
+                <a:latin typeface="Menlo"/>
+              </a:rPr>
+              <a:t>IsDomain</a:t>
+            </a:r>
+            <a:r>
+              <a:rPr lang="en-US" sz="5600" b="0" dirty="0">
+                <a:solidFill>
+                  <a:srgbClr val="000000"/>
+                </a:solidFill>
+                <a:effectLst/>
+                <a:highlight>
+                  <a:srgbClr val="FFFFFF"/>
+                </a:highlight>
+                <a:latin typeface="Menlo"/>
+              </a:rPr>
+              <a:t> D]: </a:t>
+            </a:r>
+            <a:r>
+              <a:rPr lang="en-US" sz="5600" b="0" dirty="0">
+                <a:solidFill>
+                  <a:srgbClr val="0000FF"/>
+                </a:solidFill>
+                <a:effectLst/>
+                <a:highlight>
+                  <a:srgbClr val="FFFFFF"/>
+                </a:highlight>
+                <a:latin typeface="Menlo"/>
+              </a:rPr>
+              <a:t>Prop</a:t>
+            </a:r>
+            <a:r>
+              <a:rPr lang="en-US" sz="5600" b="0" dirty="0">
+                <a:solidFill>
+                  <a:srgbClr val="000000"/>
+                </a:solidFill>
+                <a:effectLst/>
+                <a:highlight>
+                  <a:srgbClr val="FFFFFF"/>
+                </a:highlight>
+                <a:latin typeface="Menlo"/>
+              </a:rPr>
+              <a:t> :=</a:t>
+            </a:r>
+          </a:p>
+          <a:p>
+            <a:pPr marL="0" indent="0">
+              <a:buNone/>
+            </a:pPr>
+            <a:r>
+              <a:rPr lang="en-US" sz="5600" b="0" dirty="0">
+                <a:solidFill>
+                  <a:srgbClr val="000000"/>
+                </a:solidFill>
+                <a:effectLst/>
+                <a:highlight>
+                  <a:srgbClr val="FFFFFF"/>
+                </a:highlight>
+                <a:latin typeface="Menlo"/>
+              </a:rPr>
+              <a:t>  </a:t>
+            </a:r>
+            <a:r>
+              <a:rPr lang="en-US" sz="5600" b="0" dirty="0">
+                <a:solidFill>
+                  <a:srgbClr val="008000"/>
+                </a:solidFill>
+                <a:effectLst/>
+                <a:highlight>
+                  <a:srgbClr val="FFFFFF"/>
+                </a:highlight>
+                <a:latin typeface="Menlo"/>
+              </a:rPr>
+              <a:t>-- It's based on an integral domain D</a:t>
+            </a:r>
+            <a:endParaRPr lang="en-US" sz="5600" b="0" dirty="0">
+              <a:solidFill>
+                <a:srgbClr val="000000"/>
+              </a:solidFill>
+              <a:effectLst/>
+              <a:highlight>
+                <a:srgbClr val="FFFFFF"/>
+              </a:highlight>
+              <a:latin typeface="Menlo"/>
+            </a:endParaRPr>
+          </a:p>
+          <a:p>
+            <a:pPr marL="0" indent="0">
+              <a:buNone/>
+            </a:pPr>
+            <a:r>
+              <a:rPr lang="en-US" sz="5600" b="0" dirty="0">
+                <a:solidFill>
+                  <a:srgbClr val="000000"/>
+                </a:solidFill>
+                <a:effectLst/>
+                <a:highlight>
+                  <a:srgbClr val="FFFFFF"/>
+                </a:highlight>
+                <a:latin typeface="Menlo"/>
+              </a:rPr>
+              <a:t>  </a:t>
+            </a:r>
+            <a:r>
+              <a:rPr lang="en-US" sz="5600" b="0" dirty="0">
+                <a:solidFill>
+                  <a:srgbClr val="008000"/>
+                </a:solidFill>
+                <a:effectLst/>
+                <a:highlight>
+                  <a:srgbClr val="FFFFFF"/>
+                </a:highlight>
+                <a:latin typeface="Menlo"/>
+              </a:rPr>
+              <a:t>-- every non-trivial element is factorable into </a:t>
+            </a:r>
+            <a:r>
+              <a:rPr lang="en-US" sz="5600" b="0" dirty="0" err="1">
+                <a:solidFill>
+                  <a:srgbClr val="008000"/>
+                </a:solidFill>
+                <a:effectLst/>
+                <a:highlight>
+                  <a:srgbClr val="FFFFFF"/>
+                </a:highlight>
+                <a:latin typeface="Menlo"/>
+              </a:rPr>
+              <a:t>irreducibles</a:t>
+            </a:r>
+            <a:endParaRPr lang="en-US" sz="5600" b="0" dirty="0">
+              <a:solidFill>
+                <a:srgbClr val="000000"/>
+              </a:solidFill>
+              <a:effectLst/>
+              <a:highlight>
+                <a:srgbClr val="FFFFFF"/>
+              </a:highlight>
+              <a:latin typeface="Menlo"/>
+            </a:endParaRPr>
+          </a:p>
+          <a:p>
+            <a:pPr marL="0" indent="0">
+              <a:buNone/>
+            </a:pPr>
+            <a:r>
+              <a:rPr lang="en-US" sz="5600" b="0" dirty="0">
+                <a:solidFill>
+                  <a:srgbClr val="000000"/>
+                </a:solidFill>
+                <a:effectLst/>
+                <a:highlight>
+                  <a:srgbClr val="FFFFFF"/>
+                </a:highlight>
+                <a:latin typeface="Menlo"/>
+              </a:rPr>
+              <a:t>  (∀ (x : D), x ≠ </a:t>
+            </a:r>
+            <a:r>
+              <a:rPr lang="en-US" sz="5600" b="0" dirty="0">
+                <a:solidFill>
+                  <a:srgbClr val="098658"/>
+                </a:solidFill>
+                <a:effectLst/>
+                <a:highlight>
+                  <a:srgbClr val="FFFFFF"/>
+                </a:highlight>
+                <a:latin typeface="Menlo"/>
+              </a:rPr>
+              <a:t>0</a:t>
+            </a:r>
+            <a:r>
+              <a:rPr lang="en-US" sz="5600" b="0" dirty="0">
+                <a:solidFill>
+                  <a:srgbClr val="000000"/>
+                </a:solidFill>
+                <a:effectLst/>
+                <a:highlight>
+                  <a:srgbClr val="FFFFFF"/>
+                </a:highlight>
+                <a:latin typeface="Menlo"/>
+              </a:rPr>
+              <a:t> → ¬</a:t>
+            </a:r>
+            <a:r>
+              <a:rPr lang="en-US" sz="5600" b="0" dirty="0" err="1">
+                <a:solidFill>
+                  <a:srgbClr val="000000"/>
+                </a:solidFill>
+                <a:effectLst/>
+                <a:highlight>
+                  <a:srgbClr val="FFFFFF"/>
+                </a:highlight>
+                <a:latin typeface="Menlo"/>
+              </a:rPr>
+              <a:t>IsUnit</a:t>
+            </a:r>
+            <a:r>
+              <a:rPr lang="en-US" sz="5600" b="0" dirty="0">
+                <a:solidFill>
+                  <a:srgbClr val="000000"/>
+                </a:solidFill>
+                <a:effectLst/>
+                <a:highlight>
+                  <a:srgbClr val="FFFFFF"/>
+                </a:highlight>
+                <a:latin typeface="Menlo"/>
+              </a:rPr>
+              <a:t> x → ∃ (factors :List D), </a:t>
+            </a:r>
+            <a:r>
+              <a:rPr lang="en-US" sz="5600" b="0" dirty="0">
+                <a:solidFill>
+                  <a:srgbClr val="008000"/>
+                </a:solidFill>
+                <a:effectLst/>
+                <a:highlight>
+                  <a:srgbClr val="FFFFFF"/>
+                </a:highlight>
+                <a:latin typeface="Menlo"/>
+              </a:rPr>
+              <a:t>-- for any non-zero, non-unit x in D there's a list</a:t>
+            </a:r>
+            <a:endParaRPr lang="en-US" sz="5600" b="0" dirty="0">
+              <a:solidFill>
+                <a:srgbClr val="000000"/>
+              </a:solidFill>
+              <a:effectLst/>
+              <a:highlight>
+                <a:srgbClr val="FFFFFF"/>
+              </a:highlight>
+              <a:latin typeface="Menlo"/>
+            </a:endParaRPr>
+          </a:p>
+          <a:p>
+            <a:pPr marL="0" indent="0">
+              <a:buNone/>
+            </a:pPr>
+            <a:r>
+              <a:rPr lang="en-US" sz="5600" b="0" dirty="0">
+                <a:solidFill>
+                  <a:srgbClr val="000000"/>
+                </a:solidFill>
+                <a:effectLst/>
+                <a:highlight>
+                  <a:srgbClr val="FFFFFF"/>
+                </a:highlight>
+                <a:latin typeface="Menlo"/>
+              </a:rPr>
+              <a:t>  ((∀ y ∈ factors, </a:t>
+            </a:r>
+            <a:r>
+              <a:rPr lang="en-US" sz="5600" b="0" dirty="0" err="1">
+                <a:solidFill>
+                  <a:srgbClr val="000000"/>
+                </a:solidFill>
+                <a:effectLst/>
+                <a:highlight>
+                  <a:srgbClr val="FFFFFF"/>
+                </a:highlight>
+                <a:latin typeface="Menlo"/>
+              </a:rPr>
+              <a:t>IsIrreducible</a:t>
+            </a:r>
+            <a:r>
+              <a:rPr lang="en-US" sz="5600" b="0" dirty="0">
+                <a:solidFill>
+                  <a:srgbClr val="000000"/>
+                </a:solidFill>
+                <a:effectLst/>
+                <a:highlight>
+                  <a:srgbClr val="FFFFFF"/>
+                </a:highlight>
+                <a:latin typeface="Menlo"/>
+              </a:rPr>
+              <a:t> y) ∧ x=</a:t>
+            </a:r>
+            <a:r>
+              <a:rPr lang="en-US" sz="5600" b="0" dirty="0" err="1">
+                <a:solidFill>
+                  <a:srgbClr val="000000"/>
+                </a:solidFill>
+                <a:effectLst/>
+                <a:highlight>
+                  <a:srgbClr val="FFFFFF"/>
+                </a:highlight>
+                <a:latin typeface="Menlo"/>
+              </a:rPr>
+              <a:t>List.prod</a:t>
+            </a:r>
+            <a:r>
+              <a:rPr lang="en-US" sz="5600" b="0" dirty="0">
+                <a:solidFill>
+                  <a:srgbClr val="000000"/>
+                </a:solidFill>
+                <a:effectLst/>
+                <a:highlight>
+                  <a:srgbClr val="FFFFFF"/>
+                </a:highlight>
+                <a:latin typeface="Menlo"/>
+              </a:rPr>
+              <a:t> factors)) ∧ </a:t>
+            </a:r>
+            <a:r>
+              <a:rPr lang="en-US" sz="5600" b="0" dirty="0">
+                <a:solidFill>
+                  <a:srgbClr val="008000"/>
+                </a:solidFill>
+                <a:effectLst/>
+                <a:highlight>
+                  <a:srgbClr val="FFFFFF"/>
+                </a:highlight>
+                <a:latin typeface="Menlo"/>
+              </a:rPr>
+              <a:t>-- of </a:t>
+            </a:r>
+            <a:r>
+              <a:rPr lang="en-US" sz="5600" b="0" dirty="0" err="1">
+                <a:solidFill>
+                  <a:srgbClr val="008000"/>
+                </a:solidFill>
+                <a:effectLst/>
+                <a:highlight>
+                  <a:srgbClr val="FFFFFF"/>
+                </a:highlight>
+                <a:latin typeface="Menlo"/>
+              </a:rPr>
+              <a:t>irreducibles</a:t>
+            </a:r>
+            <a:r>
+              <a:rPr lang="en-US" sz="5600" b="0" dirty="0">
+                <a:solidFill>
+                  <a:srgbClr val="008000"/>
+                </a:solidFill>
+                <a:effectLst/>
+                <a:highlight>
+                  <a:srgbClr val="FFFFFF"/>
+                </a:highlight>
+                <a:latin typeface="Menlo"/>
+              </a:rPr>
+              <a:t> that multiply to x</a:t>
+            </a:r>
+            <a:endParaRPr lang="en-US" sz="5600" b="0" dirty="0">
+              <a:solidFill>
+                <a:srgbClr val="000000"/>
+              </a:solidFill>
+              <a:effectLst/>
+              <a:highlight>
+                <a:srgbClr val="FFFFFF"/>
+              </a:highlight>
+              <a:latin typeface="Menlo"/>
+            </a:endParaRPr>
+          </a:p>
+          <a:p>
+            <a:pPr marL="0" indent="0">
+              <a:buNone/>
+            </a:pPr>
+            <a:r>
+              <a:rPr lang="en-US" sz="5600" b="0" dirty="0">
+                <a:solidFill>
+                  <a:srgbClr val="000000"/>
+                </a:solidFill>
+                <a:effectLst/>
+                <a:highlight>
+                  <a:srgbClr val="FFFFFF"/>
+                </a:highlight>
+                <a:latin typeface="Menlo"/>
+              </a:rPr>
+              <a:t>  </a:t>
+            </a:r>
+            <a:r>
+              <a:rPr lang="en-US" sz="5600" b="0" dirty="0">
+                <a:solidFill>
+                  <a:srgbClr val="008000"/>
+                </a:solidFill>
+                <a:effectLst/>
+                <a:highlight>
+                  <a:srgbClr val="FFFFFF"/>
+                </a:highlight>
+                <a:latin typeface="Menlo"/>
+              </a:rPr>
+              <a:t>-- And such </a:t>
+            </a:r>
+            <a:r>
+              <a:rPr lang="en-US" sz="5600" b="0" dirty="0" err="1">
+                <a:solidFill>
+                  <a:srgbClr val="008000"/>
+                </a:solidFill>
+                <a:effectLst/>
+                <a:highlight>
+                  <a:srgbClr val="FFFFFF"/>
+                </a:highlight>
+                <a:latin typeface="Menlo"/>
+              </a:rPr>
+              <a:t>factorisation</a:t>
+            </a:r>
+            <a:r>
+              <a:rPr lang="en-US" sz="5600" b="0" dirty="0">
+                <a:solidFill>
+                  <a:srgbClr val="008000"/>
+                </a:solidFill>
+                <a:effectLst/>
+                <a:highlight>
+                  <a:srgbClr val="FFFFFF"/>
+                </a:highlight>
+                <a:latin typeface="Menlo"/>
+              </a:rPr>
+              <a:t> is unique up to associates and permutation:</a:t>
+            </a:r>
+            <a:endParaRPr lang="en-US" sz="5600" b="0" dirty="0">
+              <a:solidFill>
+                <a:srgbClr val="000000"/>
+              </a:solidFill>
+              <a:effectLst/>
+              <a:highlight>
+                <a:srgbClr val="FFFFFF"/>
+              </a:highlight>
+              <a:latin typeface="Menlo"/>
+            </a:endParaRPr>
+          </a:p>
+          <a:p>
+            <a:pPr marL="0" indent="0">
+              <a:buNone/>
+            </a:pPr>
+            <a:r>
+              <a:rPr lang="en-US" sz="5600" b="0" dirty="0">
+                <a:solidFill>
+                  <a:srgbClr val="000000"/>
+                </a:solidFill>
+                <a:effectLst/>
+                <a:highlight>
+                  <a:srgbClr val="FFFFFF"/>
+                </a:highlight>
+                <a:latin typeface="Menlo"/>
+              </a:rPr>
+              <a:t>  (</a:t>
+            </a:r>
+          </a:p>
+          <a:p>
+            <a:pPr marL="0" indent="0">
+              <a:buNone/>
+            </a:pPr>
+            <a:r>
+              <a:rPr lang="en-US" sz="5600" b="0" dirty="0">
+                <a:solidFill>
+                  <a:srgbClr val="000000"/>
+                </a:solidFill>
+                <a:effectLst/>
+                <a:highlight>
+                  <a:srgbClr val="FFFFFF"/>
+                </a:highlight>
+                <a:latin typeface="Menlo"/>
+              </a:rPr>
+              <a:t>  ∀ (x : D) (factors1 factors2 : List D), </a:t>
+            </a:r>
+            <a:r>
+              <a:rPr lang="en-US" sz="5600" b="0" dirty="0">
+                <a:solidFill>
+                  <a:srgbClr val="008000"/>
+                </a:solidFill>
+                <a:effectLst/>
+                <a:highlight>
+                  <a:srgbClr val="FFFFFF"/>
+                </a:highlight>
+                <a:latin typeface="Menlo"/>
+              </a:rPr>
+              <a:t>-- for any x in D, if there exist 2 lists</a:t>
+            </a:r>
+            <a:endParaRPr lang="en-US" sz="5600" b="0" dirty="0">
+              <a:solidFill>
+                <a:srgbClr val="000000"/>
+              </a:solidFill>
+              <a:effectLst/>
+              <a:highlight>
+                <a:srgbClr val="FFFFFF"/>
+              </a:highlight>
+              <a:latin typeface="Menlo"/>
+            </a:endParaRPr>
+          </a:p>
+          <a:p>
+            <a:pPr marL="0" indent="0">
+              <a:buNone/>
+            </a:pPr>
+            <a:r>
+              <a:rPr lang="en-US" sz="5600" b="0" dirty="0">
+                <a:solidFill>
+                  <a:srgbClr val="000000"/>
+                </a:solidFill>
+                <a:effectLst/>
+                <a:highlight>
+                  <a:srgbClr val="FFFFFF"/>
+                </a:highlight>
+                <a:latin typeface="Menlo"/>
+              </a:rPr>
+              <a:t>  x ≠ </a:t>
+            </a:r>
+            <a:r>
+              <a:rPr lang="en-US" sz="5600" b="0" dirty="0">
+                <a:solidFill>
+                  <a:srgbClr val="098658"/>
+                </a:solidFill>
+                <a:effectLst/>
+                <a:highlight>
+                  <a:srgbClr val="FFFFFF"/>
+                </a:highlight>
+                <a:latin typeface="Menlo"/>
+              </a:rPr>
+              <a:t>0</a:t>
+            </a:r>
+            <a:r>
+              <a:rPr lang="en-US" sz="5600" b="0" dirty="0">
+                <a:solidFill>
+                  <a:srgbClr val="000000"/>
+                </a:solidFill>
+                <a:effectLst/>
+                <a:highlight>
+                  <a:srgbClr val="FFFFFF"/>
+                </a:highlight>
+                <a:latin typeface="Menlo"/>
+              </a:rPr>
+              <a:t> → (¬</a:t>
+            </a:r>
+            <a:r>
+              <a:rPr lang="en-US" sz="5600" b="0" dirty="0" err="1">
+                <a:solidFill>
+                  <a:srgbClr val="000000"/>
+                </a:solidFill>
+                <a:effectLst/>
+                <a:highlight>
+                  <a:srgbClr val="FFFFFF"/>
+                </a:highlight>
+                <a:latin typeface="Menlo"/>
+              </a:rPr>
+              <a:t>IsUnit</a:t>
+            </a:r>
+            <a:r>
+              <a:rPr lang="en-US" sz="5600" b="0" dirty="0">
+                <a:solidFill>
+                  <a:srgbClr val="000000"/>
+                </a:solidFill>
+                <a:effectLst/>
+                <a:highlight>
+                  <a:srgbClr val="FFFFFF"/>
+                </a:highlight>
+                <a:latin typeface="Menlo"/>
+              </a:rPr>
+              <a:t> x) → </a:t>
+            </a:r>
+            <a:r>
+              <a:rPr lang="en-US" sz="5600" b="0" dirty="0">
+                <a:solidFill>
+                  <a:srgbClr val="008000"/>
+                </a:solidFill>
+                <a:effectLst/>
+                <a:highlight>
+                  <a:srgbClr val="FFFFFF"/>
+                </a:highlight>
+                <a:latin typeface="Menlo"/>
+              </a:rPr>
+              <a:t>-- such that x is non-zero and non-unit</a:t>
+            </a:r>
+            <a:endParaRPr lang="en-US" sz="5600" b="0" dirty="0">
+              <a:solidFill>
+                <a:srgbClr val="000000"/>
+              </a:solidFill>
+              <a:effectLst/>
+              <a:highlight>
+                <a:srgbClr val="FFFFFF"/>
+              </a:highlight>
+              <a:latin typeface="Menlo"/>
+            </a:endParaRPr>
+          </a:p>
+          <a:p>
+            <a:pPr marL="0" indent="0">
+              <a:buNone/>
+            </a:pPr>
+            <a:r>
+              <a:rPr lang="en-US" sz="5600" b="0" dirty="0">
+                <a:solidFill>
+                  <a:srgbClr val="000000"/>
+                </a:solidFill>
+                <a:effectLst/>
+                <a:highlight>
+                  <a:srgbClr val="FFFFFF"/>
+                </a:highlight>
+                <a:latin typeface="Menlo"/>
+              </a:rPr>
+              <a:t>  (x = </a:t>
+            </a:r>
+            <a:r>
+              <a:rPr lang="en-US" sz="5600" b="0" dirty="0" err="1">
+                <a:solidFill>
+                  <a:srgbClr val="000000"/>
+                </a:solidFill>
+                <a:effectLst/>
+                <a:highlight>
+                  <a:srgbClr val="FFFFFF"/>
+                </a:highlight>
+                <a:latin typeface="Menlo"/>
+              </a:rPr>
+              <a:t>List.prod</a:t>
+            </a:r>
+            <a:r>
+              <a:rPr lang="en-US" sz="5600" b="0" dirty="0">
+                <a:solidFill>
+                  <a:srgbClr val="000000"/>
+                </a:solidFill>
+                <a:effectLst/>
+                <a:highlight>
+                  <a:srgbClr val="FFFFFF"/>
+                </a:highlight>
+                <a:latin typeface="Menlo"/>
+              </a:rPr>
+              <a:t> factors1) → (x = </a:t>
+            </a:r>
+            <a:r>
+              <a:rPr lang="en-US" sz="5600" b="0" dirty="0" err="1">
+                <a:solidFill>
+                  <a:srgbClr val="000000"/>
+                </a:solidFill>
+                <a:effectLst/>
+                <a:highlight>
+                  <a:srgbClr val="FFFFFF"/>
+                </a:highlight>
+                <a:latin typeface="Menlo"/>
+              </a:rPr>
+              <a:t>List.prod</a:t>
+            </a:r>
+            <a:r>
+              <a:rPr lang="en-US" sz="5600" b="0" dirty="0">
+                <a:solidFill>
+                  <a:srgbClr val="000000"/>
+                </a:solidFill>
+                <a:effectLst/>
+                <a:highlight>
+                  <a:srgbClr val="FFFFFF"/>
+                </a:highlight>
+                <a:latin typeface="Menlo"/>
+              </a:rPr>
+              <a:t> factors2) → </a:t>
+            </a:r>
+            <a:r>
+              <a:rPr lang="en-US" sz="5600" b="0" dirty="0">
+                <a:solidFill>
+                  <a:srgbClr val="008000"/>
+                </a:solidFill>
+                <a:effectLst/>
+                <a:highlight>
+                  <a:srgbClr val="FFFFFF"/>
+                </a:highlight>
+                <a:latin typeface="Menlo"/>
+              </a:rPr>
+              <a:t>-- that x is the product of the factors in each list</a:t>
+            </a:r>
+            <a:endParaRPr lang="en-US" sz="5600" b="0" dirty="0">
+              <a:solidFill>
+                <a:srgbClr val="000000"/>
+              </a:solidFill>
+              <a:effectLst/>
+              <a:highlight>
+                <a:srgbClr val="FFFFFF"/>
+              </a:highlight>
+              <a:latin typeface="Menlo"/>
+            </a:endParaRPr>
+          </a:p>
+          <a:p>
+            <a:pPr marL="0" indent="0">
+              <a:buNone/>
+            </a:pPr>
+            <a:r>
+              <a:rPr lang="en-US" sz="5600" b="0" dirty="0">
+                <a:solidFill>
+                  <a:srgbClr val="000000"/>
+                </a:solidFill>
+                <a:effectLst/>
+                <a:highlight>
+                  <a:srgbClr val="FFFFFF"/>
+                </a:highlight>
+                <a:latin typeface="Menlo"/>
+              </a:rPr>
+              <a:t>  (∀ y ∈ factors1, </a:t>
+            </a:r>
+            <a:r>
+              <a:rPr lang="en-US" sz="5600" b="0" dirty="0" err="1">
+                <a:solidFill>
+                  <a:srgbClr val="000000"/>
+                </a:solidFill>
+                <a:effectLst/>
+                <a:highlight>
+                  <a:srgbClr val="FFFFFF"/>
+                </a:highlight>
+                <a:latin typeface="Menlo"/>
+              </a:rPr>
+              <a:t>IsIrreducible</a:t>
+            </a:r>
+            <a:r>
+              <a:rPr lang="en-US" sz="5600" b="0" dirty="0">
+                <a:solidFill>
+                  <a:srgbClr val="000000"/>
+                </a:solidFill>
+                <a:effectLst/>
+                <a:highlight>
+                  <a:srgbClr val="FFFFFF"/>
+                </a:highlight>
+                <a:latin typeface="Menlo"/>
+              </a:rPr>
+              <a:t> y) → (∀ y ∈ factors2, </a:t>
+            </a:r>
+            <a:r>
+              <a:rPr lang="en-US" sz="5600" b="0" dirty="0" err="1">
+                <a:solidFill>
+                  <a:srgbClr val="000000"/>
+                </a:solidFill>
+                <a:effectLst/>
+                <a:highlight>
+                  <a:srgbClr val="FFFFFF"/>
+                </a:highlight>
+                <a:latin typeface="Menlo"/>
+              </a:rPr>
+              <a:t>IsIrreducible</a:t>
+            </a:r>
+            <a:r>
+              <a:rPr lang="en-US" sz="5600" b="0" dirty="0">
+                <a:solidFill>
+                  <a:srgbClr val="000000"/>
+                </a:solidFill>
+                <a:effectLst/>
+                <a:highlight>
+                  <a:srgbClr val="FFFFFF"/>
+                </a:highlight>
+                <a:latin typeface="Menlo"/>
+              </a:rPr>
+              <a:t> y) → </a:t>
+            </a:r>
+            <a:r>
+              <a:rPr lang="en-US" sz="5600" b="0" dirty="0">
+                <a:solidFill>
+                  <a:srgbClr val="008000"/>
+                </a:solidFill>
+                <a:effectLst/>
+                <a:highlight>
+                  <a:srgbClr val="FFFFFF"/>
+                </a:highlight>
+                <a:latin typeface="Menlo"/>
+              </a:rPr>
+              <a:t>-- and those lists are made up of </a:t>
+            </a:r>
+            <a:r>
+              <a:rPr lang="en-US" sz="5600" b="0" dirty="0" err="1">
+                <a:solidFill>
+                  <a:srgbClr val="008000"/>
+                </a:solidFill>
+                <a:effectLst/>
+                <a:highlight>
+                  <a:srgbClr val="FFFFFF"/>
+                </a:highlight>
+                <a:latin typeface="Menlo"/>
+              </a:rPr>
+              <a:t>irreducibles</a:t>
+            </a:r>
+            <a:endParaRPr lang="en-US" sz="5600" b="0" dirty="0">
+              <a:solidFill>
+                <a:srgbClr val="000000"/>
+              </a:solidFill>
+              <a:effectLst/>
+              <a:highlight>
+                <a:srgbClr val="FFFFFF"/>
+              </a:highlight>
+              <a:latin typeface="Menlo"/>
+            </a:endParaRPr>
+          </a:p>
+          <a:p>
+            <a:pPr marL="0" indent="0">
+              <a:buNone/>
+            </a:pPr>
+            <a:r>
+              <a:rPr lang="en-US" sz="5600" b="0" dirty="0">
+                <a:solidFill>
+                  <a:srgbClr val="000000"/>
+                </a:solidFill>
+                <a:effectLst/>
+                <a:highlight>
+                  <a:srgbClr val="FFFFFF"/>
+                </a:highlight>
+                <a:latin typeface="Menlo"/>
+              </a:rPr>
+              <a:t>  ((factors1.length=factors2.length) ∧ </a:t>
+            </a:r>
+            <a:r>
+              <a:rPr lang="en-US" sz="5600" b="0" dirty="0">
+                <a:solidFill>
+                  <a:srgbClr val="008000"/>
+                </a:solidFill>
+                <a:effectLst/>
+                <a:highlight>
+                  <a:srgbClr val="FFFFFF"/>
+                </a:highlight>
+                <a:latin typeface="Menlo"/>
+              </a:rPr>
+              <a:t>-- then they are of equal length</a:t>
+            </a:r>
+            <a:endParaRPr lang="en-US" sz="5600" b="0" dirty="0">
+              <a:solidFill>
+                <a:srgbClr val="000000"/>
+              </a:solidFill>
+              <a:effectLst/>
+              <a:highlight>
+                <a:srgbClr val="FFFFFF"/>
+              </a:highlight>
+              <a:latin typeface="Menlo"/>
+            </a:endParaRPr>
+          </a:p>
+          <a:p>
+            <a:pPr marL="0" indent="0">
+              <a:buNone/>
+            </a:pPr>
+            <a:r>
+              <a:rPr lang="en-US" sz="5600" b="0" dirty="0">
+                <a:solidFill>
+                  <a:srgbClr val="000000"/>
+                </a:solidFill>
+                <a:effectLst/>
+                <a:highlight>
+                  <a:srgbClr val="FFFFFF"/>
+                </a:highlight>
+                <a:latin typeface="Menlo"/>
+              </a:rPr>
+              <a:t>  ∃ σ ∈ factors1.permutations, </a:t>
+            </a:r>
+            <a:r>
+              <a:rPr lang="en-US" sz="5600" b="0" dirty="0">
+                <a:solidFill>
+                  <a:srgbClr val="008000"/>
+                </a:solidFill>
+                <a:effectLst/>
+                <a:highlight>
+                  <a:srgbClr val="FFFFFF"/>
+                </a:highlight>
+                <a:latin typeface="Menlo"/>
+              </a:rPr>
+              <a:t>-- and there exists a permutation of one of them, here called sigma</a:t>
+            </a:r>
+            <a:endParaRPr lang="en-US" sz="5600" b="0" dirty="0">
+              <a:solidFill>
+                <a:srgbClr val="000000"/>
+              </a:solidFill>
+              <a:effectLst/>
+              <a:highlight>
+                <a:srgbClr val="FFFFFF"/>
+              </a:highlight>
+              <a:latin typeface="Menlo"/>
+            </a:endParaRPr>
+          </a:p>
+          <a:p>
+            <a:pPr marL="0" indent="0">
+              <a:buNone/>
+            </a:pPr>
+            <a:r>
+              <a:rPr lang="en-US" sz="5600" b="0" dirty="0">
+                <a:solidFill>
+                  <a:srgbClr val="000000"/>
+                </a:solidFill>
+                <a:effectLst/>
+                <a:highlight>
+                  <a:srgbClr val="FFFFFF"/>
+                </a:highlight>
+                <a:latin typeface="Menlo"/>
+              </a:rPr>
+              <a:t>  (∀ </a:t>
+            </a:r>
+            <a:r>
+              <a:rPr lang="en-US" sz="5600" b="0" dirty="0" err="1">
+                <a:solidFill>
+                  <a:srgbClr val="000000"/>
+                </a:solidFill>
+                <a:effectLst/>
+                <a:highlight>
+                  <a:srgbClr val="FFFFFF"/>
+                </a:highlight>
+                <a:latin typeface="Menlo"/>
+              </a:rPr>
+              <a:t>i</a:t>
+            </a:r>
+            <a:r>
+              <a:rPr lang="en-US" sz="5600" b="0" dirty="0">
+                <a:solidFill>
+                  <a:srgbClr val="000000"/>
+                </a:solidFill>
+                <a:effectLst/>
+                <a:highlight>
+                  <a:srgbClr val="FFFFFF"/>
+                </a:highlight>
+                <a:latin typeface="Menlo"/>
+              </a:rPr>
+              <a:t> : Fin </a:t>
+            </a:r>
+            <a:r>
+              <a:rPr lang="en-US" sz="5600" b="0" dirty="0" err="1">
+                <a:solidFill>
+                  <a:srgbClr val="000000"/>
+                </a:solidFill>
+                <a:effectLst/>
+                <a:highlight>
+                  <a:srgbClr val="FFFFFF"/>
+                </a:highlight>
+                <a:latin typeface="Menlo"/>
+              </a:rPr>
+              <a:t>σ.length</a:t>
+            </a:r>
+            <a:r>
+              <a:rPr lang="en-US" sz="5600" b="0" dirty="0">
+                <a:solidFill>
+                  <a:srgbClr val="000000"/>
+                </a:solidFill>
+                <a:effectLst/>
+                <a:highlight>
+                  <a:srgbClr val="FFFFFF"/>
+                </a:highlight>
+                <a:latin typeface="Menlo"/>
+              </a:rPr>
+              <a:t>,  (</a:t>
+            </a:r>
+            <a:r>
+              <a:rPr lang="en-US" sz="5600" b="0" dirty="0" err="1">
+                <a:solidFill>
+                  <a:srgbClr val="000000"/>
+                </a:solidFill>
+                <a:effectLst/>
+                <a:highlight>
+                  <a:srgbClr val="FFFFFF"/>
+                </a:highlight>
+                <a:latin typeface="Menlo"/>
+              </a:rPr>
+              <a:t>IsAssociated</a:t>
+            </a:r>
+            <a:r>
+              <a:rPr lang="en-US" sz="5600" b="0" dirty="0">
+                <a:solidFill>
+                  <a:srgbClr val="000000"/>
+                </a:solidFill>
+                <a:effectLst/>
+                <a:highlight>
+                  <a:srgbClr val="FFFFFF"/>
+                </a:highlight>
+                <a:latin typeface="Menlo"/>
+              </a:rPr>
+              <a:t> (</a:t>
+            </a:r>
+            <a:r>
+              <a:rPr lang="en-US" sz="5600" b="0" dirty="0" err="1">
+                <a:solidFill>
+                  <a:srgbClr val="000000"/>
+                </a:solidFill>
+                <a:effectLst/>
+                <a:highlight>
+                  <a:srgbClr val="FFFFFF"/>
+                </a:highlight>
+                <a:latin typeface="Menlo"/>
+              </a:rPr>
+              <a:t>σ.get</a:t>
+            </a:r>
+            <a:r>
+              <a:rPr lang="en-US" sz="5600" b="0" dirty="0">
+                <a:solidFill>
+                  <a:srgbClr val="000000"/>
+                </a:solidFill>
+                <a:effectLst/>
+                <a:highlight>
+                  <a:srgbClr val="FFFFFF"/>
+                </a:highlight>
+                <a:latin typeface="Menlo"/>
+              </a:rPr>
+              <a:t> </a:t>
+            </a:r>
+            <a:r>
+              <a:rPr lang="en-US" sz="5600" b="0" dirty="0" err="1">
+                <a:solidFill>
+                  <a:srgbClr val="000000"/>
+                </a:solidFill>
+                <a:effectLst/>
+                <a:highlight>
+                  <a:srgbClr val="FFFFFF"/>
+                </a:highlight>
+                <a:latin typeface="Menlo"/>
+              </a:rPr>
+              <a:t>i</a:t>
+            </a:r>
+            <a:r>
+              <a:rPr lang="en-US" sz="5600" b="0" dirty="0">
+                <a:solidFill>
+                  <a:srgbClr val="000000"/>
+                </a:solidFill>
+                <a:effectLst/>
+                <a:highlight>
+                  <a:srgbClr val="FFFFFF"/>
+                </a:highlight>
+                <a:latin typeface="Menlo"/>
+              </a:rPr>
+              <a:t>) (factors2.get! </a:t>
+            </a:r>
+            <a:r>
+              <a:rPr lang="en-US" sz="5600" b="0" dirty="0" err="1">
+                <a:solidFill>
+                  <a:srgbClr val="000000"/>
+                </a:solidFill>
+                <a:effectLst/>
+                <a:highlight>
+                  <a:srgbClr val="FFFFFF"/>
+                </a:highlight>
+                <a:latin typeface="Menlo"/>
+              </a:rPr>
+              <a:t>i</a:t>
+            </a:r>
+            <a:r>
+              <a:rPr lang="en-US" sz="5600" b="0" dirty="0">
+                <a:solidFill>
+                  <a:srgbClr val="000000"/>
+                </a:solidFill>
+                <a:effectLst/>
+                <a:highlight>
+                  <a:srgbClr val="FFFFFF"/>
+                </a:highlight>
+                <a:latin typeface="Menlo"/>
+              </a:rPr>
+              <a:t> )))) </a:t>
+            </a:r>
+            <a:r>
+              <a:rPr lang="en-US" sz="5600" b="0" dirty="0">
+                <a:solidFill>
+                  <a:srgbClr val="008000"/>
+                </a:solidFill>
+                <a:effectLst/>
+                <a:highlight>
+                  <a:srgbClr val="FFFFFF"/>
+                </a:highlight>
+                <a:latin typeface="Menlo"/>
+              </a:rPr>
+              <a:t>-- such that sigma[</a:t>
+            </a:r>
+            <a:r>
+              <a:rPr lang="en-US" sz="5600" b="0" dirty="0" err="1">
+                <a:solidFill>
+                  <a:srgbClr val="A31515"/>
+                </a:solidFill>
+                <a:effectLst/>
+                <a:highlight>
+                  <a:srgbClr val="FFFFFF"/>
+                </a:highlight>
+                <a:latin typeface="Menlo"/>
+              </a:rPr>
+              <a:t>i</a:t>
+            </a:r>
+            <a:r>
+              <a:rPr lang="en-US" sz="5600" b="0" dirty="0">
+                <a:solidFill>
+                  <a:srgbClr val="008000"/>
+                </a:solidFill>
+                <a:effectLst/>
+                <a:highlight>
+                  <a:srgbClr val="FFFFFF"/>
+                </a:highlight>
+                <a:latin typeface="Menlo"/>
+              </a:rPr>
+              <a:t>] is associated to factors2[</a:t>
+            </a:r>
+            <a:r>
+              <a:rPr lang="en-US" sz="5600" b="0" dirty="0" err="1">
+                <a:solidFill>
+                  <a:srgbClr val="A31515"/>
+                </a:solidFill>
+                <a:effectLst/>
+                <a:highlight>
+                  <a:srgbClr val="FFFFFF"/>
+                </a:highlight>
+                <a:latin typeface="Menlo"/>
+              </a:rPr>
+              <a:t>i</a:t>
+            </a:r>
+            <a:r>
+              <a:rPr lang="en-US" sz="5600" b="0" dirty="0">
+                <a:solidFill>
+                  <a:srgbClr val="008000"/>
+                </a:solidFill>
+                <a:effectLst/>
+                <a:highlight>
+                  <a:srgbClr val="FFFFFF"/>
+                </a:highlight>
+                <a:latin typeface="Menlo"/>
+              </a:rPr>
+              <a:t>]</a:t>
+            </a:r>
+            <a:endParaRPr lang="en-US" sz="5600" b="0" dirty="0">
+              <a:solidFill>
+                <a:srgbClr val="000000"/>
+              </a:solidFill>
+              <a:effectLst/>
+              <a:highlight>
+                <a:srgbClr val="FFFFFF"/>
+              </a:highlight>
+              <a:latin typeface="Menlo"/>
+            </a:endParaRPr>
+          </a:p>
+          <a:p>
+            <a:pPr marL="0" indent="0">
+              <a:buNone/>
+            </a:pPr>
+            <a:r>
+              <a:rPr lang="en-US" sz="5600" b="0" dirty="0">
+                <a:solidFill>
+                  <a:srgbClr val="000000"/>
+                </a:solidFill>
+                <a:effectLst/>
+                <a:highlight>
+                  <a:srgbClr val="FFFFFF"/>
+                </a:highlight>
+                <a:latin typeface="Menlo"/>
+              </a:rPr>
+              <a:t>  )</a:t>
+            </a:r>
+          </a:p>
+          <a:p>
+            <a:pPr marL="0" indent="0">
+              <a:buNone/>
+            </a:pPr>
+            <a:endParaRPr lang="ru-RU" dirty="0"/>
+          </a:p>
+        </p:txBody>
+      </p:sp>
+      <p:sp>
+        <p:nvSpPr>
+          <p:cNvPr id="5" name="Text Placeholder 4">
+            <a:extLst>
+              <a:ext uri="{FF2B5EF4-FFF2-40B4-BE49-F238E27FC236}">
+                <a16:creationId xmlns:a16="http://schemas.microsoft.com/office/drawing/2014/main" id="{0A2D9080-22B3-AADC-3BEA-74444571DCF2}"/>
+              </a:ext>
+            </a:extLst>
+          </p:cNvPr>
+          <p:cNvSpPr>
+            <a:spLocks noGrp="1"/>
+          </p:cNvSpPr>
+          <p:nvPr>
+            <p:ph type="body" sz="quarter" idx="4294967295"/>
+          </p:nvPr>
+        </p:nvSpPr>
         <p:spPr>
           <a:xfrm>
-            <a:off x="839788" y="356611"/>
-            <a:ext cx="10515600" cy="1325563"/>
+            <a:off x="7008813" y="1681163"/>
+            <a:ext cx="5183187" cy="823912"/>
           </a:xfrm>
         </p:spPr>
         <p:txBody>
@@ -7570,126 +8899,13 @@
           </a:bodyPr>
           <a:lstStyle/>
           <a:p>
-            <a:r>
-              <a:rPr lang="en-US" dirty="0">
-                <a:latin typeface="Arial"/>
-                <a:ea typeface="+mj-lt"/>
-                <a:cs typeface="Arial"/>
-              </a:rPr>
-              <a:t>Definition 6. </a:t>
-            </a:r>
-            <a:r>
-              <a:rPr lang="en-US" dirty="0" err="1">
-                <a:latin typeface="Arial"/>
-                <a:ea typeface="+mj-lt"/>
-                <a:cs typeface="Arial"/>
-              </a:rPr>
-              <a:t>IsFactorialRing</a:t>
-            </a:r>
-            <a:r>
-              <a:rPr lang="en-US" dirty="0">
-                <a:latin typeface="Arial"/>
-                <a:ea typeface="+mj-lt"/>
-                <a:cs typeface="Arial"/>
-              </a:rPr>
-              <a:t>: Lean </a:t>
-            </a:r>
-          </a:p>
-        </p:txBody>
-      </p:sp>
-      <p:sp>
-        <p:nvSpPr>
-          <p:cNvPr id="3" name="Text Placeholder 2">
-            <a:extLst>
-              <a:ext uri="{FF2B5EF4-FFF2-40B4-BE49-F238E27FC236}">
-                <a16:creationId xmlns:a16="http://schemas.microsoft.com/office/drawing/2014/main" id="{44DB5DAF-246B-D13B-FB39-0953937F33A2}"/>
-              </a:ext>
-            </a:extLst>
-          </p:cNvPr>
-          <p:cNvSpPr>
-            <a:spLocks noGrp="1"/>
-          </p:cNvSpPr>
-          <p:nvPr>
-            <p:ph type="body" idx="1"/>
-          </p:nvPr>
-        </p:nvSpPr>
-        <p:spPr/>
-        <p:txBody>
-          <a:bodyPr>
-            <a:normAutofit/>
-          </a:bodyPr>
-          <a:lstStyle/>
-          <a:p>
-            <a:r>
-              <a:rPr lang="en-US" sz="2800" dirty="0">
-                <a:latin typeface="Arial"/>
-                <a:cs typeface="Arial"/>
-              </a:rPr>
-              <a:t>Mathematical expression</a:t>
-            </a:r>
-          </a:p>
-        </p:txBody>
-      </p:sp>
-      <p:sp>
-        <p:nvSpPr>
-          <p:cNvPr id="4" name="Content Placeholder 3">
-            <a:extLst>
-              <a:ext uri="{FF2B5EF4-FFF2-40B4-BE49-F238E27FC236}">
-                <a16:creationId xmlns:a16="http://schemas.microsoft.com/office/drawing/2014/main" id="{3782A5E3-9F61-0795-62E3-45ADFBE6C2E4}"/>
-              </a:ext>
-            </a:extLst>
-          </p:cNvPr>
-          <p:cNvSpPr>
-            <a:spLocks noGrp="1"/>
-          </p:cNvSpPr>
-          <p:nvPr>
-            <p:ph sz="half" idx="2"/>
-          </p:nvPr>
-        </p:nvSpPr>
-        <p:spPr/>
-        <p:txBody>
-          <a:bodyPr vert="horz" lIns="91440" tIns="45720" rIns="91440" bIns="45720" rtlCol="0" anchor="t">
-            <a:normAutofit/>
-          </a:bodyPr>
-          <a:lstStyle/>
-          <a:p>
             <a:pPr marL="0" indent="0">
               <a:buNone/>
             </a:pPr>
-            <a:endParaRPr lang="en-US" dirty="0"/>
-          </a:p>
-        </p:txBody>
-      </p:sp>
-      <p:sp>
-        <p:nvSpPr>
-          <p:cNvPr id="5" name="Text Placeholder 4">
-            <a:extLst>
-              <a:ext uri="{FF2B5EF4-FFF2-40B4-BE49-F238E27FC236}">
-                <a16:creationId xmlns:a16="http://schemas.microsoft.com/office/drawing/2014/main" id="{0A2D9080-22B3-AADC-3BEA-74444571DCF2}"/>
-              </a:ext>
-            </a:extLst>
-          </p:cNvPr>
-          <p:cNvSpPr>
-            <a:spLocks noGrp="1"/>
-          </p:cNvSpPr>
-          <p:nvPr>
-            <p:ph type="body" sz="quarter" idx="3"/>
-          </p:nvPr>
-        </p:nvSpPr>
-        <p:spPr/>
-        <p:txBody>
-          <a:bodyPr>
-            <a:normAutofit/>
-          </a:bodyPr>
-          <a:lstStyle/>
-          <a:p>
-            <a:r>
-              <a:rPr lang="en-US" sz="2800" dirty="0">
-                <a:latin typeface="Arial"/>
-                <a:cs typeface="Arial"/>
-              </a:rPr>
-              <a:t>Lean code:</a:t>
-            </a:r>
+            <a:endParaRPr lang="en-US" sz="2800" dirty="0">
+              <a:latin typeface="Arial"/>
+              <a:cs typeface="Arial"/>
+            </a:endParaRPr>
           </a:p>
         </p:txBody>
       </p:sp>
@@ -7734,68 +8950,6 @@
           </a:fontRef>
         </p:style>
       </p:cxnSp>
-      <p:sp>
-        <p:nvSpPr>
-          <p:cNvPr id="10" name="Content Placeholder 9">
-            <a:extLst>
-              <a:ext uri="{FF2B5EF4-FFF2-40B4-BE49-F238E27FC236}">
-                <a16:creationId xmlns:a16="http://schemas.microsoft.com/office/drawing/2014/main" id="{D23A30F9-68E2-905C-23BD-F87C03C0C83F}"/>
-              </a:ext>
-            </a:extLst>
-          </p:cNvPr>
-          <p:cNvSpPr>
-            <a:spLocks noGrp="1"/>
-          </p:cNvSpPr>
-          <p:nvPr>
-            <p:ph sz="quarter" idx="4"/>
-          </p:nvPr>
-        </p:nvSpPr>
-        <p:spPr/>
-        <p:txBody>
-          <a:bodyPr/>
-          <a:lstStyle/>
-          <a:p>
-            <a:pPr marL="0" indent="0">
-              <a:buNone/>
-            </a:pPr>
-            <a:r>
-              <a:rPr lang="en-US" dirty="0"/>
-              <a:t>for it…</a:t>
-            </a:r>
-            <a:endParaRPr lang="ru-RU" dirty="0"/>
-          </a:p>
-        </p:txBody>
-      </p:sp>
-      <p:pic>
-        <p:nvPicPr>
-          <p:cNvPr id="6" name="Picture 5">
-            <a:extLst>
-              <a:ext uri="{FF2B5EF4-FFF2-40B4-BE49-F238E27FC236}">
-                <a16:creationId xmlns:a16="http://schemas.microsoft.com/office/drawing/2014/main" id="{D7D0BA27-ED70-1EBA-FAF3-36002C04220C}"/>
-              </a:ext>
-            </a:extLst>
-          </p:cNvPr>
-          <p:cNvPicPr>
-            <a:picLocks noChangeAspect="1"/>
-          </p:cNvPicPr>
-          <p:nvPr/>
-        </p:nvPicPr>
-        <p:blipFill>
-          <a:blip r:embed="rId2"/>
-          <a:stretch>
-            <a:fillRect/>
-          </a:stretch>
-        </p:blipFill>
-        <p:spPr>
-          <a:xfrm>
-            <a:off x="109148" y="1934993"/>
-            <a:ext cx="12082852" cy="3850742"/>
-          </a:xfrm>
-          <a:prstGeom prst="rect">
-            <a:avLst/>
-          </a:prstGeom>
-        </p:spPr>
-      </p:pic>
     </p:spTree>
     <p:extLst>
       <p:ext uri="{BB962C8B-B14F-4D97-AF65-F5344CB8AC3E}">
@@ -8002,6 +9156,103 @@
     <p:extLst>
       <p:ext uri="{BB962C8B-B14F-4D97-AF65-F5344CB8AC3E}">
         <p14:creationId xmlns:p14="http://schemas.microsoft.com/office/powerpoint/2010/main" val="3162952330"/>
+      </p:ext>
+    </p:extLst>
+  </p:cSld>
+  <p:clrMapOvr>
+    <a:masterClrMapping/>
+  </p:clrMapOvr>
+</p:sld>
+</file>
+
+<file path=ppt/slides/slide18.xml><?xml version="1.0" encoding="utf-8"?>
+<p:sld xmlns:a="http://schemas.openxmlformats.org/drawingml/2006/main" xmlns:r="http://schemas.openxmlformats.org/officeDocument/2006/relationships" xmlns:p="http://schemas.openxmlformats.org/presentationml/2006/main">
+  <p:cSld>
+    <p:spTree>
+      <p:nvGrpSpPr>
+        <p:cNvPr id="1" name=""/>
+        <p:cNvGrpSpPr/>
+        <p:nvPr/>
+      </p:nvGrpSpPr>
+      <p:grpSpPr>
+        <a:xfrm>
+          <a:off x="0" y="0"/>
+          <a:ext cx="0" cy="0"/>
+          <a:chOff x="0" y="0"/>
+          <a:chExt cx="0" cy="0"/>
+        </a:xfrm>
+      </p:grpSpPr>
+      <p:sp>
+        <p:nvSpPr>
+          <p:cNvPr id="2" name="Title 1">
+            <a:extLst>
+              <a:ext uri="{FF2B5EF4-FFF2-40B4-BE49-F238E27FC236}">
+                <a16:creationId xmlns:a16="http://schemas.microsoft.com/office/drawing/2014/main" id="{1E376D40-9A42-C27C-4F21-DC5DC00D56E7}"/>
+              </a:ext>
+            </a:extLst>
+          </p:cNvPr>
+          <p:cNvSpPr>
+            <a:spLocks noGrp="1"/>
+          </p:cNvSpPr>
+          <p:nvPr>
+            <p:ph type="title"/>
+          </p:nvPr>
+        </p:nvSpPr>
+        <p:spPr/>
+        <p:txBody>
+          <a:bodyPr/>
+          <a:lstStyle/>
+          <a:p>
+            <a:r>
+              <a:rPr lang="en-US" dirty="0"/>
+              <a:t>Thank you for your attention!</a:t>
+            </a:r>
+            <a:endParaRPr lang="ru-RU" dirty="0"/>
+          </a:p>
+        </p:txBody>
+      </p:sp>
+      <p:pic>
+        <p:nvPicPr>
+          <p:cNvPr id="4" name="Grafik 7" descr="Ein Bild, das Text, Cartoon, Stuhl, Entwurf enthält.&#10;&#10;Automatisch generierte Beschreibung">
+            <a:extLst>
+              <a:ext uri="{FF2B5EF4-FFF2-40B4-BE49-F238E27FC236}">
+                <a16:creationId xmlns:a16="http://schemas.microsoft.com/office/drawing/2014/main" id="{BF36D0C8-B974-32B1-97FE-E5A6CB5B23F5}"/>
+              </a:ext>
+            </a:extLst>
+          </p:cNvPr>
+          <p:cNvPicPr>
+            <a:picLocks noGrp="1" noChangeAspect="1"/>
+          </p:cNvPicPr>
+          <p:nvPr>
+            <p:ph idx="1"/>
+          </p:nvPr>
+        </p:nvPicPr>
+        <p:blipFill>
+          <a:blip r:embed="rId2">
+            <a:extLst>
+              <a:ext uri="{28A0092B-C50C-407E-A947-70E740481C1C}">
+                <a14:useLocalDpi xmlns:a14="http://schemas.microsoft.com/office/drawing/2010/main" val="0"/>
+              </a:ext>
+            </a:extLst>
+          </a:blip>
+          <a:stretch>
+            <a:fillRect/>
+          </a:stretch>
+        </p:blipFill>
+        <p:spPr>
+          <a:xfrm>
+            <a:off x="838199" y="1690688"/>
+            <a:ext cx="5597501" cy="4888486"/>
+          </a:xfrm>
+          <a:prstGeom prst="rect">
+            <a:avLst/>
+          </a:prstGeom>
+        </p:spPr>
+      </p:pic>
+    </p:spTree>
+    <p:extLst>
+      <p:ext uri="{BB962C8B-B14F-4D97-AF65-F5344CB8AC3E}">
+        <p14:creationId xmlns:p14="http://schemas.microsoft.com/office/powerpoint/2010/main" val="3196335066"/>
       </p:ext>
     </p:extLst>
   </p:cSld>

--- a/Lean/Projects/06. Divisibility in rings (Algebra 1)/powerpoint/Lean Präsentation version 08.07.pptx
+++ b/Lean/Projects/06. Divisibility in rings (Algebra 1)/powerpoint/Lean Präsentation version 08.07.pptx
@@ -277,7 +277,7 @@
           <a:p>
             <a:fld id="{CC0DD35F-B965-47CE-BD4A-D89FF761F1A3}" type="datetimeFigureOut">
               <a:rPr lang="ru-RU" smtClean="0"/>
-              <a:t>19.07.2024</a:t>
+              <a:t>21.07.2024</a:t>
             </a:fld>
             <a:endParaRPr lang="ru-RU"/>
           </a:p>
@@ -436,7 +436,7 @@
           <a:p>
             <a:fld id="{E83B46F8-548B-4512-8339-D02880C0FDF7}" type="slidenum">
               <a:rPr lang="ru-RU" smtClean="0"/>
-              <a:t>‹#›</a:t>
+              <a:t>‹Nr.›</a:t>
             </a:fld>
             <a:endParaRPr lang="ru-RU"/>
           </a:p>
@@ -545,6 +545,622 @@
 </p:notesMaster>
 </file>
 
+<file path=ppt/notesSlides/notesSlide1.xml><?xml version="1.0" encoding="utf-8"?>
+<p:notes xmlns:a="http://schemas.openxmlformats.org/drawingml/2006/main" xmlns:r="http://schemas.openxmlformats.org/officeDocument/2006/relationships" xmlns:p="http://schemas.openxmlformats.org/presentationml/2006/main">
+  <p:cSld>
+    <p:spTree>
+      <p:nvGrpSpPr>
+        <p:cNvPr id="1" name=""/>
+        <p:cNvGrpSpPr/>
+        <p:nvPr/>
+      </p:nvGrpSpPr>
+      <p:grpSpPr>
+        <a:xfrm>
+          <a:off x="0" y="0"/>
+          <a:ext cx="0" cy="0"/>
+          <a:chOff x="0" y="0"/>
+          <a:chExt cx="0" cy="0"/>
+        </a:xfrm>
+      </p:grpSpPr>
+      <p:sp>
+        <p:nvSpPr>
+          <p:cNvPr id="2" name="Folienbildplatzhalter 1"/>
+          <p:cNvSpPr>
+            <a:spLocks noGrp="1" noRot="1" noChangeAspect="1"/>
+          </p:cNvSpPr>
+          <p:nvPr>
+            <p:ph type="sldImg"/>
+          </p:nvPr>
+        </p:nvSpPr>
+        <p:spPr/>
+      </p:sp>
+      <p:sp>
+        <p:nvSpPr>
+          <p:cNvPr id="3" name="Notizenplatzhalter 2"/>
+          <p:cNvSpPr>
+            <a:spLocks noGrp="1"/>
+          </p:cNvSpPr>
+          <p:nvPr>
+            <p:ph type="body" idx="1"/>
+          </p:nvPr>
+        </p:nvSpPr>
+        <p:spPr/>
+        <p:txBody>
+          <a:bodyPr/>
+          <a:lstStyle/>
+          <a:p>
+            <a:r>
+              <a:rPr lang="de-DE" dirty="0" err="1"/>
+              <a:t>R^x</a:t>
+            </a:r>
+            <a:r>
+              <a:rPr lang="de-DE" dirty="0"/>
+              <a:t> </a:t>
+            </a:r>
+            <a:r>
+              <a:rPr lang="en-US" dirty="0">
+                <a:latin typeface="Arial"/>
+                <a:ea typeface="+mn-lt"/>
+                <a:cs typeface="Arial"/>
+              </a:rPr>
+              <a:t>is the unit group of </a:t>
+            </a:r>
+            <a:r>
+              <a:rPr lang="en-US" i="1" dirty="0">
+                <a:latin typeface="Arial"/>
+                <a:ea typeface="+mn-lt"/>
+                <a:cs typeface="Arial"/>
+              </a:rPr>
+              <a:t>R,</a:t>
+            </a:r>
+            <a:endParaRPr lang="de-DE" dirty="0"/>
+          </a:p>
+        </p:txBody>
+      </p:sp>
+      <p:sp>
+        <p:nvSpPr>
+          <p:cNvPr id="4" name="Foliennummernplatzhalter 3"/>
+          <p:cNvSpPr>
+            <a:spLocks noGrp="1"/>
+          </p:cNvSpPr>
+          <p:nvPr>
+            <p:ph type="sldNum" sz="quarter" idx="5"/>
+          </p:nvPr>
+        </p:nvSpPr>
+        <p:spPr/>
+        <p:txBody>
+          <a:bodyPr/>
+          <a:lstStyle/>
+          <a:p>
+            <a:fld id="{E83B46F8-548B-4512-8339-D02880C0FDF7}" type="slidenum">
+              <a:rPr lang="ru-RU" smtClean="0"/>
+              <a:t>4</a:t>
+            </a:fld>
+            <a:endParaRPr lang="ru-RU"/>
+          </a:p>
+        </p:txBody>
+      </p:sp>
+    </p:spTree>
+    <p:extLst>
+      <p:ext uri="{BB962C8B-B14F-4D97-AF65-F5344CB8AC3E}">
+        <p14:creationId xmlns:p14="http://schemas.microsoft.com/office/powerpoint/2010/main" val="3786948430"/>
+      </p:ext>
+    </p:extLst>
+  </p:cSld>
+  <p:clrMapOvr>
+    <a:masterClrMapping/>
+  </p:clrMapOvr>
+</p:notes>
+</file>
+
+<file path=ppt/notesSlides/notesSlide2.xml><?xml version="1.0" encoding="utf-8"?>
+<p:notes xmlns:a="http://schemas.openxmlformats.org/drawingml/2006/main" xmlns:r="http://schemas.openxmlformats.org/officeDocument/2006/relationships" xmlns:p="http://schemas.openxmlformats.org/presentationml/2006/main">
+  <p:cSld>
+    <p:spTree>
+      <p:nvGrpSpPr>
+        <p:cNvPr id="1" name=""/>
+        <p:cNvGrpSpPr/>
+        <p:nvPr/>
+      </p:nvGrpSpPr>
+      <p:grpSpPr>
+        <a:xfrm>
+          <a:off x="0" y="0"/>
+          <a:ext cx="0" cy="0"/>
+          <a:chOff x="0" y="0"/>
+          <a:chExt cx="0" cy="0"/>
+        </a:xfrm>
+      </p:grpSpPr>
+      <p:sp>
+        <p:nvSpPr>
+          <p:cNvPr id="2" name="Folienbildplatzhalter 1"/>
+          <p:cNvSpPr>
+            <a:spLocks noGrp="1" noRot="1" noChangeAspect="1"/>
+          </p:cNvSpPr>
+          <p:nvPr>
+            <p:ph type="sldImg"/>
+          </p:nvPr>
+        </p:nvSpPr>
+        <p:spPr/>
+      </p:sp>
+      <p:sp>
+        <p:nvSpPr>
+          <p:cNvPr id="3" name="Notizenplatzhalter 2"/>
+          <p:cNvSpPr>
+            <a:spLocks noGrp="1"/>
+          </p:cNvSpPr>
+          <p:nvPr>
+            <p:ph type="body" idx="1"/>
+          </p:nvPr>
+        </p:nvSpPr>
+        <p:spPr/>
+        <p:txBody>
+          <a:bodyPr/>
+          <a:lstStyle/>
+          <a:p>
+            <a:pPr marL="0" marR="0" lvl="0" indent="0" algn="l" defTabSz="914400" rtl="0" eaLnBrk="1" fontAlgn="auto" latinLnBrk="0" hangingPunct="1">
+              <a:lnSpc>
+                <a:spcPct val="100000"/>
+              </a:lnSpc>
+              <a:spcBef>
+                <a:spcPts val="0"/>
+              </a:spcBef>
+              <a:spcAft>
+                <a:spcPts val="0"/>
+              </a:spcAft>
+              <a:buClrTx/>
+              <a:buSzTx/>
+              <a:buFontTx/>
+              <a:buNone/>
+              <a:tabLst/>
+              <a:defRPr/>
+            </a:pPr>
+            <a:r>
+              <a:rPr lang="en-US" dirty="0">
+                <a:latin typeface="Arial"/>
+                <a:ea typeface="+mn-lt"/>
+                <a:cs typeface="Arial"/>
+              </a:rPr>
+              <a:t>Being associated is an equivalence relation, easy to see if you multiply both sides by the inverse of a.</a:t>
+            </a:r>
+          </a:p>
+          <a:p>
+            <a:endParaRPr lang="de-DE" dirty="0"/>
+          </a:p>
+        </p:txBody>
+      </p:sp>
+      <p:sp>
+        <p:nvSpPr>
+          <p:cNvPr id="4" name="Foliennummernplatzhalter 3"/>
+          <p:cNvSpPr>
+            <a:spLocks noGrp="1"/>
+          </p:cNvSpPr>
+          <p:nvPr>
+            <p:ph type="sldNum" sz="quarter" idx="5"/>
+          </p:nvPr>
+        </p:nvSpPr>
+        <p:spPr/>
+        <p:txBody>
+          <a:bodyPr/>
+          <a:lstStyle/>
+          <a:p>
+            <a:fld id="{E83B46F8-548B-4512-8339-D02880C0FDF7}" type="slidenum">
+              <a:rPr lang="ru-RU" smtClean="0"/>
+              <a:t>5</a:t>
+            </a:fld>
+            <a:endParaRPr lang="ru-RU"/>
+          </a:p>
+        </p:txBody>
+      </p:sp>
+    </p:spTree>
+    <p:extLst>
+      <p:ext uri="{BB962C8B-B14F-4D97-AF65-F5344CB8AC3E}">
+        <p14:creationId xmlns:p14="http://schemas.microsoft.com/office/powerpoint/2010/main" val="95775748"/>
+      </p:ext>
+    </p:extLst>
+  </p:cSld>
+  <p:clrMapOvr>
+    <a:masterClrMapping/>
+  </p:clrMapOvr>
+</p:notes>
+</file>
+
+<file path=ppt/notesSlides/notesSlide3.xml><?xml version="1.0" encoding="utf-8"?>
+<p:notes xmlns:a="http://schemas.openxmlformats.org/drawingml/2006/main" xmlns:r="http://schemas.openxmlformats.org/officeDocument/2006/relationships" xmlns:p="http://schemas.openxmlformats.org/presentationml/2006/main">
+  <p:cSld>
+    <p:spTree>
+      <p:nvGrpSpPr>
+        <p:cNvPr id="1" name=""/>
+        <p:cNvGrpSpPr/>
+        <p:nvPr/>
+      </p:nvGrpSpPr>
+      <p:grpSpPr>
+        <a:xfrm>
+          <a:off x="0" y="0"/>
+          <a:ext cx="0" cy="0"/>
+          <a:chOff x="0" y="0"/>
+          <a:chExt cx="0" cy="0"/>
+        </a:xfrm>
+      </p:grpSpPr>
+      <p:sp>
+        <p:nvSpPr>
+          <p:cNvPr id="2" name="Folienbildplatzhalter 1"/>
+          <p:cNvSpPr>
+            <a:spLocks noGrp="1" noRot="1" noChangeAspect="1"/>
+          </p:cNvSpPr>
+          <p:nvPr>
+            <p:ph type="sldImg"/>
+          </p:nvPr>
+        </p:nvSpPr>
+        <p:spPr/>
+      </p:sp>
+      <p:sp>
+        <p:nvSpPr>
+          <p:cNvPr id="3" name="Notizenplatzhalter 2"/>
+          <p:cNvSpPr>
+            <a:spLocks noGrp="1"/>
+          </p:cNvSpPr>
+          <p:nvPr>
+            <p:ph type="body" idx="1"/>
+          </p:nvPr>
+        </p:nvSpPr>
+        <p:spPr/>
+        <p:txBody>
+          <a:bodyPr/>
+          <a:lstStyle/>
+          <a:p>
+            <a:r>
+              <a:rPr lang="en-US" dirty="0">
+                <a:latin typeface="Arial"/>
+                <a:ea typeface="+mn-lt"/>
+                <a:cs typeface="Arial"/>
+              </a:rPr>
+              <a:t>That’s the same as usual definition of primes in </a:t>
+            </a:r>
+            <a:r>
+              <a:rPr lang="en-US" i="1" dirty="0">
+                <a:latin typeface="Arial"/>
+                <a:ea typeface="+mn-lt"/>
+                <a:cs typeface="Arial"/>
+              </a:rPr>
+              <a:t>N.</a:t>
+            </a:r>
+            <a:endParaRPr lang="de-DE" dirty="0"/>
+          </a:p>
+        </p:txBody>
+      </p:sp>
+      <p:sp>
+        <p:nvSpPr>
+          <p:cNvPr id="4" name="Foliennummernplatzhalter 3"/>
+          <p:cNvSpPr>
+            <a:spLocks noGrp="1"/>
+          </p:cNvSpPr>
+          <p:nvPr>
+            <p:ph type="sldNum" sz="quarter" idx="5"/>
+          </p:nvPr>
+        </p:nvSpPr>
+        <p:spPr/>
+        <p:txBody>
+          <a:bodyPr/>
+          <a:lstStyle/>
+          <a:p>
+            <a:fld id="{E83B46F8-548B-4512-8339-D02880C0FDF7}" type="slidenum">
+              <a:rPr lang="ru-RU" smtClean="0"/>
+              <a:t>7</a:t>
+            </a:fld>
+            <a:endParaRPr lang="ru-RU"/>
+          </a:p>
+        </p:txBody>
+      </p:sp>
+    </p:spTree>
+    <p:extLst>
+      <p:ext uri="{BB962C8B-B14F-4D97-AF65-F5344CB8AC3E}">
+        <p14:creationId xmlns:p14="http://schemas.microsoft.com/office/powerpoint/2010/main" val="1649802719"/>
+      </p:ext>
+    </p:extLst>
+  </p:cSld>
+  <p:clrMapOvr>
+    <a:masterClrMapping/>
+  </p:clrMapOvr>
+</p:notes>
+</file>
+
+<file path=ppt/notesSlides/notesSlide4.xml><?xml version="1.0" encoding="utf-8"?>
+<p:notes xmlns:a="http://schemas.openxmlformats.org/drawingml/2006/main" xmlns:r="http://schemas.openxmlformats.org/officeDocument/2006/relationships" xmlns:p="http://schemas.openxmlformats.org/presentationml/2006/main">
+  <p:cSld>
+    <p:spTree>
+      <p:nvGrpSpPr>
+        <p:cNvPr id="1" name=""/>
+        <p:cNvGrpSpPr/>
+        <p:nvPr/>
+      </p:nvGrpSpPr>
+      <p:grpSpPr>
+        <a:xfrm>
+          <a:off x="0" y="0"/>
+          <a:ext cx="0" cy="0"/>
+          <a:chOff x="0" y="0"/>
+          <a:chExt cx="0" cy="0"/>
+        </a:xfrm>
+      </p:grpSpPr>
+      <p:sp>
+        <p:nvSpPr>
+          <p:cNvPr id="2" name="Folienbildplatzhalter 1"/>
+          <p:cNvSpPr>
+            <a:spLocks noGrp="1" noRot="1" noChangeAspect="1"/>
+          </p:cNvSpPr>
+          <p:nvPr>
+            <p:ph type="sldImg"/>
+          </p:nvPr>
+        </p:nvSpPr>
+        <p:spPr/>
+      </p:sp>
+      <p:sp>
+        <p:nvSpPr>
+          <p:cNvPr id="3" name="Notizenplatzhalter 2"/>
+          <p:cNvSpPr>
+            <a:spLocks noGrp="1"/>
+          </p:cNvSpPr>
+          <p:nvPr>
+            <p:ph type="body" idx="1"/>
+          </p:nvPr>
+        </p:nvSpPr>
+        <p:spPr/>
+        <p:txBody>
+          <a:bodyPr/>
+          <a:lstStyle/>
+          <a:p>
+            <a:r>
+              <a:rPr lang="en-US" dirty="0">
+                <a:latin typeface="Arial"/>
+                <a:ea typeface="+mn-lt"/>
+                <a:cs typeface="+mn-lt"/>
+              </a:rPr>
+              <a:t>For example in </a:t>
+            </a:r>
+            <a:r>
+              <a:rPr lang="en-US" i="1" dirty="0">
+                <a:latin typeface="Arial"/>
+                <a:ea typeface="+mn-lt"/>
+                <a:cs typeface="+mn-lt"/>
+              </a:rPr>
+              <a:t>N</a:t>
+            </a:r>
+            <a:r>
+              <a:rPr lang="en-US" dirty="0">
+                <a:latin typeface="Arial"/>
+                <a:ea typeface="+mn-lt"/>
+                <a:cs typeface="+mn-lt"/>
+              </a:rPr>
+              <a:t>, </a:t>
+            </a:r>
+          </a:p>
+          <a:p>
+            <a:pPr marL="0" indent="0">
+              <a:buNone/>
+            </a:pPr>
+            <a:r>
+              <a:rPr lang="en-US" dirty="0">
+                <a:latin typeface="Arial"/>
+                <a:ea typeface="+mn-lt"/>
+                <a:cs typeface="+mn-lt"/>
+              </a:rPr>
+              <a:t>5 | (15 * 3) = 45 </a:t>
+            </a:r>
+            <a:r>
+              <a:rPr lang="en-US" dirty="0">
+                <a:solidFill>
+                  <a:srgbClr val="000000"/>
+                </a:solidFill>
+                <a:latin typeface="Menlo"/>
+                <a:cs typeface="Arial"/>
+              </a:rPr>
+              <a:t>→</a:t>
+            </a:r>
+            <a:r>
+              <a:rPr lang="en-US" dirty="0">
+                <a:latin typeface="Arial"/>
+                <a:ea typeface="+mn-lt"/>
+                <a:cs typeface="+mn-lt"/>
+              </a:rPr>
+              <a:t> 5 | 15</a:t>
+            </a:r>
+            <a:endParaRPr lang="de-DE" dirty="0"/>
+          </a:p>
+        </p:txBody>
+      </p:sp>
+      <p:sp>
+        <p:nvSpPr>
+          <p:cNvPr id="4" name="Foliennummernplatzhalter 3"/>
+          <p:cNvSpPr>
+            <a:spLocks noGrp="1"/>
+          </p:cNvSpPr>
+          <p:nvPr>
+            <p:ph type="sldNum" sz="quarter" idx="5"/>
+          </p:nvPr>
+        </p:nvSpPr>
+        <p:spPr/>
+        <p:txBody>
+          <a:bodyPr/>
+          <a:lstStyle/>
+          <a:p>
+            <a:fld id="{E83B46F8-548B-4512-8339-D02880C0FDF7}" type="slidenum">
+              <a:rPr lang="ru-RU" smtClean="0"/>
+              <a:t>8</a:t>
+            </a:fld>
+            <a:endParaRPr lang="ru-RU"/>
+          </a:p>
+        </p:txBody>
+      </p:sp>
+    </p:spTree>
+    <p:extLst>
+      <p:ext uri="{BB962C8B-B14F-4D97-AF65-F5344CB8AC3E}">
+        <p14:creationId xmlns:p14="http://schemas.microsoft.com/office/powerpoint/2010/main" val="814010402"/>
+      </p:ext>
+    </p:extLst>
+  </p:cSld>
+  <p:clrMapOvr>
+    <a:masterClrMapping/>
+  </p:clrMapOvr>
+</p:notes>
+</file>
+
+<file path=ppt/notesSlides/notesSlide5.xml><?xml version="1.0" encoding="utf-8"?>
+<p:notes xmlns:a="http://schemas.openxmlformats.org/drawingml/2006/main" xmlns:r="http://schemas.openxmlformats.org/officeDocument/2006/relationships" xmlns:p="http://schemas.openxmlformats.org/presentationml/2006/main">
+  <p:cSld>
+    <p:spTree>
+      <p:nvGrpSpPr>
+        <p:cNvPr id="1" name=""/>
+        <p:cNvGrpSpPr/>
+        <p:nvPr/>
+      </p:nvGrpSpPr>
+      <p:grpSpPr>
+        <a:xfrm>
+          <a:off x="0" y="0"/>
+          <a:ext cx="0" cy="0"/>
+          <a:chOff x="0" y="0"/>
+          <a:chExt cx="0" cy="0"/>
+        </a:xfrm>
+      </p:grpSpPr>
+      <p:sp>
+        <p:nvSpPr>
+          <p:cNvPr id="2" name="Folienbildplatzhalter 1"/>
+          <p:cNvSpPr>
+            <a:spLocks noGrp="1" noRot="1" noChangeAspect="1"/>
+          </p:cNvSpPr>
+          <p:nvPr>
+            <p:ph type="sldImg"/>
+          </p:nvPr>
+        </p:nvSpPr>
+        <p:spPr/>
+      </p:sp>
+      <p:sp>
+        <p:nvSpPr>
+          <p:cNvPr id="3" name="Notizenplatzhalter 2"/>
+          <p:cNvSpPr>
+            <a:spLocks noGrp="1"/>
+          </p:cNvSpPr>
+          <p:nvPr>
+            <p:ph type="body" idx="1"/>
+          </p:nvPr>
+        </p:nvSpPr>
+        <p:spPr/>
+        <p:txBody>
+          <a:bodyPr/>
+          <a:lstStyle/>
+          <a:p>
+            <a:pPr>
+              <a:buFont typeface="+mj-lt"/>
+              <a:buAutoNum type="arabicPeriod"/>
+            </a:pPr>
+            <a:r>
+              <a:rPr lang="de-DE" dirty="0"/>
+              <a:t>In einem Integritätsbereich gibt es eine spezielle Eigenschaft, dass, wenn das Produkt von zwei Elementen b und c gleich 1 ist (b * c = 1), dann sind b und c Einheiten (d.h., sie haben Inversen).Der Code beweist dies wie folgt:</a:t>
+            </a:r>
+          </a:p>
+          <a:p>
+            <a:pPr>
+              <a:buFont typeface="+mj-lt"/>
+              <a:buAutoNum type="arabicPeriod"/>
+            </a:pPr>
+            <a:r>
+              <a:rPr lang="de-DE" b="1" dirty="0"/>
+              <a:t>Zuerst</a:t>
+            </a:r>
+            <a:r>
+              <a:rPr lang="de-DE" dirty="0"/>
+              <a:t> wird a = c * x durch </a:t>
+            </a:r>
+            <a:r>
+              <a:rPr lang="de-DE" dirty="0" err="1"/>
+              <a:t>hxa</a:t>
+            </a:r>
+            <a:r>
+              <a:rPr lang="de-DE" dirty="0"/>
+              <a:t> festgestellt.</a:t>
+            </a:r>
+          </a:p>
+          <a:p>
+            <a:pPr>
+              <a:buFont typeface="+mj-lt"/>
+              <a:buAutoNum type="arabicPeriod"/>
+            </a:pPr>
+            <a:r>
+              <a:rPr lang="de-DE" b="1" dirty="0"/>
+              <a:t>Dann</a:t>
+            </a:r>
+            <a:r>
+              <a:rPr lang="de-DE" dirty="0"/>
+              <a:t> wird die Gleichung x = a * b umgeschrieben in a * b = x und durch Kommutativität und Assoziativität umgeformt, um x = b * c * x zu erhalten.</a:t>
+            </a:r>
+          </a:p>
+          <a:p>
+            <a:pPr>
+              <a:buFont typeface="+mj-lt"/>
+              <a:buAutoNum type="arabicPeriod"/>
+            </a:pPr>
+            <a:r>
+              <a:rPr lang="de-DE" b="1" dirty="0"/>
+              <a:t>Anschließend</a:t>
+            </a:r>
+            <a:r>
+              <a:rPr lang="de-DE" dirty="0"/>
+              <a:t> wird gezeigt, dass b * c = 1 gilt, was durch die Tatsache erreicht wird, dass das Produkt von b und c gleich 1 ist.</a:t>
+            </a:r>
+          </a:p>
+          <a:p>
+            <a:pPr>
+              <a:buFont typeface="+mj-lt"/>
+              <a:buAutoNum type="arabicPeriod"/>
+            </a:pPr>
+            <a:r>
+              <a:rPr lang="de-DE" b="1" dirty="0"/>
+              <a:t>Schließlich</a:t>
+            </a:r>
+            <a:r>
+              <a:rPr lang="de-DE" dirty="0"/>
+              <a:t> wird auf ein vorhandenes Lemma zurückgegriffen, um zu beweisen, dass b eine Einheit ist, da b * c = 1 impliziert, dass b eine Einheit ist.</a:t>
+            </a:r>
+          </a:p>
+          <a:p>
+            <a:endParaRPr lang="de-DE" dirty="0"/>
+          </a:p>
+        </p:txBody>
+      </p:sp>
+      <p:sp>
+        <p:nvSpPr>
+          <p:cNvPr id="4" name="Foliennummernplatzhalter 3"/>
+          <p:cNvSpPr>
+            <a:spLocks noGrp="1"/>
+          </p:cNvSpPr>
+          <p:nvPr>
+            <p:ph type="sldNum" sz="quarter" idx="5"/>
+          </p:nvPr>
+        </p:nvSpPr>
+        <p:spPr/>
+        <p:txBody>
+          <a:bodyPr/>
+          <a:lstStyle/>
+          <a:p>
+            <a:fld id="{E83B46F8-548B-4512-8339-D02880C0FDF7}" type="slidenum">
+              <a:rPr lang="ru-RU" smtClean="0"/>
+              <a:t>13</a:t>
+            </a:fld>
+            <a:endParaRPr lang="ru-RU"/>
+          </a:p>
+        </p:txBody>
+      </p:sp>
+    </p:spTree>
+    <p:extLst>
+      <p:ext uri="{BB962C8B-B14F-4D97-AF65-F5344CB8AC3E}">
+        <p14:creationId xmlns:p14="http://schemas.microsoft.com/office/powerpoint/2010/main" val="3817388231"/>
+      </p:ext>
+    </p:extLst>
+  </p:cSld>
+  <p:clrMapOvr>
+    <a:masterClrMapping/>
+  </p:clrMapOvr>
+</p:notes>
+</file>
+
 <file path=ppt/slideLayouts/slideLayout1.xml><?xml version="1.0" encoding="utf-8"?>
 <p:sldLayout xmlns:a="http://schemas.openxmlformats.org/drawingml/2006/main" xmlns:r="http://schemas.openxmlformats.org/officeDocument/2006/relationships" xmlns:p="http://schemas.openxmlformats.org/presentationml/2006/main" type="title" preserve="1">
   <p:cSld name="Title Slide">
@@ -694,7 +1310,7 @@
           <a:p>
             <a:fld id="{A300FBE8-F5A7-4EBF-8377-F4F3D2E45B4D}" type="datetimeFigureOut">
               <a:rPr lang="ru-RU" smtClean="0"/>
-              <a:t>19.07.2024</a:t>
+              <a:t>21.07.2024</a:t>
             </a:fld>
             <a:endParaRPr lang="ru-RU"/>
           </a:p>
@@ -748,7 +1364,7 @@
           <a:p>
             <a:fld id="{F1CCA4BB-FF5E-4DA4-937F-4DABE3DCBC99}" type="slidenum">
               <a:rPr lang="ru-RU" smtClean="0"/>
-              <a:t>‹#›</a:t>
+              <a:t>‹Nr.›</a:t>
             </a:fld>
             <a:endParaRPr lang="ru-RU"/>
           </a:p>
@@ -894,7 +1510,7 @@
           <a:p>
             <a:fld id="{A300FBE8-F5A7-4EBF-8377-F4F3D2E45B4D}" type="datetimeFigureOut">
               <a:rPr lang="ru-RU" smtClean="0"/>
-              <a:t>19.07.2024</a:t>
+              <a:t>21.07.2024</a:t>
             </a:fld>
             <a:endParaRPr lang="ru-RU"/>
           </a:p>
@@ -948,7 +1564,7 @@
           <a:p>
             <a:fld id="{F1CCA4BB-FF5E-4DA4-937F-4DABE3DCBC99}" type="slidenum">
               <a:rPr lang="ru-RU" smtClean="0"/>
-              <a:t>‹#›</a:t>
+              <a:t>‹Nr.›</a:t>
             </a:fld>
             <a:endParaRPr lang="ru-RU"/>
           </a:p>
@@ -1104,7 +1720,7 @@
           <a:p>
             <a:fld id="{A300FBE8-F5A7-4EBF-8377-F4F3D2E45B4D}" type="datetimeFigureOut">
               <a:rPr lang="ru-RU" smtClean="0"/>
-              <a:t>19.07.2024</a:t>
+              <a:t>21.07.2024</a:t>
             </a:fld>
             <a:endParaRPr lang="ru-RU"/>
           </a:p>
@@ -1158,7 +1774,7 @@
           <a:p>
             <a:fld id="{F1CCA4BB-FF5E-4DA4-937F-4DABE3DCBC99}" type="slidenum">
               <a:rPr lang="ru-RU" smtClean="0"/>
-              <a:t>‹#›</a:t>
+              <a:t>‹Nr.›</a:t>
             </a:fld>
             <a:endParaRPr lang="ru-RU"/>
           </a:p>
@@ -1304,7 +1920,7 @@
           <a:p>
             <a:fld id="{A300FBE8-F5A7-4EBF-8377-F4F3D2E45B4D}" type="datetimeFigureOut">
               <a:rPr lang="ru-RU" smtClean="0"/>
-              <a:t>19.07.2024</a:t>
+              <a:t>21.07.2024</a:t>
             </a:fld>
             <a:endParaRPr lang="ru-RU"/>
           </a:p>
@@ -1358,7 +1974,7 @@
           <a:p>
             <a:fld id="{F1CCA4BB-FF5E-4DA4-937F-4DABE3DCBC99}" type="slidenum">
               <a:rPr lang="ru-RU" smtClean="0"/>
-              <a:t>‹#›</a:t>
+              <a:t>‹Nr.›</a:t>
             </a:fld>
             <a:endParaRPr lang="ru-RU"/>
           </a:p>
@@ -1580,7 +2196,7 @@
           <a:p>
             <a:fld id="{A300FBE8-F5A7-4EBF-8377-F4F3D2E45B4D}" type="datetimeFigureOut">
               <a:rPr lang="ru-RU" smtClean="0"/>
-              <a:t>19.07.2024</a:t>
+              <a:t>21.07.2024</a:t>
             </a:fld>
             <a:endParaRPr lang="ru-RU"/>
           </a:p>
@@ -1634,7 +2250,7 @@
           <a:p>
             <a:fld id="{F1CCA4BB-FF5E-4DA4-937F-4DABE3DCBC99}" type="slidenum">
               <a:rPr lang="ru-RU" smtClean="0"/>
-              <a:t>‹#›</a:t>
+              <a:t>‹Nr.›</a:t>
             </a:fld>
             <a:endParaRPr lang="ru-RU"/>
           </a:p>
@@ -1848,7 +2464,7 @@
           <a:p>
             <a:fld id="{A300FBE8-F5A7-4EBF-8377-F4F3D2E45B4D}" type="datetimeFigureOut">
               <a:rPr lang="ru-RU" smtClean="0"/>
-              <a:t>19.07.2024</a:t>
+              <a:t>21.07.2024</a:t>
             </a:fld>
             <a:endParaRPr lang="ru-RU"/>
           </a:p>
@@ -1902,7 +2518,7 @@
           <a:p>
             <a:fld id="{F1CCA4BB-FF5E-4DA4-937F-4DABE3DCBC99}" type="slidenum">
               <a:rPr lang="ru-RU" smtClean="0"/>
-              <a:t>‹#›</a:t>
+              <a:t>‹Nr.›</a:t>
             </a:fld>
             <a:endParaRPr lang="ru-RU"/>
           </a:p>
@@ -2263,7 +2879,7 @@
           <a:p>
             <a:fld id="{A300FBE8-F5A7-4EBF-8377-F4F3D2E45B4D}" type="datetimeFigureOut">
               <a:rPr lang="ru-RU" smtClean="0"/>
-              <a:t>19.07.2024</a:t>
+              <a:t>21.07.2024</a:t>
             </a:fld>
             <a:endParaRPr lang="ru-RU"/>
           </a:p>
@@ -2317,7 +2933,7 @@
           <a:p>
             <a:fld id="{F1CCA4BB-FF5E-4DA4-937F-4DABE3DCBC99}" type="slidenum">
               <a:rPr lang="ru-RU" smtClean="0"/>
-              <a:t>‹#›</a:t>
+              <a:t>‹Nr.›</a:t>
             </a:fld>
             <a:endParaRPr lang="ru-RU"/>
           </a:p>
@@ -2405,7 +3021,7 @@
           <a:p>
             <a:fld id="{A300FBE8-F5A7-4EBF-8377-F4F3D2E45B4D}" type="datetimeFigureOut">
               <a:rPr lang="ru-RU" smtClean="0"/>
-              <a:t>19.07.2024</a:t>
+              <a:t>21.07.2024</a:t>
             </a:fld>
             <a:endParaRPr lang="ru-RU"/>
           </a:p>
@@ -2459,7 +3075,7 @@
           <a:p>
             <a:fld id="{F1CCA4BB-FF5E-4DA4-937F-4DABE3DCBC99}" type="slidenum">
               <a:rPr lang="ru-RU" smtClean="0"/>
-              <a:t>‹#›</a:t>
+              <a:t>‹Nr.›</a:t>
             </a:fld>
             <a:endParaRPr lang="ru-RU"/>
           </a:p>
@@ -2518,7 +3134,7 @@
           <a:p>
             <a:fld id="{A300FBE8-F5A7-4EBF-8377-F4F3D2E45B4D}" type="datetimeFigureOut">
               <a:rPr lang="ru-RU" smtClean="0"/>
-              <a:t>19.07.2024</a:t>
+              <a:t>21.07.2024</a:t>
             </a:fld>
             <a:endParaRPr lang="ru-RU"/>
           </a:p>
@@ -2572,7 +3188,7 @@
           <a:p>
             <a:fld id="{F1CCA4BB-FF5E-4DA4-937F-4DABE3DCBC99}" type="slidenum">
               <a:rPr lang="ru-RU" smtClean="0"/>
-              <a:t>‹#›</a:t>
+              <a:t>‹Nr.›</a:t>
             </a:fld>
             <a:endParaRPr lang="ru-RU"/>
           </a:p>
@@ -2831,7 +3447,7 @@
           <a:p>
             <a:fld id="{A300FBE8-F5A7-4EBF-8377-F4F3D2E45B4D}" type="datetimeFigureOut">
               <a:rPr lang="ru-RU" smtClean="0"/>
-              <a:t>19.07.2024</a:t>
+              <a:t>21.07.2024</a:t>
             </a:fld>
             <a:endParaRPr lang="ru-RU"/>
           </a:p>
@@ -2885,7 +3501,7 @@
           <a:p>
             <a:fld id="{F1CCA4BB-FF5E-4DA4-937F-4DABE3DCBC99}" type="slidenum">
               <a:rPr lang="ru-RU" smtClean="0"/>
-              <a:t>‹#›</a:t>
+              <a:t>‹Nr.›</a:t>
             </a:fld>
             <a:endParaRPr lang="ru-RU"/>
           </a:p>
@@ -3120,7 +3736,7 @@
           <a:p>
             <a:fld id="{A300FBE8-F5A7-4EBF-8377-F4F3D2E45B4D}" type="datetimeFigureOut">
               <a:rPr lang="ru-RU" smtClean="0"/>
-              <a:t>19.07.2024</a:t>
+              <a:t>21.07.2024</a:t>
             </a:fld>
             <a:endParaRPr lang="ru-RU"/>
           </a:p>
@@ -3174,7 +3790,7 @@
           <a:p>
             <a:fld id="{F1CCA4BB-FF5E-4DA4-937F-4DABE3DCBC99}" type="slidenum">
               <a:rPr lang="ru-RU" smtClean="0"/>
-              <a:t>‹#›</a:t>
+              <a:t>‹Nr.›</a:t>
             </a:fld>
             <a:endParaRPr lang="ru-RU"/>
           </a:p>
@@ -3363,7 +3979,7 @@
           <a:p>
             <a:fld id="{A300FBE8-F5A7-4EBF-8377-F4F3D2E45B4D}" type="datetimeFigureOut">
               <a:rPr lang="ru-RU" smtClean="0"/>
-              <a:t>19.07.2024</a:t>
+              <a:t>21.07.2024</a:t>
             </a:fld>
             <a:endParaRPr lang="ru-RU"/>
           </a:p>
@@ -3453,7 +4069,7 @@
           <a:p>
             <a:fld id="{F1CCA4BB-FF5E-4DA4-937F-4DABE3DCBC99}" type="slidenum">
               <a:rPr lang="ru-RU" smtClean="0"/>
-              <a:t>‹#›</a:t>
+              <a:t>‹Nr.›</a:t>
             </a:fld>
             <a:endParaRPr lang="ru-RU"/>
           </a:p>
@@ -3798,8 +4414,8 @@
         </p:nvSpPr>
         <p:spPr>
           <a:xfrm>
-            <a:off x="-109104" y="1755427"/>
-            <a:ext cx="5383900" cy="1175444"/>
+            <a:off x="-109105" y="1145141"/>
+            <a:ext cx="5383900" cy="1666089"/>
           </a:xfrm>
         </p:spPr>
         <p:txBody>
@@ -3875,7 +4491,7 @@
         </p:nvSpPr>
         <p:spPr>
           <a:xfrm>
-            <a:off x="1046017" y="2930871"/>
+            <a:off x="1308227" y="4352487"/>
             <a:ext cx="2549236" cy="996256"/>
           </a:xfrm>
         </p:spPr>
@@ -3982,7 +4598,7 @@
         </p:nvCxnSpPr>
         <p:spPr>
           <a:xfrm>
-            <a:off x="0" y="2784764"/>
+            <a:off x="0" y="3444927"/>
             <a:ext cx="5165691" cy="0"/>
           </a:xfrm>
           <a:prstGeom prst="line">
@@ -4754,38 +5370,46 @@
                 </a:highlight>
                 <a:latin typeface="Menlo"/>
               </a:rPr>
-              <a:t>⟩ := h</a:t>
-            </a:r>
-          </a:p>
-          <a:p>
-            <a:pPr marL="0" indent="0">
-              <a:buNone/>
-            </a:pPr>
+              <a:t>⟩ := h </a:t>
+            </a:r>
             <a:r>
               <a:rPr lang="en-US" sz="5600" b="0" dirty="0">
                 <a:solidFill>
-                  <a:srgbClr val="000000"/>
-                </a:solidFill>
-                <a:effectLst/>
-                <a:highlight>
-                  <a:srgbClr val="FFFFFF"/>
-                </a:highlight>
-                <a:latin typeface="Menlo"/>
-              </a:rPr>
-              <a:t>  </a:t>
+                  <a:srgbClr val="008000"/>
+                </a:solidFill>
+                <a:effectLst/>
+                <a:highlight>
+                  <a:srgbClr val="FFFFFF"/>
+                </a:highlight>
+                <a:latin typeface="Menlo"/>
+              </a:rPr>
+              <a:t>– x nontrivial and </a:t>
+            </a:r>
+            <a:r>
+              <a:rPr lang="en-US" sz="5600" b="0" dirty="0" err="1">
+                <a:solidFill>
+                  <a:srgbClr val="008000"/>
+                </a:solidFill>
+                <a:effectLst/>
+                <a:highlight>
+                  <a:srgbClr val="FFFFFF"/>
+                </a:highlight>
+                <a:latin typeface="Menlo"/>
+              </a:rPr>
+              <a:t>x|a</a:t>
             </a:r>
             <a:r>
               <a:rPr lang="en-US" sz="5600" b="0" dirty="0">
                 <a:solidFill>
-                  <a:srgbClr val="0000FF"/>
-                </a:solidFill>
-                <a:effectLst/>
-                <a:highlight>
-                  <a:srgbClr val="FFFFFF"/>
-                </a:highlight>
-                <a:latin typeface="Menlo"/>
-              </a:rPr>
-              <a:t>constructor</a:t>
+                  <a:srgbClr val="008000"/>
+                </a:solidFill>
+                <a:effectLst/>
+                <a:highlight>
+                  <a:srgbClr val="FFFFFF"/>
+                </a:highlight>
+                <a:latin typeface="Menlo"/>
+              </a:rPr>
+              <a:t>*b</a:t>
             </a:r>
             <a:endParaRPr lang="en-US" sz="5600" b="0" dirty="0">
               <a:solidFill>
@@ -4813,7 +5437,7 @@
                 </a:highlight>
                 <a:latin typeface="Menlo"/>
               </a:rPr>
-              <a:t>  · </a:t>
+              <a:t>  </a:t>
             </a:r>
             <a:r>
               <a:rPr lang="en-US" sz="5600" b="0" dirty="0">
@@ -4826,33 +5450,7 @@
                 </a:highlight>
                 <a:latin typeface="Menlo"/>
               </a:rPr>
-              <a:t>exact</a:t>
-            </a:r>
-            <a:r>
-              <a:rPr lang="en-US" sz="5600" b="0" dirty="0">
-                <a:solidFill>
-                  <a:srgbClr val="000000"/>
-                </a:solidFill>
-                <a:effectLst/>
-                <a:highlight>
-                  <a:srgbClr val="FFFFFF"/>
-                </a:highlight>
-                <a:latin typeface="Menlo"/>
-              </a:rPr>
-              <a:t> </a:t>
-            </a:r>
-            <a:r>
-              <a:rPr lang="en-US" sz="5600" b="0" dirty="0" err="1">
-                <a:solidFill>
-                  <a:srgbClr val="000000"/>
-                </a:solidFill>
-                <a:effectLst/>
-                <a:highlight>
-                  <a:srgbClr val="FFFFFF"/>
-                </a:highlight>
-                <a:latin typeface="Menlo"/>
-              </a:rPr>
-              <a:t>hnontrivial</a:t>
+              <a:t>constructor</a:t>
             </a:r>
             <a:endParaRPr lang="en-US" sz="5600" b="0" dirty="0">
               <a:solidFill>
@@ -4893,7 +5491,7 @@
                 </a:highlight>
                 <a:latin typeface="Menlo"/>
               </a:rPr>
-              <a:t>intros</a:t>
+              <a:t>exact</a:t>
             </a:r>
             <a:r>
               <a:rPr lang="en-US" sz="5600" b="0" dirty="0">
@@ -4906,7 +5504,7 @@
                 </a:highlight>
                 <a:latin typeface="Menlo"/>
               </a:rPr>
-              <a:t> a b </a:t>
+              <a:t> </a:t>
             </a:r>
             <a:r>
               <a:rPr lang="en-US" sz="5600" b="0" dirty="0" err="1">
@@ -4919,7 +5517,7 @@
                 </a:highlight>
                 <a:latin typeface="Menlo"/>
               </a:rPr>
-              <a:t>h_mul</a:t>
+              <a:t>hnontrivial</a:t>
             </a:r>
             <a:endParaRPr lang="en-US" sz="5600" b="0" dirty="0">
               <a:solidFill>
@@ -4947,20 +5545,46 @@
                 </a:highlight>
                 <a:latin typeface="Menlo"/>
               </a:rPr>
-              <a:t>    </a:t>
+              <a:t>  · </a:t>
             </a:r>
             <a:r>
               <a:rPr lang="en-US" sz="5600" b="0" dirty="0">
                 <a:solidFill>
-                  <a:srgbClr val="008000"/>
-                </a:solidFill>
-                <a:effectLst/>
-                <a:highlight>
-                  <a:srgbClr val="FFFFFF"/>
-                </a:highlight>
-                <a:latin typeface="Menlo"/>
-              </a:rPr>
-              <a:t>-- x divides a * b, as x = a * b</a:t>
+                  <a:srgbClr val="0000FF"/>
+                </a:solidFill>
+                <a:effectLst/>
+                <a:highlight>
+                  <a:srgbClr val="FFFFFF"/>
+                </a:highlight>
+                <a:latin typeface="Menlo"/>
+              </a:rPr>
+              <a:t>intros</a:t>
+            </a:r>
+            <a:r>
+              <a:rPr lang="en-US" sz="5600" b="0" dirty="0">
+                <a:solidFill>
+                  <a:srgbClr val="000000"/>
+                </a:solidFill>
+                <a:effectLst/>
+                <a:highlight>
+                  <a:srgbClr val="FFFFFF"/>
+                </a:highlight>
+                <a:latin typeface="Menlo"/>
+              </a:rPr>
+              <a:t> a b </a:t>
+            </a:r>
+            <a:r>
+              <a:rPr lang="en-US" sz="5600" b="0" dirty="0" err="1">
+                <a:solidFill>
+                  <a:srgbClr val="000000"/>
+                </a:solidFill>
+                <a:effectLst/>
+                <a:highlight>
+                  <a:srgbClr val="FFFFFF"/>
+                </a:highlight>
+                <a:latin typeface="Menlo"/>
+              </a:rPr>
+              <a:t>h_mul</a:t>
             </a:r>
             <a:endParaRPr lang="en-US" sz="5600" b="0" dirty="0">
               <a:solidFill>
@@ -4993,67 +5617,15 @@
             <a:r>
               <a:rPr lang="en-US" sz="5600" b="0" dirty="0">
                 <a:solidFill>
-                  <a:srgbClr val="0000FF"/>
-                </a:solidFill>
-                <a:effectLst/>
-                <a:highlight>
-                  <a:srgbClr val="FFFFFF"/>
-                </a:highlight>
-                <a:latin typeface="Menlo"/>
-              </a:rPr>
-              <a:t>have</a:t>
-            </a:r>
-            <a:r>
-              <a:rPr lang="en-US" sz="5600" b="0" dirty="0">
-                <a:solidFill>
-                  <a:srgbClr val="000000"/>
-                </a:solidFill>
-                <a:effectLst/>
-                <a:highlight>
-                  <a:srgbClr val="FFFFFF"/>
-                </a:highlight>
-                <a:latin typeface="Menlo"/>
-              </a:rPr>
-              <a:t> </a:t>
-            </a:r>
-            <a:r>
-              <a:rPr lang="en-US" sz="5600" b="0" dirty="0" err="1">
-                <a:solidFill>
-                  <a:srgbClr val="000000"/>
-                </a:solidFill>
-                <a:effectLst/>
-                <a:highlight>
-                  <a:srgbClr val="FFFFFF"/>
-                </a:highlight>
-                <a:latin typeface="Menlo"/>
-              </a:rPr>
-              <a:t>hx_divides_ab</a:t>
-            </a:r>
-            <a:r>
-              <a:rPr lang="en-US" sz="5600" b="0" dirty="0">
-                <a:solidFill>
-                  <a:srgbClr val="000000"/>
-                </a:solidFill>
-                <a:effectLst/>
-                <a:highlight>
-                  <a:srgbClr val="FFFFFF"/>
-                </a:highlight>
-                <a:latin typeface="Menlo"/>
-              </a:rPr>
-              <a:t> : x | a*b := </a:t>
-            </a:r>
-            <a:r>
-              <a:rPr lang="en-US" sz="5600" b="0" dirty="0">
-                <a:solidFill>
-                  <a:srgbClr val="0000FF"/>
-                </a:solidFill>
-                <a:effectLst/>
-                <a:highlight>
-                  <a:srgbClr val="FFFFFF"/>
-                </a:highlight>
-                <a:latin typeface="Menlo"/>
-              </a:rPr>
-              <a:t>by</a:t>
+                  <a:srgbClr val="008000"/>
+                </a:solidFill>
+                <a:effectLst/>
+                <a:highlight>
+                  <a:srgbClr val="FFFFFF"/>
+                </a:highlight>
+                <a:latin typeface="Menlo"/>
+              </a:rPr>
+              <a:t>-- x divides a * b, as x = a * b</a:t>
             </a:r>
             <a:endParaRPr lang="en-US" sz="5600" b="0" dirty="0">
               <a:solidFill>
@@ -5081,7 +5653,7 @@
                 </a:highlight>
                 <a:latin typeface="Menlo"/>
               </a:rPr>
-              <a:t>        </a:t>
+              <a:t>    </a:t>
             </a:r>
             <a:r>
               <a:rPr lang="en-US" sz="5600" b="0" dirty="0">
@@ -5094,7 +5666,7 @@
                 </a:highlight>
                 <a:latin typeface="Menlo"/>
               </a:rPr>
-              <a:t>use</a:t>
+              <a:t>have</a:t>
             </a:r>
             <a:r>
               <a:rPr lang="en-US" sz="5600" b="0" dirty="0">
@@ -5110,29 +5682,30 @@
               <a:t> </a:t>
             </a:r>
             <a:r>
+              <a:rPr lang="en-US" sz="5600" b="0" dirty="0" err="1">
+                <a:solidFill>
+                  <a:srgbClr val="000000"/>
+                </a:solidFill>
+                <a:effectLst/>
+                <a:highlight>
+                  <a:srgbClr val="FFFFFF"/>
+                </a:highlight>
+                <a:latin typeface="Menlo"/>
+              </a:rPr>
+              <a:t>hx_divides_ab</a:t>
+            </a:r>
+            <a:r>
               <a:rPr lang="en-US" sz="5600" b="0" dirty="0">
                 <a:solidFill>
-                  <a:srgbClr val="098658"/>
-                </a:solidFill>
-                <a:effectLst/>
-                <a:highlight>
-                  <a:srgbClr val="FFFFFF"/>
-                </a:highlight>
-                <a:latin typeface="Menlo"/>
-              </a:rPr>
-              <a:t>1</a:t>
-            </a:r>
-            <a:r>
-              <a:rPr lang="en-US" sz="5600" dirty="0">
-                <a:solidFill>
-                  <a:srgbClr val="000000"/>
-                </a:solidFill>
-                <a:highlight>
-                  <a:srgbClr val="FFFFFF"/>
-                </a:highlight>
-                <a:latin typeface="Menlo"/>
-              </a:rPr>
-              <a:t>; </a:t>
+                  <a:srgbClr val="000000"/>
+                </a:solidFill>
+                <a:effectLst/>
+                <a:highlight>
+                  <a:srgbClr val="FFFFFF"/>
+                </a:highlight>
+                <a:latin typeface="Menlo"/>
+              </a:rPr>
+              <a:t> : x | a*b := </a:t>
             </a:r>
             <a:r>
               <a:rPr lang="en-US" sz="5600" b="0" dirty="0">
@@ -5145,207 +5718,7 @@
                 </a:highlight>
                 <a:latin typeface="Menlo"/>
               </a:rPr>
-              <a:t>simp</a:t>
-            </a:r>
-            <a:r>
-              <a:rPr lang="en-US" sz="5600" b="0" dirty="0">
-                <a:solidFill>
-                  <a:srgbClr val="000000"/>
-                </a:solidFill>
-                <a:effectLst/>
-                <a:highlight>
-                  <a:srgbClr val="FFFFFF"/>
-                </a:highlight>
-                <a:latin typeface="Menlo"/>
-              </a:rPr>
-              <a:t>[</a:t>
-            </a:r>
-            <a:r>
-              <a:rPr lang="en-US" sz="5600" b="0" dirty="0" err="1">
-                <a:solidFill>
-                  <a:srgbClr val="000000"/>
-                </a:solidFill>
-                <a:effectLst/>
-                <a:highlight>
-                  <a:srgbClr val="FFFFFF"/>
-                </a:highlight>
-                <a:latin typeface="Menlo"/>
-              </a:rPr>
-              <a:t>h_mul</a:t>
-            </a:r>
-            <a:r>
-              <a:rPr lang="en-US" sz="5600" b="0" dirty="0">
-                <a:solidFill>
-                  <a:srgbClr val="000000"/>
-                </a:solidFill>
-                <a:effectLst/>
-                <a:highlight>
-                  <a:srgbClr val="FFFFFF"/>
-                </a:highlight>
-                <a:latin typeface="Menlo"/>
-              </a:rPr>
-              <a:t>]</a:t>
-            </a:r>
-          </a:p>
-          <a:p>
-            <a:pPr marL="0" indent="0">
-              <a:buNone/>
-            </a:pPr>
-            <a:r>
-              <a:rPr lang="en-US" sz="5600" b="0" dirty="0">
-                <a:solidFill>
-                  <a:srgbClr val="000000"/>
-                </a:solidFill>
-                <a:effectLst/>
-                <a:highlight>
-                  <a:srgbClr val="FFFFFF"/>
-                </a:highlight>
-                <a:latin typeface="Menlo"/>
-              </a:rPr>
-              <a:t>    </a:t>
-            </a:r>
-            <a:r>
-              <a:rPr lang="en-US" sz="5600" b="0" dirty="0">
-                <a:solidFill>
-                  <a:srgbClr val="0000FF"/>
-                </a:solidFill>
-                <a:effectLst/>
-                <a:highlight>
-                  <a:srgbClr val="FFFFFF"/>
-                </a:highlight>
-                <a:latin typeface="Menlo"/>
-              </a:rPr>
-              <a:t>have</a:t>
-            </a:r>
-            <a:r>
-              <a:rPr lang="en-US" sz="5600" b="0" dirty="0">
-                <a:solidFill>
-                  <a:srgbClr val="000000"/>
-                </a:solidFill>
-                <a:effectLst/>
-                <a:highlight>
-                  <a:srgbClr val="FFFFFF"/>
-                </a:highlight>
-                <a:latin typeface="Menlo"/>
-              </a:rPr>
-              <a:t> </a:t>
-            </a:r>
-            <a:r>
-              <a:rPr lang="en-US" sz="5600" b="0" dirty="0" err="1">
-                <a:solidFill>
-                  <a:srgbClr val="000000"/>
-                </a:solidFill>
-                <a:effectLst/>
-                <a:highlight>
-                  <a:srgbClr val="FFFFFF"/>
-                </a:highlight>
-                <a:latin typeface="Menlo"/>
-              </a:rPr>
-              <a:t>hxa_or_xb</a:t>
-            </a:r>
-            <a:r>
-              <a:rPr lang="en-US" sz="5600" b="0" dirty="0">
-                <a:solidFill>
-                  <a:srgbClr val="000000"/>
-                </a:solidFill>
-                <a:effectLst/>
-                <a:highlight>
-                  <a:srgbClr val="FFFFFF"/>
-                </a:highlight>
-                <a:latin typeface="Menlo"/>
-              </a:rPr>
-              <a:t> := </a:t>
-            </a:r>
-            <a:r>
-              <a:rPr lang="en-US" sz="5600" b="0" dirty="0" err="1">
-                <a:solidFill>
-                  <a:srgbClr val="000000"/>
-                </a:solidFill>
-                <a:effectLst/>
-                <a:highlight>
-                  <a:srgbClr val="FFFFFF"/>
-                </a:highlight>
-                <a:latin typeface="Menlo"/>
-              </a:rPr>
-              <a:t>hdiv</a:t>
-            </a:r>
-            <a:r>
-              <a:rPr lang="en-US" sz="5600" b="0" dirty="0">
-                <a:solidFill>
-                  <a:srgbClr val="000000"/>
-                </a:solidFill>
-                <a:effectLst/>
-                <a:highlight>
-                  <a:srgbClr val="FFFFFF"/>
-                </a:highlight>
-                <a:latin typeface="Menlo"/>
-              </a:rPr>
-              <a:t> a b </a:t>
-            </a:r>
-            <a:r>
-              <a:rPr lang="en-US" sz="5600" b="0" dirty="0" err="1">
-                <a:solidFill>
-                  <a:srgbClr val="000000"/>
-                </a:solidFill>
-                <a:effectLst/>
-                <a:highlight>
-                  <a:srgbClr val="FFFFFF"/>
-                </a:highlight>
-                <a:latin typeface="Menlo"/>
-              </a:rPr>
-              <a:t>hx_divides_ab</a:t>
-            </a:r>
-            <a:r>
-              <a:rPr lang="en-US" sz="5600" b="0" dirty="0">
-                <a:solidFill>
-                  <a:srgbClr val="000000"/>
-                </a:solidFill>
-                <a:effectLst/>
-                <a:highlight>
-                  <a:srgbClr val="FFFFFF"/>
-                </a:highlight>
-                <a:latin typeface="Menlo"/>
-              </a:rPr>
-              <a:t> </a:t>
-            </a:r>
-            <a:r>
-              <a:rPr lang="en-US" sz="5600" b="0" dirty="0">
-                <a:solidFill>
-                  <a:srgbClr val="008000"/>
-                </a:solidFill>
-                <a:effectLst/>
-                <a:highlight>
-                  <a:srgbClr val="FFFFFF"/>
-                </a:highlight>
-                <a:latin typeface="Menlo"/>
-              </a:rPr>
-              <a:t>--</a:t>
-            </a:r>
-            <a:r>
-              <a:rPr lang="en-US" sz="5600" b="0" dirty="0">
-                <a:solidFill>
-                  <a:srgbClr val="000000"/>
-                </a:solidFill>
-                <a:effectLst/>
-                <a:highlight>
-                  <a:srgbClr val="FFFFFF"/>
-                </a:highlight>
-                <a:latin typeface="Menlo"/>
-              </a:rPr>
-              <a:t> </a:t>
-            </a:r>
-            <a:r>
-              <a:rPr lang="en-US" sz="5600" b="0" dirty="0">
-                <a:solidFill>
-                  <a:srgbClr val="008000"/>
-                </a:solidFill>
-                <a:effectLst/>
-                <a:highlight>
-                  <a:srgbClr val="FFFFFF"/>
-                </a:highlight>
-                <a:latin typeface="Menlo"/>
-              </a:rPr>
-              <a:t>x divides either a or b because it's prime</a:t>
+              <a:t>by</a:t>
             </a:r>
             <a:endParaRPr lang="en-US" sz="5600" b="0" dirty="0">
               <a:solidFill>
@@ -5373,6 +5746,298 @@
                 </a:highlight>
                 <a:latin typeface="Menlo"/>
               </a:rPr>
+              <a:t>        </a:t>
+            </a:r>
+            <a:r>
+              <a:rPr lang="en-US" sz="5600" b="0" dirty="0">
+                <a:solidFill>
+                  <a:srgbClr val="0000FF"/>
+                </a:solidFill>
+                <a:effectLst/>
+                <a:highlight>
+                  <a:srgbClr val="FFFFFF"/>
+                </a:highlight>
+                <a:latin typeface="Menlo"/>
+              </a:rPr>
+              <a:t>use</a:t>
+            </a:r>
+            <a:r>
+              <a:rPr lang="en-US" sz="5600" b="0" dirty="0">
+                <a:solidFill>
+                  <a:srgbClr val="000000"/>
+                </a:solidFill>
+                <a:effectLst/>
+                <a:highlight>
+                  <a:srgbClr val="FFFFFF"/>
+                </a:highlight>
+                <a:latin typeface="Menlo"/>
+              </a:rPr>
+              <a:t> </a:t>
+            </a:r>
+            <a:r>
+              <a:rPr lang="en-US" sz="5600" b="0" dirty="0">
+                <a:solidFill>
+                  <a:srgbClr val="098658"/>
+                </a:solidFill>
+                <a:effectLst/>
+                <a:highlight>
+                  <a:srgbClr val="FFFFFF"/>
+                </a:highlight>
+                <a:latin typeface="Menlo"/>
+              </a:rPr>
+              <a:t>1</a:t>
+            </a:r>
+            <a:r>
+              <a:rPr lang="en-US" sz="5600" dirty="0">
+                <a:solidFill>
+                  <a:srgbClr val="000000"/>
+                </a:solidFill>
+                <a:highlight>
+                  <a:srgbClr val="FFFFFF"/>
+                </a:highlight>
+                <a:latin typeface="Menlo"/>
+              </a:rPr>
+              <a:t>; </a:t>
+            </a:r>
+            <a:r>
+              <a:rPr lang="en-US" sz="5600" b="0" dirty="0">
+                <a:solidFill>
+                  <a:srgbClr val="0000FF"/>
+                </a:solidFill>
+                <a:effectLst/>
+                <a:highlight>
+                  <a:srgbClr val="FFFFFF"/>
+                </a:highlight>
+                <a:latin typeface="Menlo"/>
+              </a:rPr>
+              <a:t>simp</a:t>
+            </a:r>
+            <a:r>
+              <a:rPr lang="en-US" sz="5600" b="0" dirty="0">
+                <a:solidFill>
+                  <a:srgbClr val="000000"/>
+                </a:solidFill>
+                <a:effectLst/>
+                <a:highlight>
+                  <a:srgbClr val="FFFFFF"/>
+                </a:highlight>
+                <a:latin typeface="Menlo"/>
+              </a:rPr>
+              <a:t>[</a:t>
+            </a:r>
+            <a:r>
+              <a:rPr lang="en-US" sz="5600" b="0" dirty="0" err="1">
+                <a:solidFill>
+                  <a:srgbClr val="000000"/>
+                </a:solidFill>
+                <a:effectLst/>
+                <a:highlight>
+                  <a:srgbClr val="FFFFFF"/>
+                </a:highlight>
+                <a:latin typeface="Menlo"/>
+              </a:rPr>
+              <a:t>h_mul</a:t>
+            </a:r>
+            <a:r>
+              <a:rPr lang="en-US" sz="5600" b="0" dirty="0">
+                <a:solidFill>
+                  <a:srgbClr val="000000"/>
+                </a:solidFill>
+                <a:effectLst/>
+                <a:highlight>
+                  <a:srgbClr val="FFFFFF"/>
+                </a:highlight>
+                <a:latin typeface="Menlo"/>
+              </a:rPr>
+              <a:t>]</a:t>
+            </a:r>
+          </a:p>
+          <a:p>
+            <a:pPr marL="0" indent="0">
+              <a:buNone/>
+            </a:pPr>
+            <a:r>
+              <a:rPr lang="en-US" sz="5600" b="0" dirty="0">
+                <a:solidFill>
+                  <a:srgbClr val="000000"/>
+                </a:solidFill>
+                <a:effectLst/>
+                <a:highlight>
+                  <a:srgbClr val="FFFFFF"/>
+                </a:highlight>
+                <a:latin typeface="Menlo"/>
+              </a:rPr>
+              <a:t>    </a:t>
+            </a:r>
+            <a:r>
+              <a:rPr lang="en-US" sz="5600" b="0" dirty="0">
+                <a:solidFill>
+                  <a:srgbClr val="0000FF"/>
+                </a:solidFill>
+                <a:effectLst/>
+                <a:highlight>
+                  <a:srgbClr val="FFFFFF"/>
+                </a:highlight>
+                <a:latin typeface="Menlo"/>
+              </a:rPr>
+              <a:t>have</a:t>
+            </a:r>
+            <a:r>
+              <a:rPr lang="en-US" sz="5600" b="0" dirty="0">
+                <a:solidFill>
+                  <a:srgbClr val="000000"/>
+                </a:solidFill>
+                <a:effectLst/>
+                <a:highlight>
+                  <a:srgbClr val="FFFFFF"/>
+                </a:highlight>
+                <a:latin typeface="Menlo"/>
+              </a:rPr>
+              <a:t> </a:t>
+            </a:r>
+            <a:r>
+              <a:rPr lang="en-US" sz="5600" b="0" dirty="0" err="1">
+                <a:solidFill>
+                  <a:srgbClr val="000000"/>
+                </a:solidFill>
+                <a:effectLst/>
+                <a:highlight>
+                  <a:srgbClr val="FFFFFF"/>
+                </a:highlight>
+                <a:latin typeface="Menlo"/>
+              </a:rPr>
+              <a:t>hxa_or_xb</a:t>
+            </a:r>
+            <a:r>
+              <a:rPr lang="en-US" sz="5600" b="0" dirty="0">
+                <a:solidFill>
+                  <a:srgbClr val="000000"/>
+                </a:solidFill>
+                <a:effectLst/>
+                <a:highlight>
+                  <a:srgbClr val="FFFFFF"/>
+                </a:highlight>
+                <a:latin typeface="Menlo"/>
+              </a:rPr>
+              <a:t> := </a:t>
+            </a:r>
+            <a:r>
+              <a:rPr lang="en-US" sz="5600" b="0" dirty="0" err="1">
+                <a:solidFill>
+                  <a:srgbClr val="000000"/>
+                </a:solidFill>
+                <a:effectLst/>
+                <a:highlight>
+                  <a:srgbClr val="FFFFFF"/>
+                </a:highlight>
+                <a:latin typeface="Menlo"/>
+              </a:rPr>
+              <a:t>hdiv</a:t>
+            </a:r>
+            <a:r>
+              <a:rPr lang="en-US" sz="5600" b="0" dirty="0">
+                <a:solidFill>
+                  <a:srgbClr val="000000"/>
+                </a:solidFill>
+                <a:effectLst/>
+                <a:highlight>
+                  <a:srgbClr val="FFFFFF"/>
+                </a:highlight>
+                <a:latin typeface="Menlo"/>
+              </a:rPr>
+              <a:t> a b </a:t>
+            </a:r>
+            <a:r>
+              <a:rPr lang="en-US" sz="5600" b="0" dirty="0" err="1">
+                <a:solidFill>
+                  <a:srgbClr val="000000"/>
+                </a:solidFill>
+                <a:effectLst/>
+                <a:highlight>
+                  <a:srgbClr val="FFFFFF"/>
+                </a:highlight>
+                <a:latin typeface="Menlo"/>
+              </a:rPr>
+              <a:t>hx_divides_ab</a:t>
+            </a:r>
+            <a:r>
+              <a:rPr lang="en-US" sz="5600" b="0" dirty="0">
+                <a:solidFill>
+                  <a:srgbClr val="000000"/>
+                </a:solidFill>
+                <a:effectLst/>
+                <a:highlight>
+                  <a:srgbClr val="FFFFFF"/>
+                </a:highlight>
+                <a:latin typeface="Menlo"/>
+              </a:rPr>
+              <a:t> </a:t>
+            </a:r>
+            <a:r>
+              <a:rPr lang="en-US" sz="5600" b="0" dirty="0">
+                <a:solidFill>
+                  <a:srgbClr val="008000"/>
+                </a:solidFill>
+                <a:effectLst/>
+                <a:highlight>
+                  <a:srgbClr val="FFFFFF"/>
+                </a:highlight>
+                <a:latin typeface="Menlo"/>
+              </a:rPr>
+              <a:t>--</a:t>
+            </a:r>
+            <a:r>
+              <a:rPr lang="en-US" sz="5600" b="0" dirty="0">
+                <a:solidFill>
+                  <a:srgbClr val="000000"/>
+                </a:solidFill>
+                <a:effectLst/>
+                <a:highlight>
+                  <a:srgbClr val="FFFFFF"/>
+                </a:highlight>
+                <a:latin typeface="Menlo"/>
+              </a:rPr>
+              <a:t> </a:t>
+            </a:r>
+            <a:r>
+              <a:rPr lang="en-US" sz="5600" b="0" dirty="0">
+                <a:solidFill>
+                  <a:srgbClr val="008000"/>
+                </a:solidFill>
+                <a:effectLst/>
+                <a:highlight>
+                  <a:srgbClr val="FFFFFF"/>
+                </a:highlight>
+                <a:latin typeface="Menlo"/>
+              </a:rPr>
+              <a:t>x divides either a or b because it's prime</a:t>
+            </a:r>
+            <a:endParaRPr lang="en-US" sz="5600" b="0" dirty="0">
+              <a:solidFill>
+                <a:srgbClr val="000000"/>
+              </a:solidFill>
+              <a:effectLst/>
+              <a:highlight>
+                <a:srgbClr val="FFFFFF"/>
+              </a:highlight>
+              <a:latin typeface="Menlo"/>
+            </a:endParaRPr>
+          </a:p>
+          <a:p>
+            <a:pPr marL="0" indent="0">
+              <a:buNone/>
+            </a:pPr>
+            <a:r>
+              <a:rPr lang="en-US" sz="5600" b="0" dirty="0">
+                <a:solidFill>
+                  <a:srgbClr val="000000"/>
+                </a:solidFill>
+                <a:effectLst/>
+                <a:highlight>
+                  <a:srgbClr val="FFFFFF"/>
+                </a:highlight>
+                <a:latin typeface="Menlo"/>
+              </a:rPr>
               <a:t>    </a:t>
             </a:r>
             <a:r>
@@ -5516,9 +6181,22 @@
                 </a:highlight>
                 <a:latin typeface="Menlo"/>
               </a:rPr>
-              <a:t>-- if x | a, substitute a = c * x, to get x = x * (c * b)</a:t>
-            </a:r>
-            <a:endParaRPr lang="en-US" sz="5600" b="0" dirty="0">
+              <a:t>-- if x | a, substitute a = c * x, to get </a:t>
+            </a:r>
+            <a:r>
+              <a:rPr lang="en-US" sz="5600" b="1" dirty="0">
+                <a:solidFill>
+                  <a:srgbClr val="008000"/>
+                </a:solidFill>
+                <a:effectLst/>
+                <a:highlight>
+                  <a:srgbClr val="FFFFFF"/>
+                </a:highlight>
+                <a:latin typeface="Menlo"/>
+              </a:rPr>
+              <a:t>x = x * (c * b)</a:t>
+            </a:r>
+            <a:endParaRPr lang="en-US" sz="5600" b="1" dirty="0">
               <a:solidFill>
                 <a:srgbClr val="000000"/>
               </a:solidFill>
@@ -6431,7 +7109,32 @@
                 </a:highlight>
                 <a:latin typeface="Menlo"/>
               </a:rPr>
-              <a:t>, x=ab, x not 0</a:t>
+              <a:t>, x=ab, x </a:t>
+            </a:r>
+            <a:r>
+              <a:rPr lang="en-US" sz="1600" dirty="0">
+                <a:solidFill>
+                  <a:srgbClr val="008000"/>
+                </a:solidFill>
+                <a:highlight>
+                  <a:srgbClr val="FFFFFF"/>
+                </a:highlight>
+                <a:latin typeface="Menlo"/>
+              </a:rPr>
+              <a:t>≠</a:t>
+            </a:r>
+            <a:r>
+              <a:rPr lang="en-US" sz="1600" b="0" dirty="0">
+                <a:solidFill>
+                  <a:srgbClr val="008000"/>
+                </a:solidFill>
+                <a:effectLst/>
+                <a:highlight>
+                  <a:srgbClr val="FFFFFF"/>
+                </a:highlight>
+                <a:latin typeface="Menlo"/>
+              </a:rPr>
+              <a:t> 0</a:t>
             </a:r>
             <a:endParaRPr lang="en-US" sz="1600" b="0" dirty="0">
               <a:solidFill>
@@ -6866,7 +7569,57 @@
                 </a:highlight>
                 <a:latin typeface="Menlo"/>
               </a:rPr>
-              <a:t>– x * y = x ^ x!= 0 =&gt; y = 1</a:t>
+              <a:t>–- x * y = x </a:t>
+            </a:r>
+            <a:r>
+              <a:rPr lang="en-US" sz="1600" dirty="0">
+                <a:solidFill>
+                  <a:srgbClr val="008000"/>
+                </a:solidFill>
+                <a:highlight>
+                  <a:srgbClr val="FFFFFF"/>
+                </a:highlight>
+                <a:latin typeface="Menlo"/>
+              </a:rPr>
+              <a:t>and</a:t>
+            </a:r>
+            <a:r>
+              <a:rPr lang="en-US" sz="1600" b="0" dirty="0">
+                <a:solidFill>
+                  <a:srgbClr val="008000"/>
+                </a:solidFill>
+                <a:effectLst/>
+                <a:highlight>
+                  <a:srgbClr val="FFFFFF"/>
+                </a:highlight>
+                <a:latin typeface="Menlo"/>
+              </a:rPr>
+              <a:t> x </a:t>
+            </a:r>
+            <a:r>
+              <a:rPr lang="en-US" sz="1600" dirty="0">
+                <a:solidFill>
+                  <a:srgbClr val="008000"/>
+                </a:solidFill>
+                <a:highlight>
+                  <a:srgbClr val="FFFFFF"/>
+                </a:highlight>
+                <a:latin typeface="Menlo"/>
+              </a:rPr>
+              <a:t>≠</a:t>
+            </a:r>
+            <a:r>
+              <a:rPr lang="en-US" sz="1600" b="0" dirty="0">
+                <a:solidFill>
+                  <a:srgbClr val="008000"/>
+                </a:solidFill>
+                <a:effectLst/>
+                <a:highlight>
+                  <a:srgbClr val="FFFFFF"/>
+                </a:highlight>
+                <a:latin typeface="Menlo"/>
+              </a:rPr>
+              <a:t> 0 =&gt; y = 1</a:t>
             </a:r>
             <a:endParaRPr lang="en-US" sz="1600" b="0" dirty="0">
               <a:solidFill>
@@ -9241,7 +9994,7 @@
         </p:blipFill>
         <p:spPr>
           <a:xfrm>
-            <a:off x="838199" y="1690688"/>
+            <a:off x="838200" y="1604389"/>
             <a:ext cx="5597501" cy="4888486"/>
           </a:xfrm>
           <a:prstGeom prst="rect">
@@ -9583,7 +10336,7 @@
               </a:rPr>
               <a:t> :=</a:t>
             </a:r>
-            <a:endParaRPr lang="en-US">
+            <a:endParaRPr lang="en-US" dirty="0">
               <a:latin typeface="Arial"/>
               <a:ea typeface="+mn-lt"/>
               <a:cs typeface="Arial"/>
@@ -9862,8 +10615,21 @@
                 <a:ea typeface="+mn-lt"/>
                 <a:cs typeface="Arial"/>
               </a:rPr>
-              <a:t>is a unit, if it's invertible in R, in other words,</a:t>
-            </a:r>
+              <a:t>is a unit, if it has an </a:t>
+            </a:r>
+            <a:r>
+              <a:rPr lang="de-DE" dirty="0" err="1"/>
+              <a:t>multiplicative</a:t>
+            </a:r>
+            <a:r>
+              <a:rPr lang="de-DE" dirty="0"/>
+              <a:t> inverse:</a:t>
+            </a:r>
+            <a:endParaRPr lang="en-US" dirty="0">
+              <a:latin typeface="Arial"/>
+              <a:ea typeface="+mn-lt"/>
+              <a:cs typeface="Arial"/>
+            </a:endParaRPr>
           </a:p>
           <a:p>
             <a:pPr marL="0" indent="0">
@@ -9907,7 +10673,39 @@
                 <a:ea typeface="+mn-lt"/>
                 <a:cs typeface="Arial"/>
               </a:rPr>
-              <a:t>In Z mod 10: 2, 4, 5 aren’t units, but 1, 3, 7 are.</a:t>
+              <a:t>In Z</a:t>
+            </a:r>
+            <a:r>
+              <a:rPr lang="en-US" baseline="-25000" dirty="0">
+                <a:latin typeface="Arial"/>
+                <a:ea typeface="+mn-lt"/>
+                <a:cs typeface="Arial"/>
+              </a:rPr>
+              <a:t>10</a:t>
+            </a:r>
+            <a:r>
+              <a:rPr lang="en-US" dirty="0">
+                <a:latin typeface="Arial"/>
+                <a:ea typeface="+mn-lt"/>
+                <a:cs typeface="Arial"/>
+              </a:rPr>
+              <a:t>: 2, 4 and 5 </a:t>
+            </a:r>
+            <a:r>
+              <a:rPr lang="en-US" i="1" dirty="0">
+                <a:latin typeface="Arial"/>
+                <a:ea typeface="+mn-lt"/>
+                <a:cs typeface="Arial"/>
+              </a:rPr>
+              <a:t>aren’t</a:t>
+            </a:r>
+            <a:r>
+              <a:rPr lang="en-US" dirty="0">
+                <a:latin typeface="Arial"/>
+                <a:ea typeface="+mn-lt"/>
+                <a:cs typeface="Arial"/>
+              </a:rPr>
+              <a:t> units, but 1, 3, 7, 9 are.</a:t>
             </a:r>
           </a:p>
         </p:txBody>
@@ -10001,24 +10799,18 @@
                 <a:ea typeface="+mn-lt"/>
                 <a:cs typeface="Arial"/>
               </a:rPr>
-              <a:t> is a unit, if there’s an element of      , which is the unit group of </a:t>
-            </a:r>
-            <a:r>
-              <a:rPr lang="en-US" i="1" dirty="0">
-                <a:latin typeface="Arial"/>
-                <a:ea typeface="+mn-lt"/>
-                <a:cs typeface="Arial"/>
-              </a:rPr>
-              <a:t>R, </a:t>
-            </a:r>
-            <a:r>
-              <a:rPr lang="en-US" dirty="0">
-                <a:latin typeface="Arial"/>
-                <a:ea typeface="+mn-lt"/>
-                <a:cs typeface="Arial"/>
-              </a:rPr>
-              <a:t>which equals a.</a:t>
-            </a:r>
+              <a:t> is a unit, if there’s an element of      which equals a.</a:t>
+            </a:r>
+          </a:p>
+          <a:p>
+            <a:pPr marL="0" indent="0">
+              <a:buNone/>
+            </a:pPr>
+            <a:endParaRPr lang="en-US" dirty="0">
+              <a:latin typeface="Arial"/>
+              <a:ea typeface="+mn-lt"/>
+              <a:cs typeface="Arial"/>
+            </a:endParaRPr>
           </a:p>
           <a:p>
             <a:pPr marL="0" indent="0">
@@ -10114,7 +10906,7 @@
           <p:nvPr/>
         </p:nvPicPr>
         <p:blipFill>
-          <a:blip r:embed="rId2"/>
+          <a:blip r:embed="rId3"/>
           <a:stretch>
             <a:fillRect/>
           </a:stretch>
@@ -10144,7 +10936,7 @@
           <p:nvPr/>
         </p:nvPicPr>
         <p:blipFill>
-          <a:blip r:embed="rId3"/>
+          <a:blip r:embed="rId4"/>
           <a:stretch>
             <a:fillRect/>
           </a:stretch>
@@ -10174,14 +10966,14 @@
           <p:nvPr/>
         </p:nvPicPr>
         <p:blipFill>
-          <a:blip r:embed="rId4"/>
+          <a:blip r:embed="rId5"/>
           <a:stretch>
             <a:fillRect/>
           </a:stretch>
         </p:blipFill>
         <p:spPr>
           <a:xfrm>
-            <a:off x="8322408" y="4260574"/>
+            <a:off x="8277249" y="4402096"/>
             <a:ext cx="486545" cy="449685"/>
           </a:xfrm>
           <a:prstGeom prst="rect">
@@ -10264,7 +11056,7 @@
               <a:t>2. </a:t>
             </a:r>
             <a:r>
-              <a:rPr lang="en-US" err="1">
+              <a:rPr lang="en-US" dirty="0" err="1">
                 <a:latin typeface="Arial"/>
                 <a:ea typeface="+mj-lt"/>
                 <a:cs typeface="+mj-lt"/>
@@ -10334,7 +11126,7 @@
         <p:spPr/>
         <p:txBody>
           <a:bodyPr vert="horz" lIns="91440" tIns="45720" rIns="91440" bIns="45720" rtlCol="0" anchor="t">
-            <a:normAutofit fontScale="77500" lnSpcReduction="20000"/>
+            <a:noAutofit/>
           </a:bodyPr>
           <a:lstStyle/>
           <a:p>
@@ -10347,7 +11139,56 @@
                 <a:ea typeface="+mn-lt"/>
                 <a:cs typeface="Arial"/>
               </a:rPr>
-              <a:t>x and y are associated if there exists a unit </a:t>
+              <a:t>x and y are associated if there exists a </a:t>
+            </a:r>
+            <a:r>
+              <a:rPr lang="en-US" dirty="0">
+                <a:solidFill>
+                  <a:schemeClr val="accent1">
+                    <a:lumMod val="60000"/>
+                    <a:lumOff val="40000"/>
+                  </a:schemeClr>
+                </a:solidFill>
+                <a:latin typeface="Arial"/>
+                <a:ea typeface="+mn-lt"/>
+                <a:cs typeface="Arial"/>
+              </a:rPr>
+              <a:t>unit </a:t>
+            </a:r>
+            <a:r>
+              <a:rPr lang="en-US" i="1" dirty="0">
+                <a:solidFill>
+                  <a:schemeClr val="accent1">
+                    <a:lumMod val="60000"/>
+                    <a:lumOff val="40000"/>
+                  </a:schemeClr>
+                </a:solidFill>
+                <a:latin typeface="Arial"/>
+                <a:ea typeface="+mn-lt"/>
+                <a:cs typeface="Arial"/>
+              </a:rPr>
+              <a:t>a</a:t>
+            </a:r>
+            <a:r>
+              <a:rPr lang="en-US" dirty="0">
+                <a:latin typeface="Arial"/>
+                <a:ea typeface="+mn-lt"/>
+                <a:cs typeface="Arial"/>
+              </a:rPr>
+              <a:t>, such that: </a:t>
+            </a:r>
+          </a:p>
+          <a:p>
+            <a:pPr marL="0" indent="0" algn="ctr">
+              <a:buNone/>
+            </a:pPr>
+            <a:r>
+              <a:rPr lang="en-US" dirty="0">
+                <a:latin typeface="Arial"/>
+                <a:ea typeface="+mn-lt"/>
+                <a:cs typeface="Arial"/>
+              </a:rPr>
+              <a:t>y = </a:t>
             </a:r>
             <a:r>
               <a:rPr lang="en-US" i="1" dirty="0">
@@ -10363,8 +11204,18 @@
                 <a:ea typeface="+mn-lt"/>
                 <a:cs typeface="Arial"/>
               </a:rPr>
-              <a:t>, such that: </a:t>
-            </a:r>
+              <a:t> · x</a:t>
+            </a:r>
+          </a:p>
+          <a:p>
+            <a:pPr marL="0" indent="0">
+              <a:buNone/>
+            </a:pPr>
+            <a:endParaRPr lang="en-US" dirty="0">
+              <a:latin typeface="Arial"/>
+              <a:ea typeface="+mn-lt"/>
+              <a:cs typeface="Arial"/>
+            </a:endParaRPr>
           </a:p>
           <a:p>
             <a:pPr marL="0" indent="0">
@@ -10376,15 +11227,15 @@
                 <a:ea typeface="+mn-lt"/>
                 <a:cs typeface="Arial"/>
               </a:rPr>
-              <a:t>y = </a:t>
-            </a:r>
-            <a:r>
-              <a:rPr lang="en-US" i="1" dirty="0">
+              <a:t>In Z</a:t>
+            </a:r>
+            <a:r>
+              <a:rPr lang="en-US" baseline="-25000" dirty="0">
                 <a:latin typeface="Arial"/>
                 <a:ea typeface="+mn-lt"/>
                 <a:cs typeface="Arial"/>
               </a:rPr>
-              <a:t>a</a:t>
+              <a:t>10, </a:t>
             </a:r>
             <a:r>
               <a:rPr lang="en-US" dirty="0">
@@ -10392,44 +11243,62 @@
                 <a:ea typeface="+mn-lt"/>
                 <a:cs typeface="Arial"/>
               </a:rPr>
-              <a:t> · x</a:t>
-            </a:r>
-          </a:p>
-          <a:p>
+              <a:t>2, 4, 6, 8 are associated:</a:t>
+            </a:r>
+          </a:p>
+          <a:p>
+            <a:pPr marL="0" indent="0">
+              <a:buNone/>
+            </a:pPr>
             <a:r>
               <a:rPr lang="en-US" dirty="0">
                 <a:latin typeface="Arial"/>
                 <a:ea typeface="+mn-lt"/>
                 <a:cs typeface="Arial"/>
               </a:rPr>
-              <a:t>Being associated is an equivalence relation, easy to see if you multiply both sides by the inverse of a.</a:t>
-            </a:r>
-          </a:p>
-          <a:p>
+              <a:t>2 * </a:t>
+            </a:r>
+            <a:r>
+              <a:rPr lang="en-US" dirty="0">
+                <a:solidFill>
+                  <a:schemeClr val="accent6"/>
+                </a:solidFill>
+                <a:latin typeface="Arial"/>
+                <a:ea typeface="+mn-lt"/>
+                <a:cs typeface="Arial"/>
+              </a:rPr>
+              <a:t>3</a:t>
+            </a:r>
             <a:r>
               <a:rPr lang="en-US" dirty="0">
                 <a:latin typeface="Arial"/>
                 <a:ea typeface="+mn-lt"/>
                 <a:cs typeface="Arial"/>
               </a:rPr>
-              <a:t>In Z mod 10 2, 4, 6, 8 are associated, e.g. : </a:t>
-            </a:r>
-          </a:p>
-          <a:p>
-            <a:pPr marL="0" indent="0">
-              <a:buNone/>
-            </a:pPr>
+              <a:t> </a:t>
+            </a:r>
+            <a:r>
+              <a:rPr lang="en-US" dirty="0"/>
+              <a:t>≡</a:t>
+            </a:r>
             <a:r>
               <a:rPr lang="en-US" dirty="0">
                 <a:latin typeface="Arial"/>
                 <a:ea typeface="+mn-lt"/>
                 <a:cs typeface="Arial"/>
               </a:rPr>
-              <a:t>2 * 3 </a:t>
-            </a:r>
-            <a:r>
-              <a:rPr lang="en-US" dirty="0"/>
-              <a:t>≡</a:t>
+              <a:t> 6  , 6 * </a:t>
+            </a:r>
+            <a:r>
+              <a:rPr lang="en-US" dirty="0">
+                <a:solidFill>
+                  <a:schemeClr val="accent6"/>
+                </a:solidFill>
+                <a:latin typeface="Arial"/>
+                <a:ea typeface="+mn-lt"/>
+                <a:cs typeface="Arial"/>
+              </a:rPr>
+              <a:t>7</a:t>
             </a:r>
             <a:r>
               <a:rPr lang="en-US" dirty="0">
@@ -10437,7 +11306,7 @@
                 <a:ea typeface="+mn-lt"/>
                 <a:cs typeface="Arial"/>
               </a:rPr>
-              <a:t> 6, 6 * 7 </a:t>
+              <a:t> </a:t>
             </a:r>
             <a:r>
               <a:rPr lang="ru-RU" dirty="0"/>
@@ -10462,11 +11331,18 @@
                 <a:ea typeface="+mn-lt"/>
                 <a:cs typeface="Arial"/>
               </a:rPr>
-              <a:t>2 * 7 </a:t>
-            </a:r>
-            <a:r>
-              <a:rPr lang="ru-RU" dirty="0"/>
-              <a:t>≡</a:t>
+              <a:t>2 * </a:t>
+            </a:r>
+            <a:r>
+              <a:rPr lang="en-US" dirty="0">
+                <a:solidFill>
+                  <a:schemeClr val="accent6"/>
+                </a:solidFill>
+                <a:latin typeface="Arial"/>
+                <a:ea typeface="+mn-lt"/>
+                <a:cs typeface="Arial"/>
+              </a:rPr>
+              <a:t>7</a:t>
             </a:r>
             <a:r>
               <a:rPr lang="en-US" dirty="0">
@@ -10474,7 +11350,38 @@
                 <a:ea typeface="+mn-lt"/>
                 <a:cs typeface="Arial"/>
               </a:rPr>
-              <a:t> 4, 4 * 3 </a:t>
+              <a:t> </a:t>
+            </a:r>
+            <a:r>
+              <a:rPr lang="ru-RU" dirty="0"/>
+              <a:t>≡</a:t>
+            </a:r>
+            <a:r>
+              <a:rPr lang="en-US" dirty="0">
+                <a:latin typeface="Arial"/>
+                <a:ea typeface="+mn-lt"/>
+                <a:cs typeface="Arial"/>
+              </a:rPr>
+              <a:t> 4  , 4 * </a:t>
+            </a:r>
+            <a:r>
+              <a:rPr lang="en-US" dirty="0">
+                <a:solidFill>
+                  <a:schemeClr val="accent6"/>
+                </a:solidFill>
+                <a:latin typeface="Arial"/>
+                <a:ea typeface="+mn-lt"/>
+                <a:cs typeface="Arial"/>
+              </a:rPr>
+              <a:t>3</a:t>
+            </a:r>
+            <a:r>
+              <a:rPr lang="en-US" dirty="0">
+                <a:latin typeface="Arial"/>
+                <a:ea typeface="+mn-lt"/>
+                <a:cs typeface="Arial"/>
+              </a:rPr>
+              <a:t> </a:t>
             </a:r>
             <a:r>
               <a:rPr lang="ru-RU" dirty="0"/>
@@ -10566,16 +11473,19 @@
         </p:nvSpPr>
         <p:spPr>
           <a:xfrm>
-            <a:off x="6172200" y="2500818"/>
-            <a:ext cx="6237513" cy="3684588"/>
+            <a:off x="6172201" y="2500818"/>
+            <a:ext cx="6019800" cy="3684588"/>
           </a:xfrm>
         </p:spPr>
         <p:txBody>
           <a:bodyPr vert="horz" lIns="91440" tIns="45720" rIns="91440" bIns="45720" rtlCol="0" anchor="t">
-            <a:normAutofit fontScale="77500" lnSpcReduction="20000"/>
+            <a:normAutofit fontScale="92500" lnSpcReduction="10000"/>
           </a:bodyPr>
           <a:lstStyle/>
           <a:p>
+            <a:pPr marL="0" indent="0">
+              <a:buNone/>
+            </a:pPr>
             <a:r>
               <a:rPr lang="en-US" dirty="0">
                 <a:solidFill>
@@ -10640,6 +11550,24 @@
             <a:endParaRPr lang="en-US" dirty="0"/>
           </a:p>
           <a:p>
+            <a:pPr marL="0" indent="0">
+              <a:buNone/>
+            </a:pPr>
+            <a:endParaRPr lang="en-US" b="0" dirty="0">
+              <a:solidFill>
+                <a:srgbClr val="0000FF"/>
+              </a:solidFill>
+              <a:effectLst/>
+              <a:highlight>
+                <a:srgbClr val="FFFFFF"/>
+              </a:highlight>
+              <a:latin typeface="Menlo"/>
+            </a:endParaRPr>
+          </a:p>
+          <a:p>
+            <a:pPr marL="0" indent="0">
+              <a:buNone/>
+            </a:pPr>
             <a:r>
               <a:rPr lang="en-US" b="0" dirty="0">
                 <a:solidFill>
@@ -10691,6 +11619,24 @@
             </a:endParaRPr>
           </a:p>
           <a:p>
+            <a:pPr marL="0" indent="0">
+              <a:buNone/>
+            </a:pPr>
+            <a:endParaRPr lang="en-US" b="0" dirty="0">
+              <a:solidFill>
+                <a:srgbClr val="0000FF"/>
+              </a:solidFill>
+              <a:effectLst/>
+              <a:highlight>
+                <a:srgbClr val="FFFFFF"/>
+              </a:highlight>
+              <a:latin typeface="Menlo"/>
+            </a:endParaRPr>
+          </a:p>
+          <a:p>
+            <a:pPr marL="0" indent="0">
+              <a:buNone/>
+            </a:pPr>
             <a:r>
               <a:rPr lang="en-US" b="0" dirty="0">
                 <a:solidFill>
@@ -10978,7 +11924,7 @@
                 <a:ea typeface="+mn-lt"/>
                 <a:cs typeface="Arial"/>
               </a:rPr>
-              <a:t>x is nontrivial if           and ¬(</a:t>
+              <a:t>x is nontrivial if x ≠ 0 and ¬(</a:t>
             </a:r>
             <a:r>
               <a:rPr lang="en-US" dirty="0" err="1">
@@ -11164,7 +12110,20 @@
                 <a:ea typeface="+mn-lt"/>
                 <a:cs typeface="Arial"/>
               </a:rPr>
-              <a:t>∧ ¬(</a:t>
+              <a:t>∧ </a:t>
+            </a:r>
+          </a:p>
+          <a:p>
+            <a:pPr>
+              <a:buNone/>
+            </a:pPr>
+            <a:r>
+              <a:rPr lang="en-US" dirty="0">
+                <a:latin typeface="Menlo"/>
+                <a:ea typeface="+mn-lt"/>
+                <a:cs typeface="Arial"/>
+              </a:rPr>
+              <a:t>			¬(</a:t>
             </a:r>
             <a:r>
               <a:rPr lang="en-US" dirty="0" err="1">
@@ -11236,68 +12195,6 @@
           </a:fontRef>
         </p:style>
       </p:cxnSp>
-      <p:sp>
-        <p:nvSpPr>
-          <p:cNvPr id="13" name="TextBox 12">
-            <a:extLst>
-              <a:ext uri="{FF2B5EF4-FFF2-40B4-BE49-F238E27FC236}">
-                <a16:creationId xmlns:a16="http://schemas.microsoft.com/office/drawing/2014/main" id="{666373A5-86A4-8B69-3673-995F69BD9D7D}"/>
-              </a:ext>
-            </a:extLst>
-          </p:cNvPr>
-          <p:cNvSpPr txBox="1"/>
-          <p:nvPr/>
-        </p:nvSpPr>
-        <p:spPr>
-          <a:xfrm>
-            <a:off x="3360880" y="2421951"/>
-            <a:ext cx="6219316" cy="584775"/>
-          </a:xfrm>
-          <a:prstGeom prst="rect">
-            <a:avLst/>
-          </a:prstGeom>
-          <a:noFill/>
-        </p:spPr>
-        <p:txBody>
-          <a:bodyPr wrap="square">
-            <a:spAutoFit/>
-          </a:bodyPr>
-          <a:lstStyle/>
-          <a:p>
-            <a:r>
-              <a:rPr lang="en-US" sz="3200" dirty="0">
-                <a:latin typeface="Menlo"/>
-                <a:ea typeface="+mn-lt"/>
-                <a:cs typeface="Arial"/>
-              </a:rPr>
-              <a:t>x ≠</a:t>
-            </a:r>
-            <a:r>
-              <a:rPr lang="en-US" sz="3200" dirty="0">
-                <a:solidFill>
-                  <a:srgbClr val="000000"/>
-                </a:solidFill>
-                <a:latin typeface="Menlo"/>
-                <a:ea typeface="+mn-lt"/>
-                <a:cs typeface="Arial"/>
-              </a:rPr>
-              <a:t> 0</a:t>
-            </a:r>
-            <a:r>
-              <a:rPr lang="en-US" sz="3200" dirty="0">
-                <a:solidFill>
-                  <a:srgbClr val="098658"/>
-                </a:solidFill>
-                <a:latin typeface="Menlo"/>
-                <a:ea typeface="+mn-lt"/>
-                <a:cs typeface="Arial"/>
-              </a:rPr>
-              <a:t> </a:t>
-            </a:r>
-            <a:endParaRPr lang="ru-RU" sz="3200" dirty="0"/>
-          </a:p>
-        </p:txBody>
-      </p:sp>
     </p:spTree>
     <p:extLst>
       <p:ext uri="{BB962C8B-B14F-4D97-AF65-F5344CB8AC3E}">
@@ -11440,7 +12337,7 @@
         </p:spPr>
         <p:txBody>
           <a:bodyPr vert="horz" lIns="91440" tIns="45720" rIns="91440" bIns="45720" rtlCol="0" anchor="t">
-            <a:normAutofit lnSpcReduction="10000"/>
+            <a:normAutofit/>
           </a:bodyPr>
           <a:lstStyle/>
           <a:p>
@@ -11453,45 +12350,48 @@
                 <a:ea typeface="+mn-lt"/>
                 <a:cs typeface="Arial"/>
               </a:rPr>
-              <a:t>x is irreducible, if </a:t>
-            </a:r>
-          </a:p>
-          <a:p>
+              <a:t>x is irreducible, if:</a:t>
+            </a:r>
+          </a:p>
+          <a:p>
+            <a:pPr marL="514350" indent="-514350">
+              <a:buFont typeface="+mj-lt"/>
+              <a:buAutoNum type="arabicPeriod"/>
+            </a:pPr>
             <a:r>
               <a:rPr lang="en-US" dirty="0">
                 <a:latin typeface="Arial"/>
                 <a:ea typeface="+mn-lt"/>
                 <a:cs typeface="Arial"/>
               </a:rPr>
-              <a:t>x is nontrivial, and</a:t>
-            </a:r>
-          </a:p>
-          <a:p>
+              <a:t>x is nontrivial</a:t>
+            </a:r>
+          </a:p>
+          <a:p>
+            <a:pPr marL="514350" indent="-514350">
+              <a:buFont typeface="+mj-lt"/>
+              <a:buAutoNum type="arabicPeriod"/>
+            </a:pPr>
             <a:r>
               <a:rPr lang="en-US" dirty="0">
                 <a:latin typeface="Arial"/>
                 <a:ea typeface="+mn-lt"/>
                 <a:cs typeface="Arial"/>
               </a:rPr>
-              <a:t>for any a, b in R, such that a*b=x, one of them is a unit. In other words, it cannot be factored in 2 non-unit elements.</a:t>
-            </a:r>
-          </a:p>
-          <a:p>
+              <a:t>For any a, b in R, such that a*b=x, one of them is a unit. </a:t>
+            </a:r>
+          </a:p>
+          <a:p>
+            <a:pPr marL="457200" lvl="1" indent="0">
+              <a:buNone/>
+            </a:pPr>
             <a:r>
               <a:rPr lang="en-US" dirty="0">
                 <a:latin typeface="Arial"/>
                 <a:ea typeface="+mn-lt"/>
                 <a:cs typeface="Arial"/>
               </a:rPr>
-              <a:t>That’s the same as usual definition of primes in </a:t>
-            </a:r>
-            <a:r>
-              <a:rPr lang="en-US" i="1" dirty="0">
-                <a:latin typeface="Arial"/>
-                <a:ea typeface="+mn-lt"/>
-                <a:cs typeface="Arial"/>
-              </a:rPr>
-              <a:t>N.</a:t>
+              <a:t>=&gt;it cannot be factored in 2 non-unit elements.</a:t>
             </a:r>
             <a:br>
               <a:rPr lang="en-US" dirty="0">
@@ -11565,7 +12465,7 @@
         </p:spPr>
         <p:txBody>
           <a:bodyPr vert="horz" lIns="91440" tIns="45720" rIns="91440" bIns="45720" rtlCol="0" anchor="t">
-            <a:normAutofit lnSpcReduction="10000"/>
+            <a:normAutofit/>
           </a:bodyPr>
           <a:lstStyle/>
           <a:p>
@@ -11637,18 +12537,26 @@
               </a:rPr>
               <a:t> :=</a:t>
             </a:r>
-            <a:endParaRPr lang="en-US"/>
+            <a:endParaRPr lang="en-US" dirty="0"/>
           </a:p>
           <a:p>
             <a:pPr>
               <a:buNone/>
             </a:pPr>
             <a:r>
-              <a:rPr lang="en-US" err="1">
+              <a:rPr lang="en-US" dirty="0">
                 <a:latin typeface="Menlo"/>
                 <a:ea typeface="+mn-lt"/>
                 <a:cs typeface="Arial"/>
               </a:rPr>
+              <a:t>	</a:t>
+            </a:r>
+            <a:r>
+              <a:rPr lang="en-US" dirty="0" err="1">
+                <a:latin typeface="Menlo"/>
+                <a:ea typeface="+mn-lt"/>
+                <a:cs typeface="Arial"/>
+              </a:rPr>
               <a:t>IsNontrivial</a:t>
             </a:r>
             <a:r>
@@ -11657,9 +12565,22 @@
                 <a:ea typeface="+mn-lt"/>
                 <a:cs typeface="Arial"/>
               </a:rPr>
-              <a:t> x ∧ ∀ a b, </a:t>
-            </a:r>
-            <a:endParaRPr lang="en-US">
+              <a:t> x ∧ ∀ a b, </a:t>
+            </a:r>
+          </a:p>
+          <a:p>
+            <a:pPr>
+              <a:buNone/>
+            </a:pPr>
+            <a:r>
+              <a:rPr lang="en-US" dirty="0">
+                <a:latin typeface="Menlo"/>
+                <a:ea typeface="+mn-lt"/>
+                <a:cs typeface="Arial"/>
+              </a:rPr>
+              <a:t>	x = a * b → </a:t>
+            </a:r>
+            <a:endParaRPr lang="en-US" dirty="0">
               <a:latin typeface="Aptos" panose="02110004020202020204"/>
               <a:ea typeface="+mn-lt"/>
               <a:cs typeface="Arial"/>
@@ -11671,29 +12592,27 @@
             </a:pPr>
             <a:r>
               <a:rPr lang="en-US" dirty="0">
-                <a:latin typeface="Menlo"/>
+                <a:latin typeface="Aptos" panose="02110004020202020204"/>
                 <a:ea typeface="+mn-lt"/>
                 <a:cs typeface="Arial"/>
               </a:rPr>
-              <a:t>x = a * b → </a:t>
-            </a:r>
-            <a:endParaRPr lang="en-US">
-              <a:latin typeface="Aptos" panose="02110004020202020204"/>
-              <a:ea typeface="+mn-lt"/>
-              <a:cs typeface="Arial"/>
-            </a:endParaRPr>
-          </a:p>
-          <a:p>
-            <a:pPr>
-              <a:buNone/>
-            </a:pPr>
+              <a:t>	</a:t>
+            </a:r>
+            <a:r>
+              <a:rPr lang="en-US" dirty="0" err="1">
+                <a:latin typeface="Menlo"/>
+                <a:ea typeface="+mn-lt"/>
+                <a:cs typeface="Arial"/>
+              </a:rPr>
+              <a:t>IsUnit</a:t>
+            </a:r>
             <a:r>
               <a:rPr lang="en-US" dirty="0">
                 <a:latin typeface="Menlo"/>
                 <a:ea typeface="+mn-lt"/>
                 <a:cs typeface="Arial"/>
               </a:rPr>
-              <a:t> </a:t>
+              <a:t> a ∨ </a:t>
             </a:r>
             <a:r>
               <a:rPr lang="en-US" dirty="0" err="1">
@@ -11709,25 +12628,9 @@
                 <a:ea typeface="+mn-lt"/>
                 <a:cs typeface="Arial"/>
               </a:rPr>
-              <a:t> a ∨ </a:t>
-            </a:r>
-            <a:r>
-              <a:rPr lang="en-US" dirty="0" err="1">
-                <a:latin typeface="Menlo"/>
-                <a:ea typeface="+mn-lt"/>
-                <a:cs typeface="Arial"/>
-              </a:rPr>
-              <a:t>IsUnit</a:t>
-            </a:r>
-            <a:r>
-              <a:rPr lang="en-US" dirty="0">
-                <a:latin typeface="Menlo"/>
-                <a:ea typeface="+mn-lt"/>
-                <a:cs typeface="Arial"/>
-              </a:rPr>
               <a:t> b</a:t>
             </a:r>
-            <a:endParaRPr lang="en-US"/>
+            <a:endParaRPr lang="en-US" dirty="0"/>
           </a:p>
           <a:p>
             <a:pPr>
@@ -11935,6 +12838,10 @@
             </a:r>
           </a:p>
           <a:p>
+            <a:pPr marL="514350" indent="-514350">
+              <a:buFont typeface="+mj-lt"/>
+              <a:buAutoNum type="arabicPeriod"/>
+            </a:pPr>
             <a:r>
               <a:rPr lang="en-US" dirty="0">
                 <a:latin typeface="Arial"/>
@@ -11945,6 +12852,10 @@
             </a:r>
           </a:p>
           <a:p>
+            <a:pPr marL="514350" indent="-514350">
+              <a:buFont typeface="+mj-lt"/>
+              <a:buAutoNum type="arabicPeriod"/>
+            </a:pPr>
             <a:r>
               <a:rPr lang="en-US" dirty="0">
                 <a:latin typeface="Arial"/>
@@ -11955,7 +12866,7 @@
             </a:r>
           </a:p>
           <a:p>
-            <a:pPr marL="0" indent="0">
+            <a:pPr marL="457200" lvl="1" indent="0">
               <a:buNone/>
             </a:pPr>
             <a:r>
@@ -12005,63 +12916,6 @@
                 <a:cs typeface="+mn-lt"/>
               </a:rPr>
               <a:t>b.</a:t>
-            </a:r>
-          </a:p>
-          <a:p>
-            <a:r>
-              <a:rPr lang="en-US" dirty="0">
-                <a:latin typeface="Arial"/>
-                <a:ea typeface="+mn-lt"/>
-                <a:cs typeface="+mn-lt"/>
-              </a:rPr>
-              <a:t>For example in </a:t>
-            </a:r>
-            <a:r>
-              <a:rPr lang="en-US" i="1" dirty="0">
-                <a:latin typeface="Arial"/>
-                <a:ea typeface="+mn-lt"/>
-                <a:cs typeface="+mn-lt"/>
-              </a:rPr>
-              <a:t>N</a:t>
-            </a:r>
-            <a:r>
-              <a:rPr lang="en-US" dirty="0">
-                <a:latin typeface="Arial"/>
-                <a:ea typeface="+mn-lt"/>
-                <a:cs typeface="+mn-lt"/>
-              </a:rPr>
-              <a:t>, </a:t>
-            </a:r>
-          </a:p>
-          <a:p>
-            <a:pPr marL="0" indent="0">
-              <a:buNone/>
-            </a:pPr>
-            <a:r>
-              <a:rPr lang="en-US" dirty="0">
-                <a:latin typeface="Arial"/>
-                <a:ea typeface="+mn-lt"/>
-                <a:cs typeface="+mn-lt"/>
-              </a:rPr>
-              <a:t>5 | (15 * 3) </a:t>
-            </a:r>
-            <a:r>
-              <a:rPr lang="en-US" dirty="0">
-                <a:solidFill>
-                  <a:srgbClr val="000000"/>
-                </a:solidFill>
-                <a:latin typeface="Menlo"/>
-                <a:cs typeface="Arial"/>
-              </a:rPr>
-              <a:t>→</a:t>
-            </a:r>
-            <a:r>
-              <a:rPr lang="en-US" dirty="0">
-                <a:latin typeface="Arial"/>
-                <a:ea typeface="+mn-lt"/>
-                <a:cs typeface="+mn-lt"/>
-              </a:rPr>
-              <a:t> 5 | 15. </a:t>
             </a:r>
           </a:p>
         </p:txBody>

--- a/Lean/Projects/06. Divisibility in rings (Algebra 1)/powerpoint/Lean Präsentation version 08.07.pptx
+++ b/Lean/Projects/06. Divisibility in rings (Algebra 1)/powerpoint/Lean Präsentation version 08.07.pptx
@@ -143,9 +143,6 @@
             <p14:sldId id="262"/>
           </p14:sldIdLst>
         </p14:section>
-        <p14:section name="Lemmas" id="{338FB649-B29D-F541-9043-038533D60E00}">
-          <p14:sldIdLst/>
-        </p14:section>
         <p14:section name="Theorems" id="{F16D2749-6E56-0F4C-B04C-951E2D760C88}">
           <p14:sldIdLst>
             <p14:sldId id="277"/>
@@ -277,7 +274,7 @@
           <a:p>
             <a:fld id="{CC0DD35F-B965-47CE-BD4A-D89FF761F1A3}" type="datetimeFigureOut">
               <a:rPr lang="ru-RU" smtClean="0"/>
-              <a:t>19.07.2024</a:t>
+              <a:t>21.07.2024</a:t>
             </a:fld>
             <a:endParaRPr lang="ru-RU"/>
           </a:p>
@@ -694,7 +691,7 @@
           <a:p>
             <a:fld id="{A300FBE8-F5A7-4EBF-8377-F4F3D2E45B4D}" type="datetimeFigureOut">
               <a:rPr lang="ru-RU" smtClean="0"/>
-              <a:t>19.07.2024</a:t>
+              <a:t>21.07.2024</a:t>
             </a:fld>
             <a:endParaRPr lang="ru-RU"/>
           </a:p>
@@ -894,7 +891,7 @@
           <a:p>
             <a:fld id="{A300FBE8-F5A7-4EBF-8377-F4F3D2E45B4D}" type="datetimeFigureOut">
               <a:rPr lang="ru-RU" smtClean="0"/>
-              <a:t>19.07.2024</a:t>
+              <a:t>21.07.2024</a:t>
             </a:fld>
             <a:endParaRPr lang="ru-RU"/>
           </a:p>
@@ -1104,7 +1101,7 @@
           <a:p>
             <a:fld id="{A300FBE8-F5A7-4EBF-8377-F4F3D2E45B4D}" type="datetimeFigureOut">
               <a:rPr lang="ru-RU" smtClean="0"/>
-              <a:t>19.07.2024</a:t>
+              <a:t>21.07.2024</a:t>
             </a:fld>
             <a:endParaRPr lang="ru-RU"/>
           </a:p>
@@ -1304,7 +1301,7 @@
           <a:p>
             <a:fld id="{A300FBE8-F5A7-4EBF-8377-F4F3D2E45B4D}" type="datetimeFigureOut">
               <a:rPr lang="ru-RU" smtClean="0"/>
-              <a:t>19.07.2024</a:t>
+              <a:t>21.07.2024</a:t>
             </a:fld>
             <a:endParaRPr lang="ru-RU"/>
           </a:p>
@@ -1580,7 +1577,7 @@
           <a:p>
             <a:fld id="{A300FBE8-F5A7-4EBF-8377-F4F3D2E45B4D}" type="datetimeFigureOut">
               <a:rPr lang="ru-RU" smtClean="0"/>
-              <a:t>19.07.2024</a:t>
+              <a:t>21.07.2024</a:t>
             </a:fld>
             <a:endParaRPr lang="ru-RU"/>
           </a:p>
@@ -1848,7 +1845,7 @@
           <a:p>
             <a:fld id="{A300FBE8-F5A7-4EBF-8377-F4F3D2E45B4D}" type="datetimeFigureOut">
               <a:rPr lang="ru-RU" smtClean="0"/>
-              <a:t>19.07.2024</a:t>
+              <a:t>21.07.2024</a:t>
             </a:fld>
             <a:endParaRPr lang="ru-RU"/>
           </a:p>
@@ -2263,7 +2260,7 @@
           <a:p>
             <a:fld id="{A300FBE8-F5A7-4EBF-8377-F4F3D2E45B4D}" type="datetimeFigureOut">
               <a:rPr lang="ru-RU" smtClean="0"/>
-              <a:t>19.07.2024</a:t>
+              <a:t>21.07.2024</a:t>
             </a:fld>
             <a:endParaRPr lang="ru-RU"/>
           </a:p>
@@ -2405,7 +2402,7 @@
           <a:p>
             <a:fld id="{A300FBE8-F5A7-4EBF-8377-F4F3D2E45B4D}" type="datetimeFigureOut">
               <a:rPr lang="ru-RU" smtClean="0"/>
-              <a:t>19.07.2024</a:t>
+              <a:t>21.07.2024</a:t>
             </a:fld>
             <a:endParaRPr lang="ru-RU"/>
           </a:p>
@@ -2518,7 +2515,7 @@
           <a:p>
             <a:fld id="{A300FBE8-F5A7-4EBF-8377-F4F3D2E45B4D}" type="datetimeFigureOut">
               <a:rPr lang="ru-RU" smtClean="0"/>
-              <a:t>19.07.2024</a:t>
+              <a:t>21.07.2024</a:t>
             </a:fld>
             <a:endParaRPr lang="ru-RU"/>
           </a:p>
@@ -2831,7 +2828,7 @@
           <a:p>
             <a:fld id="{A300FBE8-F5A7-4EBF-8377-F4F3D2E45B4D}" type="datetimeFigureOut">
               <a:rPr lang="ru-RU" smtClean="0"/>
-              <a:t>19.07.2024</a:t>
+              <a:t>21.07.2024</a:t>
             </a:fld>
             <a:endParaRPr lang="ru-RU"/>
           </a:p>
@@ -3120,7 +3117,7 @@
           <a:p>
             <a:fld id="{A300FBE8-F5A7-4EBF-8377-F4F3D2E45B4D}" type="datetimeFigureOut">
               <a:rPr lang="ru-RU" smtClean="0"/>
-              <a:t>19.07.2024</a:t>
+              <a:t>21.07.2024</a:t>
             </a:fld>
             <a:endParaRPr lang="ru-RU"/>
           </a:p>
@@ -3363,7 +3360,7 @@
           <a:p>
             <a:fld id="{A300FBE8-F5A7-4EBF-8377-F4F3D2E45B4D}" type="datetimeFigureOut">
               <a:rPr lang="ru-RU" smtClean="0"/>
-              <a:t>19.07.2024</a:t>
+              <a:t>21.07.2024</a:t>
             </a:fld>
             <a:endParaRPr lang="ru-RU"/>
           </a:p>
